--- a/2016-12-07--Tischi--ASCB--ZEISS.pptx
+++ b/2016-12-07--Tischi--ASCB--ZEISS.pptx
@@ -5,7 +5,7 @@
     <p:sldMasterId id="2147483648" r:id="rId1"/>
   </p:sldMasterIdLst>
   <p:notesMasterIdLst>
-    <p:notesMasterId r:id="rId28"/>
+    <p:notesMasterId r:id="rId30"/>
   </p:notesMasterIdLst>
   <p:sldIdLst>
     <p:sldId id="257" r:id="rId2"/>
@@ -25,15 +25,17 @@
     <p:sldId id="280" r:id="rId16"/>
     <p:sldId id="285" r:id="rId17"/>
     <p:sldId id="265" r:id="rId18"/>
-    <p:sldId id="260" r:id="rId19"/>
-    <p:sldId id="268" r:id="rId20"/>
-    <p:sldId id="282" r:id="rId21"/>
+    <p:sldId id="289" r:id="rId19"/>
+    <p:sldId id="260" r:id="rId20"/>
+    <p:sldId id="290" r:id="rId21"/>
     <p:sldId id="275" r:id="rId22"/>
     <p:sldId id="278" r:id="rId23"/>
-    <p:sldId id="284" r:id="rId24"/>
-    <p:sldId id="279" r:id="rId25"/>
-    <p:sldId id="261" r:id="rId26"/>
-    <p:sldId id="276" r:id="rId27"/>
+    <p:sldId id="288" r:id="rId24"/>
+    <p:sldId id="286" r:id="rId25"/>
+    <p:sldId id="287" r:id="rId26"/>
+    <p:sldId id="279" r:id="rId27"/>
+    <p:sldId id="261" r:id="rId28"/>
+    <p:sldId id="276" r:id="rId29"/>
   </p:sldIdLst>
   <p:sldSz cx="9144000" cy="6858000" type="screen4x3"/>
   <p:notesSz cx="6858000" cy="9144000"/>
@@ -136,753 +138,6 @@
 </file>
 
 <file path=ppt/diagrams/colors1.xml><?xml version="1.0" encoding="utf-8"?>
-<dgm:colorsDef xmlns:dgm="http://schemas.openxmlformats.org/drawingml/2006/diagram" xmlns:a="http://schemas.openxmlformats.org/drawingml/2006/main" uniqueId="urn:microsoft.com/office/officeart/2005/8/colors/accent1_2">
-  <dgm:title val=""/>
-  <dgm:desc val=""/>
-  <dgm:catLst>
-    <dgm:cat type="accent1" pri="11200"/>
-  </dgm:catLst>
-  <dgm:styleLbl name="node0">
-    <dgm:fillClrLst meth="repeat">
-      <a:schemeClr val="accent1"/>
-    </dgm:fillClrLst>
-    <dgm:linClrLst meth="repeat">
-      <a:schemeClr val="lt1"/>
-    </dgm:linClrLst>
-    <dgm:effectClrLst/>
-    <dgm:txLinClrLst/>
-    <dgm:txFillClrLst/>
-    <dgm:txEffectClrLst/>
-  </dgm:styleLbl>
-  <dgm:styleLbl name="alignNode1">
-    <dgm:fillClrLst meth="repeat">
-      <a:schemeClr val="accent1"/>
-    </dgm:fillClrLst>
-    <dgm:linClrLst meth="repeat">
-      <a:schemeClr val="accent1"/>
-    </dgm:linClrLst>
-    <dgm:effectClrLst/>
-    <dgm:txLinClrLst/>
-    <dgm:txFillClrLst/>
-    <dgm:txEffectClrLst/>
-  </dgm:styleLbl>
-  <dgm:styleLbl name="node1">
-    <dgm:fillClrLst meth="repeat">
-      <a:schemeClr val="accent1"/>
-    </dgm:fillClrLst>
-    <dgm:linClrLst meth="repeat">
-      <a:schemeClr val="lt1"/>
-    </dgm:linClrLst>
-    <dgm:effectClrLst/>
-    <dgm:txLinClrLst/>
-    <dgm:txFillClrLst/>
-    <dgm:txEffectClrLst/>
-  </dgm:styleLbl>
-  <dgm:styleLbl name="lnNode1">
-    <dgm:fillClrLst meth="repeat">
-      <a:schemeClr val="accent1"/>
-    </dgm:fillClrLst>
-    <dgm:linClrLst meth="repeat">
-      <a:schemeClr val="lt1"/>
-    </dgm:linClrLst>
-    <dgm:effectClrLst/>
-    <dgm:txLinClrLst/>
-    <dgm:txFillClrLst/>
-    <dgm:txEffectClrLst/>
-  </dgm:styleLbl>
-  <dgm:styleLbl name="vennNode1">
-    <dgm:fillClrLst meth="repeat">
-      <a:schemeClr val="accent1">
-        <a:alpha val="50000"/>
-      </a:schemeClr>
-    </dgm:fillClrLst>
-    <dgm:linClrLst meth="repeat">
-      <a:schemeClr val="lt1"/>
-    </dgm:linClrLst>
-    <dgm:effectClrLst/>
-    <dgm:txLinClrLst/>
-    <dgm:txFillClrLst/>
-    <dgm:txEffectClrLst/>
-  </dgm:styleLbl>
-  <dgm:styleLbl name="node2">
-    <dgm:fillClrLst meth="repeat">
-      <a:schemeClr val="accent1"/>
-    </dgm:fillClrLst>
-    <dgm:linClrLst meth="repeat">
-      <a:schemeClr val="lt1"/>
-    </dgm:linClrLst>
-    <dgm:effectClrLst/>
-    <dgm:txLinClrLst/>
-    <dgm:txFillClrLst/>
-    <dgm:txEffectClrLst/>
-  </dgm:styleLbl>
-  <dgm:styleLbl name="node3">
-    <dgm:fillClrLst meth="repeat">
-      <a:schemeClr val="accent1"/>
-    </dgm:fillClrLst>
-    <dgm:linClrLst meth="repeat">
-      <a:schemeClr val="lt1"/>
-    </dgm:linClrLst>
-    <dgm:effectClrLst/>
-    <dgm:txLinClrLst/>
-    <dgm:txFillClrLst/>
-    <dgm:txEffectClrLst/>
-  </dgm:styleLbl>
-  <dgm:styleLbl name="node4">
-    <dgm:fillClrLst meth="repeat">
-      <a:schemeClr val="accent1"/>
-    </dgm:fillClrLst>
-    <dgm:linClrLst meth="repeat">
-      <a:schemeClr val="lt1"/>
-    </dgm:linClrLst>
-    <dgm:effectClrLst/>
-    <dgm:txLinClrLst/>
-    <dgm:txFillClrLst/>
-    <dgm:txEffectClrLst/>
-  </dgm:styleLbl>
-  <dgm:styleLbl name="fgImgPlace1">
-    <dgm:fillClrLst meth="repeat">
-      <a:schemeClr val="accent1">
-        <a:tint val="50000"/>
-      </a:schemeClr>
-    </dgm:fillClrLst>
-    <dgm:linClrLst meth="repeat">
-      <a:schemeClr val="lt1"/>
-    </dgm:linClrLst>
-    <dgm:effectClrLst/>
-    <dgm:txLinClrLst/>
-    <dgm:txFillClrLst meth="repeat">
-      <a:schemeClr val="lt1"/>
-    </dgm:txFillClrLst>
-    <dgm:txEffectClrLst/>
-  </dgm:styleLbl>
-  <dgm:styleLbl name="alignImgPlace1">
-    <dgm:fillClrLst meth="repeat">
-      <a:schemeClr val="accent1">
-        <a:tint val="50000"/>
-      </a:schemeClr>
-    </dgm:fillClrLst>
-    <dgm:linClrLst meth="repeat">
-      <a:schemeClr val="lt1"/>
-    </dgm:linClrLst>
-    <dgm:effectClrLst/>
-    <dgm:txLinClrLst/>
-    <dgm:txFillClrLst meth="repeat">
-      <a:schemeClr val="lt1"/>
-    </dgm:txFillClrLst>
-    <dgm:txEffectClrLst/>
-  </dgm:styleLbl>
-  <dgm:styleLbl name="bgImgPlace1">
-    <dgm:fillClrLst meth="repeat">
-      <a:schemeClr val="accent1">
-        <a:tint val="50000"/>
-      </a:schemeClr>
-    </dgm:fillClrLst>
-    <dgm:linClrLst meth="repeat">
-      <a:schemeClr val="lt1"/>
-    </dgm:linClrLst>
-    <dgm:effectClrLst/>
-    <dgm:txLinClrLst/>
-    <dgm:txFillClrLst meth="repeat">
-      <a:schemeClr val="lt1"/>
-    </dgm:txFillClrLst>
-    <dgm:txEffectClrLst/>
-  </dgm:styleLbl>
-  <dgm:styleLbl name="sibTrans2D1">
-    <dgm:fillClrLst meth="repeat">
-      <a:schemeClr val="accent1">
-        <a:tint val="60000"/>
-      </a:schemeClr>
-    </dgm:fillClrLst>
-    <dgm:linClrLst meth="repeat">
-      <a:schemeClr val="accent1">
-        <a:tint val="60000"/>
-      </a:schemeClr>
-    </dgm:linClrLst>
-    <dgm:effectClrLst/>
-    <dgm:txLinClrLst/>
-    <dgm:txFillClrLst/>
-    <dgm:txEffectClrLst/>
-  </dgm:styleLbl>
-  <dgm:styleLbl name="fgSibTrans2D1">
-    <dgm:fillClrLst meth="repeat">
-      <a:schemeClr val="accent1">
-        <a:tint val="60000"/>
-      </a:schemeClr>
-    </dgm:fillClrLst>
-    <dgm:linClrLst meth="repeat">
-      <a:schemeClr val="accent1">
-        <a:tint val="60000"/>
-      </a:schemeClr>
-    </dgm:linClrLst>
-    <dgm:effectClrLst/>
-    <dgm:txLinClrLst/>
-    <dgm:txFillClrLst/>
-    <dgm:txEffectClrLst/>
-  </dgm:styleLbl>
-  <dgm:styleLbl name="bgSibTrans2D1">
-    <dgm:fillClrLst meth="repeat">
-      <a:schemeClr val="accent1">
-        <a:tint val="60000"/>
-      </a:schemeClr>
-    </dgm:fillClrLst>
-    <dgm:linClrLst meth="repeat">
-      <a:schemeClr val="accent1">
-        <a:tint val="60000"/>
-      </a:schemeClr>
-    </dgm:linClrLst>
-    <dgm:effectClrLst/>
-    <dgm:txLinClrLst/>
-    <dgm:txFillClrLst/>
-    <dgm:txEffectClrLst/>
-  </dgm:styleLbl>
-  <dgm:styleLbl name="sibTrans1D1">
-    <dgm:fillClrLst meth="repeat">
-      <a:schemeClr val="accent1"/>
-    </dgm:fillClrLst>
-    <dgm:linClrLst meth="repeat">
-      <a:schemeClr val="accent1"/>
-    </dgm:linClrLst>
-    <dgm:effectClrLst/>
-    <dgm:txLinClrLst/>
-    <dgm:txFillClrLst meth="repeat">
-      <a:schemeClr val="tx1"/>
-    </dgm:txFillClrLst>
-    <dgm:txEffectClrLst/>
-  </dgm:styleLbl>
-  <dgm:styleLbl name="callout">
-    <dgm:fillClrLst meth="repeat">
-      <a:schemeClr val="accent1"/>
-    </dgm:fillClrLst>
-    <dgm:linClrLst meth="repeat">
-      <a:schemeClr val="accent1">
-        <a:tint val="50000"/>
-      </a:schemeClr>
-    </dgm:linClrLst>
-    <dgm:effectClrLst/>
-    <dgm:txLinClrLst/>
-    <dgm:txFillClrLst meth="repeat">
-      <a:schemeClr val="tx1"/>
-    </dgm:txFillClrLst>
-    <dgm:txEffectClrLst/>
-  </dgm:styleLbl>
-  <dgm:styleLbl name="asst0">
-    <dgm:fillClrLst meth="repeat">
-      <a:schemeClr val="accent1"/>
-    </dgm:fillClrLst>
-    <dgm:linClrLst meth="repeat">
-      <a:schemeClr val="lt1"/>
-    </dgm:linClrLst>
-    <dgm:effectClrLst/>
-    <dgm:txLinClrLst/>
-    <dgm:txFillClrLst/>
-    <dgm:txEffectClrLst/>
-  </dgm:styleLbl>
-  <dgm:styleLbl name="asst1">
-    <dgm:fillClrLst meth="repeat">
-      <a:schemeClr val="accent1"/>
-    </dgm:fillClrLst>
-    <dgm:linClrLst meth="repeat">
-      <a:schemeClr val="lt1"/>
-    </dgm:linClrLst>
-    <dgm:effectClrLst/>
-    <dgm:txLinClrLst/>
-    <dgm:txFillClrLst/>
-    <dgm:txEffectClrLst/>
-  </dgm:styleLbl>
-  <dgm:styleLbl name="asst2">
-    <dgm:fillClrLst meth="repeat">
-      <a:schemeClr val="accent1"/>
-    </dgm:fillClrLst>
-    <dgm:linClrLst meth="repeat">
-      <a:schemeClr val="lt1"/>
-    </dgm:linClrLst>
-    <dgm:effectClrLst/>
-    <dgm:txLinClrLst/>
-    <dgm:txFillClrLst/>
-    <dgm:txEffectClrLst/>
-  </dgm:styleLbl>
-  <dgm:styleLbl name="asst3">
-    <dgm:fillClrLst meth="repeat">
-      <a:schemeClr val="accent1"/>
-    </dgm:fillClrLst>
-    <dgm:linClrLst meth="repeat">
-      <a:schemeClr val="lt1"/>
-    </dgm:linClrLst>
-    <dgm:effectClrLst/>
-    <dgm:txLinClrLst/>
-    <dgm:txFillClrLst/>
-    <dgm:txEffectClrLst/>
-  </dgm:styleLbl>
-  <dgm:styleLbl name="asst4">
-    <dgm:fillClrLst meth="repeat">
-      <a:schemeClr val="accent1"/>
-    </dgm:fillClrLst>
-    <dgm:linClrLst meth="repeat">
-      <a:schemeClr val="lt1"/>
-    </dgm:linClrLst>
-    <dgm:effectClrLst/>
-    <dgm:txLinClrLst/>
-    <dgm:txFillClrLst/>
-    <dgm:txEffectClrLst/>
-  </dgm:styleLbl>
-  <dgm:styleLbl name="parChTrans2D1">
-    <dgm:fillClrLst meth="repeat">
-      <a:schemeClr val="accent1">
-        <a:tint val="60000"/>
-      </a:schemeClr>
-    </dgm:fillClrLst>
-    <dgm:linClrLst meth="repeat">
-      <a:schemeClr val="accent1">
-        <a:tint val="60000"/>
-      </a:schemeClr>
-    </dgm:linClrLst>
-    <dgm:effectClrLst/>
-    <dgm:txLinClrLst/>
-    <dgm:txFillClrLst meth="repeat">
-      <a:schemeClr val="lt1"/>
-    </dgm:txFillClrLst>
-    <dgm:txEffectClrLst/>
-  </dgm:styleLbl>
-  <dgm:styleLbl name="parChTrans2D2">
-    <dgm:fillClrLst meth="repeat">
-      <a:schemeClr val="accent1"/>
-    </dgm:fillClrLst>
-    <dgm:linClrLst meth="repeat">
-      <a:schemeClr val="accent1"/>
-    </dgm:linClrLst>
-    <dgm:effectClrLst/>
-    <dgm:txLinClrLst/>
-    <dgm:txFillClrLst meth="repeat">
-      <a:schemeClr val="lt1"/>
-    </dgm:txFillClrLst>
-    <dgm:txEffectClrLst/>
-  </dgm:styleLbl>
-  <dgm:styleLbl name="parChTrans2D3">
-    <dgm:fillClrLst meth="repeat">
-      <a:schemeClr val="accent1"/>
-    </dgm:fillClrLst>
-    <dgm:linClrLst meth="repeat">
-      <a:schemeClr val="accent1"/>
-    </dgm:linClrLst>
-    <dgm:effectClrLst/>
-    <dgm:txLinClrLst/>
-    <dgm:txFillClrLst meth="repeat">
-      <a:schemeClr val="lt1"/>
-    </dgm:txFillClrLst>
-    <dgm:txEffectClrLst/>
-  </dgm:styleLbl>
-  <dgm:styleLbl name="parChTrans2D4">
-    <dgm:fillClrLst meth="repeat">
-      <a:schemeClr val="accent1"/>
-    </dgm:fillClrLst>
-    <dgm:linClrLst meth="repeat">
-      <a:schemeClr val="accent1"/>
-    </dgm:linClrLst>
-    <dgm:effectClrLst/>
-    <dgm:txLinClrLst/>
-    <dgm:txFillClrLst meth="repeat">
-      <a:schemeClr val="lt1"/>
-    </dgm:txFillClrLst>
-    <dgm:txEffectClrLst/>
-  </dgm:styleLbl>
-  <dgm:styleLbl name="parChTrans1D1">
-    <dgm:fillClrLst meth="repeat">
-      <a:schemeClr val="accent1"/>
-    </dgm:fillClrLst>
-    <dgm:linClrLst meth="repeat">
-      <a:schemeClr val="accent1">
-        <a:shade val="60000"/>
-      </a:schemeClr>
-    </dgm:linClrLst>
-    <dgm:effectClrLst/>
-    <dgm:txLinClrLst/>
-    <dgm:txFillClrLst meth="repeat">
-      <a:schemeClr val="tx1"/>
-    </dgm:txFillClrLst>
-    <dgm:txEffectClrLst/>
-  </dgm:styleLbl>
-  <dgm:styleLbl name="parChTrans1D2">
-    <dgm:fillClrLst meth="repeat">
-      <a:schemeClr val="accent1"/>
-    </dgm:fillClrLst>
-    <dgm:linClrLst meth="repeat">
-      <a:schemeClr val="accent1">
-        <a:shade val="60000"/>
-      </a:schemeClr>
-    </dgm:linClrLst>
-    <dgm:effectClrLst/>
-    <dgm:txLinClrLst/>
-    <dgm:txFillClrLst meth="repeat">
-      <a:schemeClr val="tx1"/>
-    </dgm:txFillClrLst>
-    <dgm:txEffectClrLst/>
-  </dgm:styleLbl>
-  <dgm:styleLbl name="parChTrans1D3">
-    <dgm:fillClrLst meth="repeat">
-      <a:schemeClr val="accent1"/>
-    </dgm:fillClrLst>
-    <dgm:linClrLst meth="repeat">
-      <a:schemeClr val="accent1">
-        <a:shade val="80000"/>
-      </a:schemeClr>
-    </dgm:linClrLst>
-    <dgm:effectClrLst/>
-    <dgm:txLinClrLst/>
-    <dgm:txFillClrLst meth="repeat">
-      <a:schemeClr val="tx1"/>
-    </dgm:txFillClrLst>
-    <dgm:txEffectClrLst/>
-  </dgm:styleLbl>
-  <dgm:styleLbl name="parChTrans1D4">
-    <dgm:fillClrLst meth="repeat">
-      <a:schemeClr val="accent1"/>
-    </dgm:fillClrLst>
-    <dgm:linClrLst meth="repeat">
-      <a:schemeClr val="accent1">
-        <a:shade val="80000"/>
-      </a:schemeClr>
-    </dgm:linClrLst>
-    <dgm:effectClrLst/>
-    <dgm:txLinClrLst/>
-    <dgm:txFillClrLst meth="repeat">
-      <a:schemeClr val="tx1"/>
-    </dgm:txFillClrLst>
-    <dgm:txEffectClrLst/>
-  </dgm:styleLbl>
-  <dgm:styleLbl name="fgAcc1">
-    <dgm:fillClrLst meth="repeat">
-      <a:schemeClr val="lt1">
-        <a:alpha val="90000"/>
-      </a:schemeClr>
-    </dgm:fillClrLst>
-    <dgm:linClrLst meth="repeat">
-      <a:schemeClr val="accent1"/>
-    </dgm:linClrLst>
-    <dgm:effectClrLst/>
-    <dgm:txLinClrLst/>
-    <dgm:txFillClrLst meth="repeat">
-      <a:schemeClr val="dk1"/>
-    </dgm:txFillClrLst>
-    <dgm:txEffectClrLst/>
-  </dgm:styleLbl>
-  <dgm:styleLbl name="conFgAcc1">
-    <dgm:fillClrLst meth="repeat">
-      <a:schemeClr val="lt1">
-        <a:alpha val="90000"/>
-      </a:schemeClr>
-    </dgm:fillClrLst>
-    <dgm:linClrLst meth="repeat">
-      <a:schemeClr val="accent1"/>
-    </dgm:linClrLst>
-    <dgm:effectClrLst/>
-    <dgm:txLinClrLst/>
-    <dgm:txFillClrLst meth="repeat">
-      <a:schemeClr val="dk1"/>
-    </dgm:txFillClrLst>
-    <dgm:txEffectClrLst/>
-  </dgm:styleLbl>
-  <dgm:styleLbl name="alignAcc1">
-    <dgm:fillClrLst meth="repeat">
-      <a:schemeClr val="lt1">
-        <a:alpha val="90000"/>
-      </a:schemeClr>
-    </dgm:fillClrLst>
-    <dgm:linClrLst meth="repeat">
-      <a:schemeClr val="accent1"/>
-    </dgm:linClrLst>
-    <dgm:effectClrLst/>
-    <dgm:txLinClrLst/>
-    <dgm:txFillClrLst meth="repeat">
-      <a:schemeClr val="dk1"/>
-    </dgm:txFillClrLst>
-    <dgm:txEffectClrLst/>
-  </dgm:styleLbl>
-  <dgm:styleLbl name="trAlignAcc1">
-    <dgm:fillClrLst meth="repeat">
-      <a:schemeClr val="lt1">
-        <a:alpha val="40000"/>
-      </a:schemeClr>
-    </dgm:fillClrLst>
-    <dgm:linClrLst meth="repeat">
-      <a:schemeClr val="accent1"/>
-    </dgm:linClrLst>
-    <dgm:effectClrLst/>
-    <dgm:txLinClrLst/>
-    <dgm:txFillClrLst meth="repeat">
-      <a:schemeClr val="dk1"/>
-    </dgm:txFillClrLst>
-    <dgm:txEffectClrLst/>
-  </dgm:styleLbl>
-  <dgm:styleLbl name="bgAcc1">
-    <dgm:fillClrLst meth="repeat">
-      <a:schemeClr val="lt1">
-        <a:alpha val="90000"/>
-      </a:schemeClr>
-    </dgm:fillClrLst>
-    <dgm:linClrLst meth="repeat">
-      <a:schemeClr val="accent1"/>
-    </dgm:linClrLst>
-    <dgm:effectClrLst/>
-    <dgm:txLinClrLst/>
-    <dgm:txFillClrLst meth="repeat">
-      <a:schemeClr val="dk1"/>
-    </dgm:txFillClrLst>
-    <dgm:txEffectClrLst/>
-  </dgm:styleLbl>
-  <dgm:styleLbl name="solidFgAcc1">
-    <dgm:fillClrLst meth="repeat">
-      <a:schemeClr val="lt1"/>
-    </dgm:fillClrLst>
-    <dgm:linClrLst meth="repeat">
-      <a:schemeClr val="accent1"/>
-    </dgm:linClrLst>
-    <dgm:effectClrLst/>
-    <dgm:txLinClrLst/>
-    <dgm:txFillClrLst meth="repeat">
-      <a:schemeClr val="dk1"/>
-    </dgm:txFillClrLst>
-    <dgm:txEffectClrLst/>
-  </dgm:styleLbl>
-  <dgm:styleLbl name="solidAlignAcc1">
-    <dgm:fillClrLst meth="repeat">
-      <a:schemeClr val="lt1"/>
-    </dgm:fillClrLst>
-    <dgm:linClrLst meth="repeat">
-      <a:schemeClr val="accent1"/>
-    </dgm:linClrLst>
-    <dgm:effectClrLst/>
-    <dgm:txLinClrLst/>
-    <dgm:txFillClrLst meth="repeat">
-      <a:schemeClr val="dk1"/>
-    </dgm:txFillClrLst>
-    <dgm:txEffectClrLst/>
-  </dgm:styleLbl>
-  <dgm:styleLbl name="solidBgAcc1">
-    <dgm:fillClrLst meth="repeat">
-      <a:schemeClr val="lt1"/>
-    </dgm:fillClrLst>
-    <dgm:linClrLst meth="repeat">
-      <a:schemeClr val="accent1"/>
-    </dgm:linClrLst>
-    <dgm:effectClrLst/>
-    <dgm:txLinClrLst/>
-    <dgm:txFillClrLst meth="repeat">
-      <a:schemeClr val="dk1"/>
-    </dgm:txFillClrLst>
-    <dgm:txEffectClrLst/>
-  </dgm:styleLbl>
-  <dgm:styleLbl name="fgAccFollowNode1">
-    <dgm:fillClrLst meth="repeat">
-      <a:schemeClr val="accent1">
-        <a:alpha val="90000"/>
-        <a:tint val="40000"/>
-      </a:schemeClr>
-    </dgm:fillClrLst>
-    <dgm:linClrLst meth="repeat">
-      <a:schemeClr val="accent1">
-        <a:alpha val="90000"/>
-        <a:tint val="40000"/>
-      </a:schemeClr>
-    </dgm:linClrLst>
-    <dgm:effectClrLst/>
-    <dgm:txLinClrLst/>
-    <dgm:txFillClrLst meth="repeat">
-      <a:schemeClr val="dk1"/>
-    </dgm:txFillClrLst>
-    <dgm:txEffectClrLst/>
-  </dgm:styleLbl>
-  <dgm:styleLbl name="alignAccFollowNode1">
-    <dgm:fillClrLst meth="repeat">
-      <a:schemeClr val="accent1">
-        <a:alpha val="90000"/>
-        <a:tint val="40000"/>
-      </a:schemeClr>
-    </dgm:fillClrLst>
-    <dgm:linClrLst meth="repeat">
-      <a:schemeClr val="accent1">
-        <a:alpha val="90000"/>
-        <a:tint val="40000"/>
-      </a:schemeClr>
-    </dgm:linClrLst>
-    <dgm:effectClrLst/>
-    <dgm:txLinClrLst/>
-    <dgm:txFillClrLst meth="repeat">
-      <a:schemeClr val="dk1"/>
-    </dgm:txFillClrLst>
-    <dgm:txEffectClrLst/>
-  </dgm:styleLbl>
-  <dgm:styleLbl name="bgAccFollowNode1">
-    <dgm:fillClrLst meth="repeat">
-      <a:schemeClr val="accent1">
-        <a:alpha val="90000"/>
-        <a:tint val="40000"/>
-      </a:schemeClr>
-    </dgm:fillClrLst>
-    <dgm:linClrLst meth="repeat">
-      <a:schemeClr val="accent1">
-        <a:alpha val="90000"/>
-        <a:tint val="40000"/>
-      </a:schemeClr>
-    </dgm:linClrLst>
-    <dgm:effectClrLst/>
-    <dgm:txLinClrLst/>
-    <dgm:txFillClrLst meth="repeat">
-      <a:schemeClr val="dk1"/>
-    </dgm:txFillClrLst>
-    <dgm:txEffectClrLst/>
-  </dgm:styleLbl>
-  <dgm:styleLbl name="fgAcc0">
-    <dgm:fillClrLst meth="repeat">
-      <a:schemeClr val="lt1">
-        <a:alpha val="90000"/>
-      </a:schemeClr>
-    </dgm:fillClrLst>
-    <dgm:linClrLst meth="repeat">
-      <a:schemeClr val="accent1"/>
-    </dgm:linClrLst>
-    <dgm:effectClrLst/>
-    <dgm:txLinClrLst/>
-    <dgm:txFillClrLst meth="repeat">
-      <a:schemeClr val="dk1"/>
-    </dgm:txFillClrLst>
-    <dgm:txEffectClrLst/>
-  </dgm:styleLbl>
-  <dgm:styleLbl name="fgAcc2">
-    <dgm:fillClrLst meth="repeat">
-      <a:schemeClr val="lt1">
-        <a:alpha val="90000"/>
-      </a:schemeClr>
-    </dgm:fillClrLst>
-    <dgm:linClrLst meth="repeat">
-      <a:schemeClr val="accent1"/>
-    </dgm:linClrLst>
-    <dgm:effectClrLst/>
-    <dgm:txLinClrLst/>
-    <dgm:txFillClrLst meth="repeat">
-      <a:schemeClr val="dk1"/>
-    </dgm:txFillClrLst>
-    <dgm:txEffectClrLst/>
-  </dgm:styleLbl>
-  <dgm:styleLbl name="fgAcc3">
-    <dgm:fillClrLst meth="repeat">
-      <a:schemeClr val="lt1">
-        <a:alpha val="90000"/>
-      </a:schemeClr>
-    </dgm:fillClrLst>
-    <dgm:linClrLst meth="repeat">
-      <a:schemeClr val="accent1"/>
-    </dgm:linClrLst>
-    <dgm:effectClrLst/>
-    <dgm:txLinClrLst/>
-    <dgm:txFillClrLst meth="repeat">
-      <a:schemeClr val="dk1"/>
-    </dgm:txFillClrLst>
-    <dgm:txEffectClrLst/>
-  </dgm:styleLbl>
-  <dgm:styleLbl name="fgAcc4">
-    <dgm:fillClrLst meth="repeat">
-      <a:schemeClr val="lt1">
-        <a:alpha val="90000"/>
-      </a:schemeClr>
-    </dgm:fillClrLst>
-    <dgm:linClrLst meth="repeat">
-      <a:schemeClr val="accent1"/>
-    </dgm:linClrLst>
-    <dgm:effectClrLst/>
-    <dgm:txLinClrLst/>
-    <dgm:txFillClrLst meth="repeat">
-      <a:schemeClr val="dk1"/>
-    </dgm:txFillClrLst>
-    <dgm:txEffectClrLst/>
-  </dgm:styleLbl>
-  <dgm:styleLbl name="bgShp">
-    <dgm:fillClrLst meth="repeat">
-      <a:schemeClr val="accent1">
-        <a:tint val="40000"/>
-      </a:schemeClr>
-    </dgm:fillClrLst>
-    <dgm:linClrLst meth="repeat">
-      <a:schemeClr val="accent1"/>
-    </dgm:linClrLst>
-    <dgm:effectClrLst/>
-    <dgm:txLinClrLst/>
-    <dgm:txFillClrLst meth="repeat">
-      <a:schemeClr val="dk1"/>
-    </dgm:txFillClrLst>
-    <dgm:txEffectClrLst/>
-  </dgm:styleLbl>
-  <dgm:styleLbl name="dkBgShp">
-    <dgm:fillClrLst meth="repeat">
-      <a:schemeClr val="accent1">
-        <a:shade val="80000"/>
-      </a:schemeClr>
-    </dgm:fillClrLst>
-    <dgm:linClrLst meth="repeat">
-      <a:schemeClr val="accent1"/>
-    </dgm:linClrLst>
-    <dgm:effectClrLst/>
-    <dgm:txLinClrLst/>
-    <dgm:txFillClrLst meth="repeat">
-      <a:schemeClr val="lt1"/>
-    </dgm:txFillClrLst>
-    <dgm:txEffectClrLst/>
-  </dgm:styleLbl>
-  <dgm:styleLbl name="trBgShp">
-    <dgm:fillClrLst meth="repeat">
-      <a:schemeClr val="accent1">
-        <a:tint val="50000"/>
-        <a:alpha val="40000"/>
-      </a:schemeClr>
-    </dgm:fillClrLst>
-    <dgm:linClrLst meth="repeat">
-      <a:schemeClr val="accent1"/>
-    </dgm:linClrLst>
-    <dgm:effectClrLst/>
-    <dgm:txLinClrLst/>
-    <dgm:txFillClrLst meth="repeat">
-      <a:schemeClr val="lt1"/>
-    </dgm:txFillClrLst>
-    <dgm:txEffectClrLst/>
-  </dgm:styleLbl>
-  <dgm:styleLbl name="fgShp">
-    <dgm:fillClrLst meth="repeat">
-      <a:schemeClr val="accent1">
-        <a:tint val="60000"/>
-      </a:schemeClr>
-    </dgm:fillClrLst>
-    <dgm:linClrLst meth="repeat">
-      <a:schemeClr val="lt1"/>
-    </dgm:linClrLst>
-    <dgm:effectClrLst/>
-    <dgm:txLinClrLst/>
-    <dgm:txFillClrLst meth="repeat">
-      <a:schemeClr val="dk1"/>
-    </dgm:txFillClrLst>
-    <dgm:txEffectClrLst/>
-  </dgm:styleLbl>
-  <dgm:styleLbl name="revTx">
-    <dgm:fillClrLst meth="repeat">
-      <a:schemeClr val="lt1">
-        <a:alpha val="0"/>
-      </a:schemeClr>
-    </dgm:fillClrLst>
-    <dgm:linClrLst meth="repeat">
-      <a:schemeClr val="dk1">
-        <a:alpha val="0"/>
-      </a:schemeClr>
-    </dgm:linClrLst>
-    <dgm:effectClrLst/>
-    <dgm:txLinClrLst/>
-    <dgm:txFillClrLst meth="repeat">
-      <a:schemeClr val="tx1"/>
-    </dgm:txFillClrLst>
-    <dgm:txEffectClrLst/>
-  </dgm:styleLbl>
-</dgm:colorsDef>
-</file>
-
-<file path=ppt/diagrams/colors2.xml><?xml version="1.0" encoding="utf-8"?>
 <dgm:colorsDef xmlns:dgm="http://schemas.openxmlformats.org/drawingml/2006/diagram" xmlns:a="http://schemas.openxmlformats.org/drawingml/2006/main" uniqueId="urn:microsoft.com/office/officeart/2005/8/colors/accent1_2">
   <dgm:title val=""/>
   <dgm:desc val=""/>
@@ -2005,498 +1260,6 @@
 </dgm:dataModel>
 </file>
 
-<file path=ppt/diagrams/data2.xml><?xml version="1.0" encoding="utf-8"?>
-<dgm:dataModel xmlns:dgm="http://schemas.openxmlformats.org/drawingml/2006/diagram" xmlns:a="http://schemas.openxmlformats.org/drawingml/2006/main">
-  <dgm:ptLst>
-    <dgm:pt modelId="{500C90D1-DED0-944B-B1FD-8C9FDD4615BE}" type="doc">
-      <dgm:prSet loTypeId="urn:microsoft.com/office/officeart/2005/8/layout/cycle5" loCatId="" qsTypeId="urn:microsoft.com/office/officeart/2005/8/quickstyle/simple1" qsCatId="simple" csTypeId="urn:microsoft.com/office/officeart/2005/8/colors/accent1_2" csCatId="accent1" phldr="1"/>
-      <dgm:spPr/>
-      <dgm:t>
-        <a:bodyPr/>
-        <a:lstStyle/>
-        <a:p>
-          <a:endParaRPr lang="en-US"/>
-        </a:p>
-      </dgm:t>
-    </dgm:pt>
-    <dgm:pt modelId="{A0B3B6FF-63E4-544B-9716-EC85F6F58D0F}">
-      <dgm:prSet phldrT="[Text]" custT="1"/>
-      <dgm:spPr>
-        <a:solidFill>
-          <a:schemeClr val="accent3">
-            <a:lumMod val="40000"/>
-            <a:lumOff val="60000"/>
-          </a:schemeClr>
-        </a:solidFill>
-      </dgm:spPr>
-      <dgm:t>
-        <a:bodyPr/>
-        <a:lstStyle/>
-        <a:p>
-          <a:r>
-            <a:rPr lang="en-US" sz="1400" b="1" u="none" dirty="0" smtClean="0">
-              <a:solidFill>
-                <a:schemeClr val="tx1"/>
-              </a:solidFill>
-            </a:rPr>
-            <a:t>Online image analysis</a:t>
-          </a:r>
-        </a:p>
-        <a:p>
-          <a:r>
-            <a:rPr lang="en-US" sz="1400" b="0" u="none" dirty="0" err="1" smtClean="0">
-              <a:solidFill>
-                <a:schemeClr val="tx1"/>
-              </a:solidFill>
-            </a:rPr>
-            <a:t>CellProfiler</a:t>
-          </a:r>
-          <a:r>
-            <a:rPr lang="en-US" sz="1400" b="0" u="none" dirty="0" smtClean="0">
-              <a:solidFill>
-                <a:schemeClr val="tx1"/>
-              </a:solidFill>
-            </a:rPr>
-            <a:t>, ImageJ, …</a:t>
-          </a:r>
-        </a:p>
-      </dgm:t>
-    </dgm:pt>
-    <dgm:pt modelId="{A6453D62-1AAF-5A4B-B0D3-AEBDC86E17F3}" type="parTrans" cxnId="{4DEA4743-37C4-A446-A345-D91E4953466A}">
-      <dgm:prSet/>
-      <dgm:spPr/>
-      <dgm:t>
-        <a:bodyPr/>
-        <a:lstStyle/>
-        <a:p>
-          <a:endParaRPr lang="en-US"/>
-        </a:p>
-      </dgm:t>
-    </dgm:pt>
-    <dgm:pt modelId="{C0F98EF1-552E-AA42-B0A3-DBA18B58102F}" type="sibTrans" cxnId="{4DEA4743-37C4-A446-A345-D91E4953466A}">
-      <dgm:prSet/>
-      <dgm:spPr/>
-      <dgm:t>
-        <a:bodyPr/>
-        <a:lstStyle/>
-        <a:p>
-          <a:endParaRPr lang="en-US"/>
-        </a:p>
-      </dgm:t>
-    </dgm:pt>
-    <dgm:pt modelId="{C4C1F312-30DA-474D-9969-84B3DF533E50}">
-      <dgm:prSet phldrT="[Text]" custT="1"/>
-      <dgm:spPr>
-        <a:solidFill>
-          <a:schemeClr val="accent1">
-            <a:lumMod val="40000"/>
-            <a:lumOff val="60000"/>
-          </a:schemeClr>
-        </a:solidFill>
-      </dgm:spPr>
-      <dgm:t>
-        <a:bodyPr/>
-        <a:lstStyle/>
-        <a:p>
-          <a:r>
-            <a:rPr lang="en-US" sz="1400" b="1" u="none" dirty="0" smtClean="0">
-              <a:solidFill>
-                <a:schemeClr val="tx1"/>
-              </a:solidFill>
-            </a:rPr>
-            <a:t>High content imaging</a:t>
-          </a:r>
-        </a:p>
-        <a:p>
-          <a:r>
-            <a:rPr lang="en-US" sz="1400" dirty="0" smtClean="0">
-              <a:solidFill>
-                <a:schemeClr val="tx1"/>
-              </a:solidFill>
-            </a:rPr>
-            <a:t>High-res. 3-D time-lapse, FRAP, FC(C)S</a:t>
-          </a:r>
-        </a:p>
-      </dgm:t>
-    </dgm:pt>
-    <dgm:pt modelId="{0C2AD0FC-8C38-4947-A4C0-0A45414AC832}" type="parTrans" cxnId="{03FB82BB-1C3A-3846-B15F-E3B1544E8F3B}">
-      <dgm:prSet/>
-      <dgm:spPr/>
-      <dgm:t>
-        <a:bodyPr/>
-        <a:lstStyle/>
-        <a:p>
-          <a:endParaRPr lang="en-US"/>
-        </a:p>
-      </dgm:t>
-    </dgm:pt>
-    <dgm:pt modelId="{1BDA24EF-1EED-7344-AC98-EA270CD2752E}" type="sibTrans" cxnId="{03FB82BB-1C3A-3846-B15F-E3B1544E8F3B}">
-      <dgm:prSet/>
-      <dgm:spPr/>
-      <dgm:t>
-        <a:bodyPr/>
-        <a:lstStyle/>
-        <a:p>
-          <a:endParaRPr lang="en-US"/>
-        </a:p>
-      </dgm:t>
-    </dgm:pt>
-    <dgm:pt modelId="{AADA0C8E-6071-6047-A4A1-B3F7DB9DE399}">
-      <dgm:prSet phldrT="[Text]" custT="1"/>
-      <dgm:spPr>
-        <a:solidFill>
-          <a:schemeClr val="accent1">
-            <a:lumMod val="40000"/>
-            <a:lumOff val="60000"/>
-          </a:schemeClr>
-        </a:solidFill>
-      </dgm:spPr>
-      <dgm:t>
-        <a:bodyPr/>
-        <a:lstStyle/>
-        <a:p>
-          <a:r>
-            <a:rPr lang="en-US" sz="1400" dirty="0" smtClean="0">
-              <a:solidFill>
-                <a:schemeClr val="tx1"/>
-              </a:solidFill>
-            </a:rPr>
-            <a:t>Move to next position</a:t>
-          </a:r>
-          <a:endParaRPr lang="en-US" sz="1400" dirty="0">
-            <a:solidFill>
-              <a:schemeClr val="tx1"/>
-            </a:solidFill>
-          </a:endParaRPr>
-        </a:p>
-      </dgm:t>
-    </dgm:pt>
-    <dgm:pt modelId="{1C33B51C-B737-F646-A912-3D13B494D474}" type="parTrans" cxnId="{138C269E-BFA7-984F-B6E2-574013DC7598}">
-      <dgm:prSet/>
-      <dgm:spPr/>
-      <dgm:t>
-        <a:bodyPr/>
-        <a:lstStyle/>
-        <a:p>
-          <a:endParaRPr lang="en-US"/>
-        </a:p>
-      </dgm:t>
-    </dgm:pt>
-    <dgm:pt modelId="{0CBEF580-CEAF-3B42-BBC8-AE9B90CADF17}" type="sibTrans" cxnId="{138C269E-BFA7-984F-B6E2-574013DC7598}">
-      <dgm:prSet/>
-      <dgm:spPr/>
-      <dgm:t>
-        <a:bodyPr/>
-        <a:lstStyle/>
-        <a:p>
-          <a:endParaRPr lang="en-US"/>
-        </a:p>
-      </dgm:t>
-    </dgm:pt>
-    <dgm:pt modelId="{ABAE4B38-E099-FE44-B993-F8654E06804A}">
-      <dgm:prSet phldrT="[Text]" custT="1"/>
-      <dgm:spPr>
-        <a:solidFill>
-          <a:schemeClr val="accent1">
-            <a:lumMod val="40000"/>
-            <a:lumOff val="60000"/>
-          </a:schemeClr>
-        </a:solidFill>
-      </dgm:spPr>
-      <dgm:t>
-        <a:bodyPr/>
-        <a:lstStyle/>
-        <a:p>
-          <a:r>
-            <a:rPr lang="en-US" sz="1400" dirty="0" smtClean="0">
-              <a:solidFill>
-                <a:schemeClr val="tx1"/>
-              </a:solidFill>
-            </a:rPr>
-            <a:t>Image acquisition</a:t>
-          </a:r>
-        </a:p>
-      </dgm:t>
-    </dgm:pt>
-    <dgm:pt modelId="{7A447CB8-B4EF-5549-9407-14FD2B086B0A}" type="parTrans" cxnId="{504284D2-1241-2C49-B33D-390D86CCA66A}">
-      <dgm:prSet/>
-      <dgm:spPr/>
-      <dgm:t>
-        <a:bodyPr/>
-        <a:lstStyle/>
-        <a:p>
-          <a:endParaRPr lang="en-US"/>
-        </a:p>
-      </dgm:t>
-    </dgm:pt>
-    <dgm:pt modelId="{956C0CEA-84FC-5544-A9FF-1F44CAC8C52E}" type="sibTrans" cxnId="{504284D2-1241-2C49-B33D-390D86CCA66A}">
-      <dgm:prSet/>
-      <dgm:spPr/>
-      <dgm:t>
-        <a:bodyPr/>
-        <a:lstStyle/>
-        <a:p>
-          <a:endParaRPr lang="en-US"/>
-        </a:p>
-      </dgm:t>
-    </dgm:pt>
-    <dgm:pt modelId="{EB52F7BD-B538-E848-88CA-4D01A5FA4FC8}">
-      <dgm:prSet phldrT="[Text]" custT="1"/>
-      <dgm:spPr>
-        <a:solidFill>
-          <a:schemeClr val="accent1">
-            <a:lumMod val="40000"/>
-            <a:lumOff val="60000"/>
-          </a:schemeClr>
-        </a:solidFill>
-      </dgm:spPr>
-      <dgm:t>
-        <a:bodyPr/>
-        <a:lstStyle/>
-        <a:p>
-          <a:r>
-            <a:rPr lang="en-US" sz="1400" dirty="0" smtClean="0">
-              <a:solidFill>
-                <a:schemeClr val="tx1"/>
-              </a:solidFill>
-            </a:rPr>
-            <a:t>Autofocus</a:t>
-          </a:r>
-        </a:p>
-      </dgm:t>
-    </dgm:pt>
-    <dgm:pt modelId="{62CFF03C-23C7-DB4F-B069-1A09E79C02ED}" type="sibTrans" cxnId="{475E9DA1-CA56-BB49-827D-3044785CFC91}">
-      <dgm:prSet/>
-      <dgm:spPr/>
-      <dgm:t>
-        <a:bodyPr/>
-        <a:lstStyle/>
-        <a:p>
-          <a:endParaRPr lang="en-US"/>
-        </a:p>
-      </dgm:t>
-    </dgm:pt>
-    <dgm:pt modelId="{DAFD39EA-02D4-FD4E-9754-24547FAA8726}" type="parTrans" cxnId="{475E9DA1-CA56-BB49-827D-3044785CFC91}">
-      <dgm:prSet/>
-      <dgm:spPr/>
-      <dgm:t>
-        <a:bodyPr/>
-        <a:lstStyle/>
-        <a:p>
-          <a:endParaRPr lang="en-US"/>
-        </a:p>
-      </dgm:t>
-    </dgm:pt>
-    <dgm:pt modelId="{B105EE78-31F0-7C40-9F8C-08AFD458776A}" type="pres">
-      <dgm:prSet presAssocID="{500C90D1-DED0-944B-B1FD-8C9FDD4615BE}" presName="cycle" presStyleCnt="0">
-        <dgm:presLayoutVars>
-          <dgm:dir/>
-          <dgm:resizeHandles val="exact"/>
-        </dgm:presLayoutVars>
-      </dgm:prSet>
-      <dgm:spPr/>
-      <dgm:t>
-        <a:bodyPr/>
-        <a:lstStyle/>
-        <a:p>
-          <a:endParaRPr lang="en-US"/>
-        </a:p>
-      </dgm:t>
-    </dgm:pt>
-    <dgm:pt modelId="{AAC14B01-FACE-514C-8744-4A7AC1211316}" type="pres">
-      <dgm:prSet presAssocID="{EB52F7BD-B538-E848-88CA-4D01A5FA4FC8}" presName="node" presStyleLbl="node1" presStyleIdx="0" presStyleCnt="5" custScaleX="54788" custScaleY="54454" custRadScaleRad="74834" custRadScaleInc="-5059">
-        <dgm:presLayoutVars>
-          <dgm:bulletEnabled val="1"/>
-        </dgm:presLayoutVars>
-      </dgm:prSet>
-      <dgm:spPr/>
-      <dgm:t>
-        <a:bodyPr/>
-        <a:lstStyle/>
-        <a:p>
-          <a:endParaRPr lang="en-US"/>
-        </a:p>
-      </dgm:t>
-    </dgm:pt>
-    <dgm:pt modelId="{C12230DB-EDCD-5D4F-AA06-6A2A249CEFEF}" type="pres">
-      <dgm:prSet presAssocID="{EB52F7BD-B538-E848-88CA-4D01A5FA4FC8}" presName="spNode" presStyleCnt="0"/>
-      <dgm:spPr/>
-    </dgm:pt>
-    <dgm:pt modelId="{289A1A8E-386B-7A4E-A7F9-499BBA2BB173}" type="pres">
-      <dgm:prSet presAssocID="{62CFF03C-23C7-DB4F-B069-1A09E79C02ED}" presName="sibTrans" presStyleLbl="sibTrans1D1" presStyleIdx="0" presStyleCnt="5"/>
-      <dgm:spPr/>
-      <dgm:t>
-        <a:bodyPr/>
-        <a:lstStyle/>
-        <a:p>
-          <a:endParaRPr lang="en-US"/>
-        </a:p>
-      </dgm:t>
-    </dgm:pt>
-    <dgm:pt modelId="{6A8E3BCB-FFF5-7F46-87B5-53840656006A}" type="pres">
-      <dgm:prSet presAssocID="{ABAE4B38-E099-FE44-B993-F8654E06804A}" presName="node" presStyleLbl="node1" presStyleIdx="1" presStyleCnt="5" custScaleX="71974" custScaleY="54583" custRadScaleRad="96595" custRadScaleInc="-783">
-        <dgm:presLayoutVars>
-          <dgm:bulletEnabled val="1"/>
-        </dgm:presLayoutVars>
-      </dgm:prSet>
-      <dgm:spPr/>
-      <dgm:t>
-        <a:bodyPr/>
-        <a:lstStyle/>
-        <a:p>
-          <a:endParaRPr lang="en-US"/>
-        </a:p>
-      </dgm:t>
-    </dgm:pt>
-    <dgm:pt modelId="{EA22B2A5-ADBF-104D-B023-B9DD68B1BF0E}" type="pres">
-      <dgm:prSet presAssocID="{ABAE4B38-E099-FE44-B993-F8654E06804A}" presName="spNode" presStyleCnt="0"/>
-      <dgm:spPr/>
-    </dgm:pt>
-    <dgm:pt modelId="{A62E6D81-3EF3-2743-8E6D-C8C85E248F4A}" type="pres">
-      <dgm:prSet presAssocID="{956C0CEA-84FC-5544-A9FF-1F44CAC8C52E}" presName="sibTrans" presStyleLbl="sibTrans1D1" presStyleIdx="1" presStyleCnt="5"/>
-      <dgm:spPr/>
-      <dgm:t>
-        <a:bodyPr/>
-        <a:lstStyle/>
-        <a:p>
-          <a:endParaRPr lang="en-US"/>
-        </a:p>
-      </dgm:t>
-    </dgm:pt>
-    <dgm:pt modelId="{7851116F-2277-5D4E-989B-ABDC5FB12A08}" type="pres">
-      <dgm:prSet presAssocID="{A0B3B6FF-63E4-544B-9716-EC85F6F58D0F}" presName="node" presStyleLbl="node1" presStyleIdx="2" presStyleCnt="5" custScaleX="138337" custScaleY="118276" custRadScaleRad="78555" custRadScaleInc="-80673">
-        <dgm:presLayoutVars>
-          <dgm:bulletEnabled val="1"/>
-        </dgm:presLayoutVars>
-      </dgm:prSet>
-      <dgm:spPr/>
-      <dgm:t>
-        <a:bodyPr/>
-        <a:lstStyle/>
-        <a:p>
-          <a:endParaRPr lang="en-US"/>
-        </a:p>
-      </dgm:t>
-    </dgm:pt>
-    <dgm:pt modelId="{ADCF6EDF-C46F-2B48-B4DC-EDB202D482D2}" type="pres">
-      <dgm:prSet presAssocID="{A0B3B6FF-63E4-544B-9716-EC85F6F58D0F}" presName="spNode" presStyleCnt="0"/>
-      <dgm:spPr/>
-    </dgm:pt>
-    <dgm:pt modelId="{1BB222E8-9EFA-384A-A101-F242919E2B02}" type="pres">
-      <dgm:prSet presAssocID="{C0F98EF1-552E-AA42-B0A3-DBA18B58102F}" presName="sibTrans" presStyleLbl="sibTrans1D1" presStyleIdx="2" presStyleCnt="5"/>
-      <dgm:spPr/>
-      <dgm:t>
-        <a:bodyPr/>
-        <a:lstStyle/>
-        <a:p>
-          <a:endParaRPr lang="en-US"/>
-        </a:p>
-      </dgm:t>
-    </dgm:pt>
-    <dgm:pt modelId="{5AE034A5-BAD1-8246-BB1D-830A66A27B6D}" type="pres">
-      <dgm:prSet presAssocID="{C4C1F312-30DA-474D-9969-84B3DF533E50}" presName="node" presStyleLbl="node1" presStyleIdx="3" presStyleCnt="5" custScaleX="108133" custScaleY="119355" custRadScaleRad="82846" custRadScaleInc="78843">
-        <dgm:presLayoutVars>
-          <dgm:bulletEnabled val="1"/>
-        </dgm:presLayoutVars>
-      </dgm:prSet>
-      <dgm:spPr/>
-      <dgm:t>
-        <a:bodyPr/>
-        <a:lstStyle/>
-        <a:p>
-          <a:endParaRPr lang="en-US"/>
-        </a:p>
-      </dgm:t>
-    </dgm:pt>
-    <dgm:pt modelId="{B52D4A64-B359-0242-8E80-2514A8B3CED1}" type="pres">
-      <dgm:prSet presAssocID="{C4C1F312-30DA-474D-9969-84B3DF533E50}" presName="spNode" presStyleCnt="0"/>
-      <dgm:spPr/>
-    </dgm:pt>
-    <dgm:pt modelId="{FE6E2242-DC88-A846-9918-D9DD5BB26B14}" type="pres">
-      <dgm:prSet presAssocID="{1BDA24EF-1EED-7344-AC98-EA270CD2752E}" presName="sibTrans" presStyleLbl="sibTrans1D1" presStyleIdx="3" presStyleCnt="5"/>
-      <dgm:spPr/>
-      <dgm:t>
-        <a:bodyPr/>
-        <a:lstStyle/>
-        <a:p>
-          <a:endParaRPr lang="en-US"/>
-        </a:p>
-      </dgm:t>
-    </dgm:pt>
-    <dgm:pt modelId="{77085463-4A77-8144-9256-25E67F4DBF7F}" type="pres">
-      <dgm:prSet presAssocID="{AADA0C8E-6071-6047-A4A1-B3F7DB9DE399}" presName="node" presStyleLbl="node1" presStyleIdx="4" presStyleCnt="5" custScaleX="85973" custScaleY="53771" custRadScaleRad="103272" custRadScaleInc="-3780">
-        <dgm:presLayoutVars>
-          <dgm:bulletEnabled val="1"/>
-        </dgm:presLayoutVars>
-      </dgm:prSet>
-      <dgm:spPr/>
-      <dgm:t>
-        <a:bodyPr/>
-        <a:lstStyle/>
-        <a:p>
-          <a:endParaRPr lang="en-US"/>
-        </a:p>
-      </dgm:t>
-    </dgm:pt>
-    <dgm:pt modelId="{AE7DFA53-F47B-894C-B940-B041880AF634}" type="pres">
-      <dgm:prSet presAssocID="{AADA0C8E-6071-6047-A4A1-B3F7DB9DE399}" presName="spNode" presStyleCnt="0"/>
-      <dgm:spPr/>
-    </dgm:pt>
-    <dgm:pt modelId="{9F01F134-55D6-4A4C-9093-804B062E71FE}" type="pres">
-      <dgm:prSet presAssocID="{0CBEF580-CEAF-3B42-BBC8-AE9B90CADF17}" presName="sibTrans" presStyleLbl="sibTrans1D1" presStyleIdx="4" presStyleCnt="5"/>
-      <dgm:spPr/>
-      <dgm:t>
-        <a:bodyPr/>
-        <a:lstStyle/>
-        <a:p>
-          <a:endParaRPr lang="en-US"/>
-        </a:p>
-      </dgm:t>
-    </dgm:pt>
-  </dgm:ptLst>
-  <dgm:cxnLst>
-    <dgm:cxn modelId="{177FB882-739D-4FD8-9B7C-37491B26D98F}" type="presOf" srcId="{956C0CEA-84FC-5544-A9FF-1F44CAC8C52E}" destId="{A62E6D81-3EF3-2743-8E6D-C8C85E248F4A}" srcOrd="0" destOrd="0" presId="urn:microsoft.com/office/officeart/2005/8/layout/cycle5"/>
-    <dgm:cxn modelId="{504284D2-1241-2C49-B33D-390D86CCA66A}" srcId="{500C90D1-DED0-944B-B1FD-8C9FDD4615BE}" destId="{ABAE4B38-E099-FE44-B993-F8654E06804A}" srcOrd="1" destOrd="0" parTransId="{7A447CB8-B4EF-5549-9407-14FD2B086B0A}" sibTransId="{956C0CEA-84FC-5544-A9FF-1F44CAC8C52E}"/>
-    <dgm:cxn modelId="{9A1395FA-66D3-471F-AA8B-AD038F3DADE0}" type="presOf" srcId="{ABAE4B38-E099-FE44-B993-F8654E06804A}" destId="{6A8E3BCB-FFF5-7F46-87B5-53840656006A}" srcOrd="0" destOrd="0" presId="urn:microsoft.com/office/officeart/2005/8/layout/cycle5"/>
-    <dgm:cxn modelId="{60874618-81DB-4216-B119-71E93F1A6862}" type="presOf" srcId="{500C90D1-DED0-944B-B1FD-8C9FDD4615BE}" destId="{B105EE78-31F0-7C40-9F8C-08AFD458776A}" srcOrd="0" destOrd="0" presId="urn:microsoft.com/office/officeart/2005/8/layout/cycle5"/>
-    <dgm:cxn modelId="{03FB82BB-1C3A-3846-B15F-E3B1544E8F3B}" srcId="{500C90D1-DED0-944B-B1FD-8C9FDD4615BE}" destId="{C4C1F312-30DA-474D-9969-84B3DF533E50}" srcOrd="3" destOrd="0" parTransId="{0C2AD0FC-8C38-4947-A4C0-0A45414AC832}" sibTransId="{1BDA24EF-1EED-7344-AC98-EA270CD2752E}"/>
-    <dgm:cxn modelId="{D8C0680E-804B-48C2-8192-EAAFDAF12174}" type="presOf" srcId="{C0F98EF1-552E-AA42-B0A3-DBA18B58102F}" destId="{1BB222E8-9EFA-384A-A101-F242919E2B02}" srcOrd="0" destOrd="0" presId="urn:microsoft.com/office/officeart/2005/8/layout/cycle5"/>
-    <dgm:cxn modelId="{0190A828-26C6-4086-898C-87C0CEAB74D6}" type="presOf" srcId="{1BDA24EF-1EED-7344-AC98-EA270CD2752E}" destId="{FE6E2242-DC88-A846-9918-D9DD5BB26B14}" srcOrd="0" destOrd="0" presId="urn:microsoft.com/office/officeart/2005/8/layout/cycle5"/>
-    <dgm:cxn modelId="{138C269E-BFA7-984F-B6E2-574013DC7598}" srcId="{500C90D1-DED0-944B-B1FD-8C9FDD4615BE}" destId="{AADA0C8E-6071-6047-A4A1-B3F7DB9DE399}" srcOrd="4" destOrd="0" parTransId="{1C33B51C-B737-F646-A912-3D13B494D474}" sibTransId="{0CBEF580-CEAF-3B42-BBC8-AE9B90CADF17}"/>
-    <dgm:cxn modelId="{25FC82A8-3B67-414A-BCE1-3EB1BAF4D091}" type="presOf" srcId="{AADA0C8E-6071-6047-A4A1-B3F7DB9DE399}" destId="{77085463-4A77-8144-9256-25E67F4DBF7F}" srcOrd="0" destOrd="0" presId="urn:microsoft.com/office/officeart/2005/8/layout/cycle5"/>
-    <dgm:cxn modelId="{BA2C8C18-3D95-454D-B113-24DE001F590E}" type="presOf" srcId="{A0B3B6FF-63E4-544B-9716-EC85F6F58D0F}" destId="{7851116F-2277-5D4E-989B-ABDC5FB12A08}" srcOrd="0" destOrd="0" presId="urn:microsoft.com/office/officeart/2005/8/layout/cycle5"/>
-    <dgm:cxn modelId="{D7C9C3D4-4A63-41BC-B62A-458BB546BB79}" type="presOf" srcId="{0CBEF580-CEAF-3B42-BBC8-AE9B90CADF17}" destId="{9F01F134-55D6-4A4C-9093-804B062E71FE}" srcOrd="0" destOrd="0" presId="urn:microsoft.com/office/officeart/2005/8/layout/cycle5"/>
-    <dgm:cxn modelId="{4DEA4743-37C4-A446-A345-D91E4953466A}" srcId="{500C90D1-DED0-944B-B1FD-8C9FDD4615BE}" destId="{A0B3B6FF-63E4-544B-9716-EC85F6F58D0F}" srcOrd="2" destOrd="0" parTransId="{A6453D62-1AAF-5A4B-B0D3-AEBDC86E17F3}" sibTransId="{C0F98EF1-552E-AA42-B0A3-DBA18B58102F}"/>
-    <dgm:cxn modelId="{9758C54E-11B6-4719-8D68-82B276673736}" type="presOf" srcId="{EB52F7BD-B538-E848-88CA-4D01A5FA4FC8}" destId="{AAC14B01-FACE-514C-8744-4A7AC1211316}" srcOrd="0" destOrd="0" presId="urn:microsoft.com/office/officeart/2005/8/layout/cycle5"/>
-    <dgm:cxn modelId="{04554AB1-DDC1-46D2-A43C-ACADA66A6A37}" type="presOf" srcId="{C4C1F312-30DA-474D-9969-84B3DF533E50}" destId="{5AE034A5-BAD1-8246-BB1D-830A66A27B6D}" srcOrd="0" destOrd="0" presId="urn:microsoft.com/office/officeart/2005/8/layout/cycle5"/>
-    <dgm:cxn modelId="{EA359A9B-54D9-4F07-BEBD-726EE04E95E4}" type="presOf" srcId="{62CFF03C-23C7-DB4F-B069-1A09E79C02ED}" destId="{289A1A8E-386B-7A4E-A7F9-499BBA2BB173}" srcOrd="0" destOrd="0" presId="urn:microsoft.com/office/officeart/2005/8/layout/cycle5"/>
-    <dgm:cxn modelId="{475E9DA1-CA56-BB49-827D-3044785CFC91}" srcId="{500C90D1-DED0-944B-B1FD-8C9FDD4615BE}" destId="{EB52F7BD-B538-E848-88CA-4D01A5FA4FC8}" srcOrd="0" destOrd="0" parTransId="{DAFD39EA-02D4-FD4E-9754-24547FAA8726}" sibTransId="{62CFF03C-23C7-DB4F-B069-1A09E79C02ED}"/>
-    <dgm:cxn modelId="{0A4278BA-88A6-48CF-A7D6-D89167399F3A}" type="presParOf" srcId="{B105EE78-31F0-7C40-9F8C-08AFD458776A}" destId="{AAC14B01-FACE-514C-8744-4A7AC1211316}" srcOrd="0" destOrd="0" presId="urn:microsoft.com/office/officeart/2005/8/layout/cycle5"/>
-    <dgm:cxn modelId="{A3580FEB-CE75-431F-9F06-52210D624BF8}" type="presParOf" srcId="{B105EE78-31F0-7C40-9F8C-08AFD458776A}" destId="{C12230DB-EDCD-5D4F-AA06-6A2A249CEFEF}" srcOrd="1" destOrd="0" presId="urn:microsoft.com/office/officeart/2005/8/layout/cycle5"/>
-    <dgm:cxn modelId="{2A11E5FF-FC1E-4C7C-8855-008B3803DB48}" type="presParOf" srcId="{B105EE78-31F0-7C40-9F8C-08AFD458776A}" destId="{289A1A8E-386B-7A4E-A7F9-499BBA2BB173}" srcOrd="2" destOrd="0" presId="urn:microsoft.com/office/officeart/2005/8/layout/cycle5"/>
-    <dgm:cxn modelId="{7E671A02-3DF8-4341-8B2B-F1AF84C94DF9}" type="presParOf" srcId="{B105EE78-31F0-7C40-9F8C-08AFD458776A}" destId="{6A8E3BCB-FFF5-7F46-87B5-53840656006A}" srcOrd="3" destOrd="0" presId="urn:microsoft.com/office/officeart/2005/8/layout/cycle5"/>
-    <dgm:cxn modelId="{977D4092-C7BA-4870-95C3-DE8102F8D11C}" type="presParOf" srcId="{B105EE78-31F0-7C40-9F8C-08AFD458776A}" destId="{EA22B2A5-ADBF-104D-B023-B9DD68B1BF0E}" srcOrd="4" destOrd="0" presId="urn:microsoft.com/office/officeart/2005/8/layout/cycle5"/>
-    <dgm:cxn modelId="{E7FC97B5-1C25-45F9-81EC-4D1E7BB3283C}" type="presParOf" srcId="{B105EE78-31F0-7C40-9F8C-08AFD458776A}" destId="{A62E6D81-3EF3-2743-8E6D-C8C85E248F4A}" srcOrd="5" destOrd="0" presId="urn:microsoft.com/office/officeart/2005/8/layout/cycle5"/>
-    <dgm:cxn modelId="{B7C53054-4AC4-4A87-9131-DAE1976EAD91}" type="presParOf" srcId="{B105EE78-31F0-7C40-9F8C-08AFD458776A}" destId="{7851116F-2277-5D4E-989B-ABDC5FB12A08}" srcOrd="6" destOrd="0" presId="urn:microsoft.com/office/officeart/2005/8/layout/cycle5"/>
-    <dgm:cxn modelId="{83DF8635-D45E-476F-BC73-6BF891B56313}" type="presParOf" srcId="{B105EE78-31F0-7C40-9F8C-08AFD458776A}" destId="{ADCF6EDF-C46F-2B48-B4DC-EDB202D482D2}" srcOrd="7" destOrd="0" presId="urn:microsoft.com/office/officeart/2005/8/layout/cycle5"/>
-    <dgm:cxn modelId="{AEAFDC9F-A71D-45EF-A6AD-9F8786EF002B}" type="presParOf" srcId="{B105EE78-31F0-7C40-9F8C-08AFD458776A}" destId="{1BB222E8-9EFA-384A-A101-F242919E2B02}" srcOrd="8" destOrd="0" presId="urn:microsoft.com/office/officeart/2005/8/layout/cycle5"/>
-    <dgm:cxn modelId="{86B06924-8BB2-4F0F-BD0A-1867F433CBE9}" type="presParOf" srcId="{B105EE78-31F0-7C40-9F8C-08AFD458776A}" destId="{5AE034A5-BAD1-8246-BB1D-830A66A27B6D}" srcOrd="9" destOrd="0" presId="urn:microsoft.com/office/officeart/2005/8/layout/cycle5"/>
-    <dgm:cxn modelId="{77BB5939-9365-4DF9-8C66-AD421D7C54A7}" type="presParOf" srcId="{B105EE78-31F0-7C40-9F8C-08AFD458776A}" destId="{B52D4A64-B359-0242-8E80-2514A8B3CED1}" srcOrd="10" destOrd="0" presId="urn:microsoft.com/office/officeart/2005/8/layout/cycle5"/>
-    <dgm:cxn modelId="{982C159F-4090-4A04-8592-54F4D4742757}" type="presParOf" srcId="{B105EE78-31F0-7C40-9F8C-08AFD458776A}" destId="{FE6E2242-DC88-A846-9918-D9DD5BB26B14}" srcOrd="11" destOrd="0" presId="urn:microsoft.com/office/officeart/2005/8/layout/cycle5"/>
-    <dgm:cxn modelId="{C6E42967-7BA1-4527-96CA-3BD83F8751E5}" type="presParOf" srcId="{B105EE78-31F0-7C40-9F8C-08AFD458776A}" destId="{77085463-4A77-8144-9256-25E67F4DBF7F}" srcOrd="12" destOrd="0" presId="urn:microsoft.com/office/officeart/2005/8/layout/cycle5"/>
-    <dgm:cxn modelId="{4B6F550D-3396-477D-B71B-C2E1447B8D85}" type="presParOf" srcId="{B105EE78-31F0-7C40-9F8C-08AFD458776A}" destId="{AE7DFA53-F47B-894C-B940-B041880AF634}" srcOrd="13" destOrd="0" presId="urn:microsoft.com/office/officeart/2005/8/layout/cycle5"/>
-    <dgm:cxn modelId="{B4366142-F245-420C-B867-C15F8FBD0654}" type="presParOf" srcId="{B105EE78-31F0-7C40-9F8C-08AFD458776A}" destId="{9F01F134-55D6-4A4C-9093-804B062E71FE}" srcOrd="14" destOrd="0" presId="urn:microsoft.com/office/officeart/2005/8/layout/cycle5"/>
-  </dgm:cxnLst>
-  <dgm:bg/>
-  <dgm:whole/>
-  <dgm:extLst>
-    <a:ext uri="http://schemas.microsoft.com/office/drawing/2008/diagram">
-      <dsp:dataModelExt xmlns:dsp="http://schemas.microsoft.com/office/drawing/2008/diagram" relId="rId9" minVer="http://schemas.openxmlformats.org/drawingml/2006/diagram"/>
-    </a:ext>
-  </dgm:extLst>
-</dgm:dataModel>
-</file>
-
 <file path=ppt/diagrams/drawing1.xml><?xml version="1.0" encoding="utf-8"?>
 <dsp:drawing xmlns:dgm="http://schemas.openxmlformats.org/drawingml/2006/diagram" xmlns:dsp="http://schemas.microsoft.com/office/drawing/2008/diagram" xmlns:a="http://schemas.openxmlformats.org/drawingml/2006/main">
   <dsp:spTree>
@@ -2903,728 +1666,6 @@
 </dsp:drawing>
 </file>
 
-<file path=ppt/diagrams/drawing2.xml><?xml version="1.0" encoding="utf-8"?>
-<dsp:drawing xmlns:dgm="http://schemas.openxmlformats.org/drawingml/2006/diagram" xmlns:dsp="http://schemas.microsoft.com/office/drawing/2008/diagram" xmlns:a="http://schemas.openxmlformats.org/drawingml/2006/main">
-  <dsp:spTree>
-    <dsp:nvGrpSpPr>
-      <dsp:cNvPr id="0" name=""/>
-      <dsp:cNvGrpSpPr/>
-    </dsp:nvGrpSpPr>
-    <dsp:grpSpPr/>
-    <dsp:sp modelId="{AAC14B01-FACE-514C-8744-4A7AC1211316}">
-      <dsp:nvSpPr>
-        <dsp:cNvPr id="0" name=""/>
-        <dsp:cNvSpPr/>
-      </dsp:nvSpPr>
-      <dsp:spPr>
-        <a:xfrm>
-          <a:off x="3923929" y="778460"/>
-          <a:ext cx="1085146" cy="701045"/>
-        </a:xfrm>
-        <a:prstGeom prst="roundRect">
-          <a:avLst/>
-        </a:prstGeom>
-        <a:solidFill>
-          <a:schemeClr val="accent1">
-            <a:lumMod val="40000"/>
-            <a:lumOff val="60000"/>
-          </a:schemeClr>
-        </a:solidFill>
-        <a:ln w="25400" cap="flat" cmpd="sng" algn="ctr">
-          <a:solidFill>
-            <a:schemeClr val="lt1">
-              <a:hueOff val="0"/>
-              <a:satOff val="0"/>
-              <a:lumOff val="0"/>
-              <a:alphaOff val="0"/>
-            </a:schemeClr>
-          </a:solidFill>
-          <a:prstDash val="solid"/>
-        </a:ln>
-        <a:effectLst/>
-      </dsp:spPr>
-      <dsp:style>
-        <a:lnRef idx="2">
-          <a:scrgbClr r="0" g="0" b="0"/>
-        </a:lnRef>
-        <a:fillRef idx="1">
-          <a:scrgbClr r="0" g="0" b="0"/>
-        </a:fillRef>
-        <a:effectRef idx="0">
-          <a:scrgbClr r="0" g="0" b="0"/>
-        </a:effectRef>
-        <a:fontRef idx="minor">
-          <a:schemeClr val="lt1"/>
-        </a:fontRef>
-      </dsp:style>
-      <dsp:txBody>
-        <a:bodyPr spcFirstLastPara="0" vert="horz" wrap="square" lIns="53340" tIns="53340" rIns="53340" bIns="53340" numCol="1" spcCol="1270" anchor="ctr" anchorCtr="0">
-          <a:noAutofit/>
-        </a:bodyPr>
-        <a:lstStyle/>
-        <a:p>
-          <a:pPr lvl="0" algn="ctr" defTabSz="622300">
-            <a:lnSpc>
-              <a:spcPct val="90000"/>
-            </a:lnSpc>
-            <a:spcBef>
-              <a:spcPct val="0"/>
-            </a:spcBef>
-            <a:spcAft>
-              <a:spcPct val="35000"/>
-            </a:spcAft>
-          </a:pPr>
-          <a:r>
-            <a:rPr lang="en-US" sz="1400" kern="1200" dirty="0" smtClean="0">
-              <a:solidFill>
-                <a:schemeClr val="tx1"/>
-              </a:solidFill>
-            </a:rPr>
-            <a:t>Autofocus</a:t>
-          </a:r>
-        </a:p>
-      </dsp:txBody>
-      <dsp:txXfrm>
-        <a:off x="3958151" y="812682"/>
-        <a:ext cx="1016702" cy="632601"/>
-      </dsp:txXfrm>
-    </dsp:sp>
-    <dsp:sp modelId="{289A1A8E-386B-7A4E-A7F9-499BBA2BB173}">
-      <dsp:nvSpPr>
-        <dsp:cNvPr id="0" name=""/>
-        <dsp:cNvSpPr/>
-      </dsp:nvSpPr>
-      <dsp:spPr>
-        <a:xfrm>
-          <a:off x="2350198" y="1193647"/>
-          <a:ext cx="5146928" cy="5146928"/>
-        </a:xfrm>
-        <a:custGeom>
-          <a:avLst/>
-          <a:gdLst/>
-          <a:ahLst/>
-          <a:cxnLst/>
-          <a:rect l="0" t="0" r="0" b="0"/>
-          <a:pathLst>
-            <a:path>
-              <a:moveTo>
-                <a:pt x="3029192" y="40673"/>
-              </a:moveTo>
-              <a:arcTo wR="2573464" hR="2573464" stAng="16812009" swAng="1551551"/>
-            </a:path>
-          </a:pathLst>
-        </a:custGeom>
-        <a:noFill/>
-        <a:ln w="9525" cap="flat" cmpd="sng" algn="ctr">
-          <a:solidFill>
-            <a:schemeClr val="accent1">
-              <a:hueOff val="0"/>
-              <a:satOff val="0"/>
-              <a:lumOff val="0"/>
-              <a:alphaOff val="0"/>
-            </a:schemeClr>
-          </a:solidFill>
-          <a:prstDash val="solid"/>
-          <a:tailEnd type="arrow"/>
-        </a:ln>
-        <a:effectLst/>
-      </dsp:spPr>
-      <dsp:style>
-        <a:lnRef idx="1">
-          <a:scrgbClr r="0" g="0" b="0"/>
-        </a:lnRef>
-        <a:fillRef idx="0">
-          <a:scrgbClr r="0" g="0" b="0"/>
-        </a:fillRef>
-        <a:effectRef idx="0">
-          <a:scrgbClr r="0" g="0" b="0"/>
-        </a:effectRef>
-        <a:fontRef idx="minor"/>
-      </dsp:style>
-    </dsp:sp>
-    <dsp:sp modelId="{6A8E3BCB-FFF5-7F46-87B5-53840656006A}">
-      <dsp:nvSpPr>
-        <dsp:cNvPr id="0" name=""/>
-        <dsp:cNvSpPr/>
-      </dsp:nvSpPr>
-      <dsp:spPr>
-        <a:xfrm>
-          <a:off x="6156181" y="1927107"/>
-          <a:ext cx="1425537" cy="702705"/>
-        </a:xfrm>
-        <a:prstGeom prst="roundRect">
-          <a:avLst/>
-        </a:prstGeom>
-        <a:solidFill>
-          <a:schemeClr val="accent1">
-            <a:lumMod val="40000"/>
-            <a:lumOff val="60000"/>
-          </a:schemeClr>
-        </a:solidFill>
-        <a:ln w="25400" cap="flat" cmpd="sng" algn="ctr">
-          <a:solidFill>
-            <a:schemeClr val="lt1">
-              <a:hueOff val="0"/>
-              <a:satOff val="0"/>
-              <a:lumOff val="0"/>
-              <a:alphaOff val="0"/>
-            </a:schemeClr>
-          </a:solidFill>
-          <a:prstDash val="solid"/>
-        </a:ln>
-        <a:effectLst/>
-      </dsp:spPr>
-      <dsp:style>
-        <a:lnRef idx="2">
-          <a:scrgbClr r="0" g="0" b="0"/>
-        </a:lnRef>
-        <a:fillRef idx="1">
-          <a:scrgbClr r="0" g="0" b="0"/>
-        </a:fillRef>
-        <a:effectRef idx="0">
-          <a:scrgbClr r="0" g="0" b="0"/>
-        </a:effectRef>
-        <a:fontRef idx="minor">
-          <a:schemeClr val="lt1"/>
-        </a:fontRef>
-      </dsp:style>
-      <dsp:txBody>
-        <a:bodyPr spcFirstLastPara="0" vert="horz" wrap="square" lIns="53340" tIns="53340" rIns="53340" bIns="53340" numCol="1" spcCol="1270" anchor="ctr" anchorCtr="0">
-          <a:noAutofit/>
-        </a:bodyPr>
-        <a:lstStyle/>
-        <a:p>
-          <a:pPr lvl="0" algn="ctr" defTabSz="622300">
-            <a:lnSpc>
-              <a:spcPct val="90000"/>
-            </a:lnSpc>
-            <a:spcBef>
-              <a:spcPct val="0"/>
-            </a:spcBef>
-            <a:spcAft>
-              <a:spcPct val="35000"/>
-            </a:spcAft>
-          </a:pPr>
-          <a:r>
-            <a:rPr lang="en-US" sz="1400" kern="1200" dirty="0" smtClean="0">
-              <a:solidFill>
-                <a:schemeClr val="tx1"/>
-              </a:solidFill>
-            </a:rPr>
-            <a:t>Image acquisition</a:t>
-          </a:r>
-        </a:p>
-      </dsp:txBody>
-      <dsp:txXfrm>
-        <a:off x="6190484" y="1961410"/>
-        <a:ext cx="1356931" cy="634099"/>
-      </dsp:txXfrm>
-    </dsp:sp>
-    <dsp:sp modelId="{A62E6D81-3EF3-2743-8E6D-C8C85E248F4A}">
-      <dsp:nvSpPr>
-        <dsp:cNvPr id="0" name=""/>
-        <dsp:cNvSpPr/>
-      </dsp:nvSpPr>
-      <dsp:spPr>
-        <a:xfrm>
-          <a:off x="1954682" y="-795249"/>
-          <a:ext cx="5146928" cy="5146928"/>
-        </a:xfrm>
-        <a:custGeom>
-          <a:avLst/>
-          <a:gdLst/>
-          <a:ahLst/>
-          <a:cxnLst/>
-          <a:rect l="0" t="0" r="0" b="0"/>
-          <a:pathLst>
-            <a:path>
-              <a:moveTo>
-                <a:pt x="4933619" y="3599324"/>
-              </a:moveTo>
-              <a:arcTo wR="2573464" hR="2573464" stAng="1409554" swAng="757278"/>
-            </a:path>
-          </a:pathLst>
-        </a:custGeom>
-        <a:noFill/>
-        <a:ln w="9525" cap="flat" cmpd="sng" algn="ctr">
-          <a:solidFill>
-            <a:schemeClr val="accent1">
-              <a:hueOff val="0"/>
-              <a:satOff val="0"/>
-              <a:lumOff val="0"/>
-              <a:alphaOff val="0"/>
-            </a:schemeClr>
-          </a:solidFill>
-          <a:prstDash val="solid"/>
-          <a:tailEnd type="arrow"/>
-        </a:ln>
-        <a:effectLst/>
-      </dsp:spPr>
-      <dsp:style>
-        <a:lnRef idx="1">
-          <a:scrgbClr r="0" g="0" b="0"/>
-        </a:lnRef>
-        <a:fillRef idx="0">
-          <a:scrgbClr r="0" g="0" b="0"/>
-        </a:fillRef>
-        <a:effectRef idx="0">
-          <a:scrgbClr r="0" g="0" b="0"/>
-        </a:effectRef>
-        <a:fontRef idx="minor"/>
-      </dsp:style>
-    </dsp:sp>
-    <dsp:sp modelId="{7851116F-2277-5D4E-989B-ABDC5FB12A08}">
-      <dsp:nvSpPr>
-        <dsp:cNvPr id="0" name=""/>
-        <dsp:cNvSpPr/>
-      </dsp:nvSpPr>
-      <dsp:spPr>
-        <a:xfrm>
-          <a:off x="4800608" y="3442091"/>
-          <a:ext cx="2739940" cy="1522694"/>
-        </a:xfrm>
-        <a:prstGeom prst="roundRect">
-          <a:avLst/>
-        </a:prstGeom>
-        <a:solidFill>
-          <a:schemeClr val="accent3">
-            <a:lumMod val="40000"/>
-            <a:lumOff val="60000"/>
-          </a:schemeClr>
-        </a:solidFill>
-        <a:ln w="25400" cap="flat" cmpd="sng" algn="ctr">
-          <a:solidFill>
-            <a:schemeClr val="lt1">
-              <a:hueOff val="0"/>
-              <a:satOff val="0"/>
-              <a:lumOff val="0"/>
-              <a:alphaOff val="0"/>
-            </a:schemeClr>
-          </a:solidFill>
-          <a:prstDash val="solid"/>
-        </a:ln>
-        <a:effectLst/>
-      </dsp:spPr>
-      <dsp:style>
-        <a:lnRef idx="2">
-          <a:scrgbClr r="0" g="0" b="0"/>
-        </a:lnRef>
-        <a:fillRef idx="1">
-          <a:scrgbClr r="0" g="0" b="0"/>
-        </a:fillRef>
-        <a:effectRef idx="0">
-          <a:scrgbClr r="0" g="0" b="0"/>
-        </a:effectRef>
-        <a:fontRef idx="minor">
-          <a:schemeClr val="lt1"/>
-        </a:fontRef>
-      </dsp:style>
-      <dsp:txBody>
-        <a:bodyPr spcFirstLastPara="0" vert="horz" wrap="square" lIns="53340" tIns="53340" rIns="53340" bIns="53340" numCol="1" spcCol="1270" anchor="ctr" anchorCtr="0">
-          <a:noAutofit/>
-        </a:bodyPr>
-        <a:lstStyle/>
-        <a:p>
-          <a:pPr lvl="0" algn="ctr" defTabSz="622300">
-            <a:lnSpc>
-              <a:spcPct val="90000"/>
-            </a:lnSpc>
-            <a:spcBef>
-              <a:spcPct val="0"/>
-            </a:spcBef>
-            <a:spcAft>
-              <a:spcPct val="35000"/>
-            </a:spcAft>
-          </a:pPr>
-          <a:r>
-            <a:rPr lang="en-US" sz="1400" b="1" u="none" kern="1200" dirty="0" smtClean="0">
-              <a:solidFill>
-                <a:schemeClr val="tx1"/>
-              </a:solidFill>
-            </a:rPr>
-            <a:t>Online image analysis</a:t>
-          </a:r>
-        </a:p>
-        <a:p>
-          <a:pPr lvl="0" algn="ctr" defTabSz="622300">
-            <a:lnSpc>
-              <a:spcPct val="90000"/>
-            </a:lnSpc>
-            <a:spcBef>
-              <a:spcPct val="0"/>
-            </a:spcBef>
-            <a:spcAft>
-              <a:spcPct val="35000"/>
-            </a:spcAft>
-          </a:pPr>
-          <a:r>
-            <a:rPr lang="en-US" sz="1400" b="0" u="none" kern="1200" dirty="0" err="1" smtClean="0">
-              <a:solidFill>
-                <a:schemeClr val="tx1"/>
-              </a:solidFill>
-            </a:rPr>
-            <a:t>CellProfiler</a:t>
-          </a:r>
-          <a:r>
-            <a:rPr lang="en-US" sz="1400" b="0" u="none" kern="1200" dirty="0" smtClean="0">
-              <a:solidFill>
-                <a:schemeClr val="tx1"/>
-              </a:solidFill>
-            </a:rPr>
-            <a:t>, ImageJ, …</a:t>
-          </a:r>
-        </a:p>
-      </dsp:txBody>
-      <dsp:txXfrm>
-        <a:off x="4874940" y="3516423"/>
-        <a:ext cx="2591276" cy="1374030"/>
-      </dsp:txXfrm>
-    </dsp:sp>
-    <dsp:sp modelId="{1BB222E8-9EFA-384A-A101-F242919E2B02}">
-      <dsp:nvSpPr>
-        <dsp:cNvPr id="0" name=""/>
-        <dsp:cNvSpPr/>
-      </dsp:nvSpPr>
-      <dsp:spPr>
-        <a:xfrm>
-          <a:off x="1741648" y="-36534"/>
-          <a:ext cx="5146928" cy="5146928"/>
-        </a:xfrm>
-        <a:custGeom>
-          <a:avLst/>
-          <a:gdLst/>
-          <a:ahLst/>
-          <a:cxnLst/>
-          <a:rect l="0" t="0" r="0" b="0"/>
-          <a:pathLst>
-            <a:path>
-              <a:moveTo>
-                <a:pt x="3154357" y="5080510"/>
-              </a:moveTo>
-              <a:arcTo wR="2573464" hR="2573464" stAng="4617272" swAng="1162599"/>
-            </a:path>
-          </a:pathLst>
-        </a:custGeom>
-        <a:noFill/>
-        <a:ln w="9525" cap="flat" cmpd="sng" algn="ctr">
-          <a:solidFill>
-            <a:schemeClr val="accent1">
-              <a:hueOff val="0"/>
-              <a:satOff val="0"/>
-              <a:lumOff val="0"/>
-              <a:alphaOff val="0"/>
-            </a:schemeClr>
-          </a:solidFill>
-          <a:prstDash val="solid"/>
-          <a:tailEnd type="arrow"/>
-        </a:ln>
-        <a:effectLst/>
-      </dsp:spPr>
-      <dsp:style>
-        <a:lnRef idx="1">
-          <a:scrgbClr r="0" g="0" b="0"/>
-        </a:lnRef>
-        <a:fillRef idx="0">
-          <a:scrgbClr r="0" g="0" b="0"/>
-        </a:fillRef>
-        <a:effectRef idx="0">
-          <a:scrgbClr r="0" g="0" b="0"/>
-        </a:effectRef>
-        <a:fontRef idx="minor"/>
-      </dsp:style>
-    </dsp:sp>
-    <dsp:sp modelId="{5AE034A5-BAD1-8246-BB1D-830A66A27B6D}">
-      <dsp:nvSpPr>
-        <dsp:cNvPr id="0" name=""/>
-        <dsp:cNvSpPr/>
-      </dsp:nvSpPr>
-      <dsp:spPr>
-        <a:xfrm>
-          <a:off x="1691671" y="3511322"/>
-          <a:ext cx="2141712" cy="1536585"/>
-        </a:xfrm>
-        <a:prstGeom prst="roundRect">
-          <a:avLst/>
-        </a:prstGeom>
-        <a:solidFill>
-          <a:schemeClr val="accent1">
-            <a:lumMod val="40000"/>
-            <a:lumOff val="60000"/>
-          </a:schemeClr>
-        </a:solidFill>
-        <a:ln w="25400" cap="flat" cmpd="sng" algn="ctr">
-          <a:solidFill>
-            <a:schemeClr val="lt1">
-              <a:hueOff val="0"/>
-              <a:satOff val="0"/>
-              <a:lumOff val="0"/>
-              <a:alphaOff val="0"/>
-            </a:schemeClr>
-          </a:solidFill>
-          <a:prstDash val="solid"/>
-        </a:ln>
-        <a:effectLst/>
-      </dsp:spPr>
-      <dsp:style>
-        <a:lnRef idx="2">
-          <a:scrgbClr r="0" g="0" b="0"/>
-        </a:lnRef>
-        <a:fillRef idx="1">
-          <a:scrgbClr r="0" g="0" b="0"/>
-        </a:fillRef>
-        <a:effectRef idx="0">
-          <a:scrgbClr r="0" g="0" b="0"/>
-        </a:effectRef>
-        <a:fontRef idx="minor">
-          <a:schemeClr val="lt1"/>
-        </a:fontRef>
-      </dsp:style>
-      <dsp:txBody>
-        <a:bodyPr spcFirstLastPara="0" vert="horz" wrap="square" lIns="53340" tIns="53340" rIns="53340" bIns="53340" numCol="1" spcCol="1270" anchor="ctr" anchorCtr="0">
-          <a:noAutofit/>
-        </a:bodyPr>
-        <a:lstStyle/>
-        <a:p>
-          <a:pPr lvl="0" algn="ctr" defTabSz="622300">
-            <a:lnSpc>
-              <a:spcPct val="90000"/>
-            </a:lnSpc>
-            <a:spcBef>
-              <a:spcPct val="0"/>
-            </a:spcBef>
-            <a:spcAft>
-              <a:spcPct val="35000"/>
-            </a:spcAft>
-          </a:pPr>
-          <a:r>
-            <a:rPr lang="en-US" sz="1400" b="1" u="none" kern="1200" dirty="0" smtClean="0">
-              <a:solidFill>
-                <a:schemeClr val="tx1"/>
-              </a:solidFill>
-            </a:rPr>
-            <a:t>High content imaging</a:t>
-          </a:r>
-        </a:p>
-        <a:p>
-          <a:pPr lvl="0" algn="ctr" defTabSz="622300">
-            <a:lnSpc>
-              <a:spcPct val="90000"/>
-            </a:lnSpc>
-            <a:spcBef>
-              <a:spcPct val="0"/>
-            </a:spcBef>
-            <a:spcAft>
-              <a:spcPct val="35000"/>
-            </a:spcAft>
-          </a:pPr>
-          <a:r>
-            <a:rPr lang="en-US" sz="1400" kern="1200" dirty="0" smtClean="0">
-              <a:solidFill>
-                <a:schemeClr val="tx1"/>
-              </a:solidFill>
-            </a:rPr>
-            <a:t>High-res. 3-D time-lapse, FRAP, FC(C)S</a:t>
-          </a:r>
-        </a:p>
-      </dsp:txBody>
-      <dsp:txXfrm>
-        <a:off x="1766681" y="3586332"/>
-        <a:ext cx="1991692" cy="1386565"/>
-      </dsp:txXfrm>
-    </dsp:sp>
-    <dsp:sp modelId="{FE6E2242-DC88-A846-9918-D9DD5BB26B14}">
-      <dsp:nvSpPr>
-        <dsp:cNvPr id="0" name=""/>
-        <dsp:cNvSpPr/>
-      </dsp:nvSpPr>
-      <dsp:spPr>
-        <a:xfrm>
-          <a:off x="1738230" y="-812142"/>
-          <a:ext cx="5146928" cy="5146928"/>
-        </a:xfrm>
-        <a:custGeom>
-          <a:avLst/>
-          <a:gdLst/>
-          <a:ahLst/>
-          <a:cxnLst/>
-          <a:rect l="0" t="0" r="0" b="0"/>
-          <a:pathLst>
-            <a:path>
-              <a:moveTo>
-                <a:pt x="551189" y="4165043"/>
-              </a:moveTo>
-              <a:arcTo wR="2573464" hR="2573464" stAng="8507784" swAng="845151"/>
-            </a:path>
-          </a:pathLst>
-        </a:custGeom>
-        <a:noFill/>
-        <a:ln w="9525" cap="flat" cmpd="sng" algn="ctr">
-          <a:solidFill>
-            <a:schemeClr val="accent1">
-              <a:hueOff val="0"/>
-              <a:satOff val="0"/>
-              <a:lumOff val="0"/>
-              <a:alphaOff val="0"/>
-            </a:schemeClr>
-          </a:solidFill>
-          <a:prstDash val="solid"/>
-          <a:tailEnd type="arrow"/>
-        </a:ln>
-        <a:effectLst/>
-      </dsp:spPr>
-      <dsp:style>
-        <a:lnRef idx="1">
-          <a:scrgbClr r="0" g="0" b="0"/>
-        </a:lnRef>
-        <a:fillRef idx="0">
-          <a:scrgbClr r="0" g="0" b="0"/>
-        </a:fillRef>
-        <a:effectRef idx="0">
-          <a:scrgbClr r="0" g="0" b="0"/>
-        </a:effectRef>
-        <a:fontRef idx="minor"/>
-      </dsp:style>
-    </dsp:sp>
-    <dsp:sp modelId="{77085463-4A77-8144-9256-25E67F4DBF7F}">
-      <dsp:nvSpPr>
-        <dsp:cNvPr id="0" name=""/>
-        <dsp:cNvSpPr/>
-      </dsp:nvSpPr>
-      <dsp:spPr>
-        <a:xfrm>
-          <a:off x="1115628" y="1927108"/>
-          <a:ext cx="1702805" cy="692252"/>
-        </a:xfrm>
-        <a:prstGeom prst="roundRect">
-          <a:avLst/>
-        </a:prstGeom>
-        <a:solidFill>
-          <a:schemeClr val="accent1">
-            <a:lumMod val="40000"/>
-            <a:lumOff val="60000"/>
-          </a:schemeClr>
-        </a:solidFill>
-        <a:ln w="25400" cap="flat" cmpd="sng" algn="ctr">
-          <a:solidFill>
-            <a:schemeClr val="lt1">
-              <a:hueOff val="0"/>
-              <a:satOff val="0"/>
-              <a:lumOff val="0"/>
-              <a:alphaOff val="0"/>
-            </a:schemeClr>
-          </a:solidFill>
-          <a:prstDash val="solid"/>
-        </a:ln>
-        <a:effectLst/>
-      </dsp:spPr>
-      <dsp:style>
-        <a:lnRef idx="2">
-          <a:scrgbClr r="0" g="0" b="0"/>
-        </a:lnRef>
-        <a:fillRef idx="1">
-          <a:scrgbClr r="0" g="0" b="0"/>
-        </a:fillRef>
-        <a:effectRef idx="0">
-          <a:scrgbClr r="0" g="0" b="0"/>
-        </a:effectRef>
-        <a:fontRef idx="minor">
-          <a:schemeClr val="lt1"/>
-        </a:fontRef>
-      </dsp:style>
-      <dsp:txBody>
-        <a:bodyPr spcFirstLastPara="0" vert="horz" wrap="square" lIns="53340" tIns="53340" rIns="53340" bIns="53340" numCol="1" spcCol="1270" anchor="ctr" anchorCtr="0">
-          <a:noAutofit/>
-        </a:bodyPr>
-        <a:lstStyle/>
-        <a:p>
-          <a:pPr lvl="0" algn="ctr" defTabSz="622300">
-            <a:lnSpc>
-              <a:spcPct val="90000"/>
-            </a:lnSpc>
-            <a:spcBef>
-              <a:spcPct val="0"/>
-            </a:spcBef>
-            <a:spcAft>
-              <a:spcPct val="35000"/>
-            </a:spcAft>
-          </a:pPr>
-          <a:r>
-            <a:rPr lang="en-US" sz="1400" kern="1200" dirty="0" smtClean="0">
-              <a:solidFill>
-                <a:schemeClr val="tx1"/>
-              </a:solidFill>
-            </a:rPr>
-            <a:t>Move to next position</a:t>
-          </a:r>
-          <a:endParaRPr lang="en-US" sz="1400" kern="1200" dirty="0">
-            <a:solidFill>
-              <a:schemeClr val="tx1"/>
-            </a:solidFill>
-          </a:endParaRPr>
-        </a:p>
-      </dsp:txBody>
-      <dsp:txXfrm>
-        <a:off x="1149421" y="1960901"/>
-        <a:ext cx="1635219" cy="624666"/>
-      </dsp:txXfrm>
-    </dsp:sp>
-    <dsp:sp modelId="{9F01F134-55D6-4A4C-9093-804B062E71FE}">
-      <dsp:nvSpPr>
-        <dsp:cNvPr id="0" name=""/>
-        <dsp:cNvSpPr/>
-      </dsp:nvSpPr>
-      <dsp:spPr>
-        <a:xfrm>
-          <a:off x="1300461" y="1218550"/>
-          <a:ext cx="5146928" cy="5146928"/>
-        </a:xfrm>
-        <a:custGeom>
-          <a:avLst/>
-          <a:gdLst/>
-          <a:ahLst/>
-          <a:cxnLst/>
-          <a:rect l="0" t="0" r="0" b="0"/>
-          <a:pathLst>
-            <a:path>
-              <a:moveTo>
-                <a:pt x="1102948" y="461521"/>
-              </a:moveTo>
-              <a:arcTo wR="2573464" hR="2573464" stAng="14109063" swAng="1635147"/>
-            </a:path>
-          </a:pathLst>
-        </a:custGeom>
-        <a:noFill/>
-        <a:ln w="9525" cap="flat" cmpd="sng" algn="ctr">
-          <a:solidFill>
-            <a:schemeClr val="accent1">
-              <a:hueOff val="0"/>
-              <a:satOff val="0"/>
-              <a:lumOff val="0"/>
-              <a:alphaOff val="0"/>
-            </a:schemeClr>
-          </a:solidFill>
-          <a:prstDash val="solid"/>
-          <a:tailEnd type="arrow"/>
-        </a:ln>
-        <a:effectLst/>
-      </dsp:spPr>
-      <dsp:style>
-        <a:lnRef idx="1">
-          <a:scrgbClr r="0" g="0" b="0"/>
-        </a:lnRef>
-        <a:fillRef idx="0">
-          <a:scrgbClr r="0" g="0" b="0"/>
-        </a:fillRef>
-        <a:effectRef idx="0">
-          <a:scrgbClr r="0" g="0" b="0"/>
-        </a:effectRef>
-        <a:fontRef idx="minor"/>
-      </dsp:style>
-    </dsp:sp>
-  </dsp:spTree>
-</dsp:drawing>
-</file>
-
 <file path=ppt/diagrams/layout1.xml><?xml version="1.0" encoding="utf-8"?>
 <dgm:layoutDef xmlns:dgm="http://schemas.openxmlformats.org/drawingml/2006/diagram" xmlns:a="http://schemas.openxmlformats.org/drawingml/2006/main" uniqueId="urn:microsoft.com/office/officeart/2005/8/layout/radial3">
   <dgm:title val=""/>
@@ -3812,214 +1853,6 @@
         </dgm:forEach>
       </dgm:forEach>
     </dgm:layoutNode>
-  </dgm:layoutNode>
-</dgm:layoutDef>
-</file>
-
-<file path=ppt/diagrams/layout2.xml><?xml version="1.0" encoding="utf-8"?>
-<dgm:layoutDef xmlns:dgm="http://schemas.openxmlformats.org/drawingml/2006/diagram" xmlns:a="http://schemas.openxmlformats.org/drawingml/2006/main" uniqueId="urn:microsoft.com/office/officeart/2005/8/layout/cycle5">
-  <dgm:title val=""/>
-  <dgm:desc val=""/>
-  <dgm:catLst>
-    <dgm:cat type="cycle" pri="3000"/>
-  </dgm:catLst>
-  <dgm:sampData>
-    <dgm:dataModel>
-      <dgm:ptLst>
-        <dgm:pt modelId="0" type="doc"/>
-        <dgm:pt modelId="1">
-          <dgm:prSet phldr="1"/>
-        </dgm:pt>
-        <dgm:pt modelId="2">
-          <dgm:prSet phldr="1"/>
-        </dgm:pt>
-        <dgm:pt modelId="3">
-          <dgm:prSet phldr="1"/>
-        </dgm:pt>
-        <dgm:pt modelId="4">
-          <dgm:prSet phldr="1"/>
-        </dgm:pt>
-        <dgm:pt modelId="5">
-          <dgm:prSet phldr="1"/>
-        </dgm:pt>
-      </dgm:ptLst>
-      <dgm:cxnLst>
-        <dgm:cxn modelId="6" srcId="0" destId="1" srcOrd="0" destOrd="0"/>
-        <dgm:cxn modelId="7" srcId="0" destId="2" srcOrd="1" destOrd="0"/>
-        <dgm:cxn modelId="8" srcId="0" destId="3" srcOrd="2" destOrd="0"/>
-        <dgm:cxn modelId="9" srcId="0" destId="4" srcOrd="3" destOrd="0"/>
-        <dgm:cxn modelId="10" srcId="0" destId="5" srcOrd="4" destOrd="0"/>
-      </dgm:cxnLst>
-      <dgm:bg/>
-      <dgm:whole/>
-    </dgm:dataModel>
-  </dgm:sampData>
-  <dgm:styleData>
-    <dgm:dataModel>
-      <dgm:ptLst>
-        <dgm:pt modelId="0" type="doc"/>
-        <dgm:pt modelId="1"/>
-        <dgm:pt modelId="2"/>
-        <dgm:pt modelId="3"/>
-      </dgm:ptLst>
-      <dgm:cxnLst>
-        <dgm:cxn modelId="4" srcId="0" destId="1" srcOrd="0" destOrd="0"/>
-        <dgm:cxn modelId="5" srcId="0" destId="2" srcOrd="1" destOrd="0"/>
-        <dgm:cxn modelId="6" srcId="0" destId="3" srcOrd="2" destOrd="0"/>
-      </dgm:cxnLst>
-      <dgm:bg/>
-      <dgm:whole/>
-    </dgm:dataModel>
-  </dgm:styleData>
-  <dgm:clrData>
-    <dgm:dataModel>
-      <dgm:ptLst>
-        <dgm:pt modelId="0" type="doc"/>
-        <dgm:pt modelId="1"/>
-        <dgm:pt modelId="2"/>
-        <dgm:pt modelId="3"/>
-        <dgm:pt modelId="4"/>
-        <dgm:pt modelId="5"/>
-        <dgm:pt modelId="6"/>
-      </dgm:ptLst>
-      <dgm:cxnLst>
-        <dgm:cxn modelId="7" srcId="0" destId="1" srcOrd="0" destOrd="0"/>
-        <dgm:cxn modelId="8" srcId="0" destId="2" srcOrd="1" destOrd="0"/>
-        <dgm:cxn modelId="9" srcId="0" destId="3" srcOrd="2" destOrd="0"/>
-        <dgm:cxn modelId="10" srcId="0" destId="4" srcOrd="3" destOrd="0"/>
-        <dgm:cxn modelId="11" srcId="0" destId="5" srcOrd="4" destOrd="0"/>
-        <dgm:cxn modelId="12" srcId="0" destId="6" srcOrd="5" destOrd="0"/>
-      </dgm:cxnLst>
-      <dgm:bg/>
-      <dgm:whole/>
-    </dgm:dataModel>
-  </dgm:clrData>
-  <dgm:layoutNode name="cycle">
-    <dgm:varLst>
-      <dgm:dir/>
-      <dgm:resizeHandles val="exact"/>
-    </dgm:varLst>
-    <dgm:choose name="Name0">
-      <dgm:if name="Name1" func="var" arg="dir" op="equ" val="norm">
-        <dgm:choose name="Name2">
-          <dgm:if name="Name3" axis="ch" ptType="node" func="cnt" op="gt" val="2">
-            <dgm:alg type="cycle">
-              <dgm:param type="stAng" val="0"/>
-              <dgm:param type="spanAng" val="360"/>
-            </dgm:alg>
-          </dgm:if>
-          <dgm:else name="Name4">
-            <dgm:alg type="cycle">
-              <dgm:param type="stAng" val="-90"/>
-              <dgm:param type="spanAng" val="360"/>
-            </dgm:alg>
-          </dgm:else>
-        </dgm:choose>
-      </dgm:if>
-      <dgm:else name="Name5">
-        <dgm:choose name="Name6">
-          <dgm:if name="Name7" axis="ch" ptType="node" func="cnt" op="gt" val="2">
-            <dgm:alg type="cycle">
-              <dgm:param type="stAng" val="0"/>
-              <dgm:param type="spanAng" val="-360"/>
-            </dgm:alg>
-          </dgm:if>
-          <dgm:else name="Name8">
-            <dgm:alg type="cycle">
-              <dgm:param type="stAng" val="90"/>
-              <dgm:param type="spanAng" val="-360"/>
-            </dgm:alg>
-          </dgm:else>
-        </dgm:choose>
-      </dgm:else>
-    </dgm:choose>
-    <dgm:shape xmlns:r="http://schemas.openxmlformats.org/officeDocument/2006/relationships" r:blip="">
-      <dgm:adjLst/>
-    </dgm:shape>
-    <dgm:presOf/>
-    <dgm:choose name="Name9">
-      <dgm:if name="Name10" func="var" arg="dir" op="equ" val="norm">
-        <dgm:constrLst>
-          <dgm:constr type="w" for="ch" forName="node" refType="w"/>
-          <dgm:constr type="w" for="ch" ptType="sibTrans" refType="w" refFor="ch" refForName="node" op="equ" fact="0.3"/>
-          <dgm:constr type="diam" for="ch" ptType="sibTrans" refType="diam" op="equ"/>
-          <dgm:constr type="sibSp" refType="w" refFor="ch" refForName="node" op="equ" fact="0.15"/>
-          <dgm:constr type="w" for="ch" forName="spNode" refType="sibSp" fact="1.6"/>
-          <dgm:constr type="primFontSz" for="ch" forName="node" op="equ" val="65"/>
-        </dgm:constrLst>
-      </dgm:if>
-      <dgm:else name="Name11">
-        <dgm:constrLst>
-          <dgm:constr type="w" for="ch" forName="node" refType="w"/>
-          <dgm:constr type="w" for="ch" ptType="sibTrans" refType="w" refFor="ch" refForName="node" op="equ" fact="0.3"/>
-          <dgm:constr type="diam" for="ch" ptType="sibTrans" refType="diam" fact="-1"/>
-          <dgm:constr type="diam" for="ch" refType="diam" op="equ" fact="-1"/>
-          <dgm:constr type="sibSp" refType="w" refFor="ch" refForName="node" op="equ" fact="0.15"/>
-          <dgm:constr type="w" for="ch" forName="spNode" refType="sibSp" fact="1.6"/>
-          <dgm:constr type="primFontSz" for="ch" forName="node" op="equ" val="65"/>
-        </dgm:constrLst>
-      </dgm:else>
-    </dgm:choose>
-    <dgm:ruleLst/>
-    <dgm:forEach name="Name12" axis="ch" ptType="node">
-      <dgm:layoutNode name="node">
-        <dgm:varLst>
-          <dgm:bulletEnabled val="1"/>
-        </dgm:varLst>
-        <dgm:alg type="tx"/>
-        <dgm:shape xmlns:r="http://schemas.openxmlformats.org/officeDocument/2006/relationships" type="roundRect" r:blip="">
-          <dgm:adjLst/>
-        </dgm:shape>
-        <dgm:presOf axis="desOrSelf" ptType="node"/>
-        <dgm:constrLst>
-          <dgm:constr type="h" refType="w" fact="0.65"/>
-          <dgm:constr type="tMarg" refType="primFontSz" fact="0.3"/>
-          <dgm:constr type="bMarg" refType="primFontSz" fact="0.3"/>
-          <dgm:constr type="lMarg" refType="primFontSz" fact="0.3"/>
-          <dgm:constr type="rMarg" refType="primFontSz" fact="0.3"/>
-        </dgm:constrLst>
-        <dgm:ruleLst>
-          <dgm:rule type="primFontSz" val="5" fact="NaN" max="NaN"/>
-        </dgm:ruleLst>
-      </dgm:layoutNode>
-      <dgm:choose name="Name13">
-        <dgm:if name="Name14" axis="par ch" ptType="doc node" func="cnt" op="gt" val="1">
-          <dgm:layoutNode name="spNode">
-            <dgm:alg type="sp"/>
-            <dgm:shape xmlns:r="http://schemas.openxmlformats.org/officeDocument/2006/relationships" r:blip="">
-              <dgm:adjLst/>
-            </dgm:shape>
-            <dgm:presOf/>
-            <dgm:constrLst>
-              <dgm:constr type="h" refType="w"/>
-            </dgm:constrLst>
-            <dgm:ruleLst/>
-          </dgm:layoutNode>
-          <dgm:forEach name="Name15" axis="followSib" ptType="sibTrans" hideLastTrans="0" cnt="1">
-            <dgm:layoutNode name="sibTrans">
-              <dgm:alg type="conn">
-                <dgm:param type="dim" val="1D"/>
-                <dgm:param type="connRout" val="curve"/>
-                <dgm:param type="begPts" val="radial"/>
-                <dgm:param type="endPts" val="radial"/>
-              </dgm:alg>
-              <dgm:shape xmlns:r="http://schemas.openxmlformats.org/officeDocument/2006/relationships" type="conn" r:blip="">
-                <dgm:adjLst/>
-              </dgm:shape>
-              <dgm:presOf axis="self"/>
-              <dgm:constrLst>
-                <dgm:constr type="h" refType="w" fact="0.65"/>
-                <dgm:constr type="connDist"/>
-                <dgm:constr type="begPad" refType="connDist" fact="0.2"/>
-                <dgm:constr type="endPad" refType="connDist" fact="0.2"/>
-              </dgm:constrLst>
-              <dgm:ruleLst/>
-            </dgm:layoutNode>
-          </dgm:forEach>
-        </dgm:if>
-        <dgm:else name="Name16"/>
-      </dgm:choose>
-    </dgm:forEach>
   </dgm:layoutNode>
 </dgm:layoutDef>
 </file>
@@ -5058,1040 +2891,6 @@
 </dgm:styleDef>
 </file>
 
-<file path=ppt/diagrams/quickStyle2.xml><?xml version="1.0" encoding="utf-8"?>
-<dgm:styleDef xmlns:dgm="http://schemas.openxmlformats.org/drawingml/2006/diagram" xmlns:a="http://schemas.openxmlformats.org/drawingml/2006/main" uniqueId="urn:microsoft.com/office/officeart/2005/8/quickstyle/simple1">
-  <dgm:title val=""/>
-  <dgm:desc val=""/>
-  <dgm:catLst>
-    <dgm:cat type="simple" pri="10100"/>
-  </dgm:catLst>
-  <dgm:scene3d>
-    <a:camera prst="orthographicFront"/>
-    <a:lightRig rig="threePt" dir="t"/>
-  </dgm:scene3d>
-  <dgm:styleLbl name="node0">
-    <dgm:scene3d>
-      <a:camera prst="orthographicFront"/>
-      <a:lightRig rig="threePt" dir="t"/>
-    </dgm:scene3d>
-    <dgm:sp3d/>
-    <dgm:txPr/>
-    <dgm:style>
-      <a:lnRef idx="2">
-        <a:scrgbClr r="0" g="0" b="0"/>
-      </a:lnRef>
-      <a:fillRef idx="1">
-        <a:scrgbClr r="0" g="0" b="0"/>
-      </a:fillRef>
-      <a:effectRef idx="0">
-        <a:scrgbClr r="0" g="0" b="0"/>
-      </a:effectRef>
-      <a:fontRef idx="minor">
-        <a:schemeClr val="lt1"/>
-      </a:fontRef>
-    </dgm:style>
-  </dgm:styleLbl>
-  <dgm:styleLbl name="lnNode1">
-    <dgm:scene3d>
-      <a:camera prst="orthographicFront"/>
-      <a:lightRig rig="threePt" dir="t"/>
-    </dgm:scene3d>
-    <dgm:sp3d/>
-    <dgm:txPr/>
-    <dgm:style>
-      <a:lnRef idx="2">
-        <a:scrgbClr r="0" g="0" b="0"/>
-      </a:lnRef>
-      <a:fillRef idx="1">
-        <a:scrgbClr r="0" g="0" b="0"/>
-      </a:fillRef>
-      <a:effectRef idx="0">
-        <a:scrgbClr r="0" g="0" b="0"/>
-      </a:effectRef>
-      <a:fontRef idx="minor">
-        <a:schemeClr val="lt1"/>
-      </a:fontRef>
-    </dgm:style>
-  </dgm:styleLbl>
-  <dgm:styleLbl name="vennNode1">
-    <dgm:scene3d>
-      <a:camera prst="orthographicFront"/>
-      <a:lightRig rig="threePt" dir="t"/>
-    </dgm:scene3d>
-    <dgm:sp3d/>
-    <dgm:txPr/>
-    <dgm:style>
-      <a:lnRef idx="2">
-        <a:scrgbClr r="0" g="0" b="0"/>
-      </a:lnRef>
-      <a:fillRef idx="1">
-        <a:scrgbClr r="0" g="0" b="0"/>
-      </a:fillRef>
-      <a:effectRef idx="0">
-        <a:scrgbClr r="0" g="0" b="0"/>
-      </a:effectRef>
-      <a:fontRef idx="minor">
-        <a:schemeClr val="tx1"/>
-      </a:fontRef>
-    </dgm:style>
-  </dgm:styleLbl>
-  <dgm:styleLbl name="alignNode1">
-    <dgm:scene3d>
-      <a:camera prst="orthographicFront"/>
-      <a:lightRig rig="threePt" dir="t"/>
-    </dgm:scene3d>
-    <dgm:sp3d/>
-    <dgm:txPr/>
-    <dgm:style>
-      <a:lnRef idx="2">
-        <a:scrgbClr r="0" g="0" b="0"/>
-      </a:lnRef>
-      <a:fillRef idx="1">
-        <a:scrgbClr r="0" g="0" b="0"/>
-      </a:fillRef>
-      <a:effectRef idx="0">
-        <a:scrgbClr r="0" g="0" b="0"/>
-      </a:effectRef>
-      <a:fontRef idx="minor">
-        <a:schemeClr val="lt1"/>
-      </a:fontRef>
-    </dgm:style>
-  </dgm:styleLbl>
-  <dgm:styleLbl name="node1">
-    <dgm:scene3d>
-      <a:camera prst="orthographicFront"/>
-      <a:lightRig rig="threePt" dir="t"/>
-    </dgm:scene3d>
-    <dgm:sp3d/>
-    <dgm:txPr/>
-    <dgm:style>
-      <a:lnRef idx="2">
-        <a:scrgbClr r="0" g="0" b="0"/>
-      </a:lnRef>
-      <a:fillRef idx="1">
-        <a:scrgbClr r="0" g="0" b="0"/>
-      </a:fillRef>
-      <a:effectRef idx="0">
-        <a:scrgbClr r="0" g="0" b="0"/>
-      </a:effectRef>
-      <a:fontRef idx="minor">
-        <a:schemeClr val="lt1"/>
-      </a:fontRef>
-    </dgm:style>
-  </dgm:styleLbl>
-  <dgm:styleLbl name="node2">
-    <dgm:scene3d>
-      <a:camera prst="orthographicFront"/>
-      <a:lightRig rig="threePt" dir="t"/>
-    </dgm:scene3d>
-    <dgm:sp3d/>
-    <dgm:txPr/>
-    <dgm:style>
-      <a:lnRef idx="2">
-        <a:scrgbClr r="0" g="0" b="0"/>
-      </a:lnRef>
-      <a:fillRef idx="1">
-        <a:scrgbClr r="0" g="0" b="0"/>
-      </a:fillRef>
-      <a:effectRef idx="0">
-        <a:scrgbClr r="0" g="0" b="0"/>
-      </a:effectRef>
-      <a:fontRef idx="minor">
-        <a:schemeClr val="lt1"/>
-      </a:fontRef>
-    </dgm:style>
-  </dgm:styleLbl>
-  <dgm:styleLbl name="node3">
-    <dgm:scene3d>
-      <a:camera prst="orthographicFront"/>
-      <a:lightRig rig="threePt" dir="t"/>
-    </dgm:scene3d>
-    <dgm:sp3d/>
-    <dgm:txPr/>
-    <dgm:style>
-      <a:lnRef idx="2">
-        <a:scrgbClr r="0" g="0" b="0"/>
-      </a:lnRef>
-      <a:fillRef idx="1">
-        <a:scrgbClr r="0" g="0" b="0"/>
-      </a:fillRef>
-      <a:effectRef idx="0">
-        <a:scrgbClr r="0" g="0" b="0"/>
-      </a:effectRef>
-      <a:fontRef idx="minor">
-        <a:schemeClr val="lt1"/>
-      </a:fontRef>
-    </dgm:style>
-  </dgm:styleLbl>
-  <dgm:styleLbl name="node4">
-    <dgm:scene3d>
-      <a:camera prst="orthographicFront"/>
-      <a:lightRig rig="threePt" dir="t"/>
-    </dgm:scene3d>
-    <dgm:sp3d/>
-    <dgm:txPr/>
-    <dgm:style>
-      <a:lnRef idx="2">
-        <a:scrgbClr r="0" g="0" b="0"/>
-      </a:lnRef>
-      <a:fillRef idx="1">
-        <a:scrgbClr r="0" g="0" b="0"/>
-      </a:fillRef>
-      <a:effectRef idx="0">
-        <a:scrgbClr r="0" g="0" b="0"/>
-      </a:effectRef>
-      <a:fontRef idx="minor">
-        <a:schemeClr val="lt1"/>
-      </a:fontRef>
-    </dgm:style>
-  </dgm:styleLbl>
-  <dgm:styleLbl name="fgImgPlace1">
-    <dgm:scene3d>
-      <a:camera prst="orthographicFront"/>
-      <a:lightRig rig="threePt" dir="t"/>
-    </dgm:scene3d>
-    <dgm:sp3d/>
-    <dgm:txPr/>
-    <dgm:style>
-      <a:lnRef idx="2">
-        <a:scrgbClr r="0" g="0" b="0"/>
-      </a:lnRef>
-      <a:fillRef idx="1">
-        <a:scrgbClr r="0" g="0" b="0"/>
-      </a:fillRef>
-      <a:effectRef idx="0">
-        <a:scrgbClr r="0" g="0" b="0"/>
-      </a:effectRef>
-      <a:fontRef idx="minor"/>
-    </dgm:style>
-  </dgm:styleLbl>
-  <dgm:styleLbl name="alignImgPlace1">
-    <dgm:scene3d>
-      <a:camera prst="orthographicFront"/>
-      <a:lightRig rig="threePt" dir="t"/>
-    </dgm:scene3d>
-    <dgm:sp3d/>
-    <dgm:txPr/>
-    <dgm:style>
-      <a:lnRef idx="2">
-        <a:scrgbClr r="0" g="0" b="0"/>
-      </a:lnRef>
-      <a:fillRef idx="1">
-        <a:scrgbClr r="0" g="0" b="0"/>
-      </a:fillRef>
-      <a:effectRef idx="0">
-        <a:scrgbClr r="0" g="0" b="0"/>
-      </a:effectRef>
-      <a:fontRef idx="minor"/>
-    </dgm:style>
-  </dgm:styleLbl>
-  <dgm:styleLbl name="bgImgPlace1">
-    <dgm:scene3d>
-      <a:camera prst="orthographicFront"/>
-      <a:lightRig rig="threePt" dir="t"/>
-    </dgm:scene3d>
-    <dgm:sp3d/>
-    <dgm:txPr/>
-    <dgm:style>
-      <a:lnRef idx="2">
-        <a:scrgbClr r="0" g="0" b="0"/>
-      </a:lnRef>
-      <a:fillRef idx="1">
-        <a:scrgbClr r="0" g="0" b="0"/>
-      </a:fillRef>
-      <a:effectRef idx="0">
-        <a:scrgbClr r="0" g="0" b="0"/>
-      </a:effectRef>
-      <a:fontRef idx="minor"/>
-    </dgm:style>
-  </dgm:styleLbl>
-  <dgm:styleLbl name="sibTrans2D1">
-    <dgm:scene3d>
-      <a:camera prst="orthographicFront"/>
-      <a:lightRig rig="threePt" dir="t"/>
-    </dgm:scene3d>
-    <dgm:sp3d/>
-    <dgm:txPr/>
-    <dgm:style>
-      <a:lnRef idx="0">
-        <a:scrgbClr r="0" g="0" b="0"/>
-      </a:lnRef>
-      <a:fillRef idx="1">
-        <a:scrgbClr r="0" g="0" b="0"/>
-      </a:fillRef>
-      <a:effectRef idx="0">
-        <a:scrgbClr r="0" g="0" b="0"/>
-      </a:effectRef>
-      <a:fontRef idx="minor">
-        <a:schemeClr val="lt1"/>
-      </a:fontRef>
-    </dgm:style>
-  </dgm:styleLbl>
-  <dgm:styleLbl name="fgSibTrans2D1">
-    <dgm:scene3d>
-      <a:camera prst="orthographicFront"/>
-      <a:lightRig rig="threePt" dir="t"/>
-    </dgm:scene3d>
-    <dgm:sp3d/>
-    <dgm:txPr/>
-    <dgm:style>
-      <a:lnRef idx="0">
-        <a:scrgbClr r="0" g="0" b="0"/>
-      </a:lnRef>
-      <a:fillRef idx="1">
-        <a:scrgbClr r="0" g="0" b="0"/>
-      </a:fillRef>
-      <a:effectRef idx="0">
-        <a:scrgbClr r="0" g="0" b="0"/>
-      </a:effectRef>
-      <a:fontRef idx="minor">
-        <a:schemeClr val="lt1"/>
-      </a:fontRef>
-    </dgm:style>
-  </dgm:styleLbl>
-  <dgm:styleLbl name="bgSibTrans2D1">
-    <dgm:scene3d>
-      <a:camera prst="orthographicFront"/>
-      <a:lightRig rig="threePt" dir="t"/>
-    </dgm:scene3d>
-    <dgm:sp3d/>
-    <dgm:txPr/>
-    <dgm:style>
-      <a:lnRef idx="0">
-        <a:scrgbClr r="0" g="0" b="0"/>
-      </a:lnRef>
-      <a:fillRef idx="1">
-        <a:scrgbClr r="0" g="0" b="0"/>
-      </a:fillRef>
-      <a:effectRef idx="0">
-        <a:scrgbClr r="0" g="0" b="0"/>
-      </a:effectRef>
-      <a:fontRef idx="minor">
-        <a:schemeClr val="lt1"/>
-      </a:fontRef>
-    </dgm:style>
-  </dgm:styleLbl>
-  <dgm:styleLbl name="sibTrans1D1">
-    <dgm:scene3d>
-      <a:camera prst="orthographicFront"/>
-      <a:lightRig rig="threePt" dir="t"/>
-    </dgm:scene3d>
-    <dgm:sp3d/>
-    <dgm:txPr/>
-    <dgm:style>
-      <a:lnRef idx="1">
-        <a:scrgbClr r="0" g="0" b="0"/>
-      </a:lnRef>
-      <a:fillRef idx="0">
-        <a:scrgbClr r="0" g="0" b="0"/>
-      </a:fillRef>
-      <a:effectRef idx="0">
-        <a:scrgbClr r="0" g="0" b="0"/>
-      </a:effectRef>
-      <a:fontRef idx="minor"/>
-    </dgm:style>
-  </dgm:styleLbl>
-  <dgm:styleLbl name="callout">
-    <dgm:scene3d>
-      <a:camera prst="orthographicFront"/>
-      <a:lightRig rig="threePt" dir="t"/>
-    </dgm:scene3d>
-    <dgm:sp3d/>
-    <dgm:txPr/>
-    <dgm:style>
-      <a:lnRef idx="2">
-        <a:scrgbClr r="0" g="0" b="0"/>
-      </a:lnRef>
-      <a:fillRef idx="1">
-        <a:scrgbClr r="0" g="0" b="0"/>
-      </a:fillRef>
-      <a:effectRef idx="0">
-        <a:scrgbClr r="0" g="0" b="0"/>
-      </a:effectRef>
-      <a:fontRef idx="minor"/>
-    </dgm:style>
-  </dgm:styleLbl>
-  <dgm:styleLbl name="asst0">
-    <dgm:scene3d>
-      <a:camera prst="orthographicFront"/>
-      <a:lightRig rig="threePt" dir="t"/>
-    </dgm:scene3d>
-    <dgm:sp3d/>
-    <dgm:txPr/>
-    <dgm:style>
-      <a:lnRef idx="2">
-        <a:scrgbClr r="0" g="0" b="0"/>
-      </a:lnRef>
-      <a:fillRef idx="1">
-        <a:scrgbClr r="0" g="0" b="0"/>
-      </a:fillRef>
-      <a:effectRef idx="0">
-        <a:scrgbClr r="0" g="0" b="0"/>
-      </a:effectRef>
-      <a:fontRef idx="minor">
-        <a:schemeClr val="lt1"/>
-      </a:fontRef>
-    </dgm:style>
-  </dgm:styleLbl>
-  <dgm:styleLbl name="asst1">
-    <dgm:scene3d>
-      <a:camera prst="orthographicFront"/>
-      <a:lightRig rig="threePt" dir="t"/>
-    </dgm:scene3d>
-    <dgm:sp3d/>
-    <dgm:txPr/>
-    <dgm:style>
-      <a:lnRef idx="2">
-        <a:scrgbClr r="0" g="0" b="0"/>
-      </a:lnRef>
-      <a:fillRef idx="1">
-        <a:scrgbClr r="0" g="0" b="0"/>
-      </a:fillRef>
-      <a:effectRef idx="0">
-        <a:scrgbClr r="0" g="0" b="0"/>
-      </a:effectRef>
-      <a:fontRef idx="minor">
-        <a:schemeClr val="lt1"/>
-      </a:fontRef>
-    </dgm:style>
-  </dgm:styleLbl>
-  <dgm:styleLbl name="asst2">
-    <dgm:scene3d>
-      <a:camera prst="orthographicFront"/>
-      <a:lightRig rig="threePt" dir="t"/>
-    </dgm:scene3d>
-    <dgm:sp3d/>
-    <dgm:txPr/>
-    <dgm:style>
-      <a:lnRef idx="2">
-        <a:scrgbClr r="0" g="0" b="0"/>
-      </a:lnRef>
-      <a:fillRef idx="1">
-        <a:scrgbClr r="0" g="0" b="0"/>
-      </a:fillRef>
-      <a:effectRef idx="0">
-        <a:scrgbClr r="0" g="0" b="0"/>
-      </a:effectRef>
-      <a:fontRef idx="minor">
-        <a:schemeClr val="lt1"/>
-      </a:fontRef>
-    </dgm:style>
-  </dgm:styleLbl>
-  <dgm:styleLbl name="asst3">
-    <dgm:scene3d>
-      <a:camera prst="orthographicFront"/>
-      <a:lightRig rig="threePt" dir="t"/>
-    </dgm:scene3d>
-    <dgm:sp3d/>
-    <dgm:txPr/>
-    <dgm:style>
-      <a:lnRef idx="2">
-        <a:scrgbClr r="0" g="0" b="0"/>
-      </a:lnRef>
-      <a:fillRef idx="1">
-        <a:scrgbClr r="0" g="0" b="0"/>
-      </a:fillRef>
-      <a:effectRef idx="0">
-        <a:scrgbClr r="0" g="0" b="0"/>
-      </a:effectRef>
-      <a:fontRef idx="minor">
-        <a:schemeClr val="lt1"/>
-      </a:fontRef>
-    </dgm:style>
-  </dgm:styleLbl>
-  <dgm:styleLbl name="asst4">
-    <dgm:scene3d>
-      <a:camera prst="orthographicFront"/>
-      <a:lightRig rig="threePt" dir="t"/>
-    </dgm:scene3d>
-    <dgm:sp3d/>
-    <dgm:txPr/>
-    <dgm:style>
-      <a:lnRef idx="2">
-        <a:scrgbClr r="0" g="0" b="0"/>
-      </a:lnRef>
-      <a:fillRef idx="1">
-        <a:scrgbClr r="0" g="0" b="0"/>
-      </a:fillRef>
-      <a:effectRef idx="0">
-        <a:scrgbClr r="0" g="0" b="0"/>
-      </a:effectRef>
-      <a:fontRef idx="minor">
-        <a:schemeClr val="lt1"/>
-      </a:fontRef>
-    </dgm:style>
-  </dgm:styleLbl>
-  <dgm:styleLbl name="parChTrans2D1">
-    <dgm:scene3d>
-      <a:camera prst="orthographicFront"/>
-      <a:lightRig rig="threePt" dir="t"/>
-    </dgm:scene3d>
-    <dgm:sp3d/>
-    <dgm:txPr/>
-    <dgm:style>
-      <a:lnRef idx="2">
-        <a:scrgbClr r="0" g="0" b="0"/>
-      </a:lnRef>
-      <a:fillRef idx="1">
-        <a:scrgbClr r="0" g="0" b="0"/>
-      </a:fillRef>
-      <a:effectRef idx="0">
-        <a:scrgbClr r="0" g="0" b="0"/>
-      </a:effectRef>
-      <a:fontRef idx="minor">
-        <a:schemeClr val="lt1"/>
-      </a:fontRef>
-    </dgm:style>
-  </dgm:styleLbl>
-  <dgm:styleLbl name="parChTrans2D2">
-    <dgm:scene3d>
-      <a:camera prst="orthographicFront"/>
-      <a:lightRig rig="threePt" dir="t"/>
-    </dgm:scene3d>
-    <dgm:sp3d/>
-    <dgm:txPr/>
-    <dgm:style>
-      <a:lnRef idx="2">
-        <a:scrgbClr r="0" g="0" b="0"/>
-      </a:lnRef>
-      <a:fillRef idx="1">
-        <a:scrgbClr r="0" g="0" b="0"/>
-      </a:fillRef>
-      <a:effectRef idx="0">
-        <a:scrgbClr r="0" g="0" b="0"/>
-      </a:effectRef>
-      <a:fontRef idx="minor">
-        <a:schemeClr val="lt1"/>
-      </a:fontRef>
-    </dgm:style>
-  </dgm:styleLbl>
-  <dgm:styleLbl name="parChTrans2D3">
-    <dgm:scene3d>
-      <a:camera prst="orthographicFront"/>
-      <a:lightRig rig="threePt" dir="t"/>
-    </dgm:scene3d>
-    <dgm:sp3d/>
-    <dgm:txPr/>
-    <dgm:style>
-      <a:lnRef idx="2">
-        <a:scrgbClr r="0" g="0" b="0"/>
-      </a:lnRef>
-      <a:fillRef idx="1">
-        <a:scrgbClr r="0" g="0" b="0"/>
-      </a:fillRef>
-      <a:effectRef idx="0">
-        <a:scrgbClr r="0" g="0" b="0"/>
-      </a:effectRef>
-      <a:fontRef idx="minor">
-        <a:schemeClr val="lt1"/>
-      </a:fontRef>
-    </dgm:style>
-  </dgm:styleLbl>
-  <dgm:styleLbl name="parChTrans2D4">
-    <dgm:scene3d>
-      <a:camera prst="orthographicFront"/>
-      <a:lightRig rig="threePt" dir="t"/>
-    </dgm:scene3d>
-    <dgm:sp3d/>
-    <dgm:txPr/>
-    <dgm:style>
-      <a:lnRef idx="2">
-        <a:scrgbClr r="0" g="0" b="0"/>
-      </a:lnRef>
-      <a:fillRef idx="1">
-        <a:scrgbClr r="0" g="0" b="0"/>
-      </a:fillRef>
-      <a:effectRef idx="0">
-        <a:scrgbClr r="0" g="0" b="0"/>
-      </a:effectRef>
-      <a:fontRef idx="minor">
-        <a:schemeClr val="lt1"/>
-      </a:fontRef>
-    </dgm:style>
-  </dgm:styleLbl>
-  <dgm:styleLbl name="parChTrans1D1">
-    <dgm:scene3d>
-      <a:camera prst="orthographicFront"/>
-      <a:lightRig rig="threePt" dir="t"/>
-    </dgm:scene3d>
-    <dgm:sp3d/>
-    <dgm:txPr/>
-    <dgm:style>
-      <a:lnRef idx="2">
-        <a:scrgbClr r="0" g="0" b="0"/>
-      </a:lnRef>
-      <a:fillRef idx="0">
-        <a:scrgbClr r="0" g="0" b="0"/>
-      </a:fillRef>
-      <a:effectRef idx="0">
-        <a:scrgbClr r="0" g="0" b="0"/>
-      </a:effectRef>
-      <a:fontRef idx="minor"/>
-    </dgm:style>
-  </dgm:styleLbl>
-  <dgm:styleLbl name="parChTrans1D2">
-    <dgm:scene3d>
-      <a:camera prst="orthographicFront"/>
-      <a:lightRig rig="threePt" dir="t"/>
-    </dgm:scene3d>
-    <dgm:sp3d/>
-    <dgm:txPr/>
-    <dgm:style>
-      <a:lnRef idx="2">
-        <a:scrgbClr r="0" g="0" b="0"/>
-      </a:lnRef>
-      <a:fillRef idx="0">
-        <a:scrgbClr r="0" g="0" b="0"/>
-      </a:fillRef>
-      <a:effectRef idx="0">
-        <a:scrgbClr r="0" g="0" b="0"/>
-      </a:effectRef>
-      <a:fontRef idx="minor"/>
-    </dgm:style>
-  </dgm:styleLbl>
-  <dgm:styleLbl name="parChTrans1D3">
-    <dgm:scene3d>
-      <a:camera prst="orthographicFront"/>
-      <a:lightRig rig="threePt" dir="t"/>
-    </dgm:scene3d>
-    <dgm:sp3d/>
-    <dgm:txPr/>
-    <dgm:style>
-      <a:lnRef idx="2">
-        <a:scrgbClr r="0" g="0" b="0"/>
-      </a:lnRef>
-      <a:fillRef idx="0">
-        <a:scrgbClr r="0" g="0" b="0"/>
-      </a:fillRef>
-      <a:effectRef idx="0">
-        <a:scrgbClr r="0" g="0" b="0"/>
-      </a:effectRef>
-      <a:fontRef idx="minor"/>
-    </dgm:style>
-  </dgm:styleLbl>
-  <dgm:styleLbl name="parChTrans1D4">
-    <dgm:scene3d>
-      <a:camera prst="orthographicFront"/>
-      <a:lightRig rig="threePt" dir="t"/>
-    </dgm:scene3d>
-    <dgm:sp3d/>
-    <dgm:txPr/>
-    <dgm:style>
-      <a:lnRef idx="2">
-        <a:scrgbClr r="0" g="0" b="0"/>
-      </a:lnRef>
-      <a:fillRef idx="0">
-        <a:scrgbClr r="0" g="0" b="0"/>
-      </a:fillRef>
-      <a:effectRef idx="0">
-        <a:scrgbClr r="0" g="0" b="0"/>
-      </a:effectRef>
-      <a:fontRef idx="minor"/>
-    </dgm:style>
-  </dgm:styleLbl>
-  <dgm:styleLbl name="fgAcc1">
-    <dgm:scene3d>
-      <a:camera prst="orthographicFront"/>
-      <a:lightRig rig="threePt" dir="t"/>
-    </dgm:scene3d>
-    <dgm:sp3d/>
-    <dgm:txPr/>
-    <dgm:style>
-      <a:lnRef idx="2">
-        <a:scrgbClr r="0" g="0" b="0"/>
-      </a:lnRef>
-      <a:fillRef idx="1">
-        <a:scrgbClr r="0" g="0" b="0"/>
-      </a:fillRef>
-      <a:effectRef idx="0">
-        <a:scrgbClr r="0" g="0" b="0"/>
-      </a:effectRef>
-      <a:fontRef idx="minor"/>
-    </dgm:style>
-  </dgm:styleLbl>
-  <dgm:styleLbl name="conFgAcc1">
-    <dgm:scene3d>
-      <a:camera prst="orthographicFront"/>
-      <a:lightRig rig="threePt" dir="t"/>
-    </dgm:scene3d>
-    <dgm:sp3d/>
-    <dgm:txPr/>
-    <dgm:style>
-      <a:lnRef idx="2">
-        <a:scrgbClr r="0" g="0" b="0"/>
-      </a:lnRef>
-      <a:fillRef idx="1">
-        <a:scrgbClr r="0" g="0" b="0"/>
-      </a:fillRef>
-      <a:effectRef idx="0">
-        <a:scrgbClr r="0" g="0" b="0"/>
-      </a:effectRef>
-      <a:fontRef idx="minor"/>
-    </dgm:style>
-  </dgm:styleLbl>
-  <dgm:styleLbl name="alignAcc1">
-    <dgm:scene3d>
-      <a:camera prst="orthographicFront"/>
-      <a:lightRig rig="threePt" dir="t"/>
-    </dgm:scene3d>
-    <dgm:sp3d/>
-    <dgm:txPr/>
-    <dgm:style>
-      <a:lnRef idx="2">
-        <a:scrgbClr r="0" g="0" b="0"/>
-      </a:lnRef>
-      <a:fillRef idx="1">
-        <a:scrgbClr r="0" g="0" b="0"/>
-      </a:fillRef>
-      <a:effectRef idx="0">
-        <a:scrgbClr r="0" g="0" b="0"/>
-      </a:effectRef>
-      <a:fontRef idx="minor"/>
-    </dgm:style>
-  </dgm:styleLbl>
-  <dgm:styleLbl name="trAlignAcc1">
-    <dgm:scene3d>
-      <a:camera prst="orthographicFront"/>
-      <a:lightRig rig="threePt" dir="t"/>
-    </dgm:scene3d>
-    <dgm:sp3d/>
-    <dgm:txPr/>
-    <dgm:style>
-      <a:lnRef idx="1">
-        <a:scrgbClr r="0" g="0" b="0"/>
-      </a:lnRef>
-      <a:fillRef idx="1">
-        <a:scrgbClr r="0" g="0" b="0"/>
-      </a:fillRef>
-      <a:effectRef idx="0">
-        <a:scrgbClr r="0" g="0" b="0"/>
-      </a:effectRef>
-      <a:fontRef idx="minor"/>
-    </dgm:style>
-  </dgm:styleLbl>
-  <dgm:styleLbl name="bgAcc1">
-    <dgm:scene3d>
-      <a:camera prst="orthographicFront"/>
-      <a:lightRig rig="threePt" dir="t"/>
-    </dgm:scene3d>
-    <dgm:sp3d/>
-    <dgm:txPr/>
-    <dgm:style>
-      <a:lnRef idx="2">
-        <a:scrgbClr r="0" g="0" b="0"/>
-      </a:lnRef>
-      <a:fillRef idx="1">
-        <a:scrgbClr r="0" g="0" b="0"/>
-      </a:fillRef>
-      <a:effectRef idx="0">
-        <a:scrgbClr r="0" g="0" b="0"/>
-      </a:effectRef>
-      <a:fontRef idx="minor"/>
-    </dgm:style>
-  </dgm:styleLbl>
-  <dgm:styleLbl name="solidFgAcc1">
-    <dgm:scene3d>
-      <a:camera prst="orthographicFront"/>
-      <a:lightRig rig="threePt" dir="t"/>
-    </dgm:scene3d>
-    <dgm:sp3d/>
-    <dgm:txPr/>
-    <dgm:style>
-      <a:lnRef idx="2">
-        <a:scrgbClr r="0" g="0" b="0"/>
-      </a:lnRef>
-      <a:fillRef idx="1">
-        <a:scrgbClr r="0" g="0" b="0"/>
-      </a:fillRef>
-      <a:effectRef idx="0">
-        <a:scrgbClr r="0" g="0" b="0"/>
-      </a:effectRef>
-      <a:fontRef idx="minor"/>
-    </dgm:style>
-  </dgm:styleLbl>
-  <dgm:styleLbl name="solidAlignAcc1">
-    <dgm:scene3d>
-      <a:camera prst="orthographicFront"/>
-      <a:lightRig rig="threePt" dir="t"/>
-    </dgm:scene3d>
-    <dgm:sp3d/>
-    <dgm:txPr/>
-    <dgm:style>
-      <a:lnRef idx="2">
-        <a:scrgbClr r="0" g="0" b="0"/>
-      </a:lnRef>
-      <a:fillRef idx="1">
-        <a:scrgbClr r="0" g="0" b="0"/>
-      </a:fillRef>
-      <a:effectRef idx="0">
-        <a:scrgbClr r="0" g="0" b="0"/>
-      </a:effectRef>
-      <a:fontRef idx="minor"/>
-    </dgm:style>
-  </dgm:styleLbl>
-  <dgm:styleLbl name="solidBgAcc1">
-    <dgm:scene3d>
-      <a:camera prst="orthographicFront"/>
-      <a:lightRig rig="threePt" dir="t"/>
-    </dgm:scene3d>
-    <dgm:sp3d/>
-    <dgm:txPr/>
-    <dgm:style>
-      <a:lnRef idx="2">
-        <a:scrgbClr r="0" g="0" b="0"/>
-      </a:lnRef>
-      <a:fillRef idx="1">
-        <a:scrgbClr r="0" g="0" b="0"/>
-      </a:fillRef>
-      <a:effectRef idx="0">
-        <a:scrgbClr r="0" g="0" b="0"/>
-      </a:effectRef>
-      <a:fontRef idx="minor"/>
-    </dgm:style>
-  </dgm:styleLbl>
-  <dgm:styleLbl name="fgAccFollowNode1">
-    <dgm:scene3d>
-      <a:camera prst="orthographicFront"/>
-      <a:lightRig rig="threePt" dir="t"/>
-    </dgm:scene3d>
-    <dgm:sp3d/>
-    <dgm:txPr/>
-    <dgm:style>
-      <a:lnRef idx="2">
-        <a:scrgbClr r="0" g="0" b="0"/>
-      </a:lnRef>
-      <a:fillRef idx="1">
-        <a:scrgbClr r="0" g="0" b="0"/>
-      </a:fillRef>
-      <a:effectRef idx="0">
-        <a:scrgbClr r="0" g="0" b="0"/>
-      </a:effectRef>
-      <a:fontRef idx="minor"/>
-    </dgm:style>
-  </dgm:styleLbl>
-  <dgm:styleLbl name="alignAccFollowNode1">
-    <dgm:scene3d>
-      <a:camera prst="orthographicFront"/>
-      <a:lightRig rig="threePt" dir="t"/>
-    </dgm:scene3d>
-    <dgm:sp3d/>
-    <dgm:txPr/>
-    <dgm:style>
-      <a:lnRef idx="2">
-        <a:scrgbClr r="0" g="0" b="0"/>
-      </a:lnRef>
-      <a:fillRef idx="1">
-        <a:scrgbClr r="0" g="0" b="0"/>
-      </a:fillRef>
-      <a:effectRef idx="0">
-        <a:scrgbClr r="0" g="0" b="0"/>
-      </a:effectRef>
-      <a:fontRef idx="minor"/>
-    </dgm:style>
-  </dgm:styleLbl>
-  <dgm:styleLbl name="bgAccFollowNode1">
-    <dgm:scene3d>
-      <a:camera prst="orthographicFront"/>
-      <a:lightRig rig="threePt" dir="t"/>
-    </dgm:scene3d>
-    <dgm:sp3d/>
-    <dgm:txPr/>
-    <dgm:style>
-      <a:lnRef idx="2">
-        <a:scrgbClr r="0" g="0" b="0"/>
-      </a:lnRef>
-      <a:fillRef idx="1">
-        <a:scrgbClr r="0" g="0" b="0"/>
-      </a:fillRef>
-      <a:effectRef idx="0">
-        <a:scrgbClr r="0" g="0" b="0"/>
-      </a:effectRef>
-      <a:fontRef idx="minor"/>
-    </dgm:style>
-  </dgm:styleLbl>
-  <dgm:styleLbl name="fgAcc0">
-    <dgm:scene3d>
-      <a:camera prst="orthographicFront"/>
-      <a:lightRig rig="threePt" dir="t"/>
-    </dgm:scene3d>
-    <dgm:sp3d/>
-    <dgm:txPr/>
-    <dgm:style>
-      <a:lnRef idx="2">
-        <a:scrgbClr r="0" g="0" b="0"/>
-      </a:lnRef>
-      <a:fillRef idx="1">
-        <a:scrgbClr r="0" g="0" b="0"/>
-      </a:fillRef>
-      <a:effectRef idx="0">
-        <a:scrgbClr r="0" g="0" b="0"/>
-      </a:effectRef>
-      <a:fontRef idx="minor"/>
-    </dgm:style>
-  </dgm:styleLbl>
-  <dgm:styleLbl name="fgAcc2">
-    <dgm:scene3d>
-      <a:camera prst="orthographicFront"/>
-      <a:lightRig rig="threePt" dir="t"/>
-    </dgm:scene3d>
-    <dgm:sp3d/>
-    <dgm:txPr/>
-    <dgm:style>
-      <a:lnRef idx="2">
-        <a:scrgbClr r="0" g="0" b="0"/>
-      </a:lnRef>
-      <a:fillRef idx="1">
-        <a:scrgbClr r="0" g="0" b="0"/>
-      </a:fillRef>
-      <a:effectRef idx="0">
-        <a:scrgbClr r="0" g="0" b="0"/>
-      </a:effectRef>
-      <a:fontRef idx="minor"/>
-    </dgm:style>
-  </dgm:styleLbl>
-  <dgm:styleLbl name="fgAcc3">
-    <dgm:scene3d>
-      <a:camera prst="orthographicFront"/>
-      <a:lightRig rig="threePt" dir="t"/>
-    </dgm:scene3d>
-    <dgm:sp3d/>
-    <dgm:txPr/>
-    <dgm:style>
-      <a:lnRef idx="2">
-        <a:scrgbClr r="0" g="0" b="0"/>
-      </a:lnRef>
-      <a:fillRef idx="1">
-        <a:scrgbClr r="0" g="0" b="0"/>
-      </a:fillRef>
-      <a:effectRef idx="0">
-        <a:scrgbClr r="0" g="0" b="0"/>
-      </a:effectRef>
-      <a:fontRef idx="minor"/>
-    </dgm:style>
-  </dgm:styleLbl>
-  <dgm:styleLbl name="fgAcc4">
-    <dgm:scene3d>
-      <a:camera prst="orthographicFront"/>
-      <a:lightRig rig="threePt" dir="t"/>
-    </dgm:scene3d>
-    <dgm:sp3d/>
-    <dgm:txPr/>
-    <dgm:style>
-      <a:lnRef idx="2">
-        <a:scrgbClr r="0" g="0" b="0"/>
-      </a:lnRef>
-      <a:fillRef idx="1">
-        <a:scrgbClr r="0" g="0" b="0"/>
-      </a:fillRef>
-      <a:effectRef idx="0">
-        <a:scrgbClr r="0" g="0" b="0"/>
-      </a:effectRef>
-      <a:fontRef idx="minor"/>
-    </dgm:style>
-  </dgm:styleLbl>
-  <dgm:styleLbl name="bgShp">
-    <dgm:scene3d>
-      <a:camera prst="orthographicFront"/>
-      <a:lightRig rig="threePt" dir="t"/>
-    </dgm:scene3d>
-    <dgm:sp3d/>
-    <dgm:txPr/>
-    <dgm:style>
-      <a:lnRef idx="0">
-        <a:scrgbClr r="0" g="0" b="0"/>
-      </a:lnRef>
-      <a:fillRef idx="1">
-        <a:scrgbClr r="0" g="0" b="0"/>
-      </a:fillRef>
-      <a:effectRef idx="0">
-        <a:scrgbClr r="0" g="0" b="0"/>
-      </a:effectRef>
-      <a:fontRef idx="minor"/>
-    </dgm:style>
-  </dgm:styleLbl>
-  <dgm:styleLbl name="dkBgShp">
-    <dgm:scene3d>
-      <a:camera prst="orthographicFront"/>
-      <a:lightRig rig="threePt" dir="t"/>
-    </dgm:scene3d>
-    <dgm:sp3d/>
-    <dgm:txPr/>
-    <dgm:style>
-      <a:lnRef idx="0">
-        <a:scrgbClr r="0" g="0" b="0"/>
-      </a:lnRef>
-      <a:fillRef idx="1">
-        <a:scrgbClr r="0" g="0" b="0"/>
-      </a:fillRef>
-      <a:effectRef idx="0">
-        <a:scrgbClr r="0" g="0" b="0"/>
-      </a:effectRef>
-      <a:fontRef idx="minor"/>
-    </dgm:style>
-  </dgm:styleLbl>
-  <dgm:styleLbl name="trBgShp">
-    <dgm:scene3d>
-      <a:camera prst="orthographicFront"/>
-      <a:lightRig rig="threePt" dir="t"/>
-    </dgm:scene3d>
-    <dgm:sp3d/>
-    <dgm:txPr/>
-    <dgm:style>
-      <a:lnRef idx="0">
-        <a:scrgbClr r="0" g="0" b="0"/>
-      </a:lnRef>
-      <a:fillRef idx="1">
-        <a:scrgbClr r="0" g="0" b="0"/>
-      </a:fillRef>
-      <a:effectRef idx="0">
-        <a:scrgbClr r="0" g="0" b="0"/>
-      </a:effectRef>
-      <a:fontRef idx="minor"/>
-    </dgm:style>
-  </dgm:styleLbl>
-  <dgm:styleLbl name="fgShp">
-    <dgm:scene3d>
-      <a:camera prst="orthographicFront"/>
-      <a:lightRig rig="threePt" dir="t"/>
-    </dgm:scene3d>
-    <dgm:sp3d/>
-    <dgm:txPr/>
-    <dgm:style>
-      <a:lnRef idx="2">
-        <a:scrgbClr r="0" g="0" b="0"/>
-      </a:lnRef>
-      <a:fillRef idx="1">
-        <a:scrgbClr r="0" g="0" b="0"/>
-      </a:fillRef>
-      <a:effectRef idx="0">
-        <a:scrgbClr r="0" g="0" b="0"/>
-      </a:effectRef>
-      <a:fontRef idx="minor"/>
-    </dgm:style>
-  </dgm:styleLbl>
-  <dgm:styleLbl name="revTx">
-    <dgm:scene3d>
-      <a:camera prst="orthographicFront"/>
-      <a:lightRig rig="threePt" dir="t"/>
-    </dgm:scene3d>
-    <dgm:sp3d/>
-    <dgm:txPr/>
-    <dgm:style>
-      <a:lnRef idx="0">
-        <a:scrgbClr r="0" g="0" b="0"/>
-      </a:lnRef>
-      <a:fillRef idx="0">
-        <a:scrgbClr r="0" g="0" b="0"/>
-      </a:fillRef>
-      <a:effectRef idx="0">
-        <a:scrgbClr r="0" g="0" b="0"/>
-      </a:effectRef>
-      <a:fontRef idx="minor"/>
-    </dgm:style>
-  </dgm:styleLbl>
-</dgm:styleDef>
-</file>
-
 <file path=ppt/notesMasters/notesMaster1.xml><?xml version="1.0" encoding="utf-8"?>
 <p:notesMaster xmlns:a="http://schemas.openxmlformats.org/drawingml/2006/main" xmlns:r="http://schemas.openxmlformats.org/officeDocument/2006/relationships" xmlns:p="http://schemas.openxmlformats.org/presentationml/2006/main">
   <p:cSld>
@@ -6174,7 +2973,7 @@
           <a:p>
             <a:fld id="{D19041D9-397C-4D41-8F0A-EC8766BD8531}" type="datetimeFigureOut">
               <a:rPr lang="en-US" smtClean="0"/>
-              <a:t>11/25/2016</a:t>
+              <a:t>26/11/16</a:t>
             </a:fld>
             <a:endParaRPr lang="en-US"/>
           </a:p>
@@ -6580,12 +3379,7 @@
             <p:ph type="sldImg"/>
           </p:nvPr>
         </p:nvSpPr>
-        <p:spPr>
-          <a:xfrm>
-            <a:off x="1143000" y="685800"/>
-            <a:ext cx="4573588" cy="3429000"/>
-          </a:xfrm>
-        </p:spPr>
+        <p:spPr/>
       </p:sp>
       <p:sp>
         <p:nvSpPr>
@@ -6602,121 +3396,6 @@
           <a:bodyPr/>
           <a:lstStyle/>
           <a:p>
-            <a:pPr marL="0" indent="0">
-              <a:buFontTx/>
-              <a:buNone/>
-            </a:pPr>
-            <a:r>
-              <a:rPr lang="en-US" dirty="0" smtClean="0"/>
-              <a:t>Before</a:t>
-            </a:r>
-            <a:r>
-              <a:rPr lang="en-US" baseline="0" dirty="0" smtClean="0"/>
-              <a:t> I go on with this I would like to put o</a:t>
-            </a:r>
-            <a:r>
-              <a:rPr lang="en-US" dirty="0" smtClean="0"/>
-              <a:t>ur efforts</a:t>
-            </a:r>
-            <a:r>
-              <a:rPr lang="en-US" baseline="0" dirty="0" smtClean="0"/>
-              <a:t> to automate FRAP on ER Exit sites in a bigger context, because we in fact invest a lot of effort into generally automating what I called here “Advanced imaging protocols”.  </a:t>
-            </a:r>
-          </a:p>
-          <a:p>
-            <a:pPr marL="0" indent="0">
-              <a:buFontTx/>
-              <a:buNone/>
-            </a:pPr>
-            <a:endParaRPr lang="en-US" baseline="0" dirty="0" smtClean="0"/>
-          </a:p>
-          <a:p>
-            <a:pPr marL="0" indent="0">
-              <a:buFontTx/>
-              <a:buNone/>
-            </a:pPr>
-            <a:r>
-              <a:rPr lang="en-US" baseline="0" dirty="0" smtClean="0"/>
-              <a:t>Initially as an analysis software we used a custom made software, called </a:t>
-            </a:r>
-            <a:r>
-              <a:rPr lang="en-US" baseline="0" dirty="0" err="1" smtClean="0"/>
-              <a:t>MicroPilot</a:t>
-            </a:r>
-            <a:r>
-              <a:rPr lang="en-US" baseline="0" dirty="0" smtClean="0"/>
-              <a:t>, which allows the user to train the detection of certain cell phenotypes, for instance, based on a nuclear staining, it would find cells entering mitosis. </a:t>
-            </a:r>
-          </a:p>
-          <a:p>
-            <a:pPr marL="0" indent="0">
-              <a:buFontTx/>
-              <a:buNone/>
-            </a:pPr>
-            <a:endParaRPr lang="en-US" baseline="0" dirty="0" smtClean="0"/>
-          </a:p>
-          <a:p>
-            <a:pPr marL="0" indent="0">
-              <a:buFontTx/>
-              <a:buNone/>
-            </a:pPr>
-            <a:r>
-              <a:rPr lang="en-US" baseline="0" dirty="0" smtClean="0"/>
-              <a:t>However, recently we also started adding into this workflow </a:t>
-            </a:r>
-            <a:r>
-              <a:rPr lang="en-US" baseline="0" dirty="0" err="1" smtClean="0"/>
-              <a:t>CellProfiler</a:t>
-            </a:r>
-            <a:r>
-              <a:rPr lang="en-US" baseline="0" dirty="0" smtClean="0"/>
-              <a:t>, which is very convenient, if you want to find for instance simply the brightest cell or if you want to have the logic of intracellular objects. And then we also added </a:t>
-            </a:r>
-            <a:r>
-              <a:rPr lang="en-US" baseline="0" dirty="0" err="1" smtClean="0"/>
-              <a:t>ImageJ</a:t>
-            </a:r>
-            <a:r>
-              <a:rPr lang="en-US" baseline="0" dirty="0" smtClean="0"/>
-              <a:t>, which for instance allows you to do 3-D analysis.</a:t>
-            </a:r>
-          </a:p>
-          <a:p>
-            <a:pPr marL="0" indent="0">
-              <a:buFontTx/>
-              <a:buNone/>
-            </a:pPr>
-            <a:endParaRPr lang="en-US" baseline="0" dirty="0" smtClean="0"/>
-          </a:p>
-          <a:p>
-            <a:pPr marL="0" indent="0">
-              <a:buFontTx/>
-              <a:buNone/>
-            </a:pPr>
-            <a:r>
-              <a:rPr lang="en-US" baseline="0" dirty="0" smtClean="0"/>
-              <a:t>…</a:t>
-            </a:r>
-          </a:p>
-          <a:p>
-            <a:pPr marL="0" indent="0">
-              <a:buFontTx/>
-              <a:buNone/>
-            </a:pPr>
-            <a:endParaRPr lang="en-US" baseline="0" dirty="0" smtClean="0"/>
-          </a:p>
-          <a:p>
-            <a:pPr marL="0" indent="0">
-              <a:buFontTx/>
-              <a:buNone/>
-            </a:pPr>
-            <a:endParaRPr lang="en-US" dirty="0" smtClean="0"/>
-          </a:p>
-          <a:p>
-            <a:pPr marL="0" indent="0">
-              <a:buFontTx/>
-              <a:buNone/>
-            </a:pPr>
             <a:endParaRPr lang="en-US" dirty="0"/>
           </a:p>
         </p:txBody>
@@ -6736,24 +3415,18 @@
           <a:bodyPr/>
           <a:lstStyle/>
           <a:p>
-            <a:pPr>
-              <a:defRPr/>
-            </a:pPr>
-            <a:fld id="{4671B344-734A-B447-BC7D-EDBE9A74D4DC}" type="slidenum">
-              <a:rPr lang="de-DE" smtClean="0"/>
-              <a:pPr>
-                <a:defRPr/>
-              </a:pPr>
+            <a:fld id="{9A23FEB5-4D18-43A9-AC75-0D5B3E6360FC}" type="slidenum">
+              <a:rPr lang="en-US" smtClean="0"/>
               <a:t>19</a:t>
             </a:fld>
-            <a:endParaRPr lang="de-DE"/>
+            <a:endParaRPr lang="en-US"/>
           </a:p>
         </p:txBody>
       </p:sp>
     </p:spTree>
     <p:extLst>
       <p:ext uri="{BB962C8B-B14F-4D97-AF65-F5344CB8AC3E}">
-        <p14:creationId xmlns:p14="http://schemas.microsoft.com/office/powerpoint/2010/main" val="512203030"/>
+        <p14:creationId xmlns:p14="http://schemas.microsoft.com/office/powerpoint/2010/main" val="3952798925"/>
       </p:ext>
     </p:extLst>
   </p:cSld>
@@ -6945,7 +3618,7 @@
             <a:fld id="{1D8BD707-D9CF-40AE-B4C6-C98DA3205C09}" type="datetimeFigureOut">
               <a:rPr lang="en-US" smtClean="0"/>
               <a:pPr/>
-              <a:t>11/25/2016</a:t>
+              <a:t>26/11/16</a:t>
             </a:fld>
             <a:endParaRPr lang="en-US"/>
           </a:p>
@@ -7112,7 +3785,7 @@
             <a:fld id="{1D8BD707-D9CF-40AE-B4C6-C98DA3205C09}" type="datetimeFigureOut">
               <a:rPr lang="en-US" smtClean="0"/>
               <a:pPr/>
-              <a:t>11/25/2016</a:t>
+              <a:t>26/11/16</a:t>
             </a:fld>
             <a:endParaRPr lang="en-US"/>
           </a:p>
@@ -7289,7 +3962,7 @@
             <a:fld id="{1D8BD707-D9CF-40AE-B4C6-C98DA3205C09}" type="datetimeFigureOut">
               <a:rPr lang="en-US" smtClean="0"/>
               <a:pPr/>
-              <a:t>11/25/2016</a:t>
+              <a:t>26/11/16</a:t>
             </a:fld>
             <a:endParaRPr lang="en-US"/>
           </a:p>
@@ -7456,7 +4129,7 @@
             <a:fld id="{1D8BD707-D9CF-40AE-B4C6-C98DA3205C09}" type="datetimeFigureOut">
               <a:rPr lang="en-US" smtClean="0"/>
               <a:pPr/>
-              <a:t>11/25/2016</a:t>
+              <a:t>26/11/16</a:t>
             </a:fld>
             <a:endParaRPr lang="en-US"/>
           </a:p>
@@ -7699,7 +4372,7 @@
             <a:fld id="{1D8BD707-D9CF-40AE-B4C6-C98DA3205C09}" type="datetimeFigureOut">
               <a:rPr lang="en-US" smtClean="0"/>
               <a:pPr/>
-              <a:t>11/25/2016</a:t>
+              <a:t>26/11/16</a:t>
             </a:fld>
             <a:endParaRPr lang="en-US"/>
           </a:p>
@@ -7984,7 +4657,7 @@
             <a:fld id="{1D8BD707-D9CF-40AE-B4C6-C98DA3205C09}" type="datetimeFigureOut">
               <a:rPr lang="en-US" smtClean="0"/>
               <a:pPr/>
-              <a:t>11/25/2016</a:t>
+              <a:t>26/11/16</a:t>
             </a:fld>
             <a:endParaRPr lang="en-US"/>
           </a:p>
@@ -8403,7 +5076,7 @@
             <a:fld id="{1D8BD707-D9CF-40AE-B4C6-C98DA3205C09}" type="datetimeFigureOut">
               <a:rPr lang="en-US" smtClean="0"/>
               <a:pPr/>
-              <a:t>11/25/2016</a:t>
+              <a:t>26/11/16</a:t>
             </a:fld>
             <a:endParaRPr lang="en-US"/>
           </a:p>
@@ -8518,7 +5191,7 @@
             <a:fld id="{1D8BD707-D9CF-40AE-B4C6-C98DA3205C09}" type="datetimeFigureOut">
               <a:rPr lang="en-US" smtClean="0"/>
               <a:pPr/>
-              <a:t>11/25/2016</a:t>
+              <a:t>26/11/16</a:t>
             </a:fld>
             <a:endParaRPr lang="en-US"/>
           </a:p>
@@ -8610,7 +5283,7 @@
             <a:fld id="{1D8BD707-D9CF-40AE-B4C6-C98DA3205C09}" type="datetimeFigureOut">
               <a:rPr lang="en-US" smtClean="0"/>
               <a:pPr/>
-              <a:t>11/25/2016</a:t>
+              <a:t>26/11/16</a:t>
             </a:fld>
             <a:endParaRPr lang="en-US"/>
           </a:p>
@@ -8884,7 +5557,7 @@
             <a:fld id="{1D8BD707-D9CF-40AE-B4C6-C98DA3205C09}" type="datetimeFigureOut">
               <a:rPr lang="en-US" smtClean="0"/>
               <a:pPr/>
-              <a:t>11/25/2016</a:t>
+              <a:t>26/11/16</a:t>
             </a:fld>
             <a:endParaRPr lang="en-US"/>
           </a:p>
@@ -9134,7 +5807,7 @@
             <a:fld id="{1D8BD707-D9CF-40AE-B4C6-C98DA3205C09}" type="datetimeFigureOut">
               <a:rPr lang="en-US" smtClean="0"/>
               <a:pPr/>
-              <a:t>11/25/2016</a:t>
+              <a:t>26/11/16</a:t>
             </a:fld>
             <a:endParaRPr lang="en-US"/>
           </a:p>
@@ -9344,7 +6017,7 @@
             <a:fld id="{1D8BD707-D9CF-40AE-B4C6-C98DA3205C09}" type="datetimeFigureOut">
               <a:rPr lang="en-US" smtClean="0"/>
               <a:pPr/>
-              <a:t>11/25/2016</a:t>
+              <a:t>26/11/16</a:t>
             </a:fld>
             <a:endParaRPr lang="en-US"/>
           </a:p>
@@ -10130,14 +6803,14 @@
             <a:noFill/>
           </a:ln>
           <a:extLst>
-            <a:ext uri="{909E8E84-426E-40DD-AFC4-6F175D3DCCD1}">
+            <a:ext uri="{909E8E84-426E-40dd-AFC4-6F175D3DCCD1}">
               <a14:hiddenFill xmlns:a14="http://schemas.microsoft.com/office/drawing/2010/main">
                 <a:solidFill>
                   <a:srgbClr val="FFFFFF"/>
                 </a:solidFill>
               </a14:hiddenFill>
             </a:ext>
-            <a:ext uri="{91240B29-F687-4F45-9708-019B960494DF}">
+            <a:ext uri="{91240B29-F687-4f45-9708-019B960494DF}">
               <a14:hiddenLine xmlns:a14="http://schemas.microsoft.com/office/drawing/2010/main" w="9525">
                 <a:solidFill>
                   <a:srgbClr val="000000"/>
@@ -10184,14 +6857,14 @@
             <a:noFill/>
           </a:ln>
           <a:extLst>
-            <a:ext uri="{909E8E84-426E-40DD-AFC4-6F175D3DCCD1}">
+            <a:ext uri="{909E8E84-426E-40dd-AFC4-6F175D3DCCD1}">
               <a14:hiddenFill xmlns:a14="http://schemas.microsoft.com/office/drawing/2010/main">
                 <a:solidFill>
                   <a:srgbClr val="FFFFFF"/>
                 </a:solidFill>
               </a14:hiddenFill>
             </a:ext>
-            <a:ext uri="{91240B29-F687-4F45-9708-019B960494DF}">
+            <a:ext uri="{91240B29-F687-4f45-9708-019B960494DF}">
               <a14:hiddenLine xmlns:a14="http://schemas.microsoft.com/office/drawing/2010/main" w="9525">
                 <a:solidFill>
                   <a:srgbClr val="000000"/>
@@ -10225,14 +6898,14 @@
             <a:noFill/>
           </a:ln>
           <a:extLst>
-            <a:ext uri="{909E8E84-426E-40DD-AFC4-6F175D3DCCD1}">
+            <a:ext uri="{909E8E84-426E-40dd-AFC4-6F175D3DCCD1}">
               <a14:hiddenFill xmlns:a14="http://schemas.microsoft.com/office/drawing/2010/main">
                 <a:solidFill>
                   <a:srgbClr val="FFFFFF"/>
                 </a:solidFill>
               </a14:hiddenFill>
             </a:ext>
-            <a:ext uri="{91240B29-F687-4F45-9708-019B960494DF}">
+            <a:ext uri="{91240B29-F687-4f45-9708-019B960494DF}">
               <a14:hiddenLine xmlns:a14="http://schemas.microsoft.com/office/drawing/2010/main" w="9525">
                 <a:solidFill>
                   <a:srgbClr val="000000"/>
@@ -10385,14 +7058,14 @@
             <a:noFill/>
           </a:ln>
           <a:extLst>
-            <a:ext uri="{909E8E84-426E-40DD-AFC4-6F175D3DCCD1}">
+            <a:ext uri="{909E8E84-426E-40dd-AFC4-6F175D3DCCD1}">
               <a14:hiddenFill xmlns:a14="http://schemas.microsoft.com/office/drawing/2010/main">
                 <a:solidFill>
                   <a:srgbClr val="FFFFFF"/>
                 </a:solidFill>
               </a14:hiddenFill>
             </a:ext>
-            <a:ext uri="{91240B29-F687-4F45-9708-019B960494DF}">
+            <a:ext uri="{91240B29-F687-4f45-9708-019B960494DF}">
               <a14:hiddenLine xmlns:a14="http://schemas.microsoft.com/office/drawing/2010/main" w="9525">
                 <a:solidFill>
                   <a:srgbClr val="000000"/>
@@ -10545,14 +7218,14 @@
             <a:noFill/>
           </a:ln>
           <a:extLst>
-            <a:ext uri="{909E8E84-426E-40DD-AFC4-6F175D3DCCD1}">
+            <a:ext uri="{909E8E84-426E-40dd-AFC4-6F175D3DCCD1}">
               <a14:hiddenFill xmlns:a14="http://schemas.microsoft.com/office/drawing/2010/main">
                 <a:solidFill>
                   <a:srgbClr val="FFFFFF"/>
                 </a:solidFill>
               </a14:hiddenFill>
             </a:ext>
-            <a:ext uri="{91240B29-F687-4F45-9708-019B960494DF}">
+            <a:ext uri="{91240B29-F687-4f45-9708-019B960494DF}">
               <a14:hiddenLine xmlns:a14="http://schemas.microsoft.com/office/drawing/2010/main" w="9525">
                 <a:solidFill>
                   <a:srgbClr val="000000"/>
@@ -10723,7 +7396,7 @@
   <p:timing>
     <p:tnLst>
       <p:par>
-        <p:cTn id="1" dur="indefinite" restart="never" nodeType="tmRoot">
+        <p:cTn xmlns:p14="http://schemas.microsoft.com/office/powerpoint/2010/main" id="1" dur="indefinite" restart="never" nodeType="tmRoot">
           <p:childTnLst>
             <p:seq concurrent="1" nextAc="seek">
               <p:cTn id="2" dur="indefinite" nodeType="mainSeq">
@@ -10868,14 +7541,14 @@
               <a:noFill/>
             </a:ln>
             <a:extLst>
-              <a:ext uri="{909E8E84-426E-40DD-AFC4-6F175D3DCCD1}">
+              <a:ext uri="{909E8E84-426E-40dd-AFC4-6F175D3DCCD1}">
                 <a14:hiddenFill xmlns:a14="http://schemas.microsoft.com/office/drawing/2010/main">
                   <a:solidFill>
                     <a:srgbClr val="FFFFFF"/>
                   </a:solidFill>
                 </a14:hiddenFill>
               </a:ext>
-              <a:ext uri="{91240B29-F687-4F45-9708-019B960494DF}">
+              <a:ext uri="{91240B29-F687-4f45-9708-019B960494DF}">
                 <a14:hiddenLine xmlns:a14="http://schemas.microsoft.com/office/drawing/2010/main" w="9525">
                   <a:solidFill>
                     <a:srgbClr val="000000"/>
@@ -10979,7 +7652,7 @@
                 </a:outerShdw>
               </a:effectLst>
               <a:extLst>
-                <a:ext uri="{909E8E84-426E-40DD-AFC4-6F175D3DCCD1}">
+                <a:ext uri="{909E8E84-426E-40dd-AFC4-6F175D3DCCD1}">
                   <a14:hiddenFill xmlns:a14="http://schemas.microsoft.com/office/drawing/2010/main">
                     <a:solidFill>
                       <a:srgbClr val="FFFFFF"/>
@@ -11071,7 +7744,7 @@
                 </a:outerShdw>
               </a:effectLst>
               <a:extLst>
-                <a:ext uri="{909E8E84-426E-40DD-AFC4-6F175D3DCCD1}">
+                <a:ext uri="{909E8E84-426E-40dd-AFC4-6F175D3DCCD1}">
                   <a14:hiddenFill xmlns:a14="http://schemas.microsoft.com/office/drawing/2010/main">
                     <a:solidFill>
                       <a:srgbClr val="FFFFFF"/>
@@ -11140,14 +7813,14 @@
               <a:noFill/>
             </a:ln>
             <a:extLst>
-              <a:ext uri="{909E8E84-426E-40DD-AFC4-6F175D3DCCD1}">
+              <a:ext uri="{909E8E84-426E-40dd-AFC4-6F175D3DCCD1}">
                 <a14:hiddenFill xmlns:a14="http://schemas.microsoft.com/office/drawing/2010/main">
                   <a:solidFill>
                     <a:srgbClr val="FFFFFF"/>
                   </a:solidFill>
                 </a14:hiddenFill>
               </a:ext>
-              <a:ext uri="{91240B29-F687-4F45-9708-019B960494DF}">
+              <a:ext uri="{91240B29-F687-4f45-9708-019B960494DF}">
                 <a14:hiddenLine xmlns:a14="http://schemas.microsoft.com/office/drawing/2010/main" w="9525">
                   <a:solidFill>
                     <a:srgbClr val="000000"/>
@@ -11251,7 +7924,7 @@
                 </a:outerShdw>
               </a:effectLst>
               <a:extLst>
-                <a:ext uri="{909E8E84-426E-40DD-AFC4-6F175D3DCCD1}">
+                <a:ext uri="{909E8E84-426E-40dd-AFC4-6F175D3DCCD1}">
                   <a14:hiddenFill xmlns:a14="http://schemas.microsoft.com/office/drawing/2010/main">
                     <a:solidFill>
                       <a:srgbClr val="FFFFFF"/>
@@ -11343,7 +8016,7 @@
                 </a:outerShdw>
               </a:effectLst>
               <a:extLst>
-                <a:ext uri="{909E8E84-426E-40DD-AFC4-6F175D3DCCD1}">
+                <a:ext uri="{909E8E84-426E-40dd-AFC4-6F175D3DCCD1}">
                   <a14:hiddenFill xmlns:a14="http://schemas.microsoft.com/office/drawing/2010/main">
                     <a:solidFill>
                       <a:srgbClr val="FFFFFF"/>
@@ -12036,14 +8709,14 @@
             <a:noFill/>
           </a:ln>
           <a:extLst>
-            <a:ext uri="{909E8E84-426E-40DD-AFC4-6F175D3DCCD1}">
+            <a:ext uri="{909E8E84-426E-40dd-AFC4-6F175D3DCCD1}">
               <a14:hiddenFill xmlns:a14="http://schemas.microsoft.com/office/drawing/2010/main">
                 <a:solidFill>
                   <a:srgbClr val="FFFFFF"/>
                 </a:solidFill>
               </a14:hiddenFill>
             </a:ext>
-            <a:ext uri="{91240B29-F687-4F45-9708-019B960494DF}">
+            <a:ext uri="{91240B29-F687-4f45-9708-019B960494DF}">
               <a14:hiddenLine xmlns:a14="http://schemas.microsoft.com/office/drawing/2010/main" w="9525">
                 <a:solidFill>
                   <a:srgbClr val="000000"/>
@@ -12248,14 +8921,14 @@
               <a:noFill/>
             </a:ln>
             <a:extLst>
-              <a:ext uri="{909E8E84-426E-40DD-AFC4-6F175D3DCCD1}">
+              <a:ext uri="{909E8E84-426E-40dd-AFC4-6F175D3DCCD1}">
                 <a14:hiddenFill xmlns:a14="http://schemas.microsoft.com/office/drawing/2010/main">
                   <a:solidFill>
                     <a:srgbClr val="FFFFFF"/>
                   </a:solidFill>
                 </a14:hiddenFill>
               </a:ext>
-              <a:ext uri="{91240B29-F687-4F45-9708-019B960494DF}">
+              <a:ext uri="{91240B29-F687-4f45-9708-019B960494DF}">
                 <a14:hiddenLine xmlns:a14="http://schemas.microsoft.com/office/drawing/2010/main" w="9525">
                   <a:solidFill>
                     <a:srgbClr val="000000"/>
@@ -12421,7 +9094,7 @@
             </a:outerShdw>
           </a:effectLst>
           <a:extLst>
-            <a:ext uri="{909E8E84-426E-40DD-AFC4-6F175D3DCCD1}">
+            <a:ext uri="{909E8E84-426E-40dd-AFC4-6F175D3DCCD1}">
               <a14:hiddenFill xmlns:a14="http://schemas.microsoft.com/office/drawing/2010/main">
                 <a:noFill/>
               </a14:hiddenFill>
@@ -12450,14 +9123,14 @@
             <a:noFill/>
           </a:ln>
           <a:extLst>
-            <a:ext uri="{909E8E84-426E-40DD-AFC4-6F175D3DCCD1}">
+            <a:ext uri="{909E8E84-426E-40dd-AFC4-6F175D3DCCD1}">
               <a14:hiddenFill xmlns:a14="http://schemas.microsoft.com/office/drawing/2010/main">
                 <a:solidFill>
                   <a:srgbClr val="FFFFFF"/>
                 </a:solidFill>
               </a14:hiddenFill>
             </a:ext>
-            <a:ext uri="{91240B29-F687-4F45-9708-019B960494DF}">
+            <a:ext uri="{91240B29-F687-4f45-9708-019B960494DF}">
               <a14:hiddenLine xmlns:a14="http://schemas.microsoft.com/office/drawing/2010/main" w="9525">
                 <a:solidFill>
                   <a:srgbClr val="000000"/>
@@ -13354,14 +10027,14 @@
             <a:noFill/>
           </a:ln>
           <a:extLst>
-            <a:ext uri="{909E8E84-426E-40DD-AFC4-6F175D3DCCD1}">
+            <a:ext uri="{909E8E84-426E-40dd-AFC4-6F175D3DCCD1}">
               <a14:hiddenFill xmlns:a14="http://schemas.microsoft.com/office/drawing/2010/main">
                 <a:solidFill>
                   <a:srgbClr val="FFFFFF"/>
                 </a:solidFill>
               </a14:hiddenFill>
             </a:ext>
-            <a:ext uri="{91240B29-F687-4F45-9708-019B960494DF}">
+            <a:ext uri="{91240B29-F687-4f45-9708-019B960494DF}">
               <a14:hiddenLine xmlns:a14="http://schemas.microsoft.com/office/drawing/2010/main" w="9525">
                 <a:solidFill>
                   <a:srgbClr val="000000"/>
@@ -13526,7 +10199,7 @@
             </a:outerShdw>
           </a:effectLst>
           <a:extLst>
-            <a:ext uri="{909E8E84-426E-40DD-AFC4-6F175D3DCCD1}">
+            <a:ext uri="{909E8E84-426E-40dd-AFC4-6F175D3DCCD1}">
               <a14:hiddenFill xmlns:a14="http://schemas.microsoft.com/office/drawing/2010/main">
                 <a:noFill/>
               </a14:hiddenFill>
@@ -13567,7 +10240,7 @@
             </a:outerShdw>
           </a:effectLst>
           <a:extLst>
-            <a:ext uri="{909E8E84-426E-40DD-AFC4-6F175D3DCCD1}">
+            <a:ext uri="{909E8E84-426E-40dd-AFC4-6F175D3DCCD1}">
               <a14:hiddenFill xmlns:a14="http://schemas.microsoft.com/office/drawing/2010/main">
                 <a:noFill/>
               </a14:hiddenFill>
@@ -13609,14 +10282,14 @@
             <a:noFill/>
           </a:ln>
           <a:extLst>
-            <a:ext uri="{909E8E84-426E-40DD-AFC4-6F175D3DCCD1}">
+            <a:ext uri="{909E8E84-426E-40dd-AFC4-6F175D3DCCD1}">
               <a14:hiddenFill xmlns:a14="http://schemas.microsoft.com/office/drawing/2010/main">
                 <a:solidFill>
                   <a:srgbClr val="FFFFFF"/>
                 </a:solidFill>
               </a14:hiddenFill>
             </a:ext>
-            <a:ext uri="{91240B29-F687-4F45-9708-019B960494DF}">
+            <a:ext uri="{91240B29-F687-4f45-9708-019B960494DF}">
               <a14:hiddenLine xmlns:a14="http://schemas.microsoft.com/office/drawing/2010/main" w="9525">
                 <a:solidFill>
                   <a:srgbClr val="000000"/>
@@ -14446,7 +11119,7 @@
               </a:outerShdw>
             </a:effectLst>
             <a:extLst>
-              <a:ext uri="{909E8E84-426E-40DD-AFC4-6F175D3DCCD1}">
+              <a:ext uri="{909E8E84-426E-40dd-AFC4-6F175D3DCCD1}">
                 <a14:hiddenFill xmlns:a14="http://schemas.microsoft.com/office/drawing/2010/main">
                   <a:solidFill>
                     <a:srgbClr val="FFFFFF"/>
@@ -14538,7 +11211,7 @@
               </a:outerShdw>
             </a:effectLst>
             <a:extLst>
-              <a:ext uri="{909E8E84-426E-40DD-AFC4-6F175D3DCCD1}">
+              <a:ext uri="{909E8E84-426E-40dd-AFC4-6F175D3DCCD1}">
                 <a14:hiddenFill xmlns:a14="http://schemas.microsoft.com/office/drawing/2010/main">
                   <a:solidFill>
                     <a:srgbClr val="FFFFFF"/>
@@ -15326,7 +11999,7 @@
               </a:outerShdw>
             </a:effectLst>
             <a:extLst>
-              <a:ext uri="{909E8E84-426E-40DD-AFC4-6F175D3DCCD1}">
+              <a:ext uri="{909E8E84-426E-40dd-AFC4-6F175D3DCCD1}">
                 <a14:hiddenFill xmlns:a14="http://schemas.microsoft.com/office/drawing/2010/main">
                   <a:solidFill>
                     <a:srgbClr val="FFFFFF"/>
@@ -15418,7 +12091,7 @@
               </a:outerShdw>
             </a:effectLst>
             <a:extLst>
-              <a:ext uri="{909E8E84-426E-40DD-AFC4-6F175D3DCCD1}">
+              <a:ext uri="{909E8E84-426E-40dd-AFC4-6F175D3DCCD1}">
                 <a14:hiddenFill xmlns:a14="http://schemas.microsoft.com/office/drawing/2010/main">
                   <a:solidFill>
                     <a:srgbClr val="FFFFFF"/>
@@ -16110,14 +12783,14 @@
             <a:noFill/>
           </a:ln>
           <a:extLst>
-            <a:ext uri="{909E8E84-426E-40DD-AFC4-6F175D3DCCD1}">
+            <a:ext uri="{909E8E84-426E-40dd-AFC4-6F175D3DCCD1}">
               <a14:hiddenFill xmlns:a14="http://schemas.microsoft.com/office/drawing/2010/main">
                 <a:solidFill>
                   <a:srgbClr val="FFFFFF"/>
                 </a:solidFill>
               </a14:hiddenFill>
             </a:ext>
-            <a:ext uri="{91240B29-F687-4F45-9708-019B960494DF}">
+            <a:ext uri="{91240B29-F687-4f45-9708-019B960494DF}">
               <a14:hiddenLine xmlns:a14="http://schemas.microsoft.com/office/drawing/2010/main" w="9525">
                 <a:solidFill>
                   <a:srgbClr val="000000"/>
@@ -16270,14 +12943,14 @@
             <a:noFill/>
           </a:ln>
           <a:extLst>
-            <a:ext uri="{909E8E84-426E-40DD-AFC4-6F175D3DCCD1}">
+            <a:ext uri="{909E8E84-426E-40dd-AFC4-6F175D3DCCD1}">
               <a14:hiddenFill xmlns:a14="http://schemas.microsoft.com/office/drawing/2010/main">
                 <a:solidFill>
                   <a:srgbClr val="FFFFFF"/>
                 </a:solidFill>
               </a14:hiddenFill>
             </a:ext>
-            <a:ext uri="{91240B29-F687-4F45-9708-019B960494DF}">
+            <a:ext uri="{91240B29-F687-4f45-9708-019B960494DF}">
               <a14:hiddenLine xmlns:a14="http://schemas.microsoft.com/office/drawing/2010/main" w="9525">
                 <a:solidFill>
                   <a:srgbClr val="000000"/>
@@ -16430,14 +13103,14 @@
             <a:noFill/>
           </a:ln>
           <a:extLst>
-            <a:ext uri="{909E8E84-426E-40DD-AFC4-6F175D3DCCD1}">
+            <a:ext uri="{909E8E84-426E-40dd-AFC4-6F175D3DCCD1}">
               <a14:hiddenFill xmlns:a14="http://schemas.microsoft.com/office/drawing/2010/main">
                 <a:solidFill>
                   <a:srgbClr val="FFFFFF"/>
                 </a:solidFill>
               </a14:hiddenFill>
             </a:ext>
-            <a:ext uri="{91240B29-F687-4F45-9708-019B960494DF}">
+            <a:ext uri="{91240B29-F687-4f45-9708-019B960494DF}">
               <a14:hiddenLine xmlns:a14="http://schemas.microsoft.com/office/drawing/2010/main" w="9525">
                 <a:solidFill>
                   <a:srgbClr val="000000"/>
@@ -16590,14 +13263,14 @@
             <a:noFill/>
           </a:ln>
           <a:extLst>
-            <a:ext uri="{909E8E84-426E-40DD-AFC4-6F175D3DCCD1}">
+            <a:ext uri="{909E8E84-426E-40dd-AFC4-6F175D3DCCD1}">
               <a14:hiddenFill xmlns:a14="http://schemas.microsoft.com/office/drawing/2010/main">
                 <a:solidFill>
                   <a:srgbClr val="FFFFFF"/>
                 </a:solidFill>
               </a14:hiddenFill>
             </a:ext>
-            <a:ext uri="{91240B29-F687-4F45-9708-019B960494DF}">
+            <a:ext uri="{91240B29-F687-4f45-9708-019B960494DF}">
               <a14:hiddenLine xmlns:a14="http://schemas.microsoft.com/office/drawing/2010/main" w="9525">
                 <a:solidFill>
                   <a:srgbClr val="000000"/>
@@ -16771,7 +13444,7 @@
   <p:timing>
     <p:tnLst>
       <p:par>
-        <p:cTn id="1" dur="indefinite" restart="never" nodeType="tmRoot"/>
+        <p:cTn xmlns:p14="http://schemas.microsoft.com/office/powerpoint/2010/main" id="1" dur="indefinite" restart="never" nodeType="tmRoot"/>
       </p:par>
     </p:tnLst>
   </p:timing>
@@ -16841,11 +13514,16 @@
             <a:picLocks noRot="1" noChangeAspect="1"/>
           </p:cNvPicPr>
           <p:nvPr>
-            <a:quickTimeFile r:link="rId1"/>
+            <a:videoFile r:link="rId2"/>
+            <p:extLst>
+              <p:ext uri="{DAA4B4D4-6D71-4841-9C94-3DE7FCFB9230}">
+                <p14:media xmlns:p14="http://schemas.microsoft.com/office/powerpoint/2010/main" r:link="rId1"/>
+              </p:ext>
+            </p:extLst>
           </p:nvPr>
         </p:nvPicPr>
         <p:blipFill>
-          <a:blip r:embed="rId3">
+          <a:blip r:embed="rId4">
             <a:extLst>
               <a:ext uri="{28A0092B-C50C-407E-A947-70E740481C1C}">
                 <a14:useLocalDpi xmlns:a14="http://schemas.microsoft.com/office/drawing/2010/main" val="0"/>
@@ -16870,14 +13548,14 @@
             <a:noFill/>
           </a:ln>
           <a:extLst>
-            <a:ext uri="{909E8E84-426E-40DD-AFC4-6F175D3DCCD1}">
+            <a:ext uri="{909E8E84-426E-40dd-AFC4-6F175D3DCCD1}">
               <a14:hiddenFill xmlns:a14="http://schemas.microsoft.com/office/drawing/2010/main">
                 <a:solidFill>
                   <a:srgbClr val="FFFFFF"/>
                 </a:solidFill>
               </a14:hiddenFill>
             </a:ext>
-            <a:ext uri="{91240B29-F687-4F45-9708-019B960494DF}">
+            <a:ext uri="{91240B29-F687-4f45-9708-019B960494DF}">
               <a14:hiddenLine xmlns:a14="http://schemas.microsoft.com/office/drawing/2010/main" w="9525">
                 <a:solidFill>
                   <a:srgbClr val="000000"/>
@@ -16899,7 +13577,7 @@
           <p:nvPr/>
         </p:nvPicPr>
         <p:blipFill>
-          <a:blip r:embed="rId4">
+          <a:blip r:embed="rId5">
             <a:extLst>
               <a:ext uri="{28A0092B-C50C-407E-A947-70E740481C1C}">
                 <a14:useLocalDpi xmlns:a14="http://schemas.microsoft.com/office/drawing/2010/main" val="0"/>
@@ -16925,14 +13603,14 @@
           </a:ln>
           <a:effectLst/>
           <a:extLst>
-            <a:ext uri="{909E8E84-426E-40DD-AFC4-6F175D3DCCD1}">
+            <a:ext uri="{909E8E84-426E-40dd-AFC4-6F175D3DCCD1}">
               <a14:hiddenFill xmlns:a14="http://schemas.microsoft.com/office/drawing/2010/main">
                 <a:solidFill>
                   <a:schemeClr val="accent1"/>
                 </a:solidFill>
               </a14:hiddenFill>
             </a:ext>
-            <a:ext uri="{91240B29-F687-4F45-9708-019B960494DF}">
+            <a:ext uri="{91240B29-F687-4f45-9708-019B960494DF}">
               <a14:hiddenLine xmlns:a14="http://schemas.microsoft.com/office/drawing/2010/main" w="9525">
                 <a:solidFill>
                   <a:schemeClr val="tx1"/>
@@ -16942,7 +13620,7 @@
                 <a:tailEnd/>
               </a14:hiddenLine>
             </a:ext>
-            <a:ext uri="{AF507438-7753-43E0-B8FC-AC1667EBCBE1}">
+            <a:ext uri="{AF507438-7753-43e0-B8FC-AC1667EBCBE1}">
               <a14:hiddenEffects xmlns:a14="http://schemas.microsoft.com/office/drawing/2010/main">
                 <a:effectLst>
                   <a:outerShdw blurRad="63500" dist="38099" dir="2700000" algn="ctr" rotWithShape="0">
@@ -16965,7 +13643,7 @@
           <p:nvPr/>
         </p:nvPicPr>
         <p:blipFill>
-          <a:blip r:embed="rId5">
+          <a:blip r:embed="rId6">
             <a:extLst>
               <a:ext uri="{28A0092B-C50C-407E-A947-70E740481C1C}">
                 <a14:useLocalDpi xmlns:a14="http://schemas.microsoft.com/office/drawing/2010/main" val="0"/>
@@ -16991,14 +13669,14 @@
           </a:ln>
           <a:effectLst/>
           <a:extLst>
-            <a:ext uri="{909E8E84-426E-40DD-AFC4-6F175D3DCCD1}">
+            <a:ext uri="{909E8E84-426E-40dd-AFC4-6F175D3DCCD1}">
               <a14:hiddenFill xmlns:a14="http://schemas.microsoft.com/office/drawing/2010/main">
                 <a:solidFill>
                   <a:schemeClr val="accent1"/>
                 </a:solidFill>
               </a14:hiddenFill>
             </a:ext>
-            <a:ext uri="{91240B29-F687-4F45-9708-019B960494DF}">
+            <a:ext uri="{91240B29-F687-4f45-9708-019B960494DF}">
               <a14:hiddenLine xmlns:a14="http://schemas.microsoft.com/office/drawing/2010/main" w="9525">
                 <a:solidFill>
                   <a:schemeClr val="tx1"/>
@@ -17008,7 +13686,7 @@
                 <a:tailEnd/>
               </a14:hiddenLine>
             </a:ext>
-            <a:ext uri="{AF507438-7753-43E0-B8FC-AC1667EBCBE1}">
+            <a:ext uri="{AF507438-7753-43e0-B8FC-AC1667EBCBE1}">
               <a14:hiddenEffects xmlns:a14="http://schemas.microsoft.com/office/drawing/2010/main">
                 <a:effectLst>
                   <a:outerShdw blurRad="63500" dist="38099" dir="2700000" algn="ctr" rotWithShape="0">
@@ -17031,7 +13709,7 @@
           <p:nvPr/>
         </p:nvPicPr>
         <p:blipFill>
-          <a:blip r:embed="rId6">
+          <a:blip r:embed="rId7">
             <a:extLst>
               <a:ext uri="{28A0092B-C50C-407E-A947-70E740481C1C}">
                 <a14:useLocalDpi xmlns:a14="http://schemas.microsoft.com/office/drawing/2010/main" val="0"/>
@@ -17057,14 +13735,14 @@
           </a:ln>
           <a:effectLst/>
           <a:extLst>
-            <a:ext uri="{909E8E84-426E-40DD-AFC4-6F175D3DCCD1}">
+            <a:ext uri="{909E8E84-426E-40dd-AFC4-6F175D3DCCD1}">
               <a14:hiddenFill xmlns:a14="http://schemas.microsoft.com/office/drawing/2010/main">
                 <a:solidFill>
                   <a:schemeClr val="accent1"/>
                 </a:solidFill>
               </a14:hiddenFill>
             </a:ext>
-            <a:ext uri="{91240B29-F687-4F45-9708-019B960494DF}">
+            <a:ext uri="{91240B29-F687-4f45-9708-019B960494DF}">
               <a14:hiddenLine xmlns:a14="http://schemas.microsoft.com/office/drawing/2010/main" w="9525">
                 <a:solidFill>
                   <a:schemeClr val="tx1"/>
@@ -17074,7 +13752,7 @@
                 <a:tailEnd/>
               </a14:hiddenLine>
             </a:ext>
-            <a:ext uri="{AF507438-7753-43E0-B8FC-AC1667EBCBE1}">
+            <a:ext uri="{AF507438-7753-43e0-B8FC-AC1667EBCBE1}">
               <a14:hiddenEffects xmlns:a14="http://schemas.microsoft.com/office/drawing/2010/main">
                 <a:effectLst>
                   <a:outerShdw blurRad="63500" dist="38099" dir="2700000" algn="ctr" rotWithShape="0">
@@ -17109,14 +13787,14 @@
             <a:noFill/>
           </a:ln>
           <a:extLst>
-            <a:ext uri="{909E8E84-426E-40DD-AFC4-6F175D3DCCD1}">
+            <a:ext uri="{909E8E84-426E-40dd-AFC4-6F175D3DCCD1}">
               <a14:hiddenFill xmlns:a14="http://schemas.microsoft.com/office/drawing/2010/main">
                 <a:solidFill>
                   <a:srgbClr val="FFFFFF"/>
                 </a:solidFill>
               </a14:hiddenFill>
             </a:ext>
-            <a:ext uri="{91240B29-F687-4F45-9708-019B960494DF}">
+            <a:ext uri="{91240B29-F687-4f45-9708-019B960494DF}">
               <a14:hiddenLine xmlns:a14="http://schemas.microsoft.com/office/drawing/2010/main" w="9525">
                 <a:solidFill>
                   <a:srgbClr val="000000"/>
@@ -17270,14 +13948,14 @@
             <a:noFill/>
           </a:ln>
           <a:extLst>
-            <a:ext uri="{909E8E84-426E-40DD-AFC4-6F175D3DCCD1}">
+            <a:ext uri="{909E8E84-426E-40dd-AFC4-6F175D3DCCD1}">
               <a14:hiddenFill xmlns:a14="http://schemas.microsoft.com/office/drawing/2010/main">
                 <a:solidFill>
                   <a:srgbClr val="FFFFFF"/>
                 </a:solidFill>
               </a14:hiddenFill>
             </a:ext>
-            <a:ext uri="{91240B29-F687-4F45-9708-019B960494DF}">
+            <a:ext uri="{91240B29-F687-4f45-9708-019B960494DF}">
               <a14:hiddenLine xmlns:a14="http://schemas.microsoft.com/office/drawing/2010/main" w="9525">
                 <a:solidFill>
                   <a:srgbClr val="000000"/>
@@ -17431,14 +14109,14 @@
             <a:noFill/>
           </a:ln>
           <a:extLst>
-            <a:ext uri="{909E8E84-426E-40DD-AFC4-6F175D3DCCD1}">
+            <a:ext uri="{909E8E84-426E-40dd-AFC4-6F175D3DCCD1}">
               <a14:hiddenFill xmlns:a14="http://schemas.microsoft.com/office/drawing/2010/main">
                 <a:solidFill>
                   <a:srgbClr val="FFFFFF"/>
                 </a:solidFill>
               </a14:hiddenFill>
             </a:ext>
-            <a:ext uri="{91240B29-F687-4F45-9708-019B960494DF}">
+            <a:ext uri="{91240B29-F687-4f45-9708-019B960494DF}">
               <a14:hiddenLine xmlns:a14="http://schemas.microsoft.com/office/drawing/2010/main" w="9525">
                 <a:solidFill>
                   <a:srgbClr val="000000"/>
@@ -17591,14 +14269,14 @@
             <a:noFill/>
           </a:ln>
           <a:extLst>
-            <a:ext uri="{909E8E84-426E-40DD-AFC4-6F175D3DCCD1}">
+            <a:ext uri="{909E8E84-426E-40dd-AFC4-6F175D3DCCD1}">
               <a14:hiddenFill xmlns:a14="http://schemas.microsoft.com/office/drawing/2010/main">
                 <a:solidFill>
                   <a:srgbClr val="FFFFFF"/>
                 </a:solidFill>
               </a14:hiddenFill>
             </a:ext>
-            <a:ext uri="{91240B29-F687-4F45-9708-019B960494DF}">
+            <a:ext uri="{91240B29-F687-4f45-9708-019B960494DF}">
               <a14:hiddenLine xmlns:a14="http://schemas.microsoft.com/office/drawing/2010/main" w="9525">
                 <a:solidFill>
                   <a:srgbClr val="000000"/>
@@ -17751,14 +14429,14 @@
             <a:noFill/>
           </a:ln>
           <a:extLst>
-            <a:ext uri="{909E8E84-426E-40DD-AFC4-6F175D3DCCD1}">
+            <a:ext uri="{909E8E84-426E-40dd-AFC4-6F175D3DCCD1}">
               <a14:hiddenFill xmlns:a14="http://schemas.microsoft.com/office/drawing/2010/main">
                 <a:solidFill>
                   <a:srgbClr val="FFFFFF"/>
                 </a:solidFill>
               </a14:hiddenFill>
             </a:ext>
-            <a:ext uri="{91240B29-F687-4F45-9708-019B960494DF}">
+            <a:ext uri="{91240B29-F687-4f45-9708-019B960494DF}">
               <a14:hiddenLine xmlns:a14="http://schemas.microsoft.com/office/drawing/2010/main" w="9525">
                 <a:solidFill>
                   <a:srgbClr val="000000"/>
@@ -17911,14 +14589,14 @@
             <a:noFill/>
           </a:ln>
           <a:extLst>
-            <a:ext uri="{909E8E84-426E-40DD-AFC4-6F175D3DCCD1}">
+            <a:ext uri="{909E8E84-426E-40dd-AFC4-6F175D3DCCD1}">
               <a14:hiddenFill xmlns:a14="http://schemas.microsoft.com/office/drawing/2010/main">
                 <a:solidFill>
                   <a:srgbClr val="FFFFFF"/>
                 </a:solidFill>
               </a14:hiddenFill>
             </a:ext>
-            <a:ext uri="{91240B29-F687-4F45-9708-019B960494DF}">
+            <a:ext uri="{91240B29-F687-4f45-9708-019B960494DF}">
               <a14:hiddenLine xmlns:a14="http://schemas.microsoft.com/office/drawing/2010/main" w="9525">
                 <a:solidFill>
                   <a:srgbClr val="000000"/>
@@ -18071,14 +14749,14 @@
             <a:noFill/>
           </a:ln>
           <a:extLst>
-            <a:ext uri="{909E8E84-426E-40DD-AFC4-6F175D3DCCD1}">
+            <a:ext uri="{909E8E84-426E-40dd-AFC4-6F175D3DCCD1}">
               <a14:hiddenFill xmlns:a14="http://schemas.microsoft.com/office/drawing/2010/main">
                 <a:solidFill>
                   <a:srgbClr val="FFFFFF"/>
                 </a:solidFill>
               </a14:hiddenFill>
             </a:ext>
-            <a:ext uri="{91240B29-F687-4F45-9708-019B960494DF}">
+            <a:ext uri="{91240B29-F687-4f45-9708-019B960494DF}">
               <a14:hiddenLine xmlns:a14="http://schemas.microsoft.com/office/drawing/2010/main" w="9525">
                 <a:solidFill>
                   <a:srgbClr val="000000"/>
@@ -18243,14 +14921,14 @@
             <a:noFill/>
           </a:ln>
           <a:extLst>
-            <a:ext uri="{909E8E84-426E-40DD-AFC4-6F175D3DCCD1}">
+            <a:ext uri="{909E8E84-426E-40dd-AFC4-6F175D3DCCD1}">
               <a14:hiddenFill xmlns:a14="http://schemas.microsoft.com/office/drawing/2010/main">
                 <a:solidFill>
                   <a:srgbClr val="FFFFFF"/>
                 </a:solidFill>
               </a14:hiddenFill>
             </a:ext>
-            <a:ext uri="{91240B29-F687-4F45-9708-019B960494DF}">
+            <a:ext uri="{91240B29-F687-4f45-9708-019B960494DF}">
               <a14:hiddenLine xmlns:a14="http://schemas.microsoft.com/office/drawing/2010/main" w="9525">
                 <a:solidFill>
                   <a:srgbClr val="000000"/>
@@ -18408,14 +15086,14 @@
             <a:noFill/>
           </a:ln>
           <a:extLst>
-            <a:ext uri="{909E8E84-426E-40DD-AFC4-6F175D3DCCD1}">
+            <a:ext uri="{909E8E84-426E-40dd-AFC4-6F175D3DCCD1}">
               <a14:hiddenFill xmlns:a14="http://schemas.microsoft.com/office/drawing/2010/main">
                 <a:solidFill>
                   <a:srgbClr val="FFFFFF"/>
                 </a:solidFill>
               </a14:hiddenFill>
             </a:ext>
-            <a:ext uri="{91240B29-F687-4F45-9708-019B960494DF}">
+            <a:ext uri="{91240B29-F687-4f45-9708-019B960494DF}">
               <a14:hiddenLine xmlns:a14="http://schemas.microsoft.com/office/drawing/2010/main" w="9525">
                 <a:solidFill>
                   <a:srgbClr val="000000"/>
@@ -18978,14 +15656,14 @@
               <a:noFill/>
             </a:ln>
             <a:extLst>
-              <a:ext uri="{909E8E84-426E-40DD-AFC4-6F175D3DCCD1}">
+              <a:ext uri="{909E8E84-426E-40dd-AFC4-6F175D3DCCD1}">
                 <a14:hiddenFill xmlns:a14="http://schemas.microsoft.com/office/drawing/2010/main">
                   <a:solidFill>
                     <a:srgbClr val="FFFFFF"/>
                   </a:solidFill>
                 </a14:hiddenFill>
               </a:ext>
-              <a:ext uri="{91240B29-F687-4F45-9708-019B960494DF}">
+              <a:ext uri="{91240B29-F687-4f45-9708-019B960494DF}">
                 <a14:hiddenLine xmlns:a14="http://schemas.microsoft.com/office/drawing/2010/main" w="9525">
                   <a:solidFill>
                     <a:srgbClr val="000000"/>
@@ -19379,14 +16057,14 @@
             <a:noFill/>
           </a:ln>
           <a:extLst>
-            <a:ext uri="{909E8E84-426E-40DD-AFC4-6F175D3DCCD1}">
+            <a:ext uri="{909E8E84-426E-40dd-AFC4-6F175D3DCCD1}">
               <a14:hiddenFill xmlns:a14="http://schemas.microsoft.com/office/drawing/2010/main">
                 <a:solidFill>
                   <a:srgbClr val="FFFFFF"/>
                 </a:solidFill>
               </a14:hiddenFill>
             </a:ext>
-            <a:ext uri="{91240B29-F687-4F45-9708-019B960494DF}">
+            <a:ext uri="{91240B29-F687-4f45-9708-019B960494DF}">
               <a14:hiddenLine xmlns:a14="http://schemas.microsoft.com/office/drawing/2010/main" w="9525">
                 <a:solidFill>
                   <a:srgbClr val="000000"/>
@@ -19542,7 +16220,7 @@
             <p:nvPr/>
           </p:nvPicPr>
           <p:blipFill rotWithShape="1">
-            <a:blip r:embed="rId7">
+            <a:blip r:embed="rId8">
               <a:extLst>
                 <a:ext uri="{28A0092B-C50C-407E-A947-70E740481C1C}">
                   <a14:useLocalDpi xmlns:a14="http://schemas.microsoft.com/office/drawing/2010/main" val="0"/>
@@ -19562,7 +16240,7 @@
             </a:prstGeom>
             <a:noFill/>
             <a:extLst>
-              <a:ext uri="{909E8E84-426E-40DD-AFC4-6F175D3DCCD1}">
+              <a:ext uri="{909E8E84-426E-40dd-AFC4-6F175D3DCCD1}">
                 <a14:hiddenFill xmlns:a14="http://schemas.microsoft.com/office/drawing/2010/main">
                   <a:solidFill>
                     <a:srgbClr val="FFFFFF"/>
@@ -19622,7 +16300,7 @@
   <p:timing>
     <p:tnLst>
       <p:par>
-        <p:cTn id="1" dur="indefinite" restart="never" nodeType="tmRoot">
+        <p:cTn xmlns:p14="http://schemas.microsoft.com/office/powerpoint/2010/main" id="1" dur="indefinite" restart="never" nodeType="tmRoot">
           <p:childTnLst>
             <p:seq concurrent="1" nextAc="seek">
               <p:cTn id="2" restart="whenNotActive" fill="hold" evtFilter="cancelBubble" nodeType="interactiveSeq">
@@ -19867,7 +16545,7 @@
   <p:timing>
     <p:tnLst>
       <p:par>
-        <p:cTn id="1" dur="indefinite" restart="never" nodeType="tmRoot"/>
+        <p:cTn xmlns:p14="http://schemas.microsoft.com/office/powerpoint/2010/main" id="1" dur="indefinite" restart="never" nodeType="tmRoot"/>
       </p:par>
     </p:tnLst>
   </p:timing>
@@ -19946,7 +16624,7 @@
   <p:timing>
     <p:tnLst>
       <p:par>
-        <p:cTn id="1" dur="indefinite" restart="never" nodeType="tmRoot"/>
+        <p:cTn xmlns:p14="http://schemas.microsoft.com/office/powerpoint/2010/main" id="1" dur="indefinite" restart="never" nodeType="tmRoot"/>
       </p:par>
     </p:tnLst>
   </p:timing>
@@ -19987,7 +16665,7 @@
           <a:p>
             <a:r>
               <a:rPr lang="en-US" dirty="0" smtClean="0"/>
-              <a:t>Adaptive Feedback Microscopy </a:t>
+              <a:t>What to measure</a:t>
             </a:r>
             <a:endParaRPr lang="en-US" dirty="0"/>
           </a:p>
@@ -20001,8 +16679,8 @@
         </p:nvSpPr>
         <p:spPr>
           <a:xfrm>
-            <a:off x="1752600" y="3962400"/>
-            <a:ext cx="2330766" cy="369332"/>
+            <a:off x="3657600" y="2743200"/>
+            <a:ext cx="1892506" cy="646331"/>
           </a:xfrm>
           <a:prstGeom prst="rect">
             <a:avLst/>
@@ -20017,41 +16695,13 @@
           <a:p>
             <a:r>
               <a:rPr lang="en-US" dirty="0" smtClean="0"/>
-              <a:t>All the different names</a:t>
-            </a:r>
-            <a:endParaRPr lang="en-US" dirty="0"/>
+              <a:t>Mean vs Sum</a:t>
+            </a:r>
           </a:p>
-        </p:txBody>
-      </p:sp>
-      <p:sp>
-        <p:nvSpPr>
-          <p:cNvPr id="4" name="TextBox 3"/>
-          <p:cNvSpPr txBox="1"/>
-          <p:nvPr/>
-        </p:nvSpPr>
-        <p:spPr>
-          <a:xfrm>
-            <a:off x="6400800" y="2514600"/>
-            <a:ext cx="1857175" cy="369332"/>
-          </a:xfrm>
-          <a:prstGeom prst="rect">
-            <a:avLst/>
-          </a:prstGeom>
-          <a:noFill/>
-        </p:spPr>
-        <p:txBody>
-          <a:bodyPr wrap="none" rtlCol="0">
-            <a:spAutoFit/>
-          </a:bodyPr>
-          <a:lstStyle/>
           <a:p>
             <a:r>
-              <a:rPr lang="en-US" dirty="0" err="1" smtClean="0"/>
-              <a:t>Superres</a:t>
-            </a:r>
-            <a:r>
               <a:rPr lang="en-US" dirty="0" smtClean="0"/>
-              <a:t> example</a:t>
+              <a:t>Cell cycle example</a:t>
             </a:r>
             <a:endParaRPr lang="en-US" dirty="0"/>
           </a:p>
@@ -20060,7 +16710,7 @@
     </p:spTree>
     <p:extLst>
       <p:ext uri="{BB962C8B-B14F-4D97-AF65-F5344CB8AC3E}">
-        <p14:creationId xmlns:p14="http://schemas.microsoft.com/office/powerpoint/2010/main" val="1161659415"/>
+        <p14:creationId xmlns:p14="http://schemas.microsoft.com/office/powerpoint/2010/main" val="3498973959"/>
       </p:ext>
     </p:extLst>
   </p:cSld>
@@ -20070,7 +16720,7 @@
   <p:timing>
     <p:tnLst>
       <p:par>
-        <p:cTn id="1" dur="indefinite" restart="never" nodeType="tmRoot"/>
+        <p:cTn xmlns:p14="http://schemas.microsoft.com/office/powerpoint/2010/main" id="1" dur="indefinite" restart="never" nodeType="tmRoot"/>
       </p:par>
     </p:tnLst>
   </p:timing>
@@ -20094,204 +16744,113 @@
           <a:chExt cx="0" cy="0"/>
         </a:xfrm>
       </p:grpSpPr>
-      <p:graphicFrame>
-        <p:nvGraphicFramePr>
-          <p:cNvPr id="2" name="Diagram 1"/>
-          <p:cNvGraphicFramePr/>
-          <p:nvPr>
-            <p:extLst>
-              <p:ext uri="{D42A27DB-BD31-4B8C-83A1-F6EECF244321}">
-                <p14:modId xmlns:p14="http://schemas.microsoft.com/office/powerpoint/2010/main" val="3556214889"/>
-              </p:ext>
-            </p:extLst>
-          </p:nvPr>
-        </p:nvGraphicFramePr>
-        <p:xfrm>
-          <a:off x="0" y="274284"/>
-          <a:ext cx="8875986" cy="6035036"/>
-        </p:xfrm>
-        <a:graphic>
-          <a:graphicData uri="http://schemas.openxmlformats.org/drawingml/2006/diagram">
-            <dgm:relIds xmlns:dgm="http://schemas.openxmlformats.org/drawingml/2006/diagram" xmlns:r="http://schemas.openxmlformats.org/officeDocument/2006/relationships" r:dm="rId5" r:lo="rId6" r:qs="rId7" r:cs="rId8"/>
-          </a:graphicData>
-        </a:graphic>
-      </p:graphicFrame>
       <p:sp>
         <p:nvSpPr>
-          <p:cNvPr id="6" name="Rectangle 5"/>
-          <p:cNvSpPr/>
-          <p:nvPr/>
+          <p:cNvPr id="2" name="Title 1"/>
+          <p:cNvSpPr>
+            <a:spLocks noGrp="1"/>
+          </p:cNvSpPr>
+          <p:nvPr>
+            <p:ph type="title"/>
+          </p:nvPr>
         </p:nvSpPr>
         <p:spPr>
           <a:xfrm>
-            <a:off x="0" y="6237312"/>
-            <a:ext cx="4499992" cy="861774"/>
+            <a:off x="381000" y="1066800"/>
+            <a:ext cx="8229600" cy="1143000"/>
           </a:xfrm>
-          <a:prstGeom prst="rect">
-            <a:avLst/>
-          </a:prstGeom>
         </p:spPr>
         <p:txBody>
-          <a:bodyPr wrap="square">
-            <a:spAutoFit/>
+          <a:bodyPr>
+            <a:noAutofit/>
           </a:bodyPr>
           <a:lstStyle/>
           <a:p>
             <a:r>
-              <a:rPr lang="en-US" sz="1000" dirty="0" err="1" smtClean="0">
-                <a:solidFill>
-                  <a:schemeClr val="tx2">
-                    <a:lumMod val="20000"/>
-                    <a:lumOff val="80000"/>
-                  </a:schemeClr>
-                </a:solidFill>
-                <a:latin typeface="Arial" pitchFamily="-105" charset="0"/>
-              </a:rPr>
-              <a:t>Micropilot</a:t>
-            </a:r>
-            <a:r>
-              <a:rPr lang="en-US" sz="1000" dirty="0" smtClean="0">
-                <a:solidFill>
-                  <a:schemeClr val="tx2">
-                    <a:lumMod val="20000"/>
-                    <a:lumOff val="80000"/>
-                  </a:schemeClr>
-                </a:solidFill>
-                <a:latin typeface="Arial" pitchFamily="-105" charset="0"/>
-              </a:rPr>
-              <a:t>: Conrad </a:t>
-            </a:r>
-            <a:r>
-              <a:rPr lang="en-US" sz="1000" dirty="0">
-                <a:solidFill>
-                  <a:schemeClr val="tx2">
-                    <a:lumMod val="20000"/>
-                    <a:lumOff val="80000"/>
-                  </a:schemeClr>
-                </a:solidFill>
-                <a:latin typeface="Arial" pitchFamily="-105" charset="0"/>
-              </a:rPr>
-              <a:t>et al. Nat. </a:t>
-            </a:r>
-            <a:r>
-              <a:rPr lang="en-US" sz="1000" dirty="0" smtClean="0">
-                <a:solidFill>
-                  <a:schemeClr val="tx2">
-                    <a:lumMod val="20000"/>
-                    <a:lumOff val="80000"/>
-                  </a:schemeClr>
-                </a:solidFill>
-                <a:latin typeface="Arial" pitchFamily="-105" charset="0"/>
-              </a:rPr>
-              <a:t>Meth. 2011</a:t>
-            </a:r>
-          </a:p>
-          <a:p>
-            <a:r>
-              <a:rPr lang="en-US" sz="1000" dirty="0" err="1" smtClean="0">
-                <a:solidFill>
-                  <a:schemeClr val="tx2">
-                    <a:lumMod val="20000"/>
-                    <a:lumOff val="80000"/>
-                  </a:schemeClr>
-                </a:solidFill>
-                <a:latin typeface="Arial" pitchFamily="-105" charset="0"/>
-              </a:rPr>
-              <a:t>CellProfiler</a:t>
-            </a:r>
-            <a:r>
-              <a:rPr lang="en-US" sz="1000" dirty="0">
-                <a:solidFill>
-                  <a:schemeClr val="tx2">
-                    <a:lumMod val="20000"/>
-                    <a:lumOff val="80000"/>
-                  </a:schemeClr>
-                </a:solidFill>
-                <a:latin typeface="Arial" pitchFamily="-105" charset="0"/>
-              </a:rPr>
-              <a:t>: Carpenter et al. 2006 Genome </a:t>
-            </a:r>
-            <a:r>
-              <a:rPr lang="en-US" sz="1000" dirty="0" smtClean="0">
-                <a:solidFill>
-                  <a:schemeClr val="tx2">
-                    <a:lumMod val="20000"/>
-                    <a:lumOff val="80000"/>
-                  </a:schemeClr>
-                </a:solidFill>
-                <a:latin typeface="Arial" pitchFamily="-105" charset="0"/>
-              </a:rPr>
-              <a:t>Biology</a:t>
+              <a:rPr lang="en-US" sz="3200" dirty="0"/>
+              <a:t>Intelligent Microscopy [Conrad et al.</a:t>
+            </a:r>
+            <a:r>
+              <a:rPr lang="en-US" sz="3200" dirty="0" smtClean="0"/>
+              <a:t>]</a:t>
+            </a:r>
+            <a:r>
+              <a:rPr lang="en-US" sz="3200" dirty="0"/>
+              <a:t/>
             </a:r>
             <a:br>
-              <a:rPr lang="en-US" sz="1000" dirty="0" smtClean="0">
-                <a:solidFill>
-                  <a:schemeClr val="tx2">
-                    <a:lumMod val="20000"/>
-                    <a:lumOff val="80000"/>
-                  </a:schemeClr>
-                </a:solidFill>
-                <a:latin typeface="Arial" pitchFamily="-105" charset="0"/>
-              </a:rPr>
+              <a:rPr lang="en-US" sz="3200" dirty="0"/>
             </a:br>
             <a:r>
-              <a:rPr lang="en-US" sz="1000" dirty="0" err="1" smtClean="0">
-                <a:solidFill>
-                  <a:schemeClr val="tx2">
-                    <a:lumMod val="20000"/>
-                    <a:lumOff val="80000"/>
-                  </a:schemeClr>
-                </a:solidFill>
-                <a:latin typeface="Arial" pitchFamily="-105" charset="0"/>
-              </a:rPr>
-              <a:t>ImageJ</a:t>
-            </a:r>
-            <a:r>
-              <a:rPr lang="en-US" sz="1000" dirty="0">
-                <a:solidFill>
-                  <a:schemeClr val="tx2">
-                    <a:lumMod val="20000"/>
-                    <a:lumOff val="80000"/>
-                  </a:schemeClr>
-                </a:solidFill>
-                <a:latin typeface="Arial" pitchFamily="-105" charset="0"/>
-              </a:rPr>
-              <a:t>: Schneider et al. 2012 Nature Methods</a:t>
-            </a:r>
-          </a:p>
-          <a:p>
-            <a:endParaRPr lang="en-US" sz="1000" dirty="0" smtClean="0">
-              <a:solidFill>
-                <a:schemeClr val="tx2">
-                  <a:lumMod val="20000"/>
-                  <a:lumOff val="80000"/>
-                </a:schemeClr>
-              </a:solidFill>
-              <a:latin typeface="Arial" pitchFamily="-105" charset="0"/>
-            </a:endParaRPr>
-          </a:p>
-          <a:p>
-            <a:endParaRPr lang="en-US" sz="1000" dirty="0">
-              <a:solidFill>
-                <a:schemeClr val="tx2">
-                  <a:lumMod val="20000"/>
-                  <a:lumOff val="80000"/>
-                </a:schemeClr>
-              </a:solidFill>
-            </a:endParaRPr>
+              <a:rPr lang="en-US" sz="3200" dirty="0"/>
+              <a:t>Adaptive </a:t>
+            </a:r>
+            <a:r>
+              <a:rPr lang="en-US" sz="3200" dirty="0" smtClean="0"/>
+              <a:t>Feedback Microscopy [Tischer et al.]</a:t>
+            </a:r>
+            <a:r>
+              <a:rPr lang="en-US" sz="3200" dirty="0"/>
+              <a:t/>
+            </a:r>
+            <a:br>
+              <a:rPr lang="en-US" sz="3200" dirty="0"/>
+            </a:br>
+            <a:r>
+              <a:rPr lang="en-US" sz="3200" dirty="0"/>
+              <a:t>Smart Microscopy [</a:t>
+            </a:r>
+            <a:r>
+              <a:rPr lang="en-US" sz="3200" dirty="0" err="1"/>
+              <a:t>Huisken</a:t>
+            </a:r>
+            <a:r>
+              <a:rPr lang="en-US" sz="3200" dirty="0"/>
+              <a:t> et al.</a:t>
+            </a:r>
+            <a:r>
+              <a:rPr lang="en-US" sz="3200" dirty="0" smtClean="0"/>
+              <a:t>]</a:t>
+            </a:r>
+            <a:br>
+              <a:rPr lang="en-US" sz="3200" dirty="0" smtClean="0"/>
+            </a:br>
+            <a:r>
+              <a:rPr lang="en-US" sz="3200" dirty="0" smtClean="0"/>
+              <a:t>Open </a:t>
+            </a:r>
+            <a:r>
+              <a:rPr lang="en-US" sz="3200" dirty="0"/>
+              <a:t>Application Development (OAD) [Zeiss]</a:t>
+            </a:r>
+            <a:br>
+              <a:rPr lang="en-US" sz="3200" dirty="0"/>
+            </a:br>
+            <a:r>
+              <a:rPr lang="en-US" sz="3200" dirty="0"/>
+              <a:t/>
+            </a:r>
+            <a:br>
+              <a:rPr lang="en-US" sz="3200" dirty="0"/>
+            </a:br>
+            <a:r>
+              <a:rPr lang="en-US" sz="3200" dirty="0" smtClean="0"/>
+              <a:t> </a:t>
+            </a:r>
+            <a:endParaRPr lang="en-US" sz="3200" dirty="0"/>
           </a:p>
         </p:txBody>
       </p:sp>
       <p:sp>
         <p:nvSpPr>
-          <p:cNvPr id="7" name="TextBox 6"/>
+          <p:cNvPr id="11" name="TextBox 10"/>
           <p:cNvSpPr txBox="1"/>
           <p:nvPr/>
         </p:nvSpPr>
         <p:spPr>
           <a:xfrm>
-            <a:off x="-1891641" y="1628800"/>
-            <a:ext cx="1872208" cy="958756"/>
+            <a:off x="5181600" y="5029200"/>
+            <a:ext cx="3634328" cy="1200329"/>
           </a:xfrm>
           <a:prstGeom prst="rect">
             <a:avLst/>
@@ -20299,80 +16858,169 @@
           <a:noFill/>
         </p:spPr>
         <p:txBody>
-          <a:bodyPr wrap="square" rtlCol="0">
-            <a:normAutofit fontScale="77500" lnSpcReduction="20000"/>
+          <a:bodyPr wrap="none" rtlCol="0">
+            <a:spAutoFit/>
           </a:bodyPr>
           <a:lstStyle/>
           <a:p>
             <a:r>
-              <a:rPr lang="en-US" u="sng" dirty="0" smtClean="0">
-                <a:solidFill>
-                  <a:srgbClr val="72AD46"/>
-                </a:solidFill>
-              </a:rPr>
-              <a:t>Report to microscope:</a:t>
+              <a:rPr lang="en-US" dirty="0" err="1" smtClean="0"/>
+              <a:t>Todo</a:t>
+            </a:r>
+            <a:r>
+              <a:rPr lang="en-US" dirty="0" smtClean="0"/>
+              <a:t>: </a:t>
             </a:r>
           </a:p>
           <a:p>
-            <a:r>
-              <a:rPr lang="en-US" dirty="0" smtClean="0">
-                <a:solidFill>
-                  <a:srgbClr val="72AD46"/>
-                </a:solidFill>
-              </a:rPr>
-              <a:t>- Object coordinates</a:t>
+            <a:pPr marL="285750" indent="-285750">
+              <a:buFontTx/>
+              <a:buChar char="-"/>
+            </a:pPr>
+            <a:r>
+              <a:rPr lang="en-US" dirty="0" smtClean="0"/>
+              <a:t>replace where possible with icons</a:t>
             </a:r>
           </a:p>
           <a:p>
-            <a:r>
-              <a:rPr lang="en-US" dirty="0" smtClean="0">
-                <a:solidFill>
-                  <a:srgbClr val="72AD46"/>
-                </a:solidFill>
-              </a:rPr>
-              <a:t>- Laser intensity</a:t>
+            <a:pPr marL="285750" indent="-285750">
+              <a:buFontTx/>
+              <a:buChar char="-"/>
+            </a:pPr>
+            <a:r>
+              <a:rPr lang="en-US" dirty="0" smtClean="0"/>
+              <a:t>add references</a:t>
             </a:r>
           </a:p>
           <a:p>
-            <a:r>
-              <a:rPr lang="en-US" dirty="0" smtClean="0">
-                <a:solidFill>
-                  <a:srgbClr val="72AD46"/>
-                </a:solidFill>
-              </a:rPr>
-              <a:t>- Exposure time</a:t>
-            </a:r>
-          </a:p>
-          <a:p>
-            <a:r>
-              <a:rPr lang="en-US" dirty="0" smtClean="0">
-                <a:solidFill>
-                  <a:srgbClr val="72AD46"/>
-                </a:solidFill>
-              </a:rPr>
-              <a:t>- …</a:t>
+            <a:pPr marL="285750" indent="-285750">
+              <a:buFontTx/>
+              <a:buChar char="-"/>
+            </a:pPr>
+            <a:r>
+              <a:rPr lang="en-US" dirty="0" smtClean="0"/>
+              <a:t>Look for more synonyms</a:t>
             </a:r>
           </a:p>
         </p:txBody>
       </p:sp>
+      <p:cxnSp>
+        <p:nvCxnSpPr>
+          <p:cNvPr id="17" name="Straight Arrow Connector 16"/>
+          <p:cNvCxnSpPr/>
+          <p:nvPr/>
+        </p:nvCxnSpPr>
+        <p:spPr>
+          <a:xfrm>
+            <a:off x="3581400" y="2667000"/>
+            <a:ext cx="2133600" cy="533400"/>
+          </a:xfrm>
+          <a:prstGeom prst="straightConnector1">
+            <a:avLst/>
+          </a:prstGeom>
+          <a:ln>
+            <a:tailEnd type="arrow"/>
+          </a:ln>
+        </p:spPr>
+        <p:style>
+          <a:lnRef idx="2">
+            <a:schemeClr val="accent1"/>
+          </a:lnRef>
+          <a:fillRef idx="0">
+            <a:schemeClr val="accent1"/>
+          </a:fillRef>
+          <a:effectRef idx="1">
+            <a:schemeClr val="accent1"/>
+          </a:effectRef>
+          <a:fontRef idx="minor">
+            <a:schemeClr val="tx1"/>
+          </a:fontRef>
+        </p:style>
+      </p:cxnSp>
+      <p:cxnSp>
+        <p:nvCxnSpPr>
+          <p:cNvPr id="18" name="Straight Arrow Connector 17"/>
+          <p:cNvCxnSpPr/>
+          <p:nvPr/>
+        </p:nvCxnSpPr>
+        <p:spPr>
+          <a:xfrm flipH="1">
+            <a:off x="4953000" y="4191000"/>
+            <a:ext cx="1048888" cy="545068"/>
+          </a:xfrm>
+          <a:prstGeom prst="straightConnector1">
+            <a:avLst/>
+          </a:prstGeom>
+          <a:ln>
+            <a:tailEnd type="arrow"/>
+          </a:ln>
+        </p:spPr>
+        <p:style>
+          <a:lnRef idx="2">
+            <a:schemeClr val="accent1"/>
+          </a:lnRef>
+          <a:fillRef idx="0">
+            <a:schemeClr val="accent1"/>
+          </a:fillRef>
+          <a:effectRef idx="1">
+            <a:schemeClr val="accent1"/>
+          </a:effectRef>
+          <a:fontRef idx="minor">
+            <a:schemeClr val="tx1"/>
+          </a:fontRef>
+        </p:style>
+      </p:cxnSp>
+      <p:cxnSp>
+        <p:nvCxnSpPr>
+          <p:cNvPr id="21" name="Straight Arrow Connector 20"/>
+          <p:cNvCxnSpPr/>
+          <p:nvPr/>
+        </p:nvCxnSpPr>
+        <p:spPr>
+          <a:xfrm flipH="1" flipV="1">
+            <a:off x="2779661" y="3618131"/>
+            <a:ext cx="496939" cy="1062335"/>
+          </a:xfrm>
+          <a:prstGeom prst="straightConnector1">
+            <a:avLst/>
+          </a:prstGeom>
+          <a:ln>
+            <a:tailEnd type="arrow"/>
+          </a:ln>
+        </p:spPr>
+        <p:style>
+          <a:lnRef idx="2">
+            <a:schemeClr val="accent1"/>
+          </a:lnRef>
+          <a:fillRef idx="0">
+            <a:schemeClr val="accent1"/>
+          </a:fillRef>
+          <a:effectRef idx="1">
+            <a:schemeClr val="accent1"/>
+          </a:effectRef>
+          <a:fontRef idx="minor">
+            <a:schemeClr val="tx1"/>
+          </a:fontRef>
+        </p:style>
+      </p:cxnSp>
       <p:pic>
         <p:nvPicPr>
-          <p:cNvPr id="8" name="Picture 7"/>
+          <p:cNvPr id="26" name="Picture 25"/>
           <p:cNvPicPr>
             <a:picLocks noChangeAspect="1"/>
           </p:cNvPicPr>
           <p:nvPr/>
         </p:nvPicPr>
         <p:blipFill>
-          <a:blip r:embed="rId10"/>
+          <a:blip r:embed="rId3"/>
           <a:stretch>
             <a:fillRect/>
           </a:stretch>
         </p:blipFill>
         <p:spPr>
           <a:xfrm>
-            <a:off x="9324528" y="5085184"/>
-            <a:ext cx="2022996" cy="408072"/>
+            <a:off x="1981200" y="2286000"/>
+            <a:ext cx="1168400" cy="1168400"/>
           </a:xfrm>
           <a:prstGeom prst="rect">
             <a:avLst/>
@@ -20381,509 +17029,46 @@
       </p:pic>
       <p:pic>
         <p:nvPicPr>
-          <p:cNvPr id="9" name="Picture 8"/>
+          <p:cNvPr id="27" name="Picture 26"/>
           <p:cNvPicPr>
             <a:picLocks noChangeAspect="1"/>
           </p:cNvPicPr>
           <p:nvPr/>
         </p:nvPicPr>
         <p:blipFill>
-          <a:blip r:embed="rId11"/>
+          <a:blip r:embed="rId4"/>
           <a:stretch>
             <a:fillRect/>
           </a:stretch>
         </p:blipFill>
         <p:spPr>
           <a:xfrm>
-            <a:off x="9396536" y="4221088"/>
-            <a:ext cx="1695624" cy="665533"/>
+            <a:off x="6172200" y="2667000"/>
+            <a:ext cx="1625600" cy="1625600"/>
           </a:xfrm>
           <a:prstGeom prst="rect">
             <a:avLst/>
           </a:prstGeom>
         </p:spPr>
       </p:pic>
-      <p:sp>
-        <p:nvSpPr>
-          <p:cNvPr id="10" name="Rectangle 96"/>
-          <p:cNvSpPr>
-            <a:spLocks noChangeArrowheads="1"/>
-          </p:cNvSpPr>
-          <p:nvPr/>
-        </p:nvSpPr>
-        <p:spPr bwMode="auto">
-          <a:xfrm>
-            <a:off x="228600" y="217463"/>
-            <a:ext cx="8686800" cy="403225"/>
-          </a:xfrm>
-          <a:prstGeom prst="rect">
-            <a:avLst/>
-          </a:prstGeom>
-          <a:noFill/>
-          <a:ln>
-            <a:noFill/>
-          </a:ln>
-          <a:extLst>
-            <a:ext uri="{909E8E84-426E-40DD-AFC4-6F175D3DCCD1}">
-              <a14:hiddenFill xmlns:a14="http://schemas.microsoft.com/office/drawing/2010/main">
-                <a:solidFill>
-                  <a:srgbClr val="FFFFFF"/>
-                </a:solidFill>
-              </a14:hiddenFill>
-            </a:ext>
-            <a:ext uri="{91240B29-F687-4F45-9708-019B960494DF}">
-              <a14:hiddenLine xmlns:a14="http://schemas.microsoft.com/office/drawing/2010/main" w="9525">
-                <a:solidFill>
-                  <a:srgbClr val="000000"/>
-                </a:solidFill>
-                <a:miter lim="800000"/>
-                <a:headEnd/>
-                <a:tailEnd/>
-              </a14:hiddenLine>
-            </a:ext>
-          </a:extLst>
-        </p:spPr>
-        <p:txBody>
-          <a:bodyPr anchor="ctr"/>
-          <a:lstStyle/>
-          <a:p>
-            <a:pPr algn="ctr"/>
-            <a:r>
-              <a:rPr lang="en-GB" dirty="0">
-                <a:solidFill>
-                  <a:schemeClr val="accent1"/>
-                </a:solidFill>
-                <a:latin typeface="Comic Sans MS" charset="0"/>
-              </a:rPr>
-              <a:t>Microscopy automation for advanced imaging protocols </a:t>
-            </a:r>
-          </a:p>
-        </p:txBody>
-      </p:sp>
-      <p:cxnSp>
-        <p:nvCxnSpPr>
-          <p:cNvPr id="20" name="Straight Arrow Connector 19"/>
-          <p:cNvCxnSpPr/>
-          <p:nvPr/>
-        </p:nvCxnSpPr>
-        <p:spPr bwMode="auto">
-          <a:xfrm flipH="1">
-            <a:off x="2987824" y="2636912"/>
-            <a:ext cx="2952328" cy="0"/>
-          </a:xfrm>
-          <a:prstGeom prst="straightConnector1">
-            <a:avLst/>
-          </a:prstGeom>
-          <a:solidFill>
-            <a:schemeClr val="accent1"/>
-          </a:solidFill>
-          <a:ln w="9525" cap="flat" cmpd="sng" algn="ctr">
-            <a:solidFill>
-              <a:srgbClr val="72AD46"/>
-            </a:solidFill>
-            <a:prstDash val="solid"/>
-            <a:round/>
-            <a:headEnd type="none" w="med" len="med"/>
-            <a:tailEnd type="arrow"/>
-          </a:ln>
-          <a:effectLst/>
-        </p:spPr>
-      </p:cxnSp>
-      <p:sp>
-        <p:nvSpPr>
-          <p:cNvPr id="21" name="TextBox 20"/>
-          <p:cNvSpPr txBox="1"/>
-          <p:nvPr/>
-        </p:nvSpPr>
-        <p:spPr>
-          <a:xfrm>
-            <a:off x="3203848" y="1916832"/>
-            <a:ext cx="2448272" cy="576064"/>
-          </a:xfrm>
-          <a:prstGeom prst="rect">
-            <a:avLst/>
-          </a:prstGeom>
-          <a:noFill/>
-        </p:spPr>
-        <p:txBody>
-          <a:bodyPr wrap="square" rtlCol="0">
-            <a:normAutofit fontScale="92500" lnSpcReduction="10000"/>
-          </a:bodyPr>
-          <a:lstStyle/>
-          <a:p>
-            <a:pPr algn="ctr"/>
-            <a:r>
-              <a:rPr lang="en-US" dirty="0" smtClean="0">
-                <a:solidFill>
-                  <a:schemeClr val="accent1"/>
-                </a:solidFill>
-                <a:latin typeface="Comic Sans MS"/>
-                <a:cs typeface="Comic Sans MS"/>
-              </a:rPr>
-              <a:t>Simple</a:t>
-            </a:r>
-          </a:p>
-          <a:p>
-            <a:pPr algn="ctr"/>
-            <a:r>
-              <a:rPr lang="en-US" dirty="0" smtClean="0">
-                <a:solidFill>
-                  <a:schemeClr val="accent1"/>
-                </a:solidFill>
-                <a:latin typeface="Comic Sans MS"/>
-                <a:cs typeface="Comic Sans MS"/>
-              </a:rPr>
-              <a:t>automation</a:t>
-            </a:r>
-          </a:p>
-        </p:txBody>
-      </p:sp>
-      <p:sp>
-        <p:nvSpPr>
-          <p:cNvPr id="31" name="Line 105"/>
-          <p:cNvSpPr>
-            <a:spLocks noChangeShapeType="1"/>
-          </p:cNvSpPr>
-          <p:nvPr/>
-        </p:nvSpPr>
-        <p:spPr bwMode="auto">
-          <a:xfrm>
-            <a:off x="533400" y="692696"/>
-            <a:ext cx="8153400" cy="0"/>
-          </a:xfrm>
-          <a:prstGeom prst="line">
-            <a:avLst/>
-          </a:prstGeom>
-          <a:noFill/>
-          <a:ln w="9525">
-            <a:solidFill>
-              <a:srgbClr val="000000"/>
-            </a:solidFill>
-            <a:round/>
-            <a:headEnd/>
-            <a:tailEnd/>
-          </a:ln>
-          <a:extLst>
-            <a:ext uri="{909E8E84-426E-40DD-AFC4-6F175D3DCCD1}">
-              <a14:hiddenFill xmlns:a14="http://schemas.microsoft.com/office/drawing/2010/main">
-                <a:noFill/>
-              </a14:hiddenFill>
-            </a:ext>
-          </a:extLst>
-        </p:spPr>
-        <p:txBody>
-          <a:bodyPr wrap="none" anchor="ctr"/>
-          <a:lstStyle/>
-          <a:p>
-            <a:endParaRPr lang="en-US">
-              <a:ln>
-                <a:solidFill>
-                  <a:srgbClr val="000000"/>
-                </a:solidFill>
-              </a:ln>
-            </a:endParaRPr>
-          </a:p>
-        </p:txBody>
-      </p:sp>
-      <p:sp>
-        <p:nvSpPr>
-          <p:cNvPr id="55" name="TextBox 54"/>
-          <p:cNvSpPr txBox="1"/>
-          <p:nvPr/>
-        </p:nvSpPr>
-        <p:spPr>
-          <a:xfrm>
-            <a:off x="6804248" y="3068960"/>
-            <a:ext cx="1800200" cy="576064"/>
-          </a:xfrm>
-          <a:prstGeom prst="rect">
-            <a:avLst/>
-          </a:prstGeom>
-          <a:noFill/>
-        </p:spPr>
-        <p:txBody>
-          <a:bodyPr wrap="square" rtlCol="0">
-            <a:normAutofit fontScale="92500" lnSpcReduction="10000"/>
-          </a:bodyPr>
-          <a:lstStyle/>
-          <a:p>
-            <a:pPr algn="ctr"/>
-            <a:r>
-              <a:rPr lang="en-US" dirty="0" smtClean="0">
-                <a:solidFill>
-                  <a:schemeClr val="accent1"/>
-                </a:solidFill>
-                <a:latin typeface="Comic Sans MS"/>
-                <a:cs typeface="Comic Sans MS"/>
-              </a:rPr>
-              <a:t>Advanced </a:t>
-            </a:r>
-            <a:br>
-              <a:rPr lang="en-US" dirty="0" smtClean="0">
-                <a:solidFill>
-                  <a:schemeClr val="accent1"/>
-                </a:solidFill>
-                <a:latin typeface="Comic Sans MS"/>
-                <a:cs typeface="Comic Sans MS"/>
-              </a:rPr>
-            </a:br>
-            <a:r>
-              <a:rPr lang="en-US" dirty="0" smtClean="0">
-                <a:solidFill>
-                  <a:schemeClr val="accent1"/>
-                </a:solidFill>
-                <a:latin typeface="Comic Sans MS"/>
-                <a:cs typeface="Comic Sans MS"/>
-              </a:rPr>
-              <a:t>automation</a:t>
-            </a:r>
-          </a:p>
-        </p:txBody>
-      </p:sp>
-      <p:sp>
-        <p:nvSpPr>
-          <p:cNvPr id="56" name="TextBox 55"/>
-          <p:cNvSpPr txBox="1"/>
-          <p:nvPr/>
-        </p:nvSpPr>
-        <p:spPr>
-          <a:xfrm>
-            <a:off x="3347864" y="5517232"/>
-            <a:ext cx="2232248" cy="576064"/>
-          </a:xfrm>
-          <a:prstGeom prst="rect">
-            <a:avLst/>
-          </a:prstGeom>
-          <a:noFill/>
-        </p:spPr>
-        <p:txBody>
-          <a:bodyPr wrap="square" rtlCol="0">
-            <a:normAutofit fontScale="85000" lnSpcReduction="10000"/>
-          </a:bodyPr>
-          <a:lstStyle/>
-          <a:p>
-            <a:pPr algn="ctr"/>
-            <a:r>
-              <a:rPr lang="en-US" sz="1600" dirty="0" smtClean="0">
-                <a:solidFill>
-                  <a:schemeClr val="accent1"/>
-                </a:solidFill>
-                <a:latin typeface="Comic Sans MS"/>
-                <a:cs typeface="Comic Sans MS"/>
-              </a:rPr>
-              <a:t>Object position</a:t>
-            </a:r>
-            <a:br>
-              <a:rPr lang="en-US" sz="1600" dirty="0" smtClean="0">
-                <a:solidFill>
-                  <a:schemeClr val="accent1"/>
-                </a:solidFill>
-                <a:latin typeface="Comic Sans MS"/>
-                <a:cs typeface="Comic Sans MS"/>
-              </a:rPr>
-            </a:br>
-            <a:r>
-              <a:rPr lang="en-US" sz="1600" dirty="0" smtClean="0">
-                <a:solidFill>
-                  <a:schemeClr val="accent1"/>
-                </a:solidFill>
-                <a:latin typeface="Comic Sans MS"/>
-                <a:cs typeface="Comic Sans MS"/>
-              </a:rPr>
-              <a:t>+ additional parameters</a:t>
-            </a:r>
-          </a:p>
-        </p:txBody>
-      </p:sp>
-      <p:grpSp>
-        <p:nvGrpSpPr>
-          <p:cNvPr id="4" name="Group 3"/>
-          <p:cNvGrpSpPr/>
-          <p:nvPr/>
-        </p:nvGrpSpPr>
-        <p:grpSpPr>
-          <a:xfrm>
-            <a:off x="107504" y="3861048"/>
-            <a:ext cx="9009260" cy="1829817"/>
-            <a:chOff x="107504" y="3717032"/>
-            <a:chExt cx="9009260" cy="1829817"/>
-          </a:xfrm>
-        </p:grpSpPr>
-        <p:pic>
-          <p:nvPicPr>
-            <p:cNvPr id="57" name="Picture 21" descr="Image--S02--U01--V01--X02--Y01--Z01--T001--P01--C01"/>
-            <p:cNvPicPr>
-              <a:picLocks noChangeAspect="1" noChangeArrowheads="1"/>
-            </p:cNvPicPr>
-            <p:nvPr/>
-          </p:nvPicPr>
-          <p:blipFill>
-            <a:blip r:embed="rId12"/>
-            <a:srcRect/>
-            <a:stretch>
-              <a:fillRect/>
-            </a:stretch>
-          </p:blipFill>
-          <p:spPr bwMode="auto">
-            <a:xfrm>
-              <a:off x="7668344" y="3717032"/>
-              <a:ext cx="1368152" cy="1368151"/>
-            </a:xfrm>
-            <a:prstGeom prst="rect">
-              <a:avLst/>
-            </a:prstGeom>
-            <a:noFill/>
-            <a:ln w="9525">
-              <a:noFill/>
-              <a:miter lim="800000"/>
-              <a:headEnd/>
-              <a:tailEnd/>
-            </a:ln>
-          </p:spPr>
-        </p:pic>
-        <p:cxnSp>
-          <p:nvCxnSpPr>
-            <p:cNvPr id="58" name="Straight Arrow Connector 57"/>
-            <p:cNvCxnSpPr/>
-            <p:nvPr/>
-          </p:nvCxnSpPr>
-          <p:spPr bwMode="auto">
-            <a:xfrm flipH="1" flipV="1">
-              <a:off x="8244408" y="4077072"/>
-              <a:ext cx="576064" cy="360040"/>
-            </a:xfrm>
-            <a:prstGeom prst="straightConnector1">
-              <a:avLst/>
-            </a:prstGeom>
-            <a:solidFill>
-              <a:schemeClr val="accent1"/>
-            </a:solidFill>
-            <a:ln w="28575" cap="flat" cmpd="sng" algn="ctr">
-              <a:solidFill>
-                <a:srgbClr val="72AD46"/>
-              </a:solidFill>
-              <a:prstDash val="solid"/>
-              <a:round/>
-              <a:headEnd type="none" w="med" len="med"/>
-              <a:tailEnd type="arrow"/>
-            </a:ln>
-            <a:effectLst/>
-          </p:spPr>
-        </p:cxnSp>
-        <p:sp>
-          <p:nvSpPr>
-            <p:cNvPr id="3" name="TextBox 2"/>
-            <p:cNvSpPr txBox="1"/>
-            <p:nvPr/>
-          </p:nvSpPr>
-          <p:spPr>
-            <a:xfrm>
-              <a:off x="7699096" y="5085184"/>
-              <a:ext cx="1417668" cy="276999"/>
-            </a:xfrm>
-            <a:prstGeom prst="rect">
-              <a:avLst/>
-            </a:prstGeom>
-            <a:noFill/>
-          </p:spPr>
-          <p:txBody>
-            <a:bodyPr wrap="square" rtlCol="0">
-              <a:spAutoFit/>
-            </a:bodyPr>
-            <a:lstStyle/>
-            <a:p>
-              <a:r>
-                <a:rPr lang="en-US" sz="1200" dirty="0" smtClean="0">
-                  <a:solidFill>
-                    <a:srgbClr val="FF0000"/>
-                  </a:solidFill>
-                </a:rPr>
-                <a:t>H2B-mCherry</a:t>
-              </a:r>
-              <a:endParaRPr lang="en-US" sz="1200" dirty="0">
-                <a:solidFill>
-                  <a:srgbClr val="FF0000"/>
-                </a:solidFill>
-              </a:endParaRPr>
-            </a:p>
-          </p:txBody>
-        </p:sp>
-        <p:sp>
-          <p:nvSpPr>
-            <p:cNvPr id="59" name="TextBox 58"/>
-            <p:cNvSpPr txBox="1"/>
-            <p:nvPr/>
-          </p:nvSpPr>
-          <p:spPr>
-            <a:xfrm>
-              <a:off x="107504" y="5085184"/>
-              <a:ext cx="1417668" cy="461665"/>
-            </a:xfrm>
-            <a:prstGeom prst="rect">
-              <a:avLst/>
-            </a:prstGeom>
-            <a:noFill/>
-          </p:spPr>
-          <p:txBody>
-            <a:bodyPr wrap="square" rtlCol="0">
-              <a:spAutoFit/>
-            </a:bodyPr>
-            <a:lstStyle/>
-            <a:p>
-              <a:r>
-                <a:rPr lang="en-US" sz="1200" dirty="0" smtClean="0">
-                  <a:solidFill>
-                    <a:srgbClr val="FF0000"/>
-                  </a:solidFill>
-                </a:rPr>
-                <a:t>H2B-mCherry</a:t>
-              </a:r>
-            </a:p>
-            <a:p>
-              <a:r>
-                <a:rPr lang="en-US" sz="1200" dirty="0" smtClean="0">
-                  <a:solidFill>
-                    <a:schemeClr val="accent1"/>
-                  </a:solidFill>
-                </a:rPr>
-                <a:t>Tubulin</a:t>
-              </a:r>
-              <a:endParaRPr lang="en-US" sz="1200" dirty="0">
-                <a:solidFill>
-                  <a:schemeClr val="accent1"/>
-                </a:solidFill>
-              </a:endParaRPr>
-            </a:p>
-          </p:txBody>
-        </p:sp>
-      </p:grpSp>
       <p:pic>
         <p:nvPicPr>
-          <p:cNvPr id="5" name="Micropilot_Metaphase_Movie.avi">
-            <a:hlinkClick r:id="" action="ppaction://media"/>
-          </p:cNvPr>
+          <p:cNvPr id="28" name="Picture 27"/>
           <p:cNvPicPr>
             <a:picLocks noChangeAspect="1"/>
           </p:cNvPicPr>
-          <p:nvPr>
-            <a:videoFile r:link="rId2"/>
-            <p:extLst>
-              <p:ext uri="{DAA4B4D4-6D71-4841-9C94-3DE7FCFB9230}">
-                <p14:media xmlns:p14="http://schemas.microsoft.com/office/powerpoint/2010/main" r:embed="rId1"/>
-              </p:ext>
-            </p:extLst>
-          </p:nvPr>
+          <p:nvPr/>
         </p:nvPicPr>
         <p:blipFill>
-          <a:blip r:embed="rId13"/>
+          <a:blip r:embed="rId5"/>
           <a:stretch>
             <a:fillRect/>
           </a:stretch>
         </p:blipFill>
         <p:spPr>
           <a:xfrm>
-            <a:off x="107504" y="3645024"/>
-            <a:ext cx="1512168" cy="1512168"/>
+            <a:off x="3276600" y="4800600"/>
+            <a:ext cx="1625600" cy="1625600"/>
           </a:xfrm>
           <a:prstGeom prst="rect">
             <a:avLst/>
@@ -20893,7 +17078,7 @@
     </p:spTree>
     <p:extLst>
       <p:ext uri="{BB962C8B-B14F-4D97-AF65-F5344CB8AC3E}">
-        <p14:creationId xmlns:p14="http://schemas.microsoft.com/office/powerpoint/2010/main" val="1648944842"/>
+        <p14:creationId xmlns:p14="http://schemas.microsoft.com/office/powerpoint/2010/main" val="1161659415"/>
       </p:ext>
     </p:extLst>
   </p:cSld>
@@ -20903,153 +17088,7 @@
   <p:timing>
     <p:tnLst>
       <p:par>
-        <p:cTn id="1" dur="indefinite" restart="never" nodeType="tmRoot">
-          <p:childTnLst>
-            <p:seq concurrent="1" nextAc="seek">
-              <p:cTn id="2" dur="indefinite" nodeType="mainSeq">
-                <p:childTnLst>
-                  <p:par>
-                    <p:cTn id="3" fill="hold">
-                      <p:stCondLst>
-                        <p:cond delay="indefinite"/>
-                      </p:stCondLst>
-                      <p:childTnLst>
-                        <p:par>
-                          <p:cTn id="4" fill="hold">
-                            <p:stCondLst>
-                              <p:cond delay="0"/>
-                            </p:stCondLst>
-                            <p:childTnLst>
-                              <p:par>
-                                <p:cTn id="5" presetID="9" presetClass="entr" presetSubtype="0" fill="hold" nodeType="clickEffect">
-                                  <p:stCondLst>
-                                    <p:cond delay="0"/>
-                                  </p:stCondLst>
-                                  <p:childTnLst>
-                                    <p:set>
-                                      <p:cBhvr>
-                                        <p:cTn id="6" dur="1" fill="hold">
-                                          <p:stCondLst>
-                                            <p:cond delay="0"/>
-                                          </p:stCondLst>
-                                        </p:cTn>
-                                        <p:tgtEl>
-                                          <p:spTgt spid="4"/>
-                                        </p:tgtEl>
-                                        <p:attrNameLst>
-                                          <p:attrName>style.visibility</p:attrName>
-                                        </p:attrNameLst>
-                                      </p:cBhvr>
-                                      <p:to>
-                                        <p:strVal val="visible"/>
-                                      </p:to>
-                                    </p:set>
-                                    <p:animEffect transition="in" filter="dissolve">
-                                      <p:cBhvr>
-                                        <p:cTn id="7" dur="500"/>
-                                        <p:tgtEl>
-                                          <p:spTgt spid="4"/>
-                                        </p:tgtEl>
-                                      </p:cBhvr>
-                                    </p:animEffect>
-                                  </p:childTnLst>
-                                </p:cTn>
-                              </p:par>
-                            </p:childTnLst>
-                          </p:cTn>
-                        </p:par>
-                      </p:childTnLst>
-                    </p:cTn>
-                  </p:par>
-                </p:childTnLst>
-              </p:cTn>
-              <p:prevCondLst>
-                <p:cond evt="onPrev" delay="0">
-                  <p:tgtEl>
-                    <p:sldTgt/>
-                  </p:tgtEl>
-                </p:cond>
-              </p:prevCondLst>
-              <p:nextCondLst>
-                <p:cond evt="onNext" delay="0">
-                  <p:tgtEl>
-                    <p:sldTgt/>
-                  </p:tgtEl>
-                </p:cond>
-              </p:nextCondLst>
-            </p:seq>
-            <p:seq concurrent="1" nextAc="seek">
-              <p:cTn id="8" restart="whenNotActive" fill="hold" evtFilter="cancelBubble" nodeType="interactiveSeq">
-                <p:stCondLst>
-                  <p:cond evt="onClick" delay="0">
-                    <p:tgtEl>
-                      <p:spTgt spid="5"/>
-                    </p:tgtEl>
-                  </p:cond>
-                </p:stCondLst>
-                <p:endSync evt="end" delay="0">
-                  <p:rtn val="all"/>
-                </p:endSync>
-                <p:childTnLst>
-                  <p:par>
-                    <p:cTn id="9" fill="hold">
-                      <p:stCondLst>
-                        <p:cond delay="0"/>
-                      </p:stCondLst>
-                      <p:childTnLst>
-                        <p:par>
-                          <p:cTn id="10" fill="hold">
-                            <p:stCondLst>
-                              <p:cond delay="0"/>
-                            </p:stCondLst>
-                            <p:childTnLst>
-                              <p:par>
-                                <p:cTn id="11" presetID="2" presetClass="mediacall" presetSubtype="0" fill="hold" nodeType="clickEffect">
-                                  <p:stCondLst>
-                                    <p:cond delay="0"/>
-                                  </p:stCondLst>
-                                  <p:childTnLst>
-                                    <p:cmd type="call" cmd="togglePause">
-                                      <p:cBhvr>
-                                        <p:cTn id="12" dur="1" fill="hold"/>
-                                        <p:tgtEl>
-                                          <p:spTgt spid="5"/>
-                                        </p:tgtEl>
-                                      </p:cBhvr>
-                                    </p:cmd>
-                                  </p:childTnLst>
-                                </p:cTn>
-                              </p:par>
-                            </p:childTnLst>
-                          </p:cTn>
-                        </p:par>
-                      </p:childTnLst>
-                    </p:cTn>
-                  </p:par>
-                </p:childTnLst>
-              </p:cTn>
-              <p:nextCondLst>
-                <p:cond evt="onClick" delay="0">
-                  <p:tgtEl>
-                    <p:spTgt spid="5"/>
-                  </p:tgtEl>
-                </p:cond>
-              </p:nextCondLst>
-            </p:seq>
-            <p:video>
-              <p:cMediaNode vol="80000">
-                <p:cTn id="13" fill="hold" display="0">
-                  <p:stCondLst>
-                    <p:cond delay="indefinite"/>
-                  </p:stCondLst>
-                </p:cTn>
-                <p:tgtEl>
-                  <p:spTgt spid="5"/>
-                </p:tgtEl>
-              </p:cMediaNode>
-            </p:video>
-          </p:childTnLst>
-        </p:cTn>
+        <p:cTn xmlns:p14="http://schemas.microsoft.com/office/powerpoint/2010/main" id="1" dur="indefinite" restart="never" nodeType="tmRoot"/>
       </p:par>
     </p:tnLst>
   </p:timing>
@@ -21153,6 +17192,38 @@
           <a:chExt cx="0" cy="0"/>
         </a:xfrm>
       </p:grpSpPr>
+      <p:pic>
+        <p:nvPicPr>
+          <p:cNvPr id="21" name="Picture 21" descr="Image--S02--U01--V01--X02--Y01--Z01--T001--P01--C01"/>
+          <p:cNvPicPr>
+            <a:picLocks noChangeAspect="1" noChangeArrowheads="1"/>
+          </p:cNvPicPr>
+          <p:nvPr/>
+        </p:nvPicPr>
+        <p:blipFill>
+          <a:blip r:embed="rId4"/>
+          <a:srcRect/>
+          <a:stretch>
+            <a:fillRect/>
+          </a:stretch>
+        </p:blipFill>
+        <p:spPr bwMode="auto">
+          <a:xfrm>
+            <a:off x="6096000" y="4648200"/>
+            <a:ext cx="1063352" cy="1063351"/>
+          </a:xfrm>
+          <a:prstGeom prst="rect">
+            <a:avLst/>
+          </a:prstGeom>
+          <a:noFill/>
+          <a:ln w="9525">
+            <a:noFill/>
+            <a:miter lim="800000"/>
+            <a:headEnd/>
+            <a:tailEnd/>
+          </a:ln>
+        </p:spPr>
+      </p:pic>
       <p:sp>
         <p:nvSpPr>
           <p:cNvPr id="2" name="Title 1"/>
@@ -21165,12 +17236,18 @@
         </p:nvSpPr>
         <p:spPr/>
         <p:txBody>
-          <a:bodyPr/>
+          <a:bodyPr>
+            <a:normAutofit fontScale="90000"/>
+          </a:bodyPr>
           <a:lstStyle/>
           <a:p>
             <a:r>
+              <a:rPr lang="en-US" dirty="0"/>
+              <a:t>High-resolution </a:t>
+            </a:r>
+            <a:r>
               <a:rPr lang="en-US" dirty="0" smtClean="0"/>
-              <a:t>Adaptive Feedback Microscopy </a:t>
+              <a:t>Adaptive Feedback Time-lapse Imaging of Mitosis</a:t>
             </a:r>
             <a:endParaRPr lang="en-US" dirty="0"/>
           </a:p>
@@ -21178,14 +17255,14 @@
       </p:sp>
       <p:sp>
         <p:nvSpPr>
-          <p:cNvPr id="3" name="TextBox 2"/>
+          <p:cNvPr id="4" name="TextBox 3"/>
           <p:cNvSpPr txBox="1"/>
           <p:nvPr/>
         </p:nvSpPr>
         <p:spPr>
           <a:xfrm>
-            <a:off x="3657600" y="2743200"/>
-            <a:ext cx="2278060" cy="369332"/>
+            <a:off x="2366798" y="1828800"/>
+            <a:ext cx="3292676" cy="1200329"/>
           </a:xfrm>
           <a:prstGeom prst="rect">
             <a:avLst/>
@@ -21198,18 +17275,720 @@
           </a:bodyPr>
           <a:lstStyle/>
           <a:p>
+            <a:endParaRPr lang="en-US" dirty="0" smtClean="0"/>
+          </a:p>
+          <a:p>
             <a:r>
               <a:rPr lang="en-US" dirty="0" smtClean="0"/>
-              <a:t>Minimal requirements</a:t>
-            </a:r>
+              <a:t>- Move to next grid position.</a:t>
+            </a:r>
+            <a:r>
+              <a:rPr lang="en-US" dirty="0"/>
+              <a:t/>
+            </a:r>
+            <a:br>
+              <a:rPr lang="en-US" dirty="0"/>
+            </a:br>
+            <a:r>
+              <a:rPr lang="en-US" dirty="0" smtClean="0"/>
+              <a:t>- Acquire </a:t>
+            </a:r>
+            <a:r>
+              <a:rPr lang="en-US" dirty="0" smtClean="0"/>
+              <a:t>low</a:t>
+            </a:r>
+            <a:r>
+              <a:rPr lang="en-US" dirty="0" smtClean="0"/>
+              <a:t>-zoom, single plane,</a:t>
+            </a:r>
+            <a:br>
+              <a:rPr lang="en-US" dirty="0" smtClean="0"/>
+            </a:br>
+            <a:r>
+              <a:rPr lang="en-US" dirty="0" smtClean="0"/>
+              <a:t>single </a:t>
+            </a:r>
+            <a:r>
+              <a:rPr lang="en-US" dirty="0" smtClean="0"/>
+              <a:t>channel image</a:t>
+            </a:r>
+            <a:endParaRPr lang="en-US" dirty="0" smtClean="0"/>
+          </a:p>
+        </p:txBody>
+      </p:sp>
+      <p:sp>
+        <p:nvSpPr>
+          <p:cNvPr id="5" name="TextBox 4"/>
+          <p:cNvSpPr txBox="1"/>
+          <p:nvPr/>
+        </p:nvSpPr>
+        <p:spPr>
+          <a:xfrm>
+            <a:off x="7010400" y="2200870"/>
+            <a:ext cx="1454244" cy="923330"/>
+          </a:xfrm>
+          <a:prstGeom prst="rect">
+            <a:avLst/>
+          </a:prstGeom>
+          <a:noFill/>
+        </p:spPr>
+        <p:txBody>
+          <a:bodyPr wrap="none" rtlCol="0">
+            <a:spAutoFit/>
+          </a:bodyPr>
+          <a:lstStyle/>
+          <a:p>
+            <a:r>
+              <a:rPr lang="en-US" dirty="0" smtClean="0"/>
+              <a:t>Data:</a:t>
+            </a:r>
+            <a:br>
+              <a:rPr lang="en-US" dirty="0" smtClean="0"/>
+            </a:br>
+            <a:r>
+              <a:rPr lang="en-US" dirty="0" smtClean="0"/>
+              <a:t>H2B-mCherry</a:t>
+            </a:r>
+            <a:br>
+              <a:rPr lang="en-US" dirty="0" smtClean="0"/>
+            </a:br>
             <a:endParaRPr lang="en-US" dirty="0"/>
           </a:p>
         </p:txBody>
       </p:sp>
+      <p:sp>
+        <p:nvSpPr>
+          <p:cNvPr id="6" name="TextBox 5"/>
+          <p:cNvSpPr txBox="1"/>
+          <p:nvPr/>
+        </p:nvSpPr>
+        <p:spPr>
+          <a:xfrm>
+            <a:off x="8534400" y="4724400"/>
+            <a:ext cx="2685351" cy="923330"/>
+          </a:xfrm>
+          <a:prstGeom prst="rect">
+            <a:avLst/>
+          </a:prstGeom>
+          <a:noFill/>
+        </p:spPr>
+        <p:txBody>
+          <a:bodyPr wrap="none" rtlCol="0">
+            <a:spAutoFit/>
+          </a:bodyPr>
+          <a:lstStyle/>
+          <a:p>
+            <a:r>
+              <a:rPr lang="en-US" dirty="0" err="1" smtClean="0"/>
+              <a:t>Todo</a:t>
+            </a:r>
+            <a:r>
+              <a:rPr lang="en-US" dirty="0" smtClean="0"/>
+              <a:t>:</a:t>
+            </a:r>
+          </a:p>
+          <a:p>
+            <a:pPr marL="285750" indent="-285750">
+              <a:buFontTx/>
+              <a:buChar char="-"/>
+            </a:pPr>
+            <a:r>
+              <a:rPr lang="en-US" dirty="0" smtClean="0"/>
+              <a:t>make images gray-scale</a:t>
+            </a:r>
+          </a:p>
+          <a:p>
+            <a:pPr marL="285750" indent="-285750">
+              <a:buFontTx/>
+              <a:buChar char="-"/>
+            </a:pPr>
+            <a:r>
+              <a:rPr lang="en-US" dirty="0" smtClean="0"/>
+              <a:t>Add microscope icon</a:t>
+            </a:r>
+          </a:p>
+        </p:txBody>
+      </p:sp>
+      <p:sp>
+        <p:nvSpPr>
+          <p:cNvPr id="7" name="TextBox 6"/>
+          <p:cNvSpPr txBox="1"/>
+          <p:nvPr/>
+        </p:nvSpPr>
+        <p:spPr>
+          <a:xfrm>
+            <a:off x="5638800" y="5715000"/>
+            <a:ext cx="2393128" cy="646331"/>
+          </a:xfrm>
+          <a:prstGeom prst="rect">
+            <a:avLst/>
+          </a:prstGeom>
+          <a:noFill/>
+        </p:spPr>
+        <p:txBody>
+          <a:bodyPr wrap="none" rtlCol="0">
+            <a:spAutoFit/>
+          </a:bodyPr>
+          <a:lstStyle/>
+          <a:p>
+            <a:r>
+              <a:rPr lang="en-US" dirty="0" smtClean="0"/>
+              <a:t>Automated analysis:</a:t>
+            </a:r>
+          </a:p>
+          <a:p>
+            <a:r>
+              <a:rPr lang="en-US" dirty="0"/>
+              <a:t>M</a:t>
+            </a:r>
+            <a:r>
+              <a:rPr lang="en-US" dirty="0" smtClean="0"/>
+              <a:t>itotic cell coordinates</a:t>
+            </a:r>
+            <a:endParaRPr lang="en-US" dirty="0"/>
+          </a:p>
+        </p:txBody>
+      </p:sp>
+      <p:cxnSp>
+        <p:nvCxnSpPr>
+          <p:cNvPr id="8" name="Straight Arrow Connector 7"/>
+          <p:cNvCxnSpPr/>
+          <p:nvPr/>
+        </p:nvCxnSpPr>
+        <p:spPr>
+          <a:xfrm>
+            <a:off x="5029200" y="2286000"/>
+            <a:ext cx="1697860" cy="362634"/>
+          </a:xfrm>
+          <a:prstGeom prst="straightConnector1">
+            <a:avLst/>
+          </a:prstGeom>
+          <a:ln>
+            <a:tailEnd type="arrow"/>
+          </a:ln>
+        </p:spPr>
+        <p:style>
+          <a:lnRef idx="2">
+            <a:schemeClr val="accent1"/>
+          </a:lnRef>
+          <a:fillRef idx="0">
+            <a:schemeClr val="accent1"/>
+          </a:fillRef>
+          <a:effectRef idx="1">
+            <a:schemeClr val="accent1"/>
+          </a:effectRef>
+          <a:fontRef idx="minor">
+            <a:schemeClr val="tx1"/>
+          </a:fontRef>
+        </p:style>
+      </p:cxnSp>
+      <p:cxnSp>
+        <p:nvCxnSpPr>
+          <p:cNvPr id="9" name="Straight Arrow Connector 8"/>
+          <p:cNvCxnSpPr/>
+          <p:nvPr/>
+        </p:nvCxnSpPr>
+        <p:spPr>
+          <a:xfrm flipH="1">
+            <a:off x="7162800" y="4038600"/>
+            <a:ext cx="457200" cy="457200"/>
+          </a:xfrm>
+          <a:prstGeom prst="straightConnector1">
+            <a:avLst/>
+          </a:prstGeom>
+          <a:ln>
+            <a:tailEnd type="arrow"/>
+          </a:ln>
+        </p:spPr>
+        <p:style>
+          <a:lnRef idx="2">
+            <a:schemeClr val="accent1"/>
+          </a:lnRef>
+          <a:fillRef idx="0">
+            <a:schemeClr val="accent1"/>
+          </a:fillRef>
+          <a:effectRef idx="1">
+            <a:schemeClr val="accent1"/>
+          </a:effectRef>
+          <a:fontRef idx="minor">
+            <a:schemeClr val="tx1"/>
+          </a:fontRef>
+        </p:style>
+      </p:cxnSp>
+      <p:cxnSp>
+        <p:nvCxnSpPr>
+          <p:cNvPr id="10" name="Straight Arrow Connector 9"/>
+          <p:cNvCxnSpPr/>
+          <p:nvPr/>
+        </p:nvCxnSpPr>
+        <p:spPr>
+          <a:xfrm flipH="1">
+            <a:off x="4800600" y="5105400"/>
+            <a:ext cx="1066800" cy="228600"/>
+          </a:xfrm>
+          <a:prstGeom prst="straightConnector1">
+            <a:avLst/>
+          </a:prstGeom>
+          <a:ln>
+            <a:tailEnd type="arrow"/>
+          </a:ln>
+        </p:spPr>
+        <p:style>
+          <a:lnRef idx="2">
+            <a:schemeClr val="accent1"/>
+          </a:lnRef>
+          <a:fillRef idx="0">
+            <a:schemeClr val="accent1"/>
+          </a:fillRef>
+          <a:effectRef idx="1">
+            <a:schemeClr val="accent1"/>
+          </a:effectRef>
+          <a:fontRef idx="minor">
+            <a:schemeClr val="tx1"/>
+          </a:fontRef>
+        </p:style>
+      </p:cxnSp>
+      <p:pic>
+        <p:nvPicPr>
+          <p:cNvPr id="15" name="Picture 21" descr="Image--S02--U01--V01--X02--Y01--Z01--T001--P01--C01"/>
+          <p:cNvPicPr>
+            <a:picLocks noChangeAspect="1" noChangeArrowheads="1"/>
+          </p:cNvPicPr>
+          <p:nvPr/>
+        </p:nvPicPr>
+        <p:blipFill>
+          <a:blip r:embed="rId4"/>
+          <a:srcRect/>
+          <a:stretch>
+            <a:fillRect/>
+          </a:stretch>
+        </p:blipFill>
+        <p:spPr bwMode="auto">
+          <a:xfrm>
+            <a:off x="7010400" y="2895600"/>
+            <a:ext cx="1063352" cy="1063351"/>
+          </a:xfrm>
+          <a:prstGeom prst="rect">
+            <a:avLst/>
+          </a:prstGeom>
+          <a:noFill/>
+          <a:ln w="9525">
+            <a:noFill/>
+            <a:miter lim="800000"/>
+            <a:headEnd/>
+            <a:tailEnd/>
+          </a:ln>
+        </p:spPr>
+      </p:pic>
+      <p:cxnSp>
+        <p:nvCxnSpPr>
+          <p:cNvPr id="16" name="Straight Arrow Connector 15"/>
+          <p:cNvCxnSpPr/>
+          <p:nvPr/>
+        </p:nvCxnSpPr>
+        <p:spPr bwMode="auto">
+          <a:xfrm flipH="1" flipV="1">
+            <a:off x="6477000" y="4876800"/>
+            <a:ext cx="228600" cy="152400"/>
+          </a:xfrm>
+          <a:prstGeom prst="straightConnector1">
+            <a:avLst/>
+          </a:prstGeom>
+          <a:solidFill>
+            <a:schemeClr val="accent1"/>
+          </a:solidFill>
+          <a:ln w="28575" cap="flat" cmpd="sng" algn="ctr">
+            <a:solidFill>
+              <a:srgbClr val="72AD46"/>
+            </a:solidFill>
+            <a:prstDash val="solid"/>
+            <a:round/>
+            <a:headEnd type="none" w="med" len="med"/>
+            <a:tailEnd type="arrow"/>
+          </a:ln>
+          <a:effectLst/>
+        </p:spPr>
+      </p:cxnSp>
+      <p:sp>
+        <p:nvSpPr>
+          <p:cNvPr id="30" name="TextBox 29"/>
+          <p:cNvSpPr txBox="1"/>
+          <p:nvPr/>
+        </p:nvSpPr>
+        <p:spPr>
+          <a:xfrm>
+            <a:off x="6412211" y="4992469"/>
+            <a:ext cx="750589" cy="646331"/>
+          </a:xfrm>
+          <a:prstGeom prst="rect">
+            <a:avLst/>
+          </a:prstGeom>
+          <a:noFill/>
+        </p:spPr>
+        <p:txBody>
+          <a:bodyPr wrap="none" rtlCol="0">
+            <a:spAutoFit/>
+          </a:bodyPr>
+          <a:lstStyle/>
+          <a:p>
+            <a:r>
+              <a:rPr lang="en-US" dirty="0">
+                <a:solidFill>
+                  <a:schemeClr val="accent3"/>
+                </a:solidFill>
+              </a:rPr>
+              <a:t>x</a:t>
+            </a:r>
+            <a:r>
+              <a:rPr lang="en-US" dirty="0" smtClean="0">
+                <a:solidFill>
+                  <a:schemeClr val="accent3"/>
+                </a:solidFill>
+              </a:rPr>
+              <a:t>=150</a:t>
+            </a:r>
+            <a:br>
+              <a:rPr lang="en-US" dirty="0" smtClean="0">
+                <a:solidFill>
+                  <a:schemeClr val="accent3"/>
+                </a:solidFill>
+              </a:rPr>
+            </a:br>
+            <a:r>
+              <a:rPr lang="en-US" dirty="0" smtClean="0">
+                <a:solidFill>
+                  <a:schemeClr val="accent3"/>
+                </a:solidFill>
+              </a:rPr>
+              <a:t>y=80</a:t>
+            </a:r>
+            <a:endParaRPr lang="en-US" dirty="0">
+              <a:solidFill>
+                <a:schemeClr val="accent3"/>
+              </a:solidFill>
+            </a:endParaRPr>
+          </a:p>
+        </p:txBody>
+      </p:sp>
+      <p:sp>
+        <p:nvSpPr>
+          <p:cNvPr id="33" name="TextBox 32"/>
+          <p:cNvSpPr txBox="1"/>
+          <p:nvPr/>
+        </p:nvSpPr>
+        <p:spPr>
+          <a:xfrm>
+            <a:off x="2209800" y="4953000"/>
+            <a:ext cx="3303383" cy="1200329"/>
+          </a:xfrm>
+          <a:prstGeom prst="rect">
+            <a:avLst/>
+          </a:prstGeom>
+          <a:noFill/>
+        </p:spPr>
+        <p:txBody>
+          <a:bodyPr wrap="none" rtlCol="0">
+            <a:spAutoFit/>
+          </a:bodyPr>
+          <a:lstStyle/>
+          <a:p>
+            <a:r>
+              <a:rPr lang="en-US" dirty="0" smtClean="0"/>
+              <a:t>Microscope:</a:t>
+            </a:r>
+          </a:p>
+          <a:p>
+            <a:r>
+              <a:rPr lang="en-US" dirty="0" smtClean="0"/>
+              <a:t>- Move to </a:t>
+            </a:r>
+            <a:r>
+              <a:rPr lang="en-US" dirty="0" err="1" smtClean="0"/>
+              <a:t>x,y</a:t>
+            </a:r>
+            <a:r>
+              <a:rPr lang="en-US" dirty="0" smtClean="0"/>
+              <a:t/>
+            </a:r>
+            <a:br>
+              <a:rPr lang="en-US" dirty="0" smtClean="0"/>
+            </a:br>
+            <a:r>
+              <a:rPr lang="en-US" dirty="0" smtClean="0"/>
+              <a:t>- Acquire high</a:t>
+            </a:r>
+            <a:r>
+              <a:rPr lang="en-US" dirty="0" smtClean="0"/>
+              <a:t>-zoom, multi plane,</a:t>
+            </a:r>
+            <a:br>
+              <a:rPr lang="en-US" dirty="0" smtClean="0"/>
+            </a:br>
+            <a:r>
+              <a:rPr lang="en-US" dirty="0" smtClean="0"/>
+              <a:t>dual color, time </a:t>
+            </a:r>
+            <a:r>
+              <a:rPr lang="en-US" dirty="0" smtClean="0"/>
+              <a:t>lapse data</a:t>
+            </a:r>
+            <a:endParaRPr lang="en-US" dirty="0" smtClean="0"/>
+          </a:p>
+        </p:txBody>
+      </p:sp>
+      <p:pic>
+        <p:nvPicPr>
+          <p:cNvPr id="34" name="Micropilot_Metaphase_Movie.avi">
+            <a:hlinkClick r:id="" action="ppaction://media"/>
+          </p:cNvPr>
+          <p:cNvPicPr>
+            <a:picLocks noChangeAspect="1"/>
+          </p:cNvPicPr>
+          <p:nvPr>
+            <a:videoFile r:link="rId2"/>
+            <p:extLst>
+              <p:ext uri="{DAA4B4D4-6D71-4841-9C94-3DE7FCFB9230}">
+                <p14:media xmlns:p14="http://schemas.microsoft.com/office/powerpoint/2010/main" r:embed="rId1"/>
+              </p:ext>
+            </p:extLst>
+          </p:nvPr>
+        </p:nvPicPr>
+        <p:blipFill>
+          <a:blip r:embed="rId5"/>
+          <a:stretch>
+            <a:fillRect/>
+          </a:stretch>
+        </p:blipFill>
+        <p:spPr>
+          <a:xfrm>
+            <a:off x="152400" y="3352800"/>
+            <a:ext cx="1512168" cy="1512168"/>
+          </a:xfrm>
+          <a:prstGeom prst="rect">
+            <a:avLst/>
+          </a:prstGeom>
+        </p:spPr>
+      </p:pic>
+      <p:sp>
+        <p:nvSpPr>
+          <p:cNvPr id="38" name="TextBox 37"/>
+          <p:cNvSpPr txBox="1"/>
+          <p:nvPr/>
+        </p:nvSpPr>
+        <p:spPr>
+          <a:xfrm>
+            <a:off x="5139895" y="4800600"/>
+            <a:ext cx="498905" cy="369332"/>
+          </a:xfrm>
+          <a:prstGeom prst="rect">
+            <a:avLst/>
+          </a:prstGeom>
+          <a:noFill/>
+        </p:spPr>
+        <p:txBody>
+          <a:bodyPr wrap="none" rtlCol="0">
+            <a:spAutoFit/>
+          </a:bodyPr>
+          <a:lstStyle/>
+          <a:p>
+            <a:r>
+              <a:rPr lang="en-US" dirty="0" smtClean="0"/>
+              <a:t>x, y</a:t>
+            </a:r>
+            <a:endParaRPr lang="en-US" dirty="0"/>
+          </a:p>
+        </p:txBody>
+      </p:sp>
+      <p:cxnSp>
+        <p:nvCxnSpPr>
+          <p:cNvPr id="39" name="Straight Arrow Connector 38"/>
+          <p:cNvCxnSpPr/>
+          <p:nvPr/>
+        </p:nvCxnSpPr>
+        <p:spPr>
+          <a:xfrm flipH="1" flipV="1">
+            <a:off x="990600" y="4953000"/>
+            <a:ext cx="1143000" cy="457200"/>
+          </a:xfrm>
+          <a:prstGeom prst="straightConnector1">
+            <a:avLst/>
+          </a:prstGeom>
+          <a:ln>
+            <a:tailEnd type="arrow"/>
+          </a:ln>
+        </p:spPr>
+        <p:style>
+          <a:lnRef idx="2">
+            <a:schemeClr val="accent1"/>
+          </a:lnRef>
+          <a:fillRef idx="0">
+            <a:schemeClr val="accent1"/>
+          </a:fillRef>
+          <a:effectRef idx="1">
+            <a:schemeClr val="accent1"/>
+          </a:effectRef>
+          <a:fontRef idx="minor">
+            <a:schemeClr val="tx1"/>
+          </a:fontRef>
+        </p:style>
+      </p:cxnSp>
+      <p:cxnSp>
+        <p:nvCxnSpPr>
+          <p:cNvPr id="43" name="Straight Arrow Connector 42"/>
+          <p:cNvCxnSpPr/>
+          <p:nvPr/>
+        </p:nvCxnSpPr>
+        <p:spPr>
+          <a:xfrm flipV="1">
+            <a:off x="1219200" y="2438400"/>
+            <a:ext cx="914400" cy="533400"/>
+          </a:xfrm>
+          <a:prstGeom prst="straightConnector1">
+            <a:avLst/>
+          </a:prstGeom>
+          <a:ln>
+            <a:tailEnd type="arrow"/>
+          </a:ln>
+        </p:spPr>
+        <p:style>
+          <a:lnRef idx="2">
+            <a:schemeClr val="accent1"/>
+          </a:lnRef>
+          <a:fillRef idx="0">
+            <a:schemeClr val="accent1"/>
+          </a:fillRef>
+          <a:effectRef idx="1">
+            <a:schemeClr val="accent1"/>
+          </a:effectRef>
+          <a:fontRef idx="minor">
+            <a:schemeClr val="tx1"/>
+          </a:fontRef>
+        </p:style>
+      </p:cxnSp>
+      <p:pic>
+        <p:nvPicPr>
+          <p:cNvPr id="22" name="Picture 21"/>
+          <p:cNvPicPr>
+            <a:picLocks noChangeAspect="1"/>
+          </p:cNvPicPr>
+          <p:nvPr/>
+        </p:nvPicPr>
+        <p:blipFill>
+          <a:blip r:embed="rId6"/>
+          <a:stretch>
+            <a:fillRect/>
+          </a:stretch>
+        </p:blipFill>
+        <p:spPr>
+          <a:xfrm>
+            <a:off x="3581400" y="1447800"/>
+            <a:ext cx="711200" cy="711200"/>
+          </a:xfrm>
+          <a:prstGeom prst="rect">
+            <a:avLst/>
+          </a:prstGeom>
+        </p:spPr>
+      </p:pic>
+      <p:pic>
+        <p:nvPicPr>
+          <p:cNvPr id="23" name="Picture 22"/>
+          <p:cNvPicPr>
+            <a:picLocks noChangeAspect="1"/>
+          </p:cNvPicPr>
+          <p:nvPr/>
+        </p:nvPicPr>
+        <p:blipFill>
+          <a:blip r:embed="rId6"/>
+          <a:stretch>
+            <a:fillRect/>
+          </a:stretch>
+        </p:blipFill>
+        <p:spPr>
+          <a:xfrm>
+            <a:off x="3657600" y="4724400"/>
+            <a:ext cx="711200" cy="711200"/>
+          </a:xfrm>
+          <a:prstGeom prst="rect">
+            <a:avLst/>
+          </a:prstGeom>
+        </p:spPr>
+      </p:pic>
+      <p:pic>
+        <p:nvPicPr>
+          <p:cNvPr id="24" name="Picture 23"/>
+          <p:cNvPicPr>
+            <a:picLocks noChangeAspect="1"/>
+          </p:cNvPicPr>
+          <p:nvPr/>
+        </p:nvPicPr>
+        <p:blipFill>
+          <a:blip r:embed="rId7"/>
+          <a:stretch>
+            <a:fillRect/>
+          </a:stretch>
+        </p:blipFill>
+        <p:spPr>
+          <a:xfrm>
+            <a:off x="7239000" y="4876800"/>
+            <a:ext cx="635000" cy="635000"/>
+          </a:xfrm>
+          <a:prstGeom prst="rect">
+            <a:avLst/>
+          </a:prstGeom>
+        </p:spPr>
+      </p:pic>
+      <p:pic>
+        <p:nvPicPr>
+          <p:cNvPr id="25" name="Picture 24"/>
+          <p:cNvPicPr>
+            <a:picLocks noChangeAspect="1"/>
+          </p:cNvPicPr>
+          <p:nvPr/>
+        </p:nvPicPr>
+        <p:blipFill>
+          <a:blip r:embed="rId8"/>
+          <a:stretch>
+            <a:fillRect/>
+          </a:stretch>
+        </p:blipFill>
+        <p:spPr>
+          <a:xfrm>
+            <a:off x="8229600" y="3048000"/>
+            <a:ext cx="635000" cy="635000"/>
+          </a:xfrm>
+          <a:prstGeom prst="rect">
+            <a:avLst/>
+          </a:prstGeom>
+        </p:spPr>
+      </p:pic>
+      <p:pic>
+        <p:nvPicPr>
+          <p:cNvPr id="26" name="Picture 25"/>
+          <p:cNvPicPr>
+            <a:picLocks noChangeAspect="1"/>
+          </p:cNvPicPr>
+          <p:nvPr/>
+        </p:nvPicPr>
+        <p:blipFill>
+          <a:blip r:embed="rId8"/>
+          <a:stretch>
+            <a:fillRect/>
+          </a:stretch>
+        </p:blipFill>
+        <p:spPr>
+          <a:xfrm>
+            <a:off x="1828800" y="3810000"/>
+            <a:ext cx="635000" cy="635000"/>
+          </a:xfrm>
+          <a:prstGeom prst="rect">
+            <a:avLst/>
+          </a:prstGeom>
+        </p:spPr>
+      </p:pic>
     </p:spTree>
     <p:extLst>
       <p:ext uri="{BB962C8B-B14F-4D97-AF65-F5344CB8AC3E}">
-        <p14:creationId xmlns:p14="http://schemas.microsoft.com/office/powerpoint/2010/main" val="2909092873"/>
+        <p14:creationId xmlns:p14="http://schemas.microsoft.com/office/powerpoint/2010/main" val="2348152304"/>
       </p:ext>
     </p:extLst>
   </p:cSld>
@@ -21219,7 +17998,80 @@
   <p:timing>
     <p:tnLst>
       <p:par>
-        <p:cTn id="1" dur="indefinite" restart="never" nodeType="tmRoot"/>
+        <p:cTn xmlns:p14="http://schemas.microsoft.com/office/powerpoint/2010/main" id="1" dur="indefinite" restart="never" nodeType="tmRoot">
+          <p:childTnLst>
+            <p:seq concurrent="1" nextAc="seek">
+              <p:cTn id="2" restart="whenNotActive" fill="hold" evtFilter="cancelBubble" nodeType="interactiveSeq">
+                <p:stCondLst>
+                  <p:cond evt="onClick" delay="0">
+                    <p:tgtEl>
+                      <p:spTgt spid="34"/>
+                    </p:tgtEl>
+                  </p:cond>
+                </p:stCondLst>
+                <p:endSync evt="end" delay="0">
+                  <p:rtn val="all"/>
+                </p:endSync>
+                <p:childTnLst>
+                  <p:par>
+                    <p:cTn id="3" fill="hold">
+                      <p:stCondLst>
+                        <p:cond delay="0"/>
+                      </p:stCondLst>
+                      <p:childTnLst>
+                        <p:par>
+                          <p:cTn id="4" fill="hold">
+                            <p:stCondLst>
+                              <p:cond delay="0"/>
+                            </p:stCondLst>
+                            <p:childTnLst>
+                              <p:par>
+                                <p:cTn id="5" presetID="2" presetClass="mediacall" presetSubtype="0" fill="hold" nodeType="clickEffect">
+                                  <p:stCondLst>
+                                    <p:cond delay="0"/>
+                                  </p:stCondLst>
+                                  <p:childTnLst>
+                                    <p:cmd type="call" cmd="togglePause">
+                                      <p:cBhvr>
+                                        <p:cTn id="6" dur="1" fill="hold"/>
+                                        <p:tgtEl>
+                                          <p:spTgt spid="34"/>
+                                        </p:tgtEl>
+                                      </p:cBhvr>
+                                    </p:cmd>
+                                  </p:childTnLst>
+                                </p:cTn>
+                              </p:par>
+                            </p:childTnLst>
+                          </p:cTn>
+                        </p:par>
+                      </p:childTnLst>
+                    </p:cTn>
+                  </p:par>
+                </p:childTnLst>
+              </p:cTn>
+              <p:nextCondLst>
+                <p:cond evt="onClick" delay="0">
+                  <p:tgtEl>
+                    <p:spTgt spid="34"/>
+                  </p:tgtEl>
+                </p:cond>
+              </p:nextCondLst>
+            </p:seq>
+            <p:video>
+              <p:cMediaNode vol="80000">
+                <p:cTn id="7" fill="hold" display="0">
+                  <p:stCondLst>
+                    <p:cond delay="indefinite"/>
+                  </p:stCondLst>
+                </p:cTn>
+                <p:tgtEl>
+                  <p:spTgt spid="34"/>
+                </p:tgtEl>
+              </p:cMediaNode>
+            </p:video>
+          </p:childTnLst>
+        </p:cTn>
       </p:par>
     </p:tnLst>
   </p:timing>
@@ -21408,11 +18260,7 @@
                     <a:p>
                       <a:r>
                         <a:rPr lang="en-US" dirty="0" smtClean="0"/>
-                        <a:t>LSM780 </a:t>
-                      </a:r>
-                      <a:r>
-                        <a:rPr lang="en-US" dirty="0" smtClean="0"/>
-                        <a:t>confocal</a:t>
+                        <a:t>LSM780 confocal</a:t>
                       </a:r>
                     </a:p>
                     <a:p>
@@ -21432,11 +18280,7 @@
                     <a:p>
                       <a:r>
                         <a:rPr lang="en-US" dirty="0" smtClean="0"/>
-                        <a:t>ZEN </a:t>
-                      </a:r>
-                      <a:r>
-                        <a:rPr lang="en-US" dirty="0" smtClean="0"/>
-                        <a:t>Black</a:t>
+                        <a:t>ZEN Black</a:t>
                       </a:r>
                       <a:endParaRPr lang="en-US" dirty="0"/>
                     </a:p>
@@ -21450,11 +18294,7 @@
                     <a:p>
                       <a:r>
                         <a:rPr lang="en-US" dirty="0" smtClean="0"/>
-                        <a:t>Visual Basic </a:t>
-                      </a:r>
-                      <a:r>
-                        <a:rPr lang="en-US" dirty="0" smtClean="0"/>
-                        <a:t>scripting with</a:t>
+                        <a:t>Visual Basic scripting with</a:t>
                       </a:r>
                       <a:r>
                         <a:rPr lang="en-US" baseline="0" dirty="0" smtClean="0"/>
@@ -21525,7 +18365,6 @@
                         <a:rPr lang="en-US" dirty="0" smtClean="0"/>
                         <a:t>LSM800 confocal</a:t>
                       </a:r>
-                      <a:endParaRPr lang="en-US" dirty="0" smtClean="0"/>
                     </a:p>
                     <a:p>
                       <a:r>
@@ -21552,11 +18391,7 @@
                     <a:p>
                       <a:r>
                         <a:rPr lang="en-US" dirty="0" smtClean="0"/>
-                        <a:t>ZEN </a:t>
-                      </a:r>
-                      <a:r>
-                        <a:rPr lang="en-US" dirty="0" smtClean="0"/>
-                        <a:t>Blue</a:t>
+                        <a:t>ZEN Blue</a:t>
                       </a:r>
                       <a:endParaRPr lang="en-US" dirty="0"/>
                     </a:p>
@@ -21570,11 +18405,7 @@
                     <a:p>
                       <a:r>
                         <a:rPr lang="en-US" dirty="0" smtClean="0"/>
-                        <a:t>Python </a:t>
-                      </a:r>
-                      <a:r>
-                        <a:rPr lang="en-US" dirty="0" smtClean="0"/>
-                        <a:t>scripting with macro recording</a:t>
+                        <a:t>Python scripting with macro recording</a:t>
                       </a:r>
                       <a:endParaRPr lang="en-US" dirty="0"/>
                     </a:p>
@@ -21655,11 +18486,7 @@
             </a:r>
             <a:r>
               <a:rPr lang="en-US" dirty="0"/>
-              <a:t>, </a:t>
-            </a:r>
-            <a:r>
-              <a:rPr lang="en-US" dirty="0"/>
-              <a:t>Automatic real-time three-dimensional cell tracking by fluorescence </a:t>
+              <a:t>, Automatic real-time three-dimensional cell tracking by fluorescence </a:t>
             </a:r>
             <a:r>
               <a:rPr lang="en-US" dirty="0" smtClean="0"/>
@@ -21690,7 +18517,7 @@
   <p:timing>
     <p:tnLst>
       <p:par>
-        <p:cTn id="1" dur="indefinite" restart="never" nodeType="tmRoot"/>
+        <p:cTn xmlns:p14="http://schemas.microsoft.com/office/powerpoint/2010/main" id="1" dur="indefinite" restart="never" nodeType="tmRoot"/>
       </p:par>
     </p:tnLst>
   </p:timing>
@@ -21792,9 +18619,9 @@
               <a:avLst/>
             </a:prstGeom>
             <a:solidFill>
-              <a:schemeClr val="accent1">
-                <a:lumMod val="40000"/>
-                <a:lumOff val="60000"/>
+              <a:schemeClr val="accent3">
+                <a:lumMod val="60000"/>
+                <a:lumOff val="40000"/>
               </a:schemeClr>
             </a:solidFill>
             <a:ln>
@@ -21834,8 +18661,8 @@
           </p:nvSpPr>
           <p:spPr>
             <a:xfrm>
-              <a:off x="60975" y="2133600"/>
-              <a:ext cx="936475" cy="923330"/>
+              <a:off x="0" y="2209800"/>
+              <a:ext cx="936111" cy="646331"/>
             </a:xfrm>
             <a:prstGeom prst="rect">
               <a:avLst/>
@@ -21850,21 +18677,15 @@
             <a:p>
               <a:r>
                 <a:rPr lang="en-US" dirty="0" smtClean="0"/>
-                <a:t>LSM780</a:t>
+                <a:t>Zeiss</a:t>
               </a:r>
             </a:p>
             <a:p>
               <a:r>
                 <a:rPr lang="en-US" dirty="0" smtClean="0"/>
-                <a:t>Micro-</a:t>
+                <a:t>LSM780</a:t>
               </a:r>
-            </a:p>
-            <a:p>
-              <a:r>
-                <a:rPr lang="en-US" dirty="0" err="1" smtClean="0"/>
-                <a:t>scopy</a:t>
-              </a:r>
-              <a:endParaRPr lang="en-US" dirty="0"/>
+              <a:endParaRPr lang="en-US" dirty="0" smtClean="0"/>
             </a:p>
           </p:txBody>
         </p:sp>
@@ -21913,7 +18734,7 @@
               <a:avLst/>
             </a:prstGeom>
             <a:solidFill>
-              <a:schemeClr val="accent3">
+              <a:schemeClr val="accent1">
                 <a:lumMod val="40000"/>
                 <a:lumOff val="60000"/>
               </a:schemeClr>
@@ -22075,8 +18896,8 @@
         </p:nvSpPr>
         <p:spPr>
           <a:xfrm>
-            <a:off x="690020" y="5081395"/>
-            <a:ext cx="7844380" cy="2308324"/>
+            <a:off x="533400" y="5429071"/>
+            <a:ext cx="8382000" cy="1200329"/>
           </a:xfrm>
           <a:prstGeom prst="rect">
             <a:avLst/>
@@ -22090,53 +18911,111 @@
           <a:p>
             <a:r>
               <a:rPr lang="en-US" dirty="0"/>
-              <a:t>In this way several hundreds</a:t>
+              <a:t>In this way several </a:t>
+            </a:r>
+            <a:r>
+              <a:rPr lang="en-US" dirty="0" smtClean="0"/>
+              <a:t>hundreds of </a:t>
+            </a:r>
+            <a:r>
+              <a:rPr lang="en-US" dirty="0"/>
+              <a:t>recovery data sets can be </a:t>
+            </a:r>
+            <a:r>
+              <a:rPr lang="en-US" dirty="0" smtClean="0"/>
+              <a:t>automatically acquired </a:t>
+            </a:r>
+            <a:r>
+              <a:rPr lang="en-US" dirty="0"/>
+              <a:t>in an overnight experiment</a:t>
+            </a:r>
+            <a:r>
+              <a:rPr lang="en-US" dirty="0" smtClean="0"/>
+              <a:t>, thus </a:t>
+            </a:r>
+            <a:r>
+              <a:rPr lang="en-US" dirty="0"/>
+              <a:t>drastically increasing the data significance</a:t>
             </a:r>
           </a:p>
           <a:p>
             <a:r>
               <a:rPr lang="en-US" dirty="0"/>
-              <a:t>of recovery data sets can be automatically</a:t>
+              <a:t>compared to manual data </a:t>
+            </a:r>
+            <a:r>
+              <a:rPr lang="en-US" dirty="0" smtClean="0"/>
+              <a:t>acquisition where </a:t>
+            </a:r>
+            <a:r>
+              <a:rPr lang="en-US" dirty="0"/>
+              <a:t>at best several tens of useful datasets</a:t>
             </a:r>
           </a:p>
           <a:p>
             <a:r>
               <a:rPr lang="en-US" dirty="0"/>
-              <a:t>acquired in an overnight experiment,</a:t>
-            </a:r>
-          </a:p>
-          <a:p>
+              <a:t>can be acquired in the same </a:t>
+            </a:r>
+            <a:r>
+              <a:rPr lang="en-US" dirty="0" smtClean="0"/>
+              <a:t>amount of </a:t>
+            </a:r>
             <a:r>
               <a:rPr lang="en-US" dirty="0"/>
-              <a:t>thus drastically increasing the data significance</a:t>
-            </a:r>
-          </a:p>
-          <a:p>
-            <a:r>
-              <a:rPr lang="en-US" dirty="0"/>
-              <a:t>compared to manual data acquisition</a:t>
-            </a:r>
-          </a:p>
-          <a:p>
-            <a:r>
-              <a:rPr lang="en-US" dirty="0"/>
-              <a:t>where at best several tens of useful datasets</a:t>
-            </a:r>
-          </a:p>
-          <a:p>
-            <a:r>
-              <a:rPr lang="en-US" dirty="0"/>
-              <a:t>can be acquired in the same amount</a:t>
-            </a:r>
-          </a:p>
-          <a:p>
-            <a:r>
-              <a:rPr lang="en-US" dirty="0"/>
-              <a:t>of time.</a:t>
+              <a:t>time.</a:t>
             </a:r>
           </a:p>
         </p:txBody>
       </p:sp>
+      <p:pic>
+        <p:nvPicPr>
+          <p:cNvPr id="12" name="Picture 11"/>
+          <p:cNvPicPr>
+            <a:picLocks noChangeAspect="1"/>
+          </p:cNvPicPr>
+          <p:nvPr/>
+        </p:nvPicPr>
+        <p:blipFill>
+          <a:blip r:embed="rId3"/>
+          <a:stretch>
+            <a:fillRect/>
+          </a:stretch>
+        </p:blipFill>
+        <p:spPr>
+          <a:xfrm>
+            <a:off x="76200" y="762000"/>
+            <a:ext cx="787400" cy="787400"/>
+          </a:xfrm>
+          <a:prstGeom prst="rect">
+            <a:avLst/>
+          </a:prstGeom>
+        </p:spPr>
+      </p:pic>
+      <p:pic>
+        <p:nvPicPr>
+          <p:cNvPr id="13" name="Picture 12"/>
+          <p:cNvPicPr>
+            <a:picLocks noChangeAspect="1"/>
+          </p:cNvPicPr>
+          <p:nvPr/>
+        </p:nvPicPr>
+        <p:blipFill>
+          <a:blip r:embed="rId4"/>
+          <a:stretch>
+            <a:fillRect/>
+          </a:stretch>
+        </p:blipFill>
+        <p:spPr>
+          <a:xfrm>
+            <a:off x="152400" y="4343400"/>
+            <a:ext cx="635000" cy="635000"/>
+          </a:xfrm>
+          <a:prstGeom prst="rect">
+            <a:avLst/>
+          </a:prstGeom>
+        </p:spPr>
+      </p:pic>
     </p:spTree>
     <p:extLst>
       <p:ext uri="{BB962C8B-B14F-4D97-AF65-F5344CB8AC3E}">
@@ -22150,7 +19029,7 @@
   <p:timing>
     <p:tnLst>
       <p:par>
-        <p:cTn id="1" dur="indefinite" restart="never" nodeType="tmRoot"/>
+        <p:cTn xmlns:p14="http://schemas.microsoft.com/office/powerpoint/2010/main" id="1" dur="indefinite" restart="never" nodeType="tmRoot"/>
       </p:par>
     </p:tnLst>
   </p:timing>
@@ -22191,43 +19070,7 @@
           <a:p>
             <a:r>
               <a:rPr lang="en-US" dirty="0" smtClean="0"/>
-              <a:t>What to measure</a:t>
-            </a:r>
-            <a:endParaRPr lang="en-US" dirty="0"/>
-          </a:p>
-        </p:txBody>
-      </p:sp>
-      <p:sp>
-        <p:nvSpPr>
-          <p:cNvPr id="3" name="TextBox 2"/>
-          <p:cNvSpPr txBox="1"/>
-          <p:nvPr/>
-        </p:nvSpPr>
-        <p:spPr>
-          <a:xfrm>
-            <a:off x="3657600" y="2743200"/>
-            <a:ext cx="1892506" cy="646331"/>
-          </a:xfrm>
-          <a:prstGeom prst="rect">
-            <a:avLst/>
-          </a:prstGeom>
-          <a:noFill/>
-        </p:spPr>
-        <p:txBody>
-          <a:bodyPr wrap="none" rtlCol="0">
-            <a:spAutoFit/>
-          </a:bodyPr>
-          <a:lstStyle/>
-          <a:p>
-            <a:r>
-              <a:rPr lang="en-US" dirty="0" smtClean="0"/>
-              <a:t>Mean vs Sum</a:t>
-            </a:r>
-          </a:p>
-          <a:p>
-            <a:r>
-              <a:rPr lang="en-US" dirty="0" smtClean="0"/>
-              <a:t>Cell cycle example</a:t>
+              <a:t>Adaptive FCS Microscopy</a:t>
             </a:r>
             <a:endParaRPr lang="en-US" dirty="0"/>
           </a:p>
@@ -22236,7 +19079,7 @@
     </p:spTree>
     <p:extLst>
       <p:ext uri="{BB962C8B-B14F-4D97-AF65-F5344CB8AC3E}">
-        <p14:creationId xmlns:p14="http://schemas.microsoft.com/office/powerpoint/2010/main" val="3028658000"/>
+        <p14:creationId xmlns:p14="http://schemas.microsoft.com/office/powerpoint/2010/main" val="1733551608"/>
       </p:ext>
     </p:extLst>
   </p:cSld>
@@ -22246,7 +19089,7 @@
   <p:timing>
     <p:tnLst>
       <p:par>
-        <p:cTn id="1" dur="indefinite" restart="never" nodeType="tmRoot"/>
+        <p:cTn xmlns:p14="http://schemas.microsoft.com/office/powerpoint/2010/main" id="1" dur="indefinite" restart="never" nodeType="tmRoot"/>
       </p:par>
     </p:tnLst>
   </p:timing>
@@ -22254,6 +19097,73 @@
 </file>
 
 <file path=ppt/slides/slide24.xml><?xml version="1.0" encoding="utf-8"?>
+<p:sld xmlns:a="http://schemas.openxmlformats.org/drawingml/2006/main" xmlns:r="http://schemas.openxmlformats.org/officeDocument/2006/relationships" xmlns:p="http://schemas.openxmlformats.org/presentationml/2006/main">
+  <p:cSld>
+    <p:spTree>
+      <p:nvGrpSpPr>
+        <p:cNvPr id="1" name=""/>
+        <p:cNvGrpSpPr/>
+        <p:nvPr/>
+      </p:nvGrpSpPr>
+      <p:grpSpPr>
+        <a:xfrm>
+          <a:off x="0" y="0"/>
+          <a:ext cx="0" cy="0"/>
+          <a:chOff x="0" y="0"/>
+          <a:chExt cx="0" cy="0"/>
+        </a:xfrm>
+      </p:grpSpPr>
+    </p:spTree>
+    <p:extLst>
+      <p:ext uri="{BB962C8B-B14F-4D97-AF65-F5344CB8AC3E}">
+        <p14:creationId xmlns:p14="http://schemas.microsoft.com/office/powerpoint/2010/main" val="3678807461"/>
+      </p:ext>
+    </p:extLst>
+  </p:cSld>
+  <p:clrMapOvr>
+    <a:masterClrMapping/>
+  </p:clrMapOvr>
+</p:sld>
+</file>
+
+<file path=ppt/slides/slide25.xml><?xml version="1.0" encoding="utf-8"?>
+<p:sld xmlns:a="http://schemas.openxmlformats.org/drawingml/2006/main" xmlns:r="http://schemas.openxmlformats.org/officeDocument/2006/relationships" xmlns:p="http://schemas.openxmlformats.org/presentationml/2006/main">
+  <p:cSld>
+    <p:spTree>
+      <p:nvGrpSpPr>
+        <p:cNvPr id="1" name=""/>
+        <p:cNvGrpSpPr/>
+        <p:nvPr/>
+      </p:nvGrpSpPr>
+      <p:grpSpPr>
+        <a:xfrm>
+          <a:off x="0" y="0"/>
+          <a:ext cx="0" cy="0"/>
+          <a:chOff x="0" y="0"/>
+          <a:chExt cx="0" cy="0"/>
+        </a:xfrm>
+      </p:grpSpPr>
+    </p:spTree>
+    <p:extLst>
+      <p:ext uri="{BB962C8B-B14F-4D97-AF65-F5344CB8AC3E}">
+        <p14:creationId xmlns:p14="http://schemas.microsoft.com/office/powerpoint/2010/main" val="148269474"/>
+      </p:ext>
+    </p:extLst>
+  </p:cSld>
+  <p:clrMapOvr>
+    <a:masterClrMapping/>
+  </p:clrMapOvr>
+  <p:timing>
+    <p:tnLst>
+      <p:par>
+        <p:cTn xmlns:p14="http://schemas.microsoft.com/office/powerpoint/2010/main" id="1" dur="indefinite" restart="never" nodeType="tmRoot"/>
+      </p:par>
+    </p:tnLst>
+  </p:timing>
+</p:sld>
+</file>
+
+<file path=ppt/slides/slide26.xml><?xml version="1.0" encoding="utf-8"?>
 <p:sld xmlns:a="http://schemas.openxmlformats.org/drawingml/2006/main" xmlns:r="http://schemas.openxmlformats.org/officeDocument/2006/relationships" xmlns:p="http://schemas.openxmlformats.org/presentationml/2006/main">
   <p:cSld>
     <p:spTree>
@@ -22283,14 +19193,14 @@
   <p:timing>
     <p:tnLst>
       <p:par>
-        <p:cTn id="1" dur="indefinite" restart="never" nodeType="tmRoot"/>
+        <p:cTn xmlns:p14="http://schemas.microsoft.com/office/powerpoint/2010/main" id="1" dur="indefinite" restart="never" nodeType="tmRoot"/>
       </p:par>
     </p:tnLst>
   </p:timing>
 </p:sld>
 </file>
 
-<file path=ppt/slides/slide25.xml><?xml version="1.0" encoding="utf-8"?>
+<file path=ppt/slides/slide27.xml><?xml version="1.0" encoding="utf-8"?>
 <p:sld xmlns:a="http://schemas.openxmlformats.org/drawingml/2006/main" xmlns:r="http://schemas.openxmlformats.org/officeDocument/2006/relationships" xmlns:p="http://schemas.openxmlformats.org/presentationml/2006/main">
   <p:cSld>
     <p:spTree>
@@ -22364,14 +19274,14 @@
   <p:timing>
     <p:tnLst>
       <p:par>
-        <p:cTn id="1" dur="indefinite" restart="never" nodeType="tmRoot"/>
+        <p:cTn xmlns:p14="http://schemas.microsoft.com/office/powerpoint/2010/main" id="1" dur="indefinite" restart="never" nodeType="tmRoot"/>
       </p:par>
     </p:tnLst>
   </p:timing>
 </p:sld>
 </file>
 
-<file path=ppt/slides/slide26.xml><?xml version="1.0" encoding="utf-8"?>
+<file path=ppt/slides/slide28.xml><?xml version="1.0" encoding="utf-8"?>
 <p:sld xmlns:a="http://schemas.openxmlformats.org/drawingml/2006/main" xmlns:r="http://schemas.openxmlformats.org/officeDocument/2006/relationships" xmlns:p="http://schemas.openxmlformats.org/presentationml/2006/main">
   <p:cSld>
     <p:spTree>
@@ -23010,7 +19920,7 @@
   <p:timing>
     <p:tnLst>
       <p:par>
-        <p:cTn id="1" dur="indefinite" restart="never" nodeType="tmRoot"/>
+        <p:cTn xmlns:p14="http://schemas.microsoft.com/office/powerpoint/2010/main" id="1" dur="indefinite" restart="never" nodeType="tmRoot"/>
       </p:par>
     </p:tnLst>
   </p:timing>
@@ -26216,7 +23126,7 @@
                 <a:tailEnd/>
               </a:ln>
               <a:extLst>
-                <a:ext uri="{909E8E84-426E-40DD-AFC4-6F175D3DCCD1}">
+                <a:ext uri="{909E8E84-426E-40dd-AFC4-6F175D3DCCD1}">
                   <a14:hiddenFill xmlns:a14="http://schemas.microsoft.com/office/drawing/2010/main">
                     <a:solidFill>
                       <a:srgbClr val="FFFFFF"/>
@@ -27925,7 +24835,7 @@
   <p:timing>
     <p:tnLst>
       <p:par>
-        <p:cTn id="1" dur="indefinite" restart="never" nodeType="tmRoot"/>
+        <p:cTn xmlns:p14="http://schemas.microsoft.com/office/powerpoint/2010/main" id="1" dur="indefinite" restart="never" nodeType="tmRoot"/>
       </p:par>
     </p:tnLst>
   </p:timing>
@@ -28167,14 +25077,14 @@
             <a:noFill/>
           </a:ln>
           <a:extLst>
-            <a:ext uri="{909E8E84-426E-40DD-AFC4-6F175D3DCCD1}">
+            <a:ext uri="{909E8E84-426E-40dd-AFC4-6F175D3DCCD1}">
               <a14:hiddenFill xmlns:a14="http://schemas.microsoft.com/office/drawing/2010/main">
                 <a:solidFill>
                   <a:schemeClr val="accent1"/>
                 </a:solidFill>
               </a14:hiddenFill>
             </a:ext>
-            <a:ext uri="{91240B29-F687-4F45-9708-019B960494DF}">
+            <a:ext uri="{91240B29-F687-4f45-9708-019B960494DF}">
               <a14:hiddenLine xmlns:a14="http://schemas.microsoft.com/office/drawing/2010/main" w="9525">
                 <a:solidFill>
                   <a:schemeClr val="tx1"/>

--- a/2016-12-07--Tischi--ASCB--ZEISS.pptx
+++ b/2016-12-07--Tischi--ASCB--ZEISS.pptx
@@ -5,7 +5,7 @@
     <p:sldMasterId id="2147483648" r:id="rId1"/>
   </p:sldMasterIdLst>
   <p:notesMasterIdLst>
-    <p:notesMasterId r:id="rId30"/>
+    <p:notesMasterId r:id="rId34"/>
   </p:notesMasterIdLst>
   <p:sldIdLst>
     <p:sldId id="257" r:id="rId2"/>
@@ -28,14 +28,18 @@
     <p:sldId id="289" r:id="rId19"/>
     <p:sldId id="260" r:id="rId20"/>
     <p:sldId id="290" r:id="rId21"/>
-    <p:sldId id="275" r:id="rId22"/>
-    <p:sldId id="278" r:id="rId23"/>
-    <p:sldId id="288" r:id="rId24"/>
-    <p:sldId id="286" r:id="rId25"/>
-    <p:sldId id="287" r:id="rId26"/>
-    <p:sldId id="279" r:id="rId27"/>
-    <p:sldId id="261" r:id="rId28"/>
-    <p:sldId id="276" r:id="rId29"/>
+    <p:sldId id="291" r:id="rId22"/>
+    <p:sldId id="292" r:id="rId23"/>
+    <p:sldId id="278" r:id="rId24"/>
+    <p:sldId id="288" r:id="rId25"/>
+    <p:sldId id="286" r:id="rId26"/>
+    <p:sldId id="287" r:id="rId27"/>
+    <p:sldId id="279" r:id="rId28"/>
+    <p:sldId id="261" r:id="rId29"/>
+    <p:sldId id="276" r:id="rId30"/>
+    <p:sldId id="293" r:id="rId31"/>
+    <p:sldId id="294" r:id="rId32"/>
+    <p:sldId id="295" r:id="rId33"/>
   </p:sldIdLst>
   <p:sldSz cx="9144000" cy="6858000" type="screen4x3"/>
   <p:notesSz cx="6858000" cy="9144000"/>
@@ -3436,6 +3440,174 @@
 </p:notes>
 </file>
 
+<file path=ppt/notesSlides/notesSlide3.xml><?xml version="1.0" encoding="utf-8"?>
+<p:notes xmlns:a="http://schemas.openxmlformats.org/drawingml/2006/main" xmlns:r="http://schemas.openxmlformats.org/officeDocument/2006/relationships" xmlns:p="http://schemas.openxmlformats.org/presentationml/2006/main">
+  <p:cSld>
+    <p:spTree>
+      <p:nvGrpSpPr>
+        <p:cNvPr id="1" name=""/>
+        <p:cNvGrpSpPr/>
+        <p:nvPr/>
+      </p:nvGrpSpPr>
+      <p:grpSpPr>
+        <a:xfrm>
+          <a:off x="0" y="0"/>
+          <a:ext cx="0" cy="0"/>
+          <a:chOff x="0" y="0"/>
+          <a:chExt cx="0" cy="0"/>
+        </a:xfrm>
+      </p:grpSpPr>
+      <p:sp>
+        <p:nvSpPr>
+          <p:cNvPr id="2" name="Slide Image Placeholder 1"/>
+          <p:cNvSpPr>
+            <a:spLocks noGrp="1" noRot="1" noChangeAspect="1"/>
+          </p:cNvSpPr>
+          <p:nvPr>
+            <p:ph type="sldImg"/>
+          </p:nvPr>
+        </p:nvSpPr>
+        <p:spPr/>
+      </p:sp>
+      <p:sp>
+        <p:nvSpPr>
+          <p:cNvPr id="3" name="Notes Placeholder 2"/>
+          <p:cNvSpPr>
+            <a:spLocks noGrp="1"/>
+          </p:cNvSpPr>
+          <p:nvPr>
+            <p:ph type="body" idx="1"/>
+          </p:nvPr>
+        </p:nvSpPr>
+        <p:spPr/>
+        <p:txBody>
+          <a:bodyPr/>
+          <a:lstStyle/>
+          <a:p>
+            <a:endParaRPr lang="en-US" dirty="0"/>
+          </a:p>
+        </p:txBody>
+      </p:sp>
+      <p:sp>
+        <p:nvSpPr>
+          <p:cNvPr id="4" name="Slide Number Placeholder 3"/>
+          <p:cNvSpPr>
+            <a:spLocks noGrp="1"/>
+          </p:cNvSpPr>
+          <p:nvPr>
+            <p:ph type="sldNum" sz="quarter" idx="10"/>
+          </p:nvPr>
+        </p:nvSpPr>
+        <p:spPr/>
+        <p:txBody>
+          <a:bodyPr/>
+          <a:lstStyle/>
+          <a:p>
+            <a:fld id="{9A23FEB5-4D18-43A9-AC75-0D5B3E6360FC}" type="slidenum">
+              <a:rPr lang="en-US" smtClean="0"/>
+              <a:t>21</a:t>
+            </a:fld>
+            <a:endParaRPr lang="en-US"/>
+          </a:p>
+        </p:txBody>
+      </p:sp>
+    </p:spTree>
+    <p:extLst>
+      <p:ext uri="{BB962C8B-B14F-4D97-AF65-F5344CB8AC3E}">
+        <p14:creationId xmlns:p14="http://schemas.microsoft.com/office/powerpoint/2010/main" val="3952798925"/>
+      </p:ext>
+    </p:extLst>
+  </p:cSld>
+  <p:clrMapOvr>
+    <a:masterClrMapping/>
+  </p:clrMapOvr>
+</p:notes>
+</file>
+
+<file path=ppt/notesSlides/notesSlide4.xml><?xml version="1.0" encoding="utf-8"?>
+<p:notes xmlns:a="http://schemas.openxmlformats.org/drawingml/2006/main" xmlns:r="http://schemas.openxmlformats.org/officeDocument/2006/relationships" xmlns:p="http://schemas.openxmlformats.org/presentationml/2006/main">
+  <p:cSld>
+    <p:spTree>
+      <p:nvGrpSpPr>
+        <p:cNvPr id="1" name=""/>
+        <p:cNvGrpSpPr/>
+        <p:nvPr/>
+      </p:nvGrpSpPr>
+      <p:grpSpPr>
+        <a:xfrm>
+          <a:off x="0" y="0"/>
+          <a:ext cx="0" cy="0"/>
+          <a:chOff x="0" y="0"/>
+          <a:chExt cx="0" cy="0"/>
+        </a:xfrm>
+      </p:grpSpPr>
+      <p:sp>
+        <p:nvSpPr>
+          <p:cNvPr id="2" name="Slide Image Placeholder 1"/>
+          <p:cNvSpPr>
+            <a:spLocks noGrp="1" noRot="1" noChangeAspect="1"/>
+          </p:cNvSpPr>
+          <p:nvPr>
+            <p:ph type="sldImg"/>
+          </p:nvPr>
+        </p:nvSpPr>
+        <p:spPr/>
+      </p:sp>
+      <p:sp>
+        <p:nvSpPr>
+          <p:cNvPr id="3" name="Notes Placeholder 2"/>
+          <p:cNvSpPr>
+            <a:spLocks noGrp="1"/>
+          </p:cNvSpPr>
+          <p:nvPr>
+            <p:ph type="body" idx="1"/>
+          </p:nvPr>
+        </p:nvSpPr>
+        <p:spPr/>
+        <p:txBody>
+          <a:bodyPr/>
+          <a:lstStyle/>
+          <a:p>
+            <a:endParaRPr lang="en-US" dirty="0"/>
+          </a:p>
+        </p:txBody>
+      </p:sp>
+      <p:sp>
+        <p:nvSpPr>
+          <p:cNvPr id="4" name="Slide Number Placeholder 3"/>
+          <p:cNvSpPr>
+            <a:spLocks noGrp="1"/>
+          </p:cNvSpPr>
+          <p:nvPr>
+            <p:ph type="sldNum" sz="quarter" idx="10"/>
+          </p:nvPr>
+        </p:nvSpPr>
+        <p:spPr/>
+        <p:txBody>
+          <a:bodyPr/>
+          <a:lstStyle/>
+          <a:p>
+            <a:fld id="{9A23FEB5-4D18-43A9-AC75-0D5B3E6360FC}" type="slidenum">
+              <a:rPr lang="en-US" smtClean="0"/>
+              <a:t>22</a:t>
+            </a:fld>
+            <a:endParaRPr lang="en-US"/>
+          </a:p>
+        </p:txBody>
+      </p:sp>
+    </p:spTree>
+    <p:extLst>
+      <p:ext uri="{BB962C8B-B14F-4D97-AF65-F5344CB8AC3E}">
+        <p14:creationId xmlns:p14="http://schemas.microsoft.com/office/powerpoint/2010/main" val="3952798925"/>
+      </p:ext>
+    </p:extLst>
+  </p:cSld>
+  <p:clrMapOvr>
+    <a:masterClrMapping/>
+  </p:clrMapOvr>
+</p:notes>
+</file>
+
 <file path=ppt/slideLayouts/slideLayout1.xml><?xml version="1.0" encoding="utf-8"?>
 <p:sldLayout xmlns:a="http://schemas.openxmlformats.org/drawingml/2006/main" xmlns:r="http://schemas.openxmlformats.org/officeDocument/2006/relationships" xmlns:p="http://schemas.openxmlformats.org/presentationml/2006/main" type="title" preserve="1">
   <p:cSld name="Title Slide">
@@ -16849,8 +17021,8 @@
         </p:nvSpPr>
         <p:spPr>
           <a:xfrm>
-            <a:off x="5181600" y="5029200"/>
-            <a:ext cx="3634328" cy="1200329"/>
+            <a:off x="8763000" y="5486400"/>
+            <a:ext cx="2787943" cy="923330"/>
           </a:xfrm>
           <a:prstGeom prst="rect">
             <a:avLst/>
@@ -16879,16 +17051,6 @@
             </a:pPr>
             <a:r>
               <a:rPr lang="en-US" dirty="0" smtClean="0"/>
-              <a:t>replace where possible with icons</a:t>
-            </a:r>
-          </a:p>
-          <a:p>
-            <a:pPr marL="285750" indent="-285750">
-              <a:buFontTx/>
-              <a:buChar char="-"/>
-            </a:pPr>
-            <a:r>
-              <a:rPr lang="en-US" dirty="0" smtClean="0"/>
               <a:t>add references</a:t>
             </a:r>
           </a:p>
@@ -16912,8 +17074,8 @@
         </p:nvCxnSpPr>
         <p:spPr>
           <a:xfrm>
-            <a:off x="3581400" y="2667000"/>
-            <a:ext cx="2133600" cy="533400"/>
+            <a:off x="3276600" y="2819400"/>
+            <a:ext cx="2438400" cy="381000"/>
           </a:xfrm>
           <a:prstGeom prst="straightConnector1">
             <a:avLst/>
@@ -16945,8 +17107,8 @@
         </p:nvCxnSpPr>
         <p:spPr>
           <a:xfrm flipH="1">
-            <a:off x="4953000" y="4191000"/>
-            <a:ext cx="1048888" cy="545068"/>
+            <a:off x="5029200" y="4114800"/>
+            <a:ext cx="838200" cy="609600"/>
           </a:xfrm>
           <a:prstGeom prst="straightConnector1">
             <a:avLst/>
@@ -17029,7 +17191,7 @@
       </p:pic>
       <p:pic>
         <p:nvPicPr>
-          <p:cNvPr id="27" name="Picture 26"/>
+          <p:cNvPr id="28" name="Picture 27"/>
           <p:cNvPicPr>
             <a:picLocks noChangeAspect="1"/>
           </p:cNvPicPr>
@@ -17037,30 +17199,6 @@
         </p:nvPicPr>
         <p:blipFill>
           <a:blip r:embed="rId4"/>
-          <a:stretch>
-            <a:fillRect/>
-          </a:stretch>
-        </p:blipFill>
-        <p:spPr>
-          <a:xfrm>
-            <a:off x="6172200" y="2667000"/>
-            <a:ext cx="1625600" cy="1625600"/>
-          </a:xfrm>
-          <a:prstGeom prst="rect">
-            <a:avLst/>
-          </a:prstGeom>
-        </p:spPr>
-      </p:pic>
-      <p:pic>
-        <p:nvPicPr>
-          <p:cNvPr id="28" name="Picture 27"/>
-          <p:cNvPicPr>
-            <a:picLocks noChangeAspect="1"/>
-          </p:cNvPicPr>
-          <p:nvPr/>
-        </p:nvPicPr>
-        <p:blipFill>
-          <a:blip r:embed="rId5"/>
           <a:stretch>
             <a:fillRect/>
           </a:stretch>
@@ -17075,6 +17213,118 @@
           </a:prstGeom>
         </p:spPr>
       </p:pic>
+      <p:pic>
+        <p:nvPicPr>
+          <p:cNvPr id="10" name="Picture 9"/>
+          <p:cNvPicPr>
+            <a:picLocks noChangeAspect="1"/>
+          </p:cNvPicPr>
+          <p:nvPr/>
+        </p:nvPicPr>
+        <p:blipFill>
+          <a:blip r:embed="rId5"/>
+          <a:stretch>
+            <a:fillRect/>
+          </a:stretch>
+        </p:blipFill>
+        <p:spPr>
+          <a:xfrm>
+            <a:off x="5791200" y="3124200"/>
+            <a:ext cx="1016000" cy="1016000"/>
+          </a:xfrm>
+          <a:prstGeom prst="rect">
+            <a:avLst/>
+          </a:prstGeom>
+        </p:spPr>
+      </p:pic>
+      <p:sp>
+        <p:nvSpPr>
+          <p:cNvPr id="3" name="TextBox 2"/>
+          <p:cNvSpPr txBox="1"/>
+          <p:nvPr/>
+        </p:nvSpPr>
+        <p:spPr>
+          <a:xfrm>
+            <a:off x="1676400" y="3810000"/>
+            <a:ext cx="1267595" cy="923330"/>
+          </a:xfrm>
+          <a:prstGeom prst="rect">
+            <a:avLst/>
+          </a:prstGeom>
+          <a:noFill/>
+        </p:spPr>
+        <p:txBody>
+          <a:bodyPr wrap="none" rtlCol="0">
+            <a:spAutoFit/>
+          </a:bodyPr>
+          <a:lstStyle/>
+          <a:p>
+            <a:r>
+              <a:rPr lang="en-US" dirty="0" smtClean="0"/>
+              <a:t>Sent new</a:t>
+            </a:r>
+            <a:br>
+              <a:rPr lang="en-US" dirty="0" smtClean="0"/>
+            </a:br>
+            <a:r>
+              <a:rPr lang="en-US" dirty="0" smtClean="0"/>
+              <a:t>microscope</a:t>
+            </a:r>
+            <a:br>
+              <a:rPr lang="en-US" dirty="0" smtClean="0"/>
+            </a:br>
+            <a:r>
+              <a:rPr lang="en-US" dirty="0" smtClean="0"/>
+              <a:t>settings</a:t>
+            </a:r>
+            <a:endParaRPr lang="en-US" dirty="0"/>
+          </a:p>
+        </p:txBody>
+      </p:sp>
+      <p:sp>
+        <p:nvSpPr>
+          <p:cNvPr id="12" name="TextBox 11"/>
+          <p:cNvSpPr txBox="1"/>
+          <p:nvPr/>
+        </p:nvSpPr>
+        <p:spPr>
+          <a:xfrm>
+            <a:off x="4953000" y="5029200"/>
+            <a:ext cx="2044149" cy="923330"/>
+          </a:xfrm>
+          <a:prstGeom prst="rect">
+            <a:avLst/>
+          </a:prstGeom>
+          <a:noFill/>
+        </p:spPr>
+        <p:txBody>
+          <a:bodyPr wrap="none" rtlCol="0">
+            <a:spAutoFit/>
+          </a:bodyPr>
+          <a:lstStyle/>
+          <a:p>
+            <a:r>
+              <a:rPr lang="en-US" dirty="0" smtClean="0"/>
+              <a:t>Analyze data to </a:t>
+            </a:r>
+            <a:br>
+              <a:rPr lang="en-US" dirty="0" smtClean="0"/>
+            </a:br>
+            <a:r>
+              <a:rPr lang="en-US" dirty="0" smtClean="0"/>
+              <a:t>derive adapted</a:t>
+            </a:r>
+            <a:br>
+              <a:rPr lang="en-US" dirty="0" smtClean="0"/>
+            </a:br>
+            <a:r>
+              <a:rPr lang="en-US" dirty="0" smtClean="0"/>
+              <a:t>microscope settings</a:t>
+            </a:r>
+            <a:endParaRPr lang="en-US" dirty="0"/>
+          </a:p>
+        </p:txBody>
+      </p:sp>
     </p:spTree>
     <p:extLst>
       <p:ext uri="{BB962C8B-B14F-4D97-AF65-F5344CB8AC3E}">
@@ -17209,7 +17459,7 @@
         </p:blipFill>
         <p:spPr bwMode="auto">
           <a:xfrm>
-            <a:off x="6096000" y="4648200"/>
+            <a:off x="6934200" y="5029200"/>
             <a:ext cx="1063352" cy="1063351"/>
           </a:xfrm>
           <a:prstGeom prst="rect">
@@ -17262,7 +17512,7 @@
         <p:spPr>
           <a:xfrm>
             <a:off x="2366798" y="1828800"/>
-            <a:ext cx="3292676" cy="1200329"/>
+            <a:ext cx="3292676" cy="923330"/>
           </a:xfrm>
           <a:prstGeom prst="rect">
             <a:avLst/>
@@ -17275,12 +17525,13 @@
           </a:bodyPr>
           <a:lstStyle/>
           <a:p>
-            <a:endParaRPr lang="en-US" dirty="0" smtClean="0"/>
-          </a:p>
-          <a:p>
             <a:r>
               <a:rPr lang="en-US" dirty="0" smtClean="0"/>
-              <a:t>- Move to next grid position.</a:t>
+              <a:t>- </a:t>
+            </a:r>
+            <a:r>
+              <a:rPr lang="en-US" dirty="0" smtClean="0"/>
+              <a:t>Move to next grid position.</a:t>
             </a:r>
             <a:r>
               <a:rPr lang="en-US" dirty="0"/>
@@ -17291,68 +17542,15 @@
             </a:br>
             <a:r>
               <a:rPr lang="en-US" dirty="0" smtClean="0"/>
-              <a:t>- Acquire </a:t>
-            </a:r>
-            <a:r>
-              <a:rPr lang="en-US" dirty="0" smtClean="0"/>
-              <a:t>low</a:t>
-            </a:r>
-            <a:r>
-              <a:rPr lang="en-US" dirty="0" smtClean="0"/>
-              <a:t>-zoom, single plane,</a:t>
+              <a:t>- Acquire low-zoom, single plane,</a:t>
             </a:r>
             <a:br>
               <a:rPr lang="en-US" dirty="0" smtClean="0"/>
             </a:br>
             <a:r>
               <a:rPr lang="en-US" dirty="0" smtClean="0"/>
-              <a:t>single </a:t>
-            </a:r>
-            <a:r>
-              <a:rPr lang="en-US" dirty="0" smtClean="0"/>
-              <a:t>channel image</a:t>
-            </a:r>
-            <a:endParaRPr lang="en-US" dirty="0" smtClean="0"/>
-          </a:p>
-        </p:txBody>
-      </p:sp>
-      <p:sp>
-        <p:nvSpPr>
-          <p:cNvPr id="5" name="TextBox 4"/>
-          <p:cNvSpPr txBox="1"/>
-          <p:nvPr/>
-        </p:nvSpPr>
-        <p:spPr>
-          <a:xfrm>
-            <a:off x="7010400" y="2200870"/>
-            <a:ext cx="1454244" cy="923330"/>
-          </a:xfrm>
-          <a:prstGeom prst="rect">
-            <a:avLst/>
-          </a:prstGeom>
-          <a:noFill/>
-        </p:spPr>
-        <p:txBody>
-          <a:bodyPr wrap="none" rtlCol="0">
-            <a:spAutoFit/>
-          </a:bodyPr>
-          <a:lstStyle/>
-          <a:p>
-            <a:r>
-              <a:rPr lang="en-US" dirty="0" smtClean="0"/>
-              <a:t>Data:</a:t>
-            </a:r>
-            <a:br>
-              <a:rPr lang="en-US" dirty="0" smtClean="0"/>
-            </a:br>
-            <a:r>
-              <a:rPr lang="en-US" dirty="0" smtClean="0"/>
-              <a:t>H2B-mCherry</a:t>
-            </a:r>
-            <a:br>
-              <a:rPr lang="en-US" dirty="0" smtClean="0"/>
-            </a:br>
-            <a:endParaRPr lang="en-US" dirty="0"/>
+              <a:t>single channel image</a:t>
+            </a:r>
           </a:p>
         </p:txBody>
       </p:sp>
@@ -17417,7 +17615,7 @@
         </p:nvSpPr>
         <p:spPr>
           <a:xfrm>
-            <a:off x="5638800" y="5715000"/>
+            <a:off x="6477000" y="6096000"/>
             <a:ext cx="2393128" cy="646331"/>
           </a:xfrm>
           <a:prstGeom prst="rect">
@@ -17452,13 +17650,16 @@
       <p:cxnSp>
         <p:nvCxnSpPr>
           <p:cNvPr id="8" name="Straight Arrow Connector 7"/>
-          <p:cNvCxnSpPr/>
+          <p:cNvCxnSpPr>
+            <a:stCxn id="22" idx="3"/>
+            <a:endCxn id="3" idx="1"/>
+          </p:cNvCxnSpPr>
           <p:nvPr/>
         </p:nvCxnSpPr>
         <p:spPr>
           <a:xfrm>
-            <a:off x="5029200" y="2286000"/>
-            <a:ext cx="1697860" cy="362634"/>
+            <a:off x="4368800" y="3022600"/>
+            <a:ext cx="1498600" cy="266700"/>
           </a:xfrm>
           <a:prstGeom prst="straightConnector1">
             <a:avLst/>
@@ -17485,13 +17686,16 @@
       <p:cxnSp>
         <p:nvCxnSpPr>
           <p:cNvPr id="9" name="Straight Arrow Connector 8"/>
-          <p:cNvCxnSpPr/>
+          <p:cNvCxnSpPr>
+            <a:stCxn id="3" idx="2"/>
+            <a:endCxn id="24" idx="0"/>
+          </p:cNvCxnSpPr>
           <p:nvPr/>
         </p:nvCxnSpPr>
         <p:spPr>
-          <a:xfrm flipH="1">
-            <a:off x="7162800" y="4038600"/>
-            <a:ext cx="457200" cy="457200"/>
+          <a:xfrm>
+            <a:off x="6184900" y="3606800"/>
+            <a:ext cx="76200" cy="889000"/>
           </a:xfrm>
           <a:prstGeom prst="straightConnector1">
             <a:avLst/>
@@ -17518,13 +17722,16 @@
       <p:cxnSp>
         <p:nvCxnSpPr>
           <p:cNvPr id="10" name="Straight Arrow Connector 9"/>
-          <p:cNvCxnSpPr/>
+          <p:cNvCxnSpPr>
+            <a:stCxn id="24" idx="1"/>
+            <a:endCxn id="23" idx="3"/>
+          </p:cNvCxnSpPr>
           <p:nvPr/>
         </p:nvCxnSpPr>
         <p:spPr>
           <a:xfrm flipH="1">
-            <a:off x="4800600" y="5105400"/>
-            <a:ext cx="1066800" cy="228600"/>
+            <a:off x="4368800" y="4813300"/>
+            <a:ext cx="1574800" cy="190500"/>
           </a:xfrm>
           <a:prstGeom prst="straightConnector1">
             <a:avLst/>
@@ -17588,7 +17795,7 @@
         </p:nvCxnSpPr>
         <p:spPr bwMode="auto">
           <a:xfrm flipH="1" flipV="1">
-            <a:off x="6477000" y="4876800"/>
+            <a:off x="7315200" y="5257800"/>
             <a:ext cx="228600" cy="152400"/>
           </a:xfrm>
           <a:prstGeom prst="straightConnector1">
@@ -17617,7 +17824,7 @@
         </p:nvSpPr>
         <p:spPr>
           <a:xfrm>
-            <a:off x="6412211" y="4992469"/>
+            <a:off x="7250411" y="5373469"/>
             <a:ext cx="750589" cy="646331"/>
           </a:xfrm>
           <a:prstGeom prst="rect">
@@ -17678,7 +17885,7 @@
         </p:nvSpPr>
         <p:spPr>
           <a:xfrm>
-            <a:off x="2209800" y="4953000"/>
+            <a:off x="2133600" y="5334000"/>
             <a:ext cx="3303383" cy="1200329"/>
           </a:xfrm>
           <a:prstGeom prst="rect">
@@ -17715,24 +17922,15 @@
             </a:br>
             <a:r>
               <a:rPr lang="en-US" dirty="0" smtClean="0"/>
-              <a:t>- Acquire high</a:t>
-            </a:r>
-            <a:r>
-              <a:rPr lang="en-US" dirty="0" smtClean="0"/>
-              <a:t>-zoom, multi plane,</a:t>
+              <a:t>- Acquire high-zoom, multi plane,</a:t>
             </a:r>
             <a:br>
               <a:rPr lang="en-US" dirty="0" smtClean="0"/>
             </a:br>
             <a:r>
               <a:rPr lang="en-US" dirty="0" smtClean="0"/>
-              <a:t>dual color, time </a:t>
-            </a:r>
-            <a:r>
-              <a:rPr lang="en-US" dirty="0" smtClean="0"/>
-              <a:t>lapse data</a:t>
-            </a:r>
-            <a:endParaRPr lang="en-US" dirty="0" smtClean="0"/>
+              <a:t>dual color, time lapse data</a:t>
+            </a:r>
           </a:p>
         </p:txBody>
       </p:sp>
@@ -17761,7 +17959,7 @@
         </p:blipFill>
         <p:spPr>
           <a:xfrm>
-            <a:off x="152400" y="3352800"/>
+            <a:off x="685800" y="3517032"/>
             <a:ext cx="1512168" cy="1512168"/>
           </a:xfrm>
           <a:prstGeom prst="rect">
@@ -17777,7 +17975,7 @@
         </p:nvSpPr>
         <p:spPr>
           <a:xfrm>
-            <a:off x="5139895" y="4800600"/>
+            <a:off x="4953000" y="4876800"/>
             <a:ext cx="498905" cy="369332"/>
           </a:xfrm>
           <a:prstGeom prst="rect">
@@ -17802,13 +18000,16 @@
       <p:cxnSp>
         <p:nvCxnSpPr>
           <p:cNvPr id="39" name="Straight Arrow Connector 38"/>
-          <p:cNvCxnSpPr/>
+          <p:cNvCxnSpPr>
+            <a:stCxn id="23" idx="1"/>
+            <a:endCxn id="27" idx="3"/>
+          </p:cNvCxnSpPr>
           <p:nvPr/>
         </p:nvCxnSpPr>
         <p:spPr>
           <a:xfrm flipH="1" flipV="1">
-            <a:off x="990600" y="4953000"/>
-            <a:ext cx="1143000" cy="457200"/>
+            <a:off x="3302000" y="4965700"/>
+            <a:ext cx="355600" cy="38100"/>
           </a:xfrm>
           <a:prstGeom prst="straightConnector1">
             <a:avLst/>
@@ -17835,13 +18036,16 @@
       <p:cxnSp>
         <p:nvCxnSpPr>
           <p:cNvPr id="43" name="Straight Arrow Connector 42"/>
-          <p:cNvCxnSpPr/>
+          <p:cNvCxnSpPr>
+            <a:stCxn id="23" idx="0"/>
+            <a:endCxn id="22" idx="2"/>
+          </p:cNvCxnSpPr>
           <p:nvPr/>
         </p:nvCxnSpPr>
         <p:spPr>
           <a:xfrm flipV="1">
-            <a:off x="1219200" y="2438400"/>
-            <a:ext cx="914400" cy="533400"/>
+            <a:off x="4013200" y="3378200"/>
+            <a:ext cx="0" cy="1270000"/>
           </a:xfrm>
           <a:prstGeom prst="straightConnector1">
             <a:avLst/>
@@ -17881,7 +18085,7 @@
         </p:blipFill>
         <p:spPr>
           <a:xfrm>
-            <a:off x="3581400" y="1447800"/>
+            <a:off x="3657600" y="2667000"/>
             <a:ext cx="711200" cy="711200"/>
           </a:xfrm>
           <a:prstGeom prst="rect">
@@ -17905,7 +18109,7 @@
         </p:blipFill>
         <p:spPr>
           <a:xfrm>
-            <a:off x="3657600" y="4724400"/>
+            <a:off x="3657600" y="4648200"/>
             <a:ext cx="711200" cy="711200"/>
           </a:xfrm>
           <a:prstGeom prst="rect">
@@ -17929,7 +18133,7 @@
         </p:blipFill>
         <p:spPr>
           <a:xfrm>
-            <a:off x="7239000" y="4876800"/>
+            <a:off x="5943600" y="4495800"/>
             <a:ext cx="635000" cy="635000"/>
           </a:xfrm>
           <a:prstGeom prst="rect">
@@ -17939,7 +18143,7 @@
       </p:pic>
       <p:pic>
         <p:nvPicPr>
-          <p:cNvPr id="25" name="Picture 24"/>
+          <p:cNvPr id="3" name="Picture 2"/>
           <p:cNvPicPr>
             <a:picLocks noChangeAspect="1"/>
           </p:cNvPicPr>
@@ -17953,7 +18157,7 @@
         </p:blipFill>
         <p:spPr>
           <a:xfrm>
-            <a:off x="8229600" y="3048000"/>
+            <a:off x="5867400" y="2971800"/>
             <a:ext cx="635000" cy="635000"/>
           </a:xfrm>
           <a:prstGeom prst="rect">
@@ -17963,7 +18167,7 @@
       </p:pic>
       <p:pic>
         <p:nvPicPr>
-          <p:cNvPr id="26" name="Picture 25"/>
+          <p:cNvPr id="27" name="Picture 26"/>
           <p:cNvPicPr>
             <a:picLocks noChangeAspect="1"/>
           </p:cNvPicPr>
@@ -17977,7 +18181,7 @@
         </p:blipFill>
         <p:spPr>
           <a:xfrm>
-            <a:off x="1828800" y="3810000"/>
+            <a:off x="2667000" y="4648200"/>
             <a:ext cx="635000" cy="635000"/>
           </a:xfrm>
           <a:prstGeom prst="rect">
@@ -18107,6 +18311,2624 @@
         </p:nvSpPr>
         <p:spPr>
           <a:xfrm>
+            <a:off x="381000" y="39469"/>
+            <a:ext cx="8229600" cy="1143000"/>
+          </a:xfrm>
+        </p:spPr>
+        <p:txBody>
+          <a:bodyPr>
+            <a:noAutofit/>
+          </a:bodyPr>
+          <a:lstStyle/>
+          <a:p>
+            <a:r>
+              <a:rPr lang="en-US" sz="3200" dirty="0"/>
+              <a:t/>
+            </a:r>
+            <a:br>
+              <a:rPr lang="en-US" sz="3200" dirty="0"/>
+            </a:br>
+            <a:r>
+              <a:rPr lang="en-US" sz="3200" dirty="0" smtClean="0"/>
+              <a:t> </a:t>
+            </a:r>
+            <a:endParaRPr lang="en-US" sz="3200" dirty="0"/>
+          </a:p>
+        </p:txBody>
+      </p:sp>
+      <p:sp>
+        <p:nvSpPr>
+          <p:cNvPr id="11" name="TextBox 10"/>
+          <p:cNvSpPr txBox="1"/>
+          <p:nvPr/>
+        </p:nvSpPr>
+        <p:spPr>
+          <a:xfrm>
+            <a:off x="8763000" y="5486400"/>
+            <a:ext cx="2787943" cy="923330"/>
+          </a:xfrm>
+          <a:prstGeom prst="rect">
+            <a:avLst/>
+          </a:prstGeom>
+          <a:noFill/>
+        </p:spPr>
+        <p:txBody>
+          <a:bodyPr wrap="none" rtlCol="0">
+            <a:spAutoFit/>
+          </a:bodyPr>
+          <a:lstStyle/>
+          <a:p>
+            <a:r>
+              <a:rPr lang="en-US" dirty="0" err="1" smtClean="0"/>
+              <a:t>Todo</a:t>
+            </a:r>
+            <a:r>
+              <a:rPr lang="en-US" dirty="0" smtClean="0"/>
+              <a:t>: </a:t>
+            </a:r>
+          </a:p>
+          <a:p>
+            <a:pPr marL="285750" indent="-285750">
+              <a:buFontTx/>
+              <a:buChar char="-"/>
+            </a:pPr>
+            <a:r>
+              <a:rPr lang="en-US" dirty="0" smtClean="0"/>
+              <a:t>add references</a:t>
+            </a:r>
+          </a:p>
+          <a:p>
+            <a:pPr marL="285750" indent="-285750">
+              <a:buFontTx/>
+              <a:buChar char="-"/>
+            </a:pPr>
+            <a:r>
+              <a:rPr lang="en-US" dirty="0" smtClean="0"/>
+              <a:t>Look for more synonyms</a:t>
+            </a:r>
+          </a:p>
+        </p:txBody>
+      </p:sp>
+      <p:cxnSp>
+        <p:nvCxnSpPr>
+          <p:cNvPr id="17" name="Straight Arrow Connector 16"/>
+          <p:cNvCxnSpPr/>
+          <p:nvPr/>
+        </p:nvCxnSpPr>
+        <p:spPr>
+          <a:xfrm flipH="1">
+            <a:off x="3810000" y="3657600"/>
+            <a:ext cx="1524000" cy="1143000"/>
+          </a:xfrm>
+          <a:prstGeom prst="straightConnector1">
+            <a:avLst/>
+          </a:prstGeom>
+          <a:ln>
+            <a:tailEnd type="arrow"/>
+          </a:ln>
+        </p:spPr>
+        <p:style>
+          <a:lnRef idx="2">
+            <a:schemeClr val="accent1"/>
+          </a:lnRef>
+          <a:fillRef idx="0">
+            <a:schemeClr val="accent1"/>
+          </a:fillRef>
+          <a:effectRef idx="1">
+            <a:schemeClr val="accent1"/>
+          </a:effectRef>
+          <a:fontRef idx="minor">
+            <a:schemeClr val="tx1"/>
+          </a:fontRef>
+        </p:style>
+      </p:cxnSp>
+      <p:pic>
+        <p:nvPicPr>
+          <p:cNvPr id="26" name="Picture 25"/>
+          <p:cNvPicPr>
+            <a:picLocks noChangeAspect="1"/>
+          </p:cNvPicPr>
+          <p:nvPr/>
+        </p:nvPicPr>
+        <p:blipFill>
+          <a:blip r:embed="rId3"/>
+          <a:stretch>
+            <a:fillRect/>
+          </a:stretch>
+        </p:blipFill>
+        <p:spPr>
+          <a:xfrm>
+            <a:off x="1752600" y="838200"/>
+            <a:ext cx="1168400" cy="1168400"/>
+          </a:xfrm>
+          <a:prstGeom prst="rect">
+            <a:avLst/>
+          </a:prstGeom>
+        </p:spPr>
+      </p:pic>
+      <p:pic>
+        <p:nvPicPr>
+          <p:cNvPr id="28" name="Picture 27"/>
+          <p:cNvPicPr>
+            <a:picLocks noChangeAspect="1"/>
+          </p:cNvPicPr>
+          <p:nvPr/>
+        </p:nvPicPr>
+        <p:blipFill>
+          <a:blip r:embed="rId4"/>
+          <a:stretch>
+            <a:fillRect/>
+          </a:stretch>
+        </p:blipFill>
+        <p:spPr>
+          <a:xfrm>
+            <a:off x="1828800" y="4114800"/>
+            <a:ext cx="1397000" cy="1397000"/>
+          </a:xfrm>
+          <a:prstGeom prst="rect">
+            <a:avLst/>
+          </a:prstGeom>
+        </p:spPr>
+      </p:pic>
+      <p:pic>
+        <p:nvPicPr>
+          <p:cNvPr id="10" name="Picture 9"/>
+          <p:cNvPicPr>
+            <a:picLocks noChangeAspect="1"/>
+          </p:cNvPicPr>
+          <p:nvPr/>
+        </p:nvPicPr>
+        <p:blipFill>
+          <a:blip r:embed="rId5"/>
+          <a:stretch>
+            <a:fillRect/>
+          </a:stretch>
+        </p:blipFill>
+        <p:spPr>
+          <a:xfrm>
+            <a:off x="5334000" y="2590800"/>
+            <a:ext cx="1244600" cy="1244600"/>
+          </a:xfrm>
+          <a:prstGeom prst="rect">
+            <a:avLst/>
+          </a:prstGeom>
+        </p:spPr>
+      </p:pic>
+      <p:sp>
+        <p:nvSpPr>
+          <p:cNvPr id="14" name="TextBox 13"/>
+          <p:cNvSpPr txBox="1"/>
+          <p:nvPr/>
+        </p:nvSpPr>
+        <p:spPr>
+          <a:xfrm>
+            <a:off x="-8835" y="381000"/>
+            <a:ext cx="1952315" cy="646331"/>
+          </a:xfrm>
+          <a:prstGeom prst="rect">
+            <a:avLst/>
+          </a:prstGeom>
+          <a:noFill/>
+        </p:spPr>
+        <p:txBody>
+          <a:bodyPr wrap="none" rtlCol="0">
+            <a:spAutoFit/>
+          </a:bodyPr>
+          <a:lstStyle/>
+          <a:p>
+            <a:r>
+              <a:rPr lang="en-US" dirty="0" smtClean="0"/>
+              <a:t>ZEN Black</a:t>
+            </a:r>
+          </a:p>
+          <a:p>
+            <a:r>
+              <a:rPr lang="en-US" dirty="0" smtClean="0"/>
+              <a:t>Logo, LSM510 logo</a:t>
+            </a:r>
+          </a:p>
+        </p:txBody>
+      </p:sp>
+      <p:sp>
+        <p:nvSpPr>
+          <p:cNvPr id="15" name="Rectangle 14"/>
+          <p:cNvSpPr/>
+          <p:nvPr/>
+        </p:nvSpPr>
+        <p:spPr>
+          <a:xfrm>
+            <a:off x="2438400" y="6400800"/>
+            <a:ext cx="8138830" cy="646331"/>
+          </a:xfrm>
+          <a:prstGeom prst="rect">
+            <a:avLst/>
+          </a:prstGeom>
+        </p:spPr>
+        <p:txBody>
+          <a:bodyPr wrap="square">
+            <a:spAutoFit/>
+          </a:bodyPr>
+          <a:lstStyle/>
+          <a:p>
+            <a:r>
+              <a:rPr lang="en-US" dirty="0" smtClean="0"/>
+              <a:t>(1) </a:t>
+            </a:r>
+            <a:r>
+              <a:rPr lang="en-US" dirty="0" err="1" smtClean="0"/>
+              <a:t>Rabut</a:t>
+            </a:r>
+            <a:r>
+              <a:rPr lang="en-US" dirty="0" smtClean="0"/>
+              <a:t> </a:t>
+            </a:r>
+            <a:r>
+              <a:rPr lang="en-US" dirty="0"/>
+              <a:t>and </a:t>
+            </a:r>
+            <a:r>
+              <a:rPr lang="en-US" dirty="0" err="1"/>
+              <a:t>Ellenberg</a:t>
+            </a:r>
+            <a:r>
+              <a:rPr lang="en-US" dirty="0"/>
+              <a:t>, Automatic real-time three-dimensional cell tracking by fluorescence </a:t>
+            </a:r>
+            <a:r>
+              <a:rPr lang="en-US" dirty="0" smtClean="0"/>
+              <a:t>microscopy. J</a:t>
+            </a:r>
+            <a:r>
+              <a:rPr lang="en-US" dirty="0"/>
+              <a:t>. Microscopy, </a:t>
+            </a:r>
+            <a:r>
+              <a:rPr lang="en-US" b="1" dirty="0" smtClean="0"/>
+              <a:t>2004</a:t>
+            </a:r>
+            <a:endParaRPr lang="en-US" b="1" dirty="0"/>
+          </a:p>
+        </p:txBody>
+      </p:sp>
+      <p:pic>
+        <p:nvPicPr>
+          <p:cNvPr id="5" name="Picture 4"/>
+          <p:cNvPicPr>
+            <a:picLocks noChangeAspect="1"/>
+          </p:cNvPicPr>
+          <p:nvPr/>
+        </p:nvPicPr>
+        <p:blipFill>
+          <a:blip r:embed="rId6"/>
+          <a:stretch>
+            <a:fillRect/>
+          </a:stretch>
+        </p:blipFill>
+        <p:spPr>
+          <a:xfrm>
+            <a:off x="20983" y="4343400"/>
+            <a:ext cx="1653209" cy="516628"/>
+          </a:xfrm>
+          <a:prstGeom prst="rect">
+            <a:avLst/>
+          </a:prstGeom>
+        </p:spPr>
+      </p:pic>
+      <p:pic>
+        <p:nvPicPr>
+          <p:cNvPr id="6" name="Picture 5"/>
+          <p:cNvPicPr>
+            <a:picLocks noChangeAspect="1"/>
+          </p:cNvPicPr>
+          <p:nvPr/>
+        </p:nvPicPr>
+        <p:blipFill>
+          <a:blip r:embed="rId7"/>
+          <a:stretch>
+            <a:fillRect/>
+          </a:stretch>
+        </p:blipFill>
+        <p:spPr>
+          <a:xfrm>
+            <a:off x="228600" y="4800600"/>
+            <a:ext cx="1524000" cy="581583"/>
+          </a:xfrm>
+          <a:prstGeom prst="rect">
+            <a:avLst/>
+          </a:prstGeom>
+        </p:spPr>
+      </p:pic>
+      <p:pic>
+        <p:nvPicPr>
+          <p:cNvPr id="7" name="Picture 6"/>
+          <p:cNvPicPr>
+            <a:picLocks noChangeAspect="1"/>
+          </p:cNvPicPr>
+          <p:nvPr/>
+        </p:nvPicPr>
+        <p:blipFill>
+          <a:blip r:embed="rId8"/>
+          <a:stretch>
+            <a:fillRect/>
+          </a:stretch>
+        </p:blipFill>
+        <p:spPr>
+          <a:xfrm>
+            <a:off x="457200" y="5410200"/>
+            <a:ext cx="1358900" cy="494478"/>
+          </a:xfrm>
+          <a:prstGeom prst="rect">
+            <a:avLst/>
+          </a:prstGeom>
+        </p:spPr>
+      </p:pic>
+      <p:pic>
+        <p:nvPicPr>
+          <p:cNvPr id="8" name="Picture 7"/>
+          <p:cNvPicPr>
+            <a:picLocks noChangeAspect="1"/>
+          </p:cNvPicPr>
+          <p:nvPr/>
+        </p:nvPicPr>
+        <p:blipFill>
+          <a:blip r:embed="rId9"/>
+          <a:stretch>
+            <a:fillRect/>
+          </a:stretch>
+        </p:blipFill>
+        <p:spPr>
+          <a:xfrm>
+            <a:off x="3048000" y="1192699"/>
+            <a:ext cx="1968500" cy="744254"/>
+          </a:xfrm>
+          <a:prstGeom prst="rect">
+            <a:avLst/>
+          </a:prstGeom>
+        </p:spPr>
+      </p:pic>
+      <p:cxnSp>
+        <p:nvCxnSpPr>
+          <p:cNvPr id="25" name="Straight Arrow Connector 24"/>
+          <p:cNvCxnSpPr/>
+          <p:nvPr/>
+        </p:nvCxnSpPr>
+        <p:spPr>
+          <a:xfrm>
+            <a:off x="4419600" y="1905000"/>
+            <a:ext cx="1143000" cy="685800"/>
+          </a:xfrm>
+          <a:prstGeom prst="straightConnector1">
+            <a:avLst/>
+          </a:prstGeom>
+          <a:ln>
+            <a:tailEnd type="arrow"/>
+          </a:ln>
+        </p:spPr>
+        <p:style>
+          <a:lnRef idx="2">
+            <a:schemeClr val="accent1"/>
+          </a:lnRef>
+          <a:fillRef idx="0">
+            <a:schemeClr val="accent1"/>
+          </a:fillRef>
+          <a:effectRef idx="1">
+            <a:schemeClr val="accent1"/>
+          </a:effectRef>
+          <a:fontRef idx="minor">
+            <a:schemeClr val="tx1"/>
+          </a:fontRef>
+        </p:style>
+      </p:cxnSp>
+      <p:cxnSp>
+        <p:nvCxnSpPr>
+          <p:cNvPr id="36" name="Straight Arrow Connector 35"/>
+          <p:cNvCxnSpPr>
+            <a:endCxn id="8" idx="2"/>
+          </p:cNvCxnSpPr>
+          <p:nvPr/>
+        </p:nvCxnSpPr>
+        <p:spPr>
+          <a:xfrm flipV="1">
+            <a:off x="2819400" y="1936953"/>
+            <a:ext cx="1212850" cy="1796847"/>
+          </a:xfrm>
+          <a:prstGeom prst="straightConnector1">
+            <a:avLst/>
+          </a:prstGeom>
+          <a:ln>
+            <a:tailEnd type="arrow"/>
+          </a:ln>
+        </p:spPr>
+        <p:style>
+          <a:lnRef idx="2">
+            <a:schemeClr val="accent1"/>
+          </a:lnRef>
+          <a:fillRef idx="0">
+            <a:schemeClr val="accent1"/>
+          </a:fillRef>
+          <a:effectRef idx="1">
+            <a:schemeClr val="accent1"/>
+          </a:effectRef>
+          <a:fontRef idx="minor">
+            <a:schemeClr val="tx1"/>
+          </a:fontRef>
+        </p:style>
+      </p:cxnSp>
+    </p:spTree>
+    <p:extLst>
+      <p:ext uri="{BB962C8B-B14F-4D97-AF65-F5344CB8AC3E}">
+        <p14:creationId xmlns:p14="http://schemas.microsoft.com/office/powerpoint/2010/main" val="3945501307"/>
+      </p:ext>
+    </p:extLst>
+  </p:cSld>
+  <p:clrMapOvr>
+    <a:masterClrMapping/>
+  </p:clrMapOvr>
+  <p:timing>
+    <p:tnLst>
+      <p:par>
+        <p:cTn xmlns:p14="http://schemas.microsoft.com/office/powerpoint/2010/main" id="1" dur="indefinite" restart="never" nodeType="tmRoot"/>
+      </p:par>
+    </p:tnLst>
+  </p:timing>
+</p:sld>
+</file>
+
+<file path=ppt/slides/slide22.xml><?xml version="1.0" encoding="utf-8"?>
+<p:sld xmlns:a="http://schemas.openxmlformats.org/drawingml/2006/main" xmlns:r="http://schemas.openxmlformats.org/officeDocument/2006/relationships" xmlns:p="http://schemas.openxmlformats.org/presentationml/2006/main">
+  <p:cSld>
+    <p:spTree>
+      <p:nvGrpSpPr>
+        <p:cNvPr id="1" name=""/>
+        <p:cNvGrpSpPr/>
+        <p:nvPr/>
+      </p:nvGrpSpPr>
+      <p:grpSpPr>
+        <a:xfrm>
+          <a:off x="0" y="0"/>
+          <a:ext cx="0" cy="0"/>
+          <a:chOff x="0" y="0"/>
+          <a:chExt cx="0" cy="0"/>
+        </a:xfrm>
+      </p:grpSpPr>
+      <p:sp>
+        <p:nvSpPr>
+          <p:cNvPr id="2" name="Title 1"/>
+          <p:cNvSpPr>
+            <a:spLocks noGrp="1"/>
+          </p:cNvSpPr>
+          <p:nvPr>
+            <p:ph type="title"/>
+          </p:nvPr>
+        </p:nvSpPr>
+        <p:spPr>
+          <a:xfrm>
+            <a:off x="381000" y="39469"/>
+            <a:ext cx="8229600" cy="1143000"/>
+          </a:xfrm>
+        </p:spPr>
+        <p:txBody>
+          <a:bodyPr>
+            <a:noAutofit/>
+          </a:bodyPr>
+          <a:lstStyle/>
+          <a:p>
+            <a:r>
+              <a:rPr lang="en-US" sz="3200" dirty="0"/>
+              <a:t/>
+            </a:r>
+            <a:br>
+              <a:rPr lang="en-US" sz="3200" dirty="0"/>
+            </a:br>
+            <a:r>
+              <a:rPr lang="en-US" sz="3200" dirty="0" smtClean="0"/>
+              <a:t> </a:t>
+            </a:r>
+            <a:endParaRPr lang="en-US" sz="3200" dirty="0"/>
+          </a:p>
+        </p:txBody>
+      </p:sp>
+      <p:sp>
+        <p:nvSpPr>
+          <p:cNvPr id="11" name="TextBox 10"/>
+          <p:cNvSpPr txBox="1"/>
+          <p:nvPr/>
+        </p:nvSpPr>
+        <p:spPr>
+          <a:xfrm>
+            <a:off x="8763000" y="5486400"/>
+            <a:ext cx="2787943" cy="923330"/>
+          </a:xfrm>
+          <a:prstGeom prst="rect">
+            <a:avLst/>
+          </a:prstGeom>
+          <a:noFill/>
+        </p:spPr>
+        <p:txBody>
+          <a:bodyPr wrap="none" rtlCol="0">
+            <a:spAutoFit/>
+          </a:bodyPr>
+          <a:lstStyle/>
+          <a:p>
+            <a:r>
+              <a:rPr lang="en-US" dirty="0" err="1" smtClean="0"/>
+              <a:t>Todo</a:t>
+            </a:r>
+            <a:r>
+              <a:rPr lang="en-US" dirty="0" smtClean="0"/>
+              <a:t>: </a:t>
+            </a:r>
+          </a:p>
+          <a:p>
+            <a:pPr marL="285750" indent="-285750">
+              <a:buFontTx/>
+              <a:buChar char="-"/>
+            </a:pPr>
+            <a:r>
+              <a:rPr lang="en-US" dirty="0" smtClean="0"/>
+              <a:t>add references</a:t>
+            </a:r>
+          </a:p>
+          <a:p>
+            <a:pPr marL="285750" indent="-285750">
+              <a:buFontTx/>
+              <a:buChar char="-"/>
+            </a:pPr>
+            <a:r>
+              <a:rPr lang="en-US" dirty="0" smtClean="0"/>
+              <a:t>Look for more synonyms</a:t>
+            </a:r>
+          </a:p>
+        </p:txBody>
+      </p:sp>
+      <p:cxnSp>
+        <p:nvCxnSpPr>
+          <p:cNvPr id="17" name="Straight Arrow Connector 16"/>
+          <p:cNvCxnSpPr/>
+          <p:nvPr/>
+        </p:nvCxnSpPr>
+        <p:spPr>
+          <a:xfrm flipH="1">
+            <a:off x="3810000" y="3657600"/>
+            <a:ext cx="1524000" cy="1143000"/>
+          </a:xfrm>
+          <a:prstGeom prst="straightConnector1">
+            <a:avLst/>
+          </a:prstGeom>
+          <a:ln>
+            <a:tailEnd type="arrow"/>
+          </a:ln>
+        </p:spPr>
+        <p:style>
+          <a:lnRef idx="2">
+            <a:schemeClr val="accent1"/>
+          </a:lnRef>
+          <a:fillRef idx="0">
+            <a:schemeClr val="accent1"/>
+          </a:fillRef>
+          <a:effectRef idx="1">
+            <a:schemeClr val="accent1"/>
+          </a:effectRef>
+          <a:fontRef idx="minor">
+            <a:schemeClr val="tx1"/>
+          </a:fontRef>
+        </p:style>
+      </p:cxnSp>
+      <p:pic>
+        <p:nvPicPr>
+          <p:cNvPr id="26" name="Picture 25"/>
+          <p:cNvPicPr>
+            <a:picLocks noChangeAspect="1"/>
+          </p:cNvPicPr>
+          <p:nvPr/>
+        </p:nvPicPr>
+        <p:blipFill>
+          <a:blip r:embed="rId3"/>
+          <a:stretch>
+            <a:fillRect/>
+          </a:stretch>
+        </p:blipFill>
+        <p:spPr>
+          <a:xfrm>
+            <a:off x="1752600" y="838200"/>
+            <a:ext cx="1168400" cy="1168400"/>
+          </a:xfrm>
+          <a:prstGeom prst="rect">
+            <a:avLst/>
+          </a:prstGeom>
+        </p:spPr>
+      </p:pic>
+      <p:pic>
+        <p:nvPicPr>
+          <p:cNvPr id="28" name="Picture 27"/>
+          <p:cNvPicPr>
+            <a:picLocks noChangeAspect="1"/>
+          </p:cNvPicPr>
+          <p:nvPr/>
+        </p:nvPicPr>
+        <p:blipFill>
+          <a:blip r:embed="rId4"/>
+          <a:stretch>
+            <a:fillRect/>
+          </a:stretch>
+        </p:blipFill>
+        <p:spPr>
+          <a:xfrm>
+            <a:off x="1828800" y="4114800"/>
+            <a:ext cx="1397000" cy="1397000"/>
+          </a:xfrm>
+          <a:prstGeom prst="rect">
+            <a:avLst/>
+          </a:prstGeom>
+        </p:spPr>
+      </p:pic>
+      <p:pic>
+        <p:nvPicPr>
+          <p:cNvPr id="10" name="Picture 9"/>
+          <p:cNvPicPr>
+            <a:picLocks noChangeAspect="1"/>
+          </p:cNvPicPr>
+          <p:nvPr/>
+        </p:nvPicPr>
+        <p:blipFill>
+          <a:blip r:embed="rId5"/>
+          <a:stretch>
+            <a:fillRect/>
+          </a:stretch>
+        </p:blipFill>
+        <p:spPr>
+          <a:xfrm>
+            <a:off x="5334000" y="2590800"/>
+            <a:ext cx="1244600" cy="1244600"/>
+          </a:xfrm>
+          <a:prstGeom prst="rect">
+            <a:avLst/>
+          </a:prstGeom>
+        </p:spPr>
+      </p:pic>
+      <p:sp>
+        <p:nvSpPr>
+          <p:cNvPr id="14" name="TextBox 13"/>
+          <p:cNvSpPr txBox="1"/>
+          <p:nvPr/>
+        </p:nvSpPr>
+        <p:spPr>
+          <a:xfrm>
+            <a:off x="609600" y="685800"/>
+            <a:ext cx="1021321" cy="369332"/>
+          </a:xfrm>
+          <a:prstGeom prst="rect">
+            <a:avLst/>
+          </a:prstGeom>
+          <a:noFill/>
+        </p:spPr>
+        <p:txBody>
+          <a:bodyPr wrap="none" rtlCol="0">
+            <a:spAutoFit/>
+          </a:bodyPr>
+          <a:lstStyle/>
+          <a:p>
+            <a:r>
+              <a:rPr lang="en-US" dirty="0" smtClean="0"/>
+              <a:t>ZEN Blue</a:t>
+            </a:r>
+          </a:p>
+        </p:txBody>
+      </p:sp>
+      <p:sp>
+        <p:nvSpPr>
+          <p:cNvPr id="15" name="Rectangle 14"/>
+          <p:cNvSpPr/>
+          <p:nvPr/>
+        </p:nvSpPr>
+        <p:spPr>
+          <a:xfrm>
+            <a:off x="2438400" y="6400800"/>
+            <a:ext cx="8138830" cy="646331"/>
+          </a:xfrm>
+          <a:prstGeom prst="rect">
+            <a:avLst/>
+          </a:prstGeom>
+        </p:spPr>
+        <p:txBody>
+          <a:bodyPr wrap="square">
+            <a:spAutoFit/>
+          </a:bodyPr>
+          <a:lstStyle/>
+          <a:p>
+            <a:r>
+              <a:rPr lang="en-US" dirty="0" smtClean="0"/>
+              <a:t>(1) </a:t>
+            </a:r>
+            <a:r>
+              <a:rPr lang="en-US" dirty="0" err="1" smtClean="0"/>
+              <a:t>Rabut</a:t>
+            </a:r>
+            <a:r>
+              <a:rPr lang="en-US" dirty="0" smtClean="0"/>
+              <a:t> </a:t>
+            </a:r>
+            <a:r>
+              <a:rPr lang="en-US" dirty="0"/>
+              <a:t>and </a:t>
+            </a:r>
+            <a:r>
+              <a:rPr lang="en-US" dirty="0" err="1"/>
+              <a:t>Ellenberg</a:t>
+            </a:r>
+            <a:r>
+              <a:rPr lang="en-US" dirty="0"/>
+              <a:t>, Automatic real-time three-dimensional cell tracking by fluorescence </a:t>
+            </a:r>
+            <a:r>
+              <a:rPr lang="en-US" dirty="0" smtClean="0"/>
+              <a:t>microscopy. J</a:t>
+            </a:r>
+            <a:r>
+              <a:rPr lang="en-US" dirty="0"/>
+              <a:t>. Microscopy, </a:t>
+            </a:r>
+            <a:r>
+              <a:rPr lang="en-US" b="1" dirty="0" smtClean="0"/>
+              <a:t>2004</a:t>
+            </a:r>
+            <a:endParaRPr lang="en-US" b="1" dirty="0"/>
+          </a:p>
+        </p:txBody>
+      </p:sp>
+      <p:pic>
+        <p:nvPicPr>
+          <p:cNvPr id="5" name="Picture 4"/>
+          <p:cNvPicPr>
+            <a:picLocks noChangeAspect="1"/>
+          </p:cNvPicPr>
+          <p:nvPr/>
+        </p:nvPicPr>
+        <p:blipFill>
+          <a:blip r:embed="rId6"/>
+          <a:stretch>
+            <a:fillRect/>
+          </a:stretch>
+        </p:blipFill>
+        <p:spPr>
+          <a:xfrm>
+            <a:off x="20983" y="4343400"/>
+            <a:ext cx="1653209" cy="516628"/>
+          </a:xfrm>
+          <a:prstGeom prst="rect">
+            <a:avLst/>
+          </a:prstGeom>
+        </p:spPr>
+      </p:pic>
+      <p:pic>
+        <p:nvPicPr>
+          <p:cNvPr id="6" name="Picture 5"/>
+          <p:cNvPicPr>
+            <a:picLocks noChangeAspect="1"/>
+          </p:cNvPicPr>
+          <p:nvPr/>
+        </p:nvPicPr>
+        <p:blipFill>
+          <a:blip r:embed="rId7"/>
+          <a:stretch>
+            <a:fillRect/>
+          </a:stretch>
+        </p:blipFill>
+        <p:spPr>
+          <a:xfrm>
+            <a:off x="228600" y="4800600"/>
+            <a:ext cx="1524000" cy="581583"/>
+          </a:xfrm>
+          <a:prstGeom prst="rect">
+            <a:avLst/>
+          </a:prstGeom>
+        </p:spPr>
+      </p:pic>
+      <p:pic>
+        <p:nvPicPr>
+          <p:cNvPr id="7" name="Picture 6"/>
+          <p:cNvPicPr>
+            <a:picLocks noChangeAspect="1"/>
+          </p:cNvPicPr>
+          <p:nvPr/>
+        </p:nvPicPr>
+        <p:blipFill>
+          <a:blip r:embed="rId8"/>
+          <a:stretch>
+            <a:fillRect/>
+          </a:stretch>
+        </p:blipFill>
+        <p:spPr>
+          <a:xfrm>
+            <a:off x="457200" y="5410200"/>
+            <a:ext cx="1358900" cy="494478"/>
+          </a:xfrm>
+          <a:prstGeom prst="rect">
+            <a:avLst/>
+          </a:prstGeom>
+        </p:spPr>
+      </p:pic>
+      <p:cxnSp>
+        <p:nvCxnSpPr>
+          <p:cNvPr id="25" name="Straight Arrow Connector 24"/>
+          <p:cNvCxnSpPr/>
+          <p:nvPr/>
+        </p:nvCxnSpPr>
+        <p:spPr>
+          <a:xfrm>
+            <a:off x="4419600" y="1905000"/>
+            <a:ext cx="1143000" cy="685800"/>
+          </a:xfrm>
+          <a:prstGeom prst="straightConnector1">
+            <a:avLst/>
+          </a:prstGeom>
+          <a:ln>
+            <a:tailEnd type="arrow"/>
+          </a:ln>
+        </p:spPr>
+        <p:style>
+          <a:lnRef idx="2">
+            <a:schemeClr val="accent1"/>
+          </a:lnRef>
+          <a:fillRef idx="0">
+            <a:schemeClr val="accent1"/>
+          </a:fillRef>
+          <a:effectRef idx="1">
+            <a:schemeClr val="accent1"/>
+          </a:effectRef>
+          <a:fontRef idx="minor">
+            <a:schemeClr val="tx1"/>
+          </a:fontRef>
+        </p:style>
+      </p:cxnSp>
+      <p:cxnSp>
+        <p:nvCxnSpPr>
+          <p:cNvPr id="36" name="Straight Arrow Connector 35"/>
+          <p:cNvCxnSpPr/>
+          <p:nvPr/>
+        </p:nvCxnSpPr>
+        <p:spPr>
+          <a:xfrm flipV="1">
+            <a:off x="2819400" y="1936953"/>
+            <a:ext cx="1212850" cy="1796847"/>
+          </a:xfrm>
+          <a:prstGeom prst="straightConnector1">
+            <a:avLst/>
+          </a:prstGeom>
+          <a:ln>
+            <a:tailEnd type="arrow"/>
+          </a:ln>
+        </p:spPr>
+        <p:style>
+          <a:lnRef idx="2">
+            <a:schemeClr val="accent1"/>
+          </a:lnRef>
+          <a:fillRef idx="0">
+            <a:schemeClr val="accent1"/>
+          </a:fillRef>
+          <a:effectRef idx="1">
+            <a:schemeClr val="accent1"/>
+          </a:effectRef>
+          <a:fontRef idx="minor">
+            <a:schemeClr val="tx1"/>
+          </a:fontRef>
+        </p:style>
+      </p:cxnSp>
+      <p:pic>
+        <p:nvPicPr>
+          <p:cNvPr id="3" name="Picture 2"/>
+          <p:cNvPicPr>
+            <a:picLocks noChangeAspect="1"/>
+          </p:cNvPicPr>
+          <p:nvPr/>
+        </p:nvPicPr>
+        <p:blipFill>
+          <a:blip r:embed="rId9"/>
+          <a:stretch>
+            <a:fillRect/>
+          </a:stretch>
+        </p:blipFill>
+        <p:spPr>
+          <a:xfrm>
+            <a:off x="2971800" y="914400"/>
+            <a:ext cx="1333500" cy="898769"/>
+          </a:xfrm>
+          <a:prstGeom prst="rect">
+            <a:avLst/>
+          </a:prstGeom>
+        </p:spPr>
+      </p:pic>
+      <p:sp>
+        <p:nvSpPr>
+          <p:cNvPr id="18" name="TextBox 17"/>
+          <p:cNvSpPr txBox="1"/>
+          <p:nvPr/>
+        </p:nvSpPr>
+        <p:spPr>
+          <a:xfrm>
+            <a:off x="1295400" y="3810000"/>
+            <a:ext cx="1021321" cy="369332"/>
+          </a:xfrm>
+          <a:prstGeom prst="rect">
+            <a:avLst/>
+          </a:prstGeom>
+          <a:noFill/>
+        </p:spPr>
+        <p:txBody>
+          <a:bodyPr wrap="none" rtlCol="0">
+            <a:spAutoFit/>
+          </a:bodyPr>
+          <a:lstStyle/>
+          <a:p>
+            <a:r>
+              <a:rPr lang="en-US" dirty="0" smtClean="0"/>
+              <a:t>ZEN Blue</a:t>
+            </a:r>
+          </a:p>
+        </p:txBody>
+      </p:sp>
+    </p:spTree>
+    <p:extLst>
+      <p:ext uri="{BB962C8B-B14F-4D97-AF65-F5344CB8AC3E}">
+        <p14:creationId xmlns:p14="http://schemas.microsoft.com/office/powerpoint/2010/main" val="2780369928"/>
+      </p:ext>
+    </p:extLst>
+  </p:cSld>
+  <p:clrMapOvr>
+    <a:masterClrMapping/>
+  </p:clrMapOvr>
+  <p:timing>
+    <p:tnLst>
+      <p:par>
+        <p:cTn xmlns:p14="http://schemas.microsoft.com/office/powerpoint/2010/main" id="1" dur="indefinite" restart="never" nodeType="tmRoot"/>
+      </p:par>
+    </p:tnLst>
+  </p:timing>
+</p:sld>
+</file>
+
+<file path=ppt/slides/slide23.xml><?xml version="1.0" encoding="utf-8"?>
+<p:sld xmlns:a="http://schemas.openxmlformats.org/drawingml/2006/main" xmlns:r="http://schemas.openxmlformats.org/officeDocument/2006/relationships" xmlns:p="http://schemas.openxmlformats.org/presentationml/2006/main">
+  <p:cSld>
+    <p:spTree>
+      <p:nvGrpSpPr>
+        <p:cNvPr id="1" name=""/>
+        <p:cNvGrpSpPr/>
+        <p:nvPr/>
+      </p:nvGrpSpPr>
+      <p:grpSpPr>
+        <a:xfrm>
+          <a:off x="0" y="0"/>
+          <a:ext cx="0" cy="0"/>
+          <a:chOff x="0" y="0"/>
+          <a:chExt cx="0" cy="0"/>
+        </a:xfrm>
+      </p:grpSpPr>
+      <p:grpSp>
+        <p:nvGrpSpPr>
+          <p:cNvPr id="11" name="Group 10"/>
+          <p:cNvGrpSpPr/>
+          <p:nvPr/>
+        </p:nvGrpSpPr>
+        <p:grpSpPr>
+          <a:xfrm>
+            <a:off x="-180109" y="914400"/>
+            <a:ext cx="9400309" cy="4167766"/>
+            <a:chOff x="-180109" y="1524000"/>
+            <a:chExt cx="9400309" cy="4167766"/>
+          </a:xfrm>
+        </p:grpSpPr>
+        <p:sp>
+          <p:nvSpPr>
+            <p:cNvPr id="8" name="Rectangle 7"/>
+            <p:cNvSpPr/>
+            <p:nvPr/>
+          </p:nvSpPr>
+          <p:spPr>
+            <a:xfrm>
+              <a:off x="-180109" y="2754816"/>
+              <a:ext cx="9372600" cy="1957967"/>
+            </a:xfrm>
+            <a:prstGeom prst="rect">
+              <a:avLst/>
+            </a:prstGeom>
+            <a:solidFill>
+              <a:schemeClr val="accent2">
+                <a:lumMod val="40000"/>
+                <a:lumOff val="60000"/>
+              </a:schemeClr>
+            </a:solidFill>
+            <a:ln>
+              <a:noFill/>
+            </a:ln>
+          </p:spPr>
+          <p:style>
+            <a:lnRef idx="2">
+              <a:schemeClr val="accent1">
+                <a:shade val="50000"/>
+              </a:schemeClr>
+            </a:lnRef>
+            <a:fillRef idx="1">
+              <a:schemeClr val="accent1"/>
+            </a:fillRef>
+            <a:effectRef idx="0">
+              <a:schemeClr val="accent1"/>
+            </a:effectRef>
+            <a:fontRef idx="minor">
+              <a:schemeClr val="lt1"/>
+            </a:fontRef>
+          </p:style>
+          <p:txBody>
+            <a:bodyPr rtlCol="0" anchor="ctr"/>
+            <a:lstStyle/>
+            <a:p>
+              <a:pPr algn="ctr"/>
+              <a:endParaRPr lang="en-US"/>
+            </a:p>
+          </p:txBody>
+        </p:sp>
+        <p:sp>
+          <p:nvSpPr>
+            <p:cNvPr id="6" name="Rectangle 5"/>
+            <p:cNvSpPr/>
+            <p:nvPr/>
+          </p:nvSpPr>
+          <p:spPr>
+            <a:xfrm>
+              <a:off x="-152400" y="1524000"/>
+              <a:ext cx="9372600" cy="1957967"/>
+            </a:xfrm>
+            <a:prstGeom prst="rect">
+              <a:avLst/>
+            </a:prstGeom>
+            <a:solidFill>
+              <a:schemeClr val="accent3">
+                <a:lumMod val="60000"/>
+                <a:lumOff val="40000"/>
+              </a:schemeClr>
+            </a:solidFill>
+            <a:ln>
+              <a:noFill/>
+            </a:ln>
+          </p:spPr>
+          <p:style>
+            <a:lnRef idx="2">
+              <a:schemeClr val="accent1">
+                <a:shade val="50000"/>
+              </a:schemeClr>
+            </a:lnRef>
+            <a:fillRef idx="1">
+              <a:schemeClr val="accent1"/>
+            </a:fillRef>
+            <a:effectRef idx="0">
+              <a:schemeClr val="accent1"/>
+            </a:effectRef>
+            <a:fontRef idx="minor">
+              <a:schemeClr val="lt1"/>
+            </a:fontRef>
+          </p:style>
+          <p:txBody>
+            <a:bodyPr rtlCol="0" anchor="ctr"/>
+            <a:lstStyle/>
+            <a:p>
+              <a:pPr algn="ctr"/>
+              <a:endParaRPr lang="en-US"/>
+            </a:p>
+          </p:txBody>
+        </p:sp>
+        <p:sp>
+          <p:nvSpPr>
+            <p:cNvPr id="3" name="TextBox 2"/>
+            <p:cNvSpPr txBox="1"/>
+            <p:nvPr/>
+          </p:nvSpPr>
+          <p:spPr>
+            <a:xfrm>
+              <a:off x="0" y="2209800"/>
+              <a:ext cx="936111" cy="646331"/>
+            </a:xfrm>
+            <a:prstGeom prst="rect">
+              <a:avLst/>
+            </a:prstGeom>
+            <a:noFill/>
+          </p:spPr>
+          <p:txBody>
+            <a:bodyPr wrap="none" rtlCol="0">
+              <a:spAutoFit/>
+            </a:bodyPr>
+            <a:lstStyle/>
+            <a:p>
+              <a:r>
+                <a:rPr lang="en-US" dirty="0" smtClean="0"/>
+                <a:t>Zeiss</a:t>
+              </a:r>
+            </a:p>
+            <a:p>
+              <a:r>
+                <a:rPr lang="en-US" dirty="0" smtClean="0"/>
+                <a:t>LSM780</a:t>
+              </a:r>
+            </a:p>
+          </p:txBody>
+        </p:sp>
+        <p:sp>
+          <p:nvSpPr>
+            <p:cNvPr id="5" name="TextBox 4"/>
+            <p:cNvSpPr txBox="1"/>
+            <p:nvPr/>
+          </p:nvSpPr>
+          <p:spPr>
+            <a:xfrm>
+              <a:off x="22295" y="3429000"/>
+              <a:ext cx="1273105" cy="369332"/>
+            </a:xfrm>
+            <a:prstGeom prst="rect">
+              <a:avLst/>
+            </a:prstGeom>
+            <a:noFill/>
+          </p:spPr>
+          <p:txBody>
+            <a:bodyPr wrap="none" rtlCol="0">
+              <a:spAutoFit/>
+            </a:bodyPr>
+            <a:lstStyle/>
+            <a:p>
+              <a:r>
+                <a:rPr lang="en-US" dirty="0" smtClean="0"/>
+                <a:t>Visual Basic</a:t>
+              </a:r>
+              <a:endParaRPr lang="en-US" dirty="0"/>
+            </a:p>
+          </p:txBody>
+        </p:sp>
+        <p:sp>
+          <p:nvSpPr>
+            <p:cNvPr id="7" name="Rectangle 6"/>
+            <p:cNvSpPr/>
+            <p:nvPr/>
+          </p:nvSpPr>
+          <p:spPr>
+            <a:xfrm>
+              <a:off x="-152400" y="3733799"/>
+              <a:ext cx="9372600" cy="1957967"/>
+            </a:xfrm>
+            <a:prstGeom prst="rect">
+              <a:avLst/>
+            </a:prstGeom>
+            <a:solidFill>
+              <a:schemeClr val="accent1">
+                <a:lumMod val="40000"/>
+                <a:lumOff val="60000"/>
+              </a:schemeClr>
+            </a:solidFill>
+            <a:ln>
+              <a:noFill/>
+            </a:ln>
+          </p:spPr>
+          <p:style>
+            <a:lnRef idx="2">
+              <a:schemeClr val="accent1">
+                <a:shade val="50000"/>
+              </a:schemeClr>
+            </a:lnRef>
+            <a:fillRef idx="1">
+              <a:schemeClr val="accent1"/>
+            </a:fillRef>
+            <a:effectRef idx="0">
+              <a:schemeClr val="accent1"/>
+            </a:effectRef>
+            <a:fontRef idx="minor">
+              <a:schemeClr val="lt1"/>
+            </a:fontRef>
+          </p:style>
+          <p:txBody>
+            <a:bodyPr rtlCol="0" anchor="ctr"/>
+            <a:lstStyle/>
+            <a:p>
+              <a:pPr algn="ctr"/>
+              <a:endParaRPr lang="en-US"/>
+            </a:p>
+          </p:txBody>
+        </p:sp>
+        <p:sp>
+          <p:nvSpPr>
+            <p:cNvPr id="4" name="TextBox 3"/>
+            <p:cNvSpPr txBox="1"/>
+            <p:nvPr/>
+          </p:nvSpPr>
+          <p:spPr>
+            <a:xfrm>
+              <a:off x="76200" y="4267200"/>
+              <a:ext cx="937564" cy="646331"/>
+            </a:xfrm>
+            <a:prstGeom prst="rect">
+              <a:avLst/>
+            </a:prstGeom>
+            <a:noFill/>
+          </p:spPr>
+          <p:txBody>
+            <a:bodyPr wrap="none" rtlCol="0">
+              <a:spAutoFit/>
+            </a:bodyPr>
+            <a:lstStyle/>
+            <a:p>
+              <a:r>
+                <a:rPr lang="en-US" dirty="0" smtClean="0"/>
+                <a:t>ImageJ</a:t>
+              </a:r>
+              <a:br>
+                <a:rPr lang="en-US" dirty="0" smtClean="0"/>
+              </a:br>
+              <a:r>
+                <a:rPr lang="en-US" dirty="0" smtClean="0"/>
+                <a:t>Analysis</a:t>
+              </a:r>
+            </a:p>
+          </p:txBody>
+        </p:sp>
+      </p:grpSp>
+      <p:pic>
+        <p:nvPicPr>
+          <p:cNvPr id="2" name="Picture 1"/>
+          <p:cNvPicPr>
+            <a:picLocks noChangeAspect="1" noChangeArrowheads="1"/>
+          </p:cNvPicPr>
+          <p:nvPr/>
+        </p:nvPicPr>
+        <p:blipFill>
+          <a:blip r:embed="rId2" cstate="print"/>
+          <a:srcRect r="-100"/>
+          <a:stretch>
+            <a:fillRect/>
+          </a:stretch>
+        </p:blipFill>
+        <p:spPr bwMode="auto">
+          <a:xfrm>
+            <a:off x="990600" y="984100"/>
+            <a:ext cx="9797146" cy="3915934"/>
+          </a:xfrm>
+          <a:prstGeom prst="rect">
+            <a:avLst/>
+          </a:prstGeom>
+          <a:noFill/>
+          <a:ln w="9525">
+            <a:noFill/>
+            <a:miter lim="800000"/>
+            <a:headEnd/>
+            <a:tailEnd/>
+          </a:ln>
+          <a:effectLst/>
+        </p:spPr>
+      </p:pic>
+      <p:sp>
+        <p:nvSpPr>
+          <p:cNvPr id="9" name="Title 1"/>
+          <p:cNvSpPr txBox="1">
+            <a:spLocks/>
+          </p:cNvSpPr>
+          <p:nvPr/>
+        </p:nvSpPr>
+        <p:spPr>
+          <a:xfrm>
+            <a:off x="457200" y="76200"/>
+            <a:ext cx="8229600" cy="1143000"/>
+          </a:xfrm>
+          <a:prstGeom prst="rect">
+            <a:avLst/>
+          </a:prstGeom>
+        </p:spPr>
+        <p:txBody>
+          <a:bodyPr>
+            <a:normAutofit fontScale="90000"/>
+          </a:bodyPr>
+          <a:lstStyle>
+            <a:lvl1pPr algn="ctr" defTabSz="914400" rtl="0" eaLnBrk="1" latinLnBrk="0" hangingPunct="1">
+              <a:spcBef>
+                <a:spcPct val="0"/>
+              </a:spcBef>
+              <a:buNone/>
+              <a:defRPr sz="4400" kern="1200">
+                <a:solidFill>
+                  <a:schemeClr val="tx1"/>
+                </a:solidFill>
+                <a:latin typeface="+mj-lt"/>
+                <a:ea typeface="+mj-ea"/>
+                <a:cs typeface="+mj-cs"/>
+              </a:defRPr>
+            </a:lvl1pPr>
+          </a:lstStyle>
+          <a:p>
+            <a:r>
+              <a:rPr lang="en-US" dirty="0" smtClean="0"/>
+              <a:t>Multi-step Adaptive FRAP Microscopy</a:t>
+            </a:r>
+            <a:endParaRPr lang="en-US" sz="3100" dirty="0">
+              <a:solidFill>
+                <a:srgbClr val="00B050"/>
+              </a:solidFill>
+            </a:endParaRPr>
+          </a:p>
+        </p:txBody>
+      </p:sp>
+      <p:sp>
+        <p:nvSpPr>
+          <p:cNvPr id="20" name="Rectangle 19"/>
+          <p:cNvSpPr/>
+          <p:nvPr/>
+        </p:nvSpPr>
+        <p:spPr>
+          <a:xfrm>
+            <a:off x="533400" y="5429071"/>
+            <a:ext cx="8382000" cy="1200329"/>
+          </a:xfrm>
+          <a:prstGeom prst="rect">
+            <a:avLst/>
+          </a:prstGeom>
+        </p:spPr>
+        <p:txBody>
+          <a:bodyPr wrap="square">
+            <a:spAutoFit/>
+          </a:bodyPr>
+          <a:lstStyle/>
+          <a:p>
+            <a:r>
+              <a:rPr lang="en-US" dirty="0"/>
+              <a:t>In this way several </a:t>
+            </a:r>
+            <a:r>
+              <a:rPr lang="en-US" dirty="0" smtClean="0"/>
+              <a:t>hundreds of </a:t>
+            </a:r>
+            <a:r>
+              <a:rPr lang="en-US" dirty="0"/>
+              <a:t>recovery data sets can be </a:t>
+            </a:r>
+            <a:r>
+              <a:rPr lang="en-US" dirty="0" smtClean="0"/>
+              <a:t>automatically acquired </a:t>
+            </a:r>
+            <a:r>
+              <a:rPr lang="en-US" dirty="0"/>
+              <a:t>in an overnight experiment</a:t>
+            </a:r>
+            <a:r>
+              <a:rPr lang="en-US" dirty="0" smtClean="0"/>
+              <a:t>, thus </a:t>
+            </a:r>
+            <a:r>
+              <a:rPr lang="en-US" dirty="0"/>
+              <a:t>drastically increasing the data significance</a:t>
+            </a:r>
+          </a:p>
+          <a:p>
+            <a:r>
+              <a:rPr lang="en-US" dirty="0"/>
+              <a:t>compared to manual data </a:t>
+            </a:r>
+            <a:r>
+              <a:rPr lang="en-US" dirty="0" smtClean="0"/>
+              <a:t>acquisition where </a:t>
+            </a:r>
+            <a:r>
+              <a:rPr lang="en-US" dirty="0"/>
+              <a:t>at best several tens of useful datasets</a:t>
+            </a:r>
+          </a:p>
+          <a:p>
+            <a:r>
+              <a:rPr lang="en-US" dirty="0"/>
+              <a:t>can be acquired in the same </a:t>
+            </a:r>
+            <a:r>
+              <a:rPr lang="en-US" dirty="0" smtClean="0"/>
+              <a:t>amount of </a:t>
+            </a:r>
+            <a:r>
+              <a:rPr lang="en-US" dirty="0"/>
+              <a:t>time.</a:t>
+            </a:r>
+          </a:p>
+        </p:txBody>
+      </p:sp>
+      <p:pic>
+        <p:nvPicPr>
+          <p:cNvPr id="12" name="Picture 11"/>
+          <p:cNvPicPr>
+            <a:picLocks noChangeAspect="1"/>
+          </p:cNvPicPr>
+          <p:nvPr/>
+        </p:nvPicPr>
+        <p:blipFill>
+          <a:blip r:embed="rId3"/>
+          <a:stretch>
+            <a:fillRect/>
+          </a:stretch>
+        </p:blipFill>
+        <p:spPr>
+          <a:xfrm>
+            <a:off x="76200" y="762000"/>
+            <a:ext cx="787400" cy="787400"/>
+          </a:xfrm>
+          <a:prstGeom prst="rect">
+            <a:avLst/>
+          </a:prstGeom>
+        </p:spPr>
+      </p:pic>
+      <p:pic>
+        <p:nvPicPr>
+          <p:cNvPr id="13" name="Picture 12"/>
+          <p:cNvPicPr>
+            <a:picLocks noChangeAspect="1"/>
+          </p:cNvPicPr>
+          <p:nvPr/>
+        </p:nvPicPr>
+        <p:blipFill>
+          <a:blip r:embed="rId4"/>
+          <a:stretch>
+            <a:fillRect/>
+          </a:stretch>
+        </p:blipFill>
+        <p:spPr>
+          <a:xfrm>
+            <a:off x="152400" y="4343400"/>
+            <a:ext cx="635000" cy="635000"/>
+          </a:xfrm>
+          <a:prstGeom prst="rect">
+            <a:avLst/>
+          </a:prstGeom>
+        </p:spPr>
+      </p:pic>
+    </p:spTree>
+    <p:extLst>
+      <p:ext uri="{BB962C8B-B14F-4D97-AF65-F5344CB8AC3E}">
+        <p14:creationId xmlns:p14="http://schemas.microsoft.com/office/powerpoint/2010/main" val="1347319876"/>
+      </p:ext>
+    </p:extLst>
+  </p:cSld>
+  <p:clrMapOvr>
+    <a:masterClrMapping/>
+  </p:clrMapOvr>
+  <p:timing>
+    <p:tnLst>
+      <p:par>
+        <p:cTn xmlns:p14="http://schemas.microsoft.com/office/powerpoint/2010/main" id="1" dur="indefinite" restart="never" nodeType="tmRoot"/>
+      </p:par>
+    </p:tnLst>
+  </p:timing>
+</p:sld>
+</file>
+
+<file path=ppt/slides/slide24.xml><?xml version="1.0" encoding="utf-8"?>
+<p:sld xmlns:a="http://schemas.openxmlformats.org/drawingml/2006/main" xmlns:r="http://schemas.openxmlformats.org/officeDocument/2006/relationships" xmlns:p="http://schemas.openxmlformats.org/presentationml/2006/main">
+  <p:cSld>
+    <p:spTree>
+      <p:nvGrpSpPr>
+        <p:cNvPr id="1" name=""/>
+        <p:cNvGrpSpPr/>
+        <p:nvPr/>
+      </p:nvGrpSpPr>
+      <p:grpSpPr>
+        <a:xfrm>
+          <a:off x="0" y="0"/>
+          <a:ext cx="0" cy="0"/>
+          <a:chOff x="0" y="0"/>
+          <a:chExt cx="0" cy="0"/>
+        </a:xfrm>
+      </p:grpSpPr>
+      <p:sp>
+        <p:nvSpPr>
+          <p:cNvPr id="2" name="Title 1"/>
+          <p:cNvSpPr>
+            <a:spLocks noGrp="1"/>
+          </p:cNvSpPr>
+          <p:nvPr>
+            <p:ph type="title"/>
+          </p:nvPr>
+        </p:nvSpPr>
+        <p:spPr/>
+        <p:txBody>
+          <a:bodyPr/>
+          <a:lstStyle/>
+          <a:p>
+            <a:r>
+              <a:rPr lang="en-US" dirty="0" smtClean="0"/>
+              <a:t>Adaptive FCS Microscopy</a:t>
+            </a:r>
+            <a:endParaRPr lang="en-US" dirty="0"/>
+          </a:p>
+        </p:txBody>
+      </p:sp>
+    </p:spTree>
+    <p:extLst>
+      <p:ext uri="{BB962C8B-B14F-4D97-AF65-F5344CB8AC3E}">
+        <p14:creationId xmlns:p14="http://schemas.microsoft.com/office/powerpoint/2010/main" val="1733551608"/>
+      </p:ext>
+    </p:extLst>
+  </p:cSld>
+  <p:clrMapOvr>
+    <a:masterClrMapping/>
+  </p:clrMapOvr>
+  <p:timing>
+    <p:tnLst>
+      <p:par>
+        <p:cTn xmlns:p14="http://schemas.microsoft.com/office/powerpoint/2010/main" id="1" dur="indefinite" restart="never" nodeType="tmRoot"/>
+      </p:par>
+    </p:tnLst>
+  </p:timing>
+</p:sld>
+</file>
+
+<file path=ppt/slides/slide25.xml><?xml version="1.0" encoding="utf-8"?>
+<p:sld xmlns:a="http://schemas.openxmlformats.org/drawingml/2006/main" xmlns:r="http://schemas.openxmlformats.org/officeDocument/2006/relationships" xmlns:p="http://schemas.openxmlformats.org/presentationml/2006/main">
+  <p:cSld>
+    <p:spTree>
+      <p:nvGrpSpPr>
+        <p:cNvPr id="1" name=""/>
+        <p:cNvGrpSpPr/>
+        <p:nvPr/>
+      </p:nvGrpSpPr>
+      <p:grpSpPr>
+        <a:xfrm>
+          <a:off x="0" y="0"/>
+          <a:ext cx="0" cy="0"/>
+          <a:chOff x="0" y="0"/>
+          <a:chExt cx="0" cy="0"/>
+        </a:xfrm>
+      </p:grpSpPr>
+    </p:spTree>
+    <p:extLst>
+      <p:ext uri="{BB962C8B-B14F-4D97-AF65-F5344CB8AC3E}">
+        <p14:creationId xmlns:p14="http://schemas.microsoft.com/office/powerpoint/2010/main" val="3678807461"/>
+      </p:ext>
+    </p:extLst>
+  </p:cSld>
+  <p:clrMapOvr>
+    <a:masterClrMapping/>
+  </p:clrMapOvr>
+</p:sld>
+</file>
+
+<file path=ppt/slides/slide26.xml><?xml version="1.0" encoding="utf-8"?>
+<p:sld xmlns:a="http://schemas.openxmlformats.org/drawingml/2006/main" xmlns:r="http://schemas.openxmlformats.org/officeDocument/2006/relationships" xmlns:p="http://schemas.openxmlformats.org/presentationml/2006/main">
+  <p:cSld>
+    <p:spTree>
+      <p:nvGrpSpPr>
+        <p:cNvPr id="1" name=""/>
+        <p:cNvGrpSpPr/>
+        <p:nvPr/>
+      </p:nvGrpSpPr>
+      <p:grpSpPr>
+        <a:xfrm>
+          <a:off x="0" y="0"/>
+          <a:ext cx="0" cy="0"/>
+          <a:chOff x="0" y="0"/>
+          <a:chExt cx="0" cy="0"/>
+        </a:xfrm>
+      </p:grpSpPr>
+    </p:spTree>
+    <p:extLst>
+      <p:ext uri="{BB962C8B-B14F-4D97-AF65-F5344CB8AC3E}">
+        <p14:creationId xmlns:p14="http://schemas.microsoft.com/office/powerpoint/2010/main" val="148269474"/>
+      </p:ext>
+    </p:extLst>
+  </p:cSld>
+  <p:clrMapOvr>
+    <a:masterClrMapping/>
+  </p:clrMapOvr>
+  <p:timing>
+    <p:tnLst>
+      <p:par>
+        <p:cTn xmlns:p14="http://schemas.microsoft.com/office/powerpoint/2010/main" id="1" dur="indefinite" restart="never" nodeType="tmRoot"/>
+      </p:par>
+    </p:tnLst>
+  </p:timing>
+</p:sld>
+</file>
+
+<file path=ppt/slides/slide27.xml><?xml version="1.0" encoding="utf-8"?>
+<p:sld xmlns:a="http://schemas.openxmlformats.org/drawingml/2006/main" xmlns:r="http://schemas.openxmlformats.org/officeDocument/2006/relationships" xmlns:p="http://schemas.openxmlformats.org/presentationml/2006/main">
+  <p:cSld>
+    <p:spTree>
+      <p:nvGrpSpPr>
+        <p:cNvPr id="1" name=""/>
+        <p:cNvGrpSpPr/>
+        <p:nvPr/>
+      </p:nvGrpSpPr>
+      <p:grpSpPr>
+        <a:xfrm>
+          <a:off x="0" y="0"/>
+          <a:ext cx="0" cy="0"/>
+          <a:chOff x="0" y="0"/>
+          <a:chExt cx="0" cy="0"/>
+        </a:xfrm>
+      </p:grpSpPr>
+    </p:spTree>
+    <p:extLst>
+      <p:ext uri="{BB962C8B-B14F-4D97-AF65-F5344CB8AC3E}">
+        <p14:creationId xmlns:p14="http://schemas.microsoft.com/office/powerpoint/2010/main" val="2888041933"/>
+      </p:ext>
+    </p:extLst>
+  </p:cSld>
+  <p:clrMapOvr>
+    <a:masterClrMapping/>
+  </p:clrMapOvr>
+  <p:timing>
+    <p:tnLst>
+      <p:par>
+        <p:cTn xmlns:p14="http://schemas.microsoft.com/office/powerpoint/2010/main" id="1" dur="indefinite" restart="never" nodeType="tmRoot"/>
+      </p:par>
+    </p:tnLst>
+  </p:timing>
+</p:sld>
+</file>
+
+<file path=ppt/slides/slide28.xml><?xml version="1.0" encoding="utf-8"?>
+<p:sld xmlns:a="http://schemas.openxmlformats.org/drawingml/2006/main" xmlns:r="http://schemas.openxmlformats.org/officeDocument/2006/relationships" xmlns:p="http://schemas.openxmlformats.org/presentationml/2006/main">
+  <p:cSld>
+    <p:spTree>
+      <p:nvGrpSpPr>
+        <p:cNvPr id="1" name=""/>
+        <p:cNvGrpSpPr/>
+        <p:nvPr/>
+      </p:nvGrpSpPr>
+      <p:grpSpPr>
+        <a:xfrm>
+          <a:off x="0" y="0"/>
+          <a:ext cx="0" cy="0"/>
+          <a:chOff x="0" y="0"/>
+          <a:chExt cx="0" cy="0"/>
+        </a:xfrm>
+      </p:grpSpPr>
+      <p:sp>
+        <p:nvSpPr>
+          <p:cNvPr id="2" name="Title 1"/>
+          <p:cNvSpPr>
+            <a:spLocks noGrp="1"/>
+          </p:cNvSpPr>
+          <p:nvPr>
+            <p:ph type="title"/>
+          </p:nvPr>
+        </p:nvSpPr>
+        <p:spPr/>
+        <p:txBody>
+          <a:bodyPr>
+            <a:normAutofit fontScale="90000"/>
+          </a:bodyPr>
+          <a:lstStyle/>
+          <a:p>
+            <a:r>
+              <a:rPr lang="en-US" dirty="0" smtClean="0"/>
+              <a:t>Image analysis, quality control and statistics</a:t>
+            </a:r>
+            <a:endParaRPr lang="en-US" dirty="0"/>
+          </a:p>
+        </p:txBody>
+      </p:sp>
+      <p:sp>
+        <p:nvSpPr>
+          <p:cNvPr id="6" name="Content Placeholder 5"/>
+          <p:cNvSpPr>
+            <a:spLocks noGrp="1"/>
+          </p:cNvSpPr>
+          <p:nvPr>
+            <p:ph idx="1"/>
+          </p:nvPr>
+        </p:nvSpPr>
+        <p:spPr/>
+        <p:txBody>
+          <a:bodyPr/>
+          <a:lstStyle/>
+          <a:p>
+            <a:endParaRPr lang="en-US" dirty="0"/>
+          </a:p>
+        </p:txBody>
+      </p:sp>
+    </p:spTree>
+    <p:extLst>
+      <p:ext uri="{BB962C8B-B14F-4D97-AF65-F5344CB8AC3E}">
+        <p14:creationId xmlns:p14="http://schemas.microsoft.com/office/powerpoint/2010/main" val="324967959"/>
+      </p:ext>
+    </p:extLst>
+  </p:cSld>
+  <p:clrMapOvr>
+    <a:masterClrMapping/>
+  </p:clrMapOvr>
+  <p:timing>
+    <p:tnLst>
+      <p:par>
+        <p:cTn xmlns:p14="http://schemas.microsoft.com/office/powerpoint/2010/main" id="1" dur="indefinite" restart="never" nodeType="tmRoot"/>
+      </p:par>
+    </p:tnLst>
+  </p:timing>
+</p:sld>
+</file>
+
+<file path=ppt/slides/slide29.xml><?xml version="1.0" encoding="utf-8"?>
+<p:sld xmlns:a="http://schemas.openxmlformats.org/drawingml/2006/main" xmlns:r="http://schemas.openxmlformats.org/officeDocument/2006/relationships" xmlns:p="http://schemas.openxmlformats.org/presentationml/2006/main">
+  <p:cSld>
+    <p:spTree>
+      <p:nvGrpSpPr>
+        <p:cNvPr id="1" name=""/>
+        <p:cNvGrpSpPr/>
+        <p:nvPr/>
+      </p:nvGrpSpPr>
+      <p:grpSpPr>
+        <a:xfrm>
+          <a:off x="0" y="0"/>
+          <a:ext cx="0" cy="0"/>
+          <a:chOff x="0" y="0"/>
+          <a:chExt cx="0" cy="0"/>
+        </a:xfrm>
+      </p:grpSpPr>
+      <p:pic>
+        <p:nvPicPr>
+          <p:cNvPr id="2" name="Picture 1" descr="ActinSmiley--Tischi_SalvatoreCorallino.jpg"/>
+          <p:cNvPicPr>
+            <a:picLocks noChangeAspect="1"/>
+          </p:cNvPicPr>
+          <p:nvPr/>
+        </p:nvPicPr>
+        <p:blipFill>
+          <a:blip r:embed="rId2">
+            <a:extLst>
+              <a:ext uri="{28A0092B-C50C-407E-A947-70E740481C1C}">
+                <a14:useLocalDpi xmlns:a14="http://schemas.microsoft.com/office/drawing/2010/main" val="0"/>
+              </a:ext>
+            </a:extLst>
+          </a:blip>
+          <a:stretch>
+            <a:fillRect/>
+          </a:stretch>
+        </p:blipFill>
+        <p:spPr>
+          <a:xfrm>
+            <a:off x="467544" y="-13668"/>
+            <a:ext cx="8204413" cy="6250980"/>
+          </a:xfrm>
+          <a:prstGeom prst="rect">
+            <a:avLst/>
+          </a:prstGeom>
+        </p:spPr>
+      </p:pic>
+      <p:sp>
+        <p:nvSpPr>
+          <p:cNvPr id="3" name="TextBox 2"/>
+          <p:cNvSpPr txBox="1"/>
+          <p:nvPr/>
+        </p:nvSpPr>
+        <p:spPr>
+          <a:xfrm>
+            <a:off x="899592" y="188640"/>
+            <a:ext cx="3480440" cy="6124755"/>
+          </a:xfrm>
+          <a:prstGeom prst="rect">
+            <a:avLst/>
+          </a:prstGeom>
+          <a:noFill/>
+        </p:spPr>
+        <p:txBody>
+          <a:bodyPr wrap="none" rtlCol="0">
+            <a:spAutoFit/>
+          </a:bodyPr>
+          <a:lstStyle/>
+          <a:p>
+            <a:r>
+              <a:rPr lang="en-US" dirty="0" smtClean="0">
+                <a:solidFill>
+                  <a:schemeClr val="accent1"/>
+                </a:solidFill>
+              </a:rPr>
+              <a:t>Acknowledgements</a:t>
+            </a:r>
+          </a:p>
+          <a:p>
+            <a:endParaRPr lang="en-US" sz="1600" dirty="0" smtClean="0">
+              <a:solidFill>
+                <a:schemeClr val="bg1"/>
+              </a:solidFill>
+            </a:endParaRPr>
+          </a:p>
+          <a:p>
+            <a:r>
+              <a:rPr lang="en-US" sz="1600" dirty="0" smtClean="0">
+                <a:solidFill>
+                  <a:schemeClr val="bg1"/>
+                </a:solidFill>
+              </a:rPr>
+              <a:t>ALMF team:</a:t>
+            </a:r>
+          </a:p>
+          <a:p>
+            <a:pPr marL="285750" indent="-285750">
+              <a:buFontTx/>
+              <a:buChar char="-"/>
+            </a:pPr>
+            <a:r>
+              <a:rPr lang="en-US" sz="1600" dirty="0" err="1" smtClean="0">
+                <a:solidFill>
+                  <a:schemeClr val="bg1"/>
+                </a:solidFill>
+              </a:rPr>
+              <a:t>Beate</a:t>
+            </a:r>
+            <a:r>
+              <a:rPr lang="en-US" sz="1600" dirty="0" smtClean="0">
+                <a:solidFill>
+                  <a:schemeClr val="bg1"/>
+                </a:solidFill>
+              </a:rPr>
+              <a:t> Neumann</a:t>
+            </a:r>
+          </a:p>
+          <a:p>
+            <a:pPr marL="285750" indent="-285750">
+              <a:buFontTx/>
+              <a:buChar char="-"/>
+            </a:pPr>
+            <a:r>
+              <a:rPr lang="en-US" sz="1600" dirty="0" smtClean="0">
+                <a:solidFill>
+                  <a:schemeClr val="bg1"/>
+                </a:solidFill>
+              </a:rPr>
+              <a:t>Sabine </a:t>
+            </a:r>
+            <a:r>
+              <a:rPr lang="en-US" sz="1600" dirty="0" err="1" smtClean="0">
+                <a:solidFill>
+                  <a:schemeClr val="bg1"/>
+                </a:solidFill>
+              </a:rPr>
+              <a:t>Reither</a:t>
+            </a:r>
+            <a:endParaRPr lang="en-US" sz="1600" dirty="0" smtClean="0">
+              <a:solidFill>
+                <a:schemeClr val="bg1"/>
+              </a:solidFill>
+            </a:endParaRPr>
+          </a:p>
+          <a:p>
+            <a:pPr marL="285750" indent="-285750">
+              <a:buFontTx/>
+              <a:buChar char="-"/>
+            </a:pPr>
+            <a:r>
+              <a:rPr lang="en-US" sz="1600" dirty="0" smtClean="0">
+                <a:solidFill>
+                  <a:schemeClr val="bg1"/>
+                </a:solidFill>
+              </a:rPr>
+              <a:t>Volker </a:t>
+            </a:r>
+            <a:r>
+              <a:rPr lang="en-US" sz="1600" dirty="0" err="1" smtClean="0">
+                <a:solidFill>
+                  <a:schemeClr val="bg1"/>
+                </a:solidFill>
+              </a:rPr>
+              <a:t>Hilsenstein</a:t>
+            </a:r>
+            <a:endParaRPr lang="en-US" sz="1600" dirty="0" smtClean="0">
+              <a:solidFill>
+                <a:schemeClr val="bg1"/>
+              </a:solidFill>
+            </a:endParaRPr>
+          </a:p>
+          <a:p>
+            <a:pPr marL="285750" indent="-285750">
+              <a:buFontTx/>
+              <a:buChar char="-"/>
+            </a:pPr>
+            <a:r>
+              <a:rPr lang="en-US" sz="1600" dirty="0" err="1" smtClean="0">
+                <a:solidFill>
+                  <a:schemeClr val="bg1"/>
+                </a:solidFill>
+              </a:rPr>
+              <a:t>Yury</a:t>
+            </a:r>
+            <a:r>
+              <a:rPr lang="en-US" sz="1600" dirty="0" smtClean="0">
+                <a:solidFill>
+                  <a:schemeClr val="bg1"/>
+                </a:solidFill>
+              </a:rPr>
+              <a:t> </a:t>
+            </a:r>
+            <a:r>
+              <a:rPr lang="en-US" sz="1600" dirty="0" err="1" smtClean="0">
+                <a:solidFill>
+                  <a:schemeClr val="bg1"/>
+                </a:solidFill>
+              </a:rPr>
+              <a:t>Belyaev</a:t>
+            </a:r>
+            <a:endParaRPr lang="en-US" sz="1600" dirty="0" smtClean="0">
+              <a:solidFill>
+                <a:schemeClr val="bg1"/>
+              </a:solidFill>
+            </a:endParaRPr>
+          </a:p>
+          <a:p>
+            <a:pPr marL="285750" indent="-285750">
+              <a:buFontTx/>
+              <a:buChar char="-"/>
+            </a:pPr>
+            <a:r>
+              <a:rPr lang="en-US" sz="1600" dirty="0" smtClean="0">
+                <a:solidFill>
+                  <a:schemeClr val="bg1"/>
+                </a:solidFill>
+              </a:rPr>
+              <a:t>Stefan </a:t>
+            </a:r>
+            <a:r>
+              <a:rPr lang="en-US" sz="1600" dirty="0" err="1" smtClean="0">
+                <a:solidFill>
+                  <a:schemeClr val="bg1"/>
+                </a:solidFill>
+              </a:rPr>
+              <a:t>Terjung</a:t>
+            </a:r>
+            <a:endParaRPr lang="en-US" sz="1600" dirty="0" smtClean="0">
+              <a:solidFill>
+                <a:schemeClr val="bg1"/>
+              </a:solidFill>
+            </a:endParaRPr>
+          </a:p>
+          <a:p>
+            <a:pPr marL="285750" indent="-285750">
+              <a:buFontTx/>
+              <a:buChar char="-"/>
+            </a:pPr>
+            <a:endParaRPr lang="en-US" sz="1600" dirty="0">
+              <a:solidFill>
+                <a:schemeClr val="bg1"/>
+              </a:solidFill>
+            </a:endParaRPr>
+          </a:p>
+          <a:p>
+            <a:r>
+              <a:rPr lang="en-US" sz="1600" dirty="0" smtClean="0">
+                <a:solidFill>
+                  <a:schemeClr val="bg1"/>
+                </a:solidFill>
+              </a:rPr>
+              <a:t>ALMF alumni</a:t>
+            </a:r>
+          </a:p>
+          <a:p>
+            <a:pPr marL="285750" indent="-285750">
+              <a:buFontTx/>
+              <a:buChar char="-"/>
+            </a:pPr>
+            <a:r>
+              <a:rPr lang="en-US" sz="1600" dirty="0" smtClean="0">
+                <a:solidFill>
+                  <a:srgbClr val="FFFFFF"/>
+                </a:solidFill>
+              </a:rPr>
+              <a:t>Christian Conrad</a:t>
+            </a:r>
+          </a:p>
+          <a:p>
+            <a:pPr marL="285750" indent="-285750">
+              <a:buFontTx/>
+              <a:buChar char="-"/>
+            </a:pPr>
+            <a:r>
+              <a:rPr lang="en-US" sz="1600" dirty="0" err="1">
+                <a:solidFill>
+                  <a:schemeClr val="bg1"/>
+                </a:solidFill>
+              </a:rPr>
+              <a:t>Jutta</a:t>
+            </a:r>
+            <a:r>
+              <a:rPr lang="en-US" sz="1600" dirty="0">
+                <a:solidFill>
+                  <a:schemeClr val="bg1"/>
+                </a:solidFill>
+              </a:rPr>
+              <a:t> </a:t>
+            </a:r>
+            <a:r>
+              <a:rPr lang="en-US" sz="1600" dirty="0" err="1" smtClean="0">
+                <a:solidFill>
+                  <a:schemeClr val="bg1"/>
+                </a:solidFill>
+              </a:rPr>
+              <a:t>Bulkescher</a:t>
+            </a:r>
+            <a:endParaRPr lang="en-US" sz="1600" dirty="0" smtClean="0">
+              <a:solidFill>
+                <a:srgbClr val="FFFFFF"/>
+              </a:solidFill>
+            </a:endParaRPr>
+          </a:p>
+          <a:p>
+            <a:pPr marL="285750" indent="-285750">
+              <a:buFontTx/>
+              <a:buChar char="-"/>
+            </a:pPr>
+            <a:endParaRPr lang="en-US" sz="1600" dirty="0">
+              <a:solidFill>
+                <a:schemeClr val="bg1"/>
+              </a:solidFill>
+            </a:endParaRPr>
+          </a:p>
+          <a:p>
+            <a:r>
+              <a:rPr lang="en-US" sz="1600" dirty="0" smtClean="0">
+                <a:solidFill>
+                  <a:schemeClr val="bg1"/>
+                </a:solidFill>
+              </a:rPr>
+              <a:t>FCS:</a:t>
+            </a:r>
+          </a:p>
+          <a:p>
+            <a:pPr marL="285750" indent="-285750">
+              <a:buFontTx/>
+              <a:buChar char="-"/>
+            </a:pPr>
+            <a:r>
+              <a:rPr lang="en-US" sz="1600" dirty="0" err="1" smtClean="0">
+                <a:solidFill>
+                  <a:schemeClr val="bg1"/>
+                </a:solidFill>
+              </a:rPr>
+              <a:t>Malte</a:t>
+            </a:r>
+            <a:r>
+              <a:rPr lang="en-US" sz="1600" dirty="0" smtClean="0">
+                <a:solidFill>
+                  <a:schemeClr val="bg1"/>
+                </a:solidFill>
+              </a:rPr>
+              <a:t> </a:t>
+            </a:r>
+            <a:r>
+              <a:rPr lang="en-US" sz="1600" dirty="0" err="1" smtClean="0">
+                <a:solidFill>
+                  <a:schemeClr val="bg1"/>
+                </a:solidFill>
+              </a:rPr>
+              <a:t>Wachsmuth</a:t>
+            </a:r>
+            <a:endParaRPr lang="en-US" sz="1600" dirty="0">
+              <a:solidFill>
+                <a:schemeClr val="bg1"/>
+              </a:solidFill>
+            </a:endParaRPr>
+          </a:p>
+          <a:p>
+            <a:pPr marL="285750" indent="-285750">
+              <a:buFontTx/>
+              <a:buChar char="-"/>
+            </a:pPr>
+            <a:r>
+              <a:rPr lang="en-US" sz="1600" dirty="0" smtClean="0">
+                <a:solidFill>
+                  <a:schemeClr val="bg1"/>
+                </a:solidFill>
+              </a:rPr>
+              <a:t>Frank </a:t>
+            </a:r>
+            <a:r>
+              <a:rPr lang="en-US" sz="1600" dirty="0" err="1" smtClean="0">
+                <a:solidFill>
+                  <a:schemeClr val="bg1"/>
+                </a:solidFill>
+              </a:rPr>
+              <a:t>Sieckmann</a:t>
+            </a:r>
+            <a:r>
+              <a:rPr lang="en-US" sz="1600" dirty="0" smtClean="0">
+                <a:solidFill>
+                  <a:schemeClr val="bg1"/>
+                </a:solidFill>
+              </a:rPr>
+              <a:t> (Leica)</a:t>
+            </a:r>
+          </a:p>
+          <a:p>
+            <a:pPr marL="285750" indent="-285750">
+              <a:buFontTx/>
+              <a:buChar char="-"/>
+            </a:pPr>
+            <a:endParaRPr lang="en-US" sz="1600" dirty="0">
+              <a:solidFill>
+                <a:schemeClr val="bg1"/>
+              </a:solidFill>
+            </a:endParaRPr>
+          </a:p>
+          <a:p>
+            <a:r>
+              <a:rPr lang="en-US" sz="1600" dirty="0" smtClean="0">
+                <a:solidFill>
+                  <a:schemeClr val="bg1"/>
+                </a:solidFill>
+              </a:rPr>
+              <a:t>Zeiss LSM780 automation:</a:t>
+            </a:r>
+          </a:p>
+          <a:p>
+            <a:pPr marL="285750" indent="-285750">
+              <a:buFontTx/>
+              <a:buChar char="-"/>
+            </a:pPr>
+            <a:r>
+              <a:rPr lang="en-US" sz="1600" dirty="0" smtClean="0">
+                <a:solidFill>
+                  <a:schemeClr val="bg1"/>
+                </a:solidFill>
+              </a:rPr>
+              <a:t>Gwen </a:t>
+            </a:r>
+            <a:r>
+              <a:rPr lang="en-US" sz="1600" dirty="0" err="1" smtClean="0">
+                <a:solidFill>
+                  <a:schemeClr val="bg1"/>
+                </a:solidFill>
+              </a:rPr>
+              <a:t>Rabut</a:t>
+            </a:r>
+            <a:r>
+              <a:rPr lang="en-US" sz="1600" dirty="0" smtClean="0">
+                <a:solidFill>
+                  <a:schemeClr val="bg1"/>
+                </a:solidFill>
+              </a:rPr>
+              <a:t>, </a:t>
+            </a:r>
+            <a:r>
+              <a:rPr lang="en-US" sz="1600" dirty="0" err="1" smtClean="0">
+                <a:solidFill>
+                  <a:schemeClr val="bg1"/>
+                </a:solidFill>
+              </a:rPr>
+              <a:t>Annelie</a:t>
+            </a:r>
+            <a:r>
+              <a:rPr lang="en-US" sz="1600" dirty="0" smtClean="0">
+                <a:solidFill>
+                  <a:schemeClr val="bg1"/>
+                </a:solidFill>
+              </a:rPr>
+              <a:t> </a:t>
+            </a:r>
+            <a:r>
+              <a:rPr lang="en-US" sz="1600" dirty="0" err="1" smtClean="0">
+                <a:solidFill>
+                  <a:schemeClr val="bg1"/>
+                </a:solidFill>
+              </a:rPr>
+              <a:t>Wuensche</a:t>
+            </a:r>
+            <a:r>
+              <a:rPr lang="en-US" sz="1600" dirty="0" smtClean="0">
+                <a:solidFill>
+                  <a:schemeClr val="bg1"/>
+                </a:solidFill>
+              </a:rPr>
+              <a:t>,</a:t>
+            </a:r>
+            <a:br>
+              <a:rPr lang="en-US" sz="1600" dirty="0" smtClean="0">
+                <a:solidFill>
+                  <a:schemeClr val="bg1"/>
+                </a:solidFill>
+              </a:rPr>
+            </a:br>
+            <a:r>
+              <a:rPr lang="en-US" sz="1600" dirty="0" smtClean="0">
+                <a:solidFill>
+                  <a:schemeClr val="bg1"/>
+                </a:solidFill>
+              </a:rPr>
+              <a:t>Antonio </a:t>
+            </a:r>
+            <a:r>
+              <a:rPr lang="en-US" sz="1600" dirty="0" err="1" smtClean="0">
+                <a:solidFill>
+                  <a:schemeClr val="bg1"/>
+                </a:solidFill>
+              </a:rPr>
+              <a:t>Politi</a:t>
+            </a:r>
+            <a:r>
+              <a:rPr lang="en-US" sz="1600" dirty="0" smtClean="0">
+                <a:solidFill>
+                  <a:schemeClr val="bg1"/>
+                </a:solidFill>
+              </a:rPr>
+              <a:t> </a:t>
+            </a:r>
+          </a:p>
+          <a:p>
+            <a:endParaRPr lang="en-US" sz="1600" dirty="0" smtClean="0">
+              <a:solidFill>
+                <a:schemeClr val="bg1"/>
+              </a:solidFill>
+            </a:endParaRPr>
+          </a:p>
+          <a:p>
+            <a:r>
+              <a:rPr lang="en-US" sz="1600" dirty="0">
+                <a:solidFill>
+                  <a:schemeClr val="bg1"/>
+                </a:solidFill>
+              </a:rPr>
+              <a:t>Jan </a:t>
+            </a:r>
+            <a:r>
+              <a:rPr lang="en-US" sz="1600" dirty="0" err="1">
+                <a:solidFill>
+                  <a:schemeClr val="bg1"/>
+                </a:solidFill>
+              </a:rPr>
+              <a:t>Ellenberg</a:t>
+            </a:r>
+            <a:endParaRPr lang="en-US" sz="1600" dirty="0">
+              <a:solidFill>
+                <a:schemeClr val="bg1"/>
+              </a:solidFill>
+            </a:endParaRPr>
+          </a:p>
+          <a:p>
+            <a:r>
+              <a:rPr lang="en-US" sz="1600" dirty="0" smtClean="0">
+                <a:solidFill>
+                  <a:schemeClr val="bg1"/>
+                </a:solidFill>
+              </a:rPr>
+              <a:t>Rainer </a:t>
+            </a:r>
+            <a:r>
+              <a:rPr lang="en-US" sz="1600" dirty="0" err="1" smtClean="0">
+                <a:solidFill>
+                  <a:schemeClr val="bg1"/>
+                </a:solidFill>
+              </a:rPr>
+              <a:t>Pepperkok</a:t>
+            </a:r>
+            <a:endParaRPr lang="en-US" sz="1600" dirty="0">
+              <a:solidFill>
+                <a:schemeClr val="bg1"/>
+              </a:solidFill>
+            </a:endParaRPr>
+          </a:p>
+          <a:p>
+            <a:endParaRPr lang="en-US" sz="1600" dirty="0">
+              <a:solidFill>
+                <a:schemeClr val="bg1"/>
+              </a:solidFill>
+            </a:endParaRPr>
+          </a:p>
+        </p:txBody>
+      </p:sp>
+      <p:sp>
+        <p:nvSpPr>
+          <p:cNvPr id="4" name="TextBox 3"/>
+          <p:cNvSpPr txBox="1"/>
+          <p:nvPr/>
+        </p:nvSpPr>
+        <p:spPr>
+          <a:xfrm>
+            <a:off x="6105917" y="4634552"/>
+            <a:ext cx="2210499" cy="738664"/>
+          </a:xfrm>
+          <a:prstGeom prst="rect">
+            <a:avLst/>
+          </a:prstGeom>
+          <a:noFill/>
+        </p:spPr>
+        <p:txBody>
+          <a:bodyPr wrap="none" rtlCol="0">
+            <a:spAutoFit/>
+          </a:bodyPr>
+          <a:lstStyle/>
+          <a:p>
+            <a:r>
+              <a:rPr lang="en-US" sz="1400" dirty="0" smtClean="0">
+                <a:solidFill>
+                  <a:schemeClr val="accent1"/>
+                </a:solidFill>
+              </a:rPr>
+              <a:t>Green: actin cytoskeleton</a:t>
+            </a:r>
+          </a:p>
+          <a:p>
+            <a:r>
+              <a:rPr lang="en-US" sz="1400" dirty="0" smtClean="0">
+                <a:solidFill>
+                  <a:schemeClr val="accent6">
+                    <a:lumMod val="60000"/>
+                    <a:lumOff val="40000"/>
+                  </a:schemeClr>
+                </a:solidFill>
+              </a:rPr>
+              <a:t>Red: nucleus</a:t>
+            </a:r>
+          </a:p>
+          <a:p>
+            <a:r>
+              <a:rPr lang="en-US" sz="1400" dirty="0" smtClean="0">
+                <a:solidFill>
+                  <a:srgbClr val="B3FDFF"/>
+                </a:solidFill>
+              </a:rPr>
+              <a:t>Cells treated with PDGF</a:t>
+            </a:r>
+            <a:endParaRPr lang="en-US" sz="1400" dirty="0">
+              <a:solidFill>
+                <a:srgbClr val="B3FDFF"/>
+              </a:solidFill>
+            </a:endParaRPr>
+          </a:p>
+        </p:txBody>
+      </p:sp>
+    </p:spTree>
+    <p:extLst>
+      <p:ext uri="{BB962C8B-B14F-4D97-AF65-F5344CB8AC3E}">
+        <p14:creationId xmlns:p14="http://schemas.microsoft.com/office/powerpoint/2010/main" val="138370153"/>
+      </p:ext>
+    </p:extLst>
+  </p:cSld>
+  <p:clrMapOvr>
+    <a:masterClrMapping/>
+  </p:clrMapOvr>
+  <p:timing>
+    <p:tnLst>
+      <p:par>
+        <p:cTn xmlns:p14="http://schemas.microsoft.com/office/powerpoint/2010/main" id="1" dur="indefinite" restart="never" nodeType="tmRoot"/>
+      </p:par>
+    </p:tnLst>
+  </p:timing>
+</p:sld>
+</file>
+
+<file path=ppt/slides/slide3.xml><?xml version="1.0" encoding="utf-8"?>
+<p:sld xmlns:a="http://schemas.openxmlformats.org/drawingml/2006/main" xmlns:r="http://schemas.openxmlformats.org/officeDocument/2006/relationships" xmlns:p="http://schemas.openxmlformats.org/presentationml/2006/main">
+  <p:cSld>
+    <p:spTree>
+      <p:nvGrpSpPr>
+        <p:cNvPr id="1" name=""/>
+        <p:cNvGrpSpPr/>
+        <p:nvPr/>
+      </p:nvGrpSpPr>
+      <p:grpSpPr>
+        <a:xfrm>
+          <a:off x="0" y="0"/>
+          <a:ext cx="0" cy="0"/>
+          <a:chOff x="0" y="0"/>
+          <a:chExt cx="0" cy="0"/>
+        </a:xfrm>
+      </p:grpSpPr>
+      <p:sp>
+        <p:nvSpPr>
+          <p:cNvPr id="2" name="Title 1"/>
+          <p:cNvSpPr>
+            <a:spLocks noGrp="1"/>
+          </p:cNvSpPr>
+          <p:nvPr>
+            <p:ph type="ctrTitle"/>
+          </p:nvPr>
+        </p:nvSpPr>
+        <p:spPr>
+          <a:xfrm>
+            <a:off x="685800" y="1524000"/>
+            <a:ext cx="7772400" cy="1470025"/>
+          </a:xfrm>
+        </p:spPr>
+        <p:txBody>
+          <a:bodyPr>
+            <a:normAutofit/>
+          </a:bodyPr>
+          <a:lstStyle/>
+          <a:p>
+            <a:r>
+              <a:rPr lang="en-US" dirty="0"/>
+              <a:t>High-throughput and adaptive feedback </a:t>
+            </a:r>
+            <a:r>
+              <a:rPr lang="en-US" dirty="0" smtClean="0"/>
+              <a:t>microscopy</a:t>
+            </a:r>
+            <a:endParaRPr lang="en-US" dirty="0"/>
+          </a:p>
+        </p:txBody>
+      </p:sp>
+      <p:sp>
+        <p:nvSpPr>
+          <p:cNvPr id="3" name="Subtitle 2"/>
+          <p:cNvSpPr>
+            <a:spLocks noGrp="1"/>
+          </p:cNvSpPr>
+          <p:nvPr>
+            <p:ph type="subTitle" idx="1"/>
+          </p:nvPr>
+        </p:nvSpPr>
+        <p:spPr>
+          <a:xfrm>
+            <a:off x="1371600" y="3279775"/>
+            <a:ext cx="6400800" cy="1752600"/>
+          </a:xfrm>
+        </p:spPr>
+        <p:txBody>
+          <a:bodyPr>
+            <a:normAutofit fontScale="70000" lnSpcReduction="20000"/>
+          </a:bodyPr>
+          <a:lstStyle/>
+          <a:p>
+            <a:r>
+              <a:rPr lang="en-US" u="sng" dirty="0"/>
+              <a:t>Christian </a:t>
+            </a:r>
+            <a:r>
+              <a:rPr lang="en-US" u="sng" dirty="0" err="1"/>
+              <a:t>Tischer</a:t>
+            </a:r>
+            <a:r>
+              <a:rPr lang="en-US" dirty="0"/>
+              <a:t>, Sabine </a:t>
+            </a:r>
+            <a:r>
+              <a:rPr lang="en-US" dirty="0" err="1"/>
+              <a:t>Reither</a:t>
+            </a:r>
+            <a:r>
+              <a:rPr lang="en-US" dirty="0"/>
+              <a:t>, Volker </a:t>
+            </a:r>
+            <a:r>
+              <a:rPr lang="en-US" dirty="0" err="1"/>
+              <a:t>Hilsenstein</a:t>
+            </a:r>
+            <a:r>
+              <a:rPr lang="en-US" dirty="0"/>
+              <a:t>, </a:t>
+            </a:r>
+            <a:r>
+              <a:rPr lang="en-US" dirty="0" err="1"/>
+              <a:t>Beate</a:t>
+            </a:r>
+            <a:r>
+              <a:rPr lang="en-US" dirty="0"/>
+              <a:t> Neumann, Rainer </a:t>
+            </a:r>
+            <a:r>
+              <a:rPr lang="en-US" dirty="0" err="1"/>
+              <a:t>Pepperkok</a:t>
+            </a:r>
+            <a:endParaRPr lang="en-US" dirty="0"/>
+          </a:p>
+          <a:p>
+            <a:r>
+              <a:rPr lang="en-US" dirty="0"/>
+              <a:t> </a:t>
+            </a:r>
+          </a:p>
+          <a:p>
+            <a:r>
+              <a:rPr lang="en-US" dirty="0"/>
+              <a:t>Advanced Light Microscopy Facility, EMBL Heidelberg</a:t>
+            </a:r>
+          </a:p>
+          <a:p>
+            <a:r>
+              <a:rPr lang="en-US" dirty="0"/>
+              <a:t>Meyerhofstr.1, 69117 Heidelberg, Germany</a:t>
+            </a:r>
+          </a:p>
+          <a:p>
+            <a:endParaRPr lang="en-US" dirty="0"/>
+          </a:p>
+        </p:txBody>
+      </p:sp>
+    </p:spTree>
+    <p:extLst>
+      <p:ext uri="{BB962C8B-B14F-4D97-AF65-F5344CB8AC3E}">
+        <p14:creationId xmlns:p14="http://schemas.microsoft.com/office/powerpoint/2010/main" val="3428067026"/>
+      </p:ext>
+    </p:extLst>
+  </p:cSld>
+  <p:clrMapOvr>
+    <a:masterClrMapping/>
+  </p:clrMapOvr>
+</p:sld>
+</file>
+
+<file path=ppt/slides/slide30.xml><?xml version="1.0" encoding="utf-8"?>
+<p:sld xmlns:a="http://schemas.openxmlformats.org/drawingml/2006/main" xmlns:r="http://schemas.openxmlformats.org/officeDocument/2006/relationships" xmlns:p="http://schemas.openxmlformats.org/presentationml/2006/main">
+  <p:cSld>
+    <p:spTree>
+      <p:nvGrpSpPr>
+        <p:cNvPr id="1" name=""/>
+        <p:cNvGrpSpPr/>
+        <p:nvPr/>
+      </p:nvGrpSpPr>
+      <p:grpSpPr>
+        <a:xfrm>
+          <a:off x="0" y="0"/>
+          <a:ext cx="0" cy="0"/>
+          <a:chOff x="0" y="0"/>
+          <a:chExt cx="0" cy="0"/>
+        </a:xfrm>
+      </p:grpSpPr>
+    </p:spTree>
+    <p:extLst>
+      <p:ext uri="{BB962C8B-B14F-4D97-AF65-F5344CB8AC3E}">
+        <p14:creationId xmlns:p14="http://schemas.microsoft.com/office/powerpoint/2010/main" val="2543044445"/>
+      </p:ext>
+    </p:extLst>
+  </p:cSld>
+  <p:clrMapOvr>
+    <a:masterClrMapping/>
+  </p:clrMapOvr>
+</p:sld>
+</file>
+
+<file path=ppt/slides/slide31.xml><?xml version="1.0" encoding="utf-8"?>
+<p:sld xmlns:a="http://schemas.openxmlformats.org/drawingml/2006/main" xmlns:r="http://schemas.openxmlformats.org/officeDocument/2006/relationships" xmlns:p="http://schemas.openxmlformats.org/presentationml/2006/main">
+  <p:cSld>
+    <p:spTree>
+      <p:nvGrpSpPr>
+        <p:cNvPr id="1" name=""/>
+        <p:cNvGrpSpPr/>
+        <p:nvPr/>
+      </p:nvGrpSpPr>
+      <p:grpSpPr>
+        <a:xfrm>
+          <a:off x="0" y="0"/>
+          <a:ext cx="0" cy="0"/>
+          <a:chOff x="0" y="0"/>
+          <a:chExt cx="0" cy="0"/>
+        </a:xfrm>
+      </p:grpSpPr>
+    </p:spTree>
+    <p:extLst>
+      <p:ext uri="{BB962C8B-B14F-4D97-AF65-F5344CB8AC3E}">
+        <p14:creationId xmlns:p14="http://schemas.microsoft.com/office/powerpoint/2010/main" val="1312118073"/>
+      </p:ext>
+    </p:extLst>
+  </p:cSld>
+  <p:clrMapOvr>
+    <a:masterClrMapping/>
+  </p:clrMapOvr>
+</p:sld>
+</file>
+
+<file path=ppt/slides/slide32.xml><?xml version="1.0" encoding="utf-8"?>
+<p:sld xmlns:a="http://schemas.openxmlformats.org/drawingml/2006/main" xmlns:r="http://schemas.openxmlformats.org/officeDocument/2006/relationships" xmlns:p="http://schemas.openxmlformats.org/presentationml/2006/main">
+  <p:cSld>
+    <p:spTree>
+      <p:nvGrpSpPr>
+        <p:cNvPr id="1" name=""/>
+        <p:cNvGrpSpPr/>
+        <p:nvPr/>
+      </p:nvGrpSpPr>
+      <p:grpSpPr>
+        <a:xfrm>
+          <a:off x="0" y="0"/>
+          <a:ext cx="0" cy="0"/>
+          <a:chOff x="0" y="0"/>
+          <a:chExt cx="0" cy="0"/>
+        </a:xfrm>
+      </p:grpSpPr>
+      <p:sp>
+        <p:nvSpPr>
+          <p:cNvPr id="2" name="Title 1"/>
+          <p:cNvSpPr>
+            <a:spLocks noGrp="1"/>
+          </p:cNvSpPr>
+          <p:nvPr>
+            <p:ph type="title"/>
+          </p:nvPr>
+        </p:nvSpPr>
+        <p:spPr>
+          <a:xfrm>
             <a:off x="449013" y="609600"/>
             <a:ext cx="8229600" cy="1143000"/>
           </a:xfrm>
@@ -18145,7 +20967,7 @@
           <p:nvPr>
             <p:extLst>
               <p:ext uri="{D42A27DB-BD31-4B8C-83A1-F6EECF244321}">
-                <p14:modId xmlns:p14="http://schemas.microsoft.com/office/powerpoint/2010/main" val="3007011503"/>
+                <p14:modId xmlns:p14="http://schemas.microsoft.com/office/powerpoint/2010/main" val="163085712"/>
               </p:ext>
             </p:extLst>
           </p:nvPr>
@@ -18507,7 +21329,7 @@
     </p:spTree>
     <p:extLst>
       <p:ext uri="{BB962C8B-B14F-4D97-AF65-F5344CB8AC3E}">
-        <p14:creationId xmlns:p14="http://schemas.microsoft.com/office/powerpoint/2010/main" val="2031140933"/>
+        <p14:creationId xmlns:p14="http://schemas.microsoft.com/office/powerpoint/2010/main" val="409924323"/>
       </p:ext>
     </p:extLst>
   </p:cSld>
@@ -18521,1560 +21343,6 @@
       </p:par>
     </p:tnLst>
   </p:timing>
-</p:sld>
-</file>
-
-<file path=ppt/slides/slide22.xml><?xml version="1.0" encoding="utf-8"?>
-<p:sld xmlns:a="http://schemas.openxmlformats.org/drawingml/2006/main" xmlns:r="http://schemas.openxmlformats.org/officeDocument/2006/relationships" xmlns:p="http://schemas.openxmlformats.org/presentationml/2006/main">
-  <p:cSld>
-    <p:spTree>
-      <p:nvGrpSpPr>
-        <p:cNvPr id="1" name=""/>
-        <p:cNvGrpSpPr/>
-        <p:nvPr/>
-      </p:nvGrpSpPr>
-      <p:grpSpPr>
-        <a:xfrm>
-          <a:off x="0" y="0"/>
-          <a:ext cx="0" cy="0"/>
-          <a:chOff x="0" y="0"/>
-          <a:chExt cx="0" cy="0"/>
-        </a:xfrm>
-      </p:grpSpPr>
-      <p:grpSp>
-        <p:nvGrpSpPr>
-          <p:cNvPr id="11" name="Group 10"/>
-          <p:cNvGrpSpPr/>
-          <p:nvPr/>
-        </p:nvGrpSpPr>
-        <p:grpSpPr>
-          <a:xfrm>
-            <a:off x="-180109" y="914400"/>
-            <a:ext cx="9400309" cy="4167766"/>
-            <a:chOff x="-180109" y="1524000"/>
-            <a:chExt cx="9400309" cy="4167766"/>
-          </a:xfrm>
-        </p:grpSpPr>
-        <p:sp>
-          <p:nvSpPr>
-            <p:cNvPr id="8" name="Rectangle 7"/>
-            <p:cNvSpPr/>
-            <p:nvPr/>
-          </p:nvSpPr>
-          <p:spPr>
-            <a:xfrm>
-              <a:off x="-180109" y="2754816"/>
-              <a:ext cx="9372600" cy="1957967"/>
-            </a:xfrm>
-            <a:prstGeom prst="rect">
-              <a:avLst/>
-            </a:prstGeom>
-            <a:solidFill>
-              <a:schemeClr val="accent2">
-                <a:lumMod val="40000"/>
-                <a:lumOff val="60000"/>
-              </a:schemeClr>
-            </a:solidFill>
-            <a:ln>
-              <a:noFill/>
-            </a:ln>
-          </p:spPr>
-          <p:style>
-            <a:lnRef idx="2">
-              <a:schemeClr val="accent1">
-                <a:shade val="50000"/>
-              </a:schemeClr>
-            </a:lnRef>
-            <a:fillRef idx="1">
-              <a:schemeClr val="accent1"/>
-            </a:fillRef>
-            <a:effectRef idx="0">
-              <a:schemeClr val="accent1"/>
-            </a:effectRef>
-            <a:fontRef idx="minor">
-              <a:schemeClr val="lt1"/>
-            </a:fontRef>
-          </p:style>
-          <p:txBody>
-            <a:bodyPr rtlCol="0" anchor="ctr"/>
-            <a:lstStyle/>
-            <a:p>
-              <a:pPr algn="ctr"/>
-              <a:endParaRPr lang="en-US"/>
-            </a:p>
-          </p:txBody>
-        </p:sp>
-        <p:sp>
-          <p:nvSpPr>
-            <p:cNvPr id="6" name="Rectangle 5"/>
-            <p:cNvSpPr/>
-            <p:nvPr/>
-          </p:nvSpPr>
-          <p:spPr>
-            <a:xfrm>
-              <a:off x="-152400" y="1524000"/>
-              <a:ext cx="9372600" cy="1957967"/>
-            </a:xfrm>
-            <a:prstGeom prst="rect">
-              <a:avLst/>
-            </a:prstGeom>
-            <a:solidFill>
-              <a:schemeClr val="accent3">
-                <a:lumMod val="60000"/>
-                <a:lumOff val="40000"/>
-              </a:schemeClr>
-            </a:solidFill>
-            <a:ln>
-              <a:noFill/>
-            </a:ln>
-          </p:spPr>
-          <p:style>
-            <a:lnRef idx="2">
-              <a:schemeClr val="accent1">
-                <a:shade val="50000"/>
-              </a:schemeClr>
-            </a:lnRef>
-            <a:fillRef idx="1">
-              <a:schemeClr val="accent1"/>
-            </a:fillRef>
-            <a:effectRef idx="0">
-              <a:schemeClr val="accent1"/>
-            </a:effectRef>
-            <a:fontRef idx="minor">
-              <a:schemeClr val="lt1"/>
-            </a:fontRef>
-          </p:style>
-          <p:txBody>
-            <a:bodyPr rtlCol="0" anchor="ctr"/>
-            <a:lstStyle/>
-            <a:p>
-              <a:pPr algn="ctr"/>
-              <a:endParaRPr lang="en-US"/>
-            </a:p>
-          </p:txBody>
-        </p:sp>
-        <p:sp>
-          <p:nvSpPr>
-            <p:cNvPr id="3" name="TextBox 2"/>
-            <p:cNvSpPr txBox="1"/>
-            <p:nvPr/>
-          </p:nvSpPr>
-          <p:spPr>
-            <a:xfrm>
-              <a:off x="0" y="2209800"/>
-              <a:ext cx="936111" cy="646331"/>
-            </a:xfrm>
-            <a:prstGeom prst="rect">
-              <a:avLst/>
-            </a:prstGeom>
-            <a:noFill/>
-          </p:spPr>
-          <p:txBody>
-            <a:bodyPr wrap="none" rtlCol="0">
-              <a:spAutoFit/>
-            </a:bodyPr>
-            <a:lstStyle/>
-            <a:p>
-              <a:r>
-                <a:rPr lang="en-US" dirty="0" smtClean="0"/>
-                <a:t>Zeiss</a:t>
-              </a:r>
-            </a:p>
-            <a:p>
-              <a:r>
-                <a:rPr lang="en-US" dirty="0" smtClean="0"/>
-                <a:t>LSM780</a:t>
-              </a:r>
-              <a:endParaRPr lang="en-US" dirty="0" smtClean="0"/>
-            </a:p>
-          </p:txBody>
-        </p:sp>
-        <p:sp>
-          <p:nvSpPr>
-            <p:cNvPr id="5" name="TextBox 4"/>
-            <p:cNvSpPr txBox="1"/>
-            <p:nvPr/>
-          </p:nvSpPr>
-          <p:spPr>
-            <a:xfrm>
-              <a:off x="22295" y="3429000"/>
-              <a:ext cx="1273105" cy="369332"/>
-            </a:xfrm>
-            <a:prstGeom prst="rect">
-              <a:avLst/>
-            </a:prstGeom>
-            <a:noFill/>
-          </p:spPr>
-          <p:txBody>
-            <a:bodyPr wrap="none" rtlCol="0">
-              <a:spAutoFit/>
-            </a:bodyPr>
-            <a:lstStyle/>
-            <a:p>
-              <a:r>
-                <a:rPr lang="en-US" dirty="0" smtClean="0"/>
-                <a:t>Visual Basic</a:t>
-              </a:r>
-              <a:endParaRPr lang="en-US" dirty="0"/>
-            </a:p>
-          </p:txBody>
-        </p:sp>
-        <p:sp>
-          <p:nvSpPr>
-            <p:cNvPr id="7" name="Rectangle 6"/>
-            <p:cNvSpPr/>
-            <p:nvPr/>
-          </p:nvSpPr>
-          <p:spPr>
-            <a:xfrm>
-              <a:off x="-152400" y="3733799"/>
-              <a:ext cx="9372600" cy="1957967"/>
-            </a:xfrm>
-            <a:prstGeom prst="rect">
-              <a:avLst/>
-            </a:prstGeom>
-            <a:solidFill>
-              <a:schemeClr val="accent1">
-                <a:lumMod val="40000"/>
-                <a:lumOff val="60000"/>
-              </a:schemeClr>
-            </a:solidFill>
-            <a:ln>
-              <a:noFill/>
-            </a:ln>
-          </p:spPr>
-          <p:style>
-            <a:lnRef idx="2">
-              <a:schemeClr val="accent1">
-                <a:shade val="50000"/>
-              </a:schemeClr>
-            </a:lnRef>
-            <a:fillRef idx="1">
-              <a:schemeClr val="accent1"/>
-            </a:fillRef>
-            <a:effectRef idx="0">
-              <a:schemeClr val="accent1"/>
-            </a:effectRef>
-            <a:fontRef idx="minor">
-              <a:schemeClr val="lt1"/>
-            </a:fontRef>
-          </p:style>
-          <p:txBody>
-            <a:bodyPr rtlCol="0" anchor="ctr"/>
-            <a:lstStyle/>
-            <a:p>
-              <a:pPr algn="ctr"/>
-              <a:endParaRPr lang="en-US"/>
-            </a:p>
-          </p:txBody>
-        </p:sp>
-        <p:sp>
-          <p:nvSpPr>
-            <p:cNvPr id="4" name="TextBox 3"/>
-            <p:cNvSpPr txBox="1"/>
-            <p:nvPr/>
-          </p:nvSpPr>
-          <p:spPr>
-            <a:xfrm>
-              <a:off x="76200" y="4267200"/>
-              <a:ext cx="937564" cy="646331"/>
-            </a:xfrm>
-            <a:prstGeom prst="rect">
-              <a:avLst/>
-            </a:prstGeom>
-            <a:noFill/>
-          </p:spPr>
-          <p:txBody>
-            <a:bodyPr wrap="none" rtlCol="0">
-              <a:spAutoFit/>
-            </a:bodyPr>
-            <a:lstStyle/>
-            <a:p>
-              <a:r>
-                <a:rPr lang="en-US" dirty="0" smtClean="0"/>
-                <a:t>ImageJ</a:t>
-              </a:r>
-              <a:br>
-                <a:rPr lang="en-US" dirty="0" smtClean="0"/>
-              </a:br>
-              <a:r>
-                <a:rPr lang="en-US" dirty="0" smtClean="0"/>
-                <a:t>Analysis</a:t>
-              </a:r>
-            </a:p>
-          </p:txBody>
-        </p:sp>
-      </p:grpSp>
-      <p:pic>
-        <p:nvPicPr>
-          <p:cNvPr id="2" name="Picture 1"/>
-          <p:cNvPicPr>
-            <a:picLocks noChangeAspect="1" noChangeArrowheads="1"/>
-          </p:cNvPicPr>
-          <p:nvPr/>
-        </p:nvPicPr>
-        <p:blipFill>
-          <a:blip r:embed="rId2" cstate="print"/>
-          <a:srcRect r="-100"/>
-          <a:stretch>
-            <a:fillRect/>
-          </a:stretch>
-        </p:blipFill>
-        <p:spPr bwMode="auto">
-          <a:xfrm>
-            <a:off x="990600" y="984100"/>
-            <a:ext cx="9797146" cy="3915934"/>
-          </a:xfrm>
-          <a:prstGeom prst="rect">
-            <a:avLst/>
-          </a:prstGeom>
-          <a:noFill/>
-          <a:ln w="9525">
-            <a:noFill/>
-            <a:miter lim="800000"/>
-            <a:headEnd/>
-            <a:tailEnd/>
-          </a:ln>
-          <a:effectLst/>
-        </p:spPr>
-      </p:pic>
-      <p:sp>
-        <p:nvSpPr>
-          <p:cNvPr id="9" name="Title 1"/>
-          <p:cNvSpPr txBox="1">
-            <a:spLocks/>
-          </p:cNvSpPr>
-          <p:nvPr/>
-        </p:nvSpPr>
-        <p:spPr>
-          <a:xfrm>
-            <a:off x="457200" y="76200"/>
-            <a:ext cx="8229600" cy="1143000"/>
-          </a:xfrm>
-          <a:prstGeom prst="rect">
-            <a:avLst/>
-          </a:prstGeom>
-        </p:spPr>
-        <p:txBody>
-          <a:bodyPr>
-            <a:normAutofit fontScale="90000"/>
-          </a:bodyPr>
-          <a:lstStyle>
-            <a:lvl1pPr algn="ctr" defTabSz="914400" rtl="0" eaLnBrk="1" latinLnBrk="0" hangingPunct="1">
-              <a:spcBef>
-                <a:spcPct val="0"/>
-              </a:spcBef>
-              <a:buNone/>
-              <a:defRPr sz="4400" kern="1200">
-                <a:solidFill>
-                  <a:schemeClr val="tx1"/>
-                </a:solidFill>
-                <a:latin typeface="+mj-lt"/>
-                <a:ea typeface="+mj-ea"/>
-                <a:cs typeface="+mj-cs"/>
-              </a:defRPr>
-            </a:lvl1pPr>
-          </a:lstStyle>
-          <a:p>
-            <a:r>
-              <a:rPr lang="en-US" dirty="0" smtClean="0"/>
-              <a:t>Multi-step Adaptive FRAP Microscopy</a:t>
-            </a:r>
-            <a:endParaRPr lang="en-US" sz="3100" dirty="0">
-              <a:solidFill>
-                <a:srgbClr val="00B050"/>
-              </a:solidFill>
-            </a:endParaRPr>
-          </a:p>
-        </p:txBody>
-      </p:sp>
-      <p:sp>
-        <p:nvSpPr>
-          <p:cNvPr id="20" name="Rectangle 19"/>
-          <p:cNvSpPr/>
-          <p:nvPr/>
-        </p:nvSpPr>
-        <p:spPr>
-          <a:xfrm>
-            <a:off x="533400" y="5429071"/>
-            <a:ext cx="8382000" cy="1200329"/>
-          </a:xfrm>
-          <a:prstGeom prst="rect">
-            <a:avLst/>
-          </a:prstGeom>
-        </p:spPr>
-        <p:txBody>
-          <a:bodyPr wrap="square">
-            <a:spAutoFit/>
-          </a:bodyPr>
-          <a:lstStyle/>
-          <a:p>
-            <a:r>
-              <a:rPr lang="en-US" dirty="0"/>
-              <a:t>In this way several </a:t>
-            </a:r>
-            <a:r>
-              <a:rPr lang="en-US" dirty="0" smtClean="0"/>
-              <a:t>hundreds of </a:t>
-            </a:r>
-            <a:r>
-              <a:rPr lang="en-US" dirty="0"/>
-              <a:t>recovery data sets can be </a:t>
-            </a:r>
-            <a:r>
-              <a:rPr lang="en-US" dirty="0" smtClean="0"/>
-              <a:t>automatically acquired </a:t>
-            </a:r>
-            <a:r>
-              <a:rPr lang="en-US" dirty="0"/>
-              <a:t>in an overnight experiment</a:t>
-            </a:r>
-            <a:r>
-              <a:rPr lang="en-US" dirty="0" smtClean="0"/>
-              <a:t>, thus </a:t>
-            </a:r>
-            <a:r>
-              <a:rPr lang="en-US" dirty="0"/>
-              <a:t>drastically increasing the data significance</a:t>
-            </a:r>
-          </a:p>
-          <a:p>
-            <a:r>
-              <a:rPr lang="en-US" dirty="0"/>
-              <a:t>compared to manual data </a:t>
-            </a:r>
-            <a:r>
-              <a:rPr lang="en-US" dirty="0" smtClean="0"/>
-              <a:t>acquisition where </a:t>
-            </a:r>
-            <a:r>
-              <a:rPr lang="en-US" dirty="0"/>
-              <a:t>at best several tens of useful datasets</a:t>
-            </a:r>
-          </a:p>
-          <a:p>
-            <a:r>
-              <a:rPr lang="en-US" dirty="0"/>
-              <a:t>can be acquired in the same </a:t>
-            </a:r>
-            <a:r>
-              <a:rPr lang="en-US" dirty="0" smtClean="0"/>
-              <a:t>amount of </a:t>
-            </a:r>
-            <a:r>
-              <a:rPr lang="en-US" dirty="0"/>
-              <a:t>time.</a:t>
-            </a:r>
-          </a:p>
-        </p:txBody>
-      </p:sp>
-      <p:pic>
-        <p:nvPicPr>
-          <p:cNvPr id="12" name="Picture 11"/>
-          <p:cNvPicPr>
-            <a:picLocks noChangeAspect="1"/>
-          </p:cNvPicPr>
-          <p:nvPr/>
-        </p:nvPicPr>
-        <p:blipFill>
-          <a:blip r:embed="rId3"/>
-          <a:stretch>
-            <a:fillRect/>
-          </a:stretch>
-        </p:blipFill>
-        <p:spPr>
-          <a:xfrm>
-            <a:off x="76200" y="762000"/>
-            <a:ext cx="787400" cy="787400"/>
-          </a:xfrm>
-          <a:prstGeom prst="rect">
-            <a:avLst/>
-          </a:prstGeom>
-        </p:spPr>
-      </p:pic>
-      <p:pic>
-        <p:nvPicPr>
-          <p:cNvPr id="13" name="Picture 12"/>
-          <p:cNvPicPr>
-            <a:picLocks noChangeAspect="1"/>
-          </p:cNvPicPr>
-          <p:nvPr/>
-        </p:nvPicPr>
-        <p:blipFill>
-          <a:blip r:embed="rId4"/>
-          <a:stretch>
-            <a:fillRect/>
-          </a:stretch>
-        </p:blipFill>
-        <p:spPr>
-          <a:xfrm>
-            <a:off x="152400" y="4343400"/>
-            <a:ext cx="635000" cy="635000"/>
-          </a:xfrm>
-          <a:prstGeom prst="rect">
-            <a:avLst/>
-          </a:prstGeom>
-        </p:spPr>
-      </p:pic>
-    </p:spTree>
-    <p:extLst>
-      <p:ext uri="{BB962C8B-B14F-4D97-AF65-F5344CB8AC3E}">
-        <p14:creationId xmlns:p14="http://schemas.microsoft.com/office/powerpoint/2010/main" val="1347319876"/>
-      </p:ext>
-    </p:extLst>
-  </p:cSld>
-  <p:clrMapOvr>
-    <a:masterClrMapping/>
-  </p:clrMapOvr>
-  <p:timing>
-    <p:tnLst>
-      <p:par>
-        <p:cTn xmlns:p14="http://schemas.microsoft.com/office/powerpoint/2010/main" id="1" dur="indefinite" restart="never" nodeType="tmRoot"/>
-      </p:par>
-    </p:tnLst>
-  </p:timing>
-</p:sld>
-</file>
-
-<file path=ppt/slides/slide23.xml><?xml version="1.0" encoding="utf-8"?>
-<p:sld xmlns:a="http://schemas.openxmlformats.org/drawingml/2006/main" xmlns:r="http://schemas.openxmlformats.org/officeDocument/2006/relationships" xmlns:p="http://schemas.openxmlformats.org/presentationml/2006/main">
-  <p:cSld>
-    <p:spTree>
-      <p:nvGrpSpPr>
-        <p:cNvPr id="1" name=""/>
-        <p:cNvGrpSpPr/>
-        <p:nvPr/>
-      </p:nvGrpSpPr>
-      <p:grpSpPr>
-        <a:xfrm>
-          <a:off x="0" y="0"/>
-          <a:ext cx="0" cy="0"/>
-          <a:chOff x="0" y="0"/>
-          <a:chExt cx="0" cy="0"/>
-        </a:xfrm>
-      </p:grpSpPr>
-      <p:sp>
-        <p:nvSpPr>
-          <p:cNvPr id="2" name="Title 1"/>
-          <p:cNvSpPr>
-            <a:spLocks noGrp="1"/>
-          </p:cNvSpPr>
-          <p:nvPr>
-            <p:ph type="title"/>
-          </p:nvPr>
-        </p:nvSpPr>
-        <p:spPr/>
-        <p:txBody>
-          <a:bodyPr/>
-          <a:lstStyle/>
-          <a:p>
-            <a:r>
-              <a:rPr lang="en-US" dirty="0" smtClean="0"/>
-              <a:t>Adaptive FCS Microscopy</a:t>
-            </a:r>
-            <a:endParaRPr lang="en-US" dirty="0"/>
-          </a:p>
-        </p:txBody>
-      </p:sp>
-    </p:spTree>
-    <p:extLst>
-      <p:ext uri="{BB962C8B-B14F-4D97-AF65-F5344CB8AC3E}">
-        <p14:creationId xmlns:p14="http://schemas.microsoft.com/office/powerpoint/2010/main" val="1733551608"/>
-      </p:ext>
-    </p:extLst>
-  </p:cSld>
-  <p:clrMapOvr>
-    <a:masterClrMapping/>
-  </p:clrMapOvr>
-  <p:timing>
-    <p:tnLst>
-      <p:par>
-        <p:cTn xmlns:p14="http://schemas.microsoft.com/office/powerpoint/2010/main" id="1" dur="indefinite" restart="never" nodeType="tmRoot"/>
-      </p:par>
-    </p:tnLst>
-  </p:timing>
-</p:sld>
-</file>
-
-<file path=ppt/slides/slide24.xml><?xml version="1.0" encoding="utf-8"?>
-<p:sld xmlns:a="http://schemas.openxmlformats.org/drawingml/2006/main" xmlns:r="http://schemas.openxmlformats.org/officeDocument/2006/relationships" xmlns:p="http://schemas.openxmlformats.org/presentationml/2006/main">
-  <p:cSld>
-    <p:spTree>
-      <p:nvGrpSpPr>
-        <p:cNvPr id="1" name=""/>
-        <p:cNvGrpSpPr/>
-        <p:nvPr/>
-      </p:nvGrpSpPr>
-      <p:grpSpPr>
-        <a:xfrm>
-          <a:off x="0" y="0"/>
-          <a:ext cx="0" cy="0"/>
-          <a:chOff x="0" y="0"/>
-          <a:chExt cx="0" cy="0"/>
-        </a:xfrm>
-      </p:grpSpPr>
-    </p:spTree>
-    <p:extLst>
-      <p:ext uri="{BB962C8B-B14F-4D97-AF65-F5344CB8AC3E}">
-        <p14:creationId xmlns:p14="http://schemas.microsoft.com/office/powerpoint/2010/main" val="3678807461"/>
-      </p:ext>
-    </p:extLst>
-  </p:cSld>
-  <p:clrMapOvr>
-    <a:masterClrMapping/>
-  </p:clrMapOvr>
-</p:sld>
-</file>
-
-<file path=ppt/slides/slide25.xml><?xml version="1.0" encoding="utf-8"?>
-<p:sld xmlns:a="http://schemas.openxmlformats.org/drawingml/2006/main" xmlns:r="http://schemas.openxmlformats.org/officeDocument/2006/relationships" xmlns:p="http://schemas.openxmlformats.org/presentationml/2006/main">
-  <p:cSld>
-    <p:spTree>
-      <p:nvGrpSpPr>
-        <p:cNvPr id="1" name=""/>
-        <p:cNvGrpSpPr/>
-        <p:nvPr/>
-      </p:nvGrpSpPr>
-      <p:grpSpPr>
-        <a:xfrm>
-          <a:off x="0" y="0"/>
-          <a:ext cx="0" cy="0"/>
-          <a:chOff x="0" y="0"/>
-          <a:chExt cx="0" cy="0"/>
-        </a:xfrm>
-      </p:grpSpPr>
-    </p:spTree>
-    <p:extLst>
-      <p:ext uri="{BB962C8B-B14F-4D97-AF65-F5344CB8AC3E}">
-        <p14:creationId xmlns:p14="http://schemas.microsoft.com/office/powerpoint/2010/main" val="148269474"/>
-      </p:ext>
-    </p:extLst>
-  </p:cSld>
-  <p:clrMapOvr>
-    <a:masterClrMapping/>
-  </p:clrMapOvr>
-  <p:timing>
-    <p:tnLst>
-      <p:par>
-        <p:cTn xmlns:p14="http://schemas.microsoft.com/office/powerpoint/2010/main" id="1" dur="indefinite" restart="never" nodeType="tmRoot"/>
-      </p:par>
-    </p:tnLst>
-  </p:timing>
-</p:sld>
-</file>
-
-<file path=ppt/slides/slide26.xml><?xml version="1.0" encoding="utf-8"?>
-<p:sld xmlns:a="http://schemas.openxmlformats.org/drawingml/2006/main" xmlns:r="http://schemas.openxmlformats.org/officeDocument/2006/relationships" xmlns:p="http://schemas.openxmlformats.org/presentationml/2006/main">
-  <p:cSld>
-    <p:spTree>
-      <p:nvGrpSpPr>
-        <p:cNvPr id="1" name=""/>
-        <p:cNvGrpSpPr/>
-        <p:nvPr/>
-      </p:nvGrpSpPr>
-      <p:grpSpPr>
-        <a:xfrm>
-          <a:off x="0" y="0"/>
-          <a:ext cx="0" cy="0"/>
-          <a:chOff x="0" y="0"/>
-          <a:chExt cx="0" cy="0"/>
-        </a:xfrm>
-      </p:grpSpPr>
-    </p:spTree>
-    <p:extLst>
-      <p:ext uri="{BB962C8B-B14F-4D97-AF65-F5344CB8AC3E}">
-        <p14:creationId xmlns:p14="http://schemas.microsoft.com/office/powerpoint/2010/main" val="2888041933"/>
-      </p:ext>
-    </p:extLst>
-  </p:cSld>
-  <p:clrMapOvr>
-    <a:masterClrMapping/>
-  </p:clrMapOvr>
-  <p:timing>
-    <p:tnLst>
-      <p:par>
-        <p:cTn xmlns:p14="http://schemas.microsoft.com/office/powerpoint/2010/main" id="1" dur="indefinite" restart="never" nodeType="tmRoot"/>
-      </p:par>
-    </p:tnLst>
-  </p:timing>
-</p:sld>
-</file>
-
-<file path=ppt/slides/slide27.xml><?xml version="1.0" encoding="utf-8"?>
-<p:sld xmlns:a="http://schemas.openxmlformats.org/drawingml/2006/main" xmlns:r="http://schemas.openxmlformats.org/officeDocument/2006/relationships" xmlns:p="http://schemas.openxmlformats.org/presentationml/2006/main">
-  <p:cSld>
-    <p:spTree>
-      <p:nvGrpSpPr>
-        <p:cNvPr id="1" name=""/>
-        <p:cNvGrpSpPr/>
-        <p:nvPr/>
-      </p:nvGrpSpPr>
-      <p:grpSpPr>
-        <a:xfrm>
-          <a:off x="0" y="0"/>
-          <a:ext cx="0" cy="0"/>
-          <a:chOff x="0" y="0"/>
-          <a:chExt cx="0" cy="0"/>
-        </a:xfrm>
-      </p:grpSpPr>
-      <p:sp>
-        <p:nvSpPr>
-          <p:cNvPr id="2" name="Title 1"/>
-          <p:cNvSpPr>
-            <a:spLocks noGrp="1"/>
-          </p:cNvSpPr>
-          <p:nvPr>
-            <p:ph type="title"/>
-          </p:nvPr>
-        </p:nvSpPr>
-        <p:spPr/>
-        <p:txBody>
-          <a:bodyPr>
-            <a:normAutofit fontScale="90000"/>
-          </a:bodyPr>
-          <a:lstStyle/>
-          <a:p>
-            <a:r>
-              <a:rPr lang="en-US" dirty="0" smtClean="0"/>
-              <a:t>Image analysis, quality control and statistics</a:t>
-            </a:r>
-            <a:endParaRPr lang="en-US" dirty="0"/>
-          </a:p>
-        </p:txBody>
-      </p:sp>
-      <p:sp>
-        <p:nvSpPr>
-          <p:cNvPr id="6" name="Content Placeholder 5"/>
-          <p:cNvSpPr>
-            <a:spLocks noGrp="1"/>
-          </p:cNvSpPr>
-          <p:nvPr>
-            <p:ph idx="1"/>
-          </p:nvPr>
-        </p:nvSpPr>
-        <p:spPr/>
-        <p:txBody>
-          <a:bodyPr/>
-          <a:lstStyle/>
-          <a:p>
-            <a:endParaRPr lang="en-US" dirty="0"/>
-          </a:p>
-        </p:txBody>
-      </p:sp>
-    </p:spTree>
-    <p:extLst>
-      <p:ext uri="{BB962C8B-B14F-4D97-AF65-F5344CB8AC3E}">
-        <p14:creationId xmlns:p14="http://schemas.microsoft.com/office/powerpoint/2010/main" val="324967959"/>
-      </p:ext>
-    </p:extLst>
-  </p:cSld>
-  <p:clrMapOvr>
-    <a:masterClrMapping/>
-  </p:clrMapOvr>
-  <p:timing>
-    <p:tnLst>
-      <p:par>
-        <p:cTn xmlns:p14="http://schemas.microsoft.com/office/powerpoint/2010/main" id="1" dur="indefinite" restart="never" nodeType="tmRoot"/>
-      </p:par>
-    </p:tnLst>
-  </p:timing>
-</p:sld>
-</file>
-
-<file path=ppt/slides/slide28.xml><?xml version="1.0" encoding="utf-8"?>
-<p:sld xmlns:a="http://schemas.openxmlformats.org/drawingml/2006/main" xmlns:r="http://schemas.openxmlformats.org/officeDocument/2006/relationships" xmlns:p="http://schemas.openxmlformats.org/presentationml/2006/main">
-  <p:cSld>
-    <p:spTree>
-      <p:nvGrpSpPr>
-        <p:cNvPr id="1" name=""/>
-        <p:cNvGrpSpPr/>
-        <p:nvPr/>
-      </p:nvGrpSpPr>
-      <p:grpSpPr>
-        <a:xfrm>
-          <a:off x="0" y="0"/>
-          <a:ext cx="0" cy="0"/>
-          <a:chOff x="0" y="0"/>
-          <a:chExt cx="0" cy="0"/>
-        </a:xfrm>
-      </p:grpSpPr>
-      <p:pic>
-        <p:nvPicPr>
-          <p:cNvPr id="2" name="Picture 1" descr="ActinSmiley--Tischi_SalvatoreCorallino.jpg"/>
-          <p:cNvPicPr>
-            <a:picLocks noChangeAspect="1"/>
-          </p:cNvPicPr>
-          <p:nvPr/>
-        </p:nvPicPr>
-        <p:blipFill>
-          <a:blip r:embed="rId2">
-            <a:extLst>
-              <a:ext uri="{28A0092B-C50C-407E-A947-70E740481C1C}">
-                <a14:useLocalDpi xmlns:a14="http://schemas.microsoft.com/office/drawing/2010/main" val="0"/>
-              </a:ext>
-            </a:extLst>
-          </a:blip>
-          <a:stretch>
-            <a:fillRect/>
-          </a:stretch>
-        </p:blipFill>
-        <p:spPr>
-          <a:xfrm>
-            <a:off x="467544" y="-13668"/>
-            <a:ext cx="8204413" cy="6250980"/>
-          </a:xfrm>
-          <a:prstGeom prst="rect">
-            <a:avLst/>
-          </a:prstGeom>
-        </p:spPr>
-      </p:pic>
-      <p:sp>
-        <p:nvSpPr>
-          <p:cNvPr id="3" name="TextBox 2"/>
-          <p:cNvSpPr txBox="1"/>
-          <p:nvPr/>
-        </p:nvSpPr>
-        <p:spPr>
-          <a:xfrm>
-            <a:off x="899592" y="188640"/>
-            <a:ext cx="3480440" cy="6124755"/>
-          </a:xfrm>
-          <a:prstGeom prst="rect">
-            <a:avLst/>
-          </a:prstGeom>
-          <a:noFill/>
-        </p:spPr>
-        <p:txBody>
-          <a:bodyPr wrap="none" rtlCol="0">
-            <a:spAutoFit/>
-          </a:bodyPr>
-          <a:lstStyle/>
-          <a:p>
-            <a:r>
-              <a:rPr lang="en-US" dirty="0" smtClean="0">
-                <a:solidFill>
-                  <a:schemeClr val="accent1"/>
-                </a:solidFill>
-              </a:rPr>
-              <a:t>Acknowledgements</a:t>
-            </a:r>
-          </a:p>
-          <a:p>
-            <a:endParaRPr lang="en-US" sz="1600" dirty="0" smtClean="0">
-              <a:solidFill>
-                <a:schemeClr val="bg1"/>
-              </a:solidFill>
-            </a:endParaRPr>
-          </a:p>
-          <a:p>
-            <a:r>
-              <a:rPr lang="en-US" sz="1600" dirty="0" smtClean="0">
-                <a:solidFill>
-                  <a:schemeClr val="bg1"/>
-                </a:solidFill>
-              </a:rPr>
-              <a:t>ALMF team:</a:t>
-            </a:r>
-          </a:p>
-          <a:p>
-            <a:pPr marL="285750" indent="-285750">
-              <a:buFontTx/>
-              <a:buChar char="-"/>
-            </a:pPr>
-            <a:r>
-              <a:rPr lang="en-US" sz="1600" dirty="0" err="1" smtClean="0">
-                <a:solidFill>
-                  <a:schemeClr val="bg1"/>
-                </a:solidFill>
-              </a:rPr>
-              <a:t>Beate</a:t>
-            </a:r>
-            <a:r>
-              <a:rPr lang="en-US" sz="1600" dirty="0" smtClean="0">
-                <a:solidFill>
-                  <a:schemeClr val="bg1"/>
-                </a:solidFill>
-              </a:rPr>
-              <a:t> Neumann</a:t>
-            </a:r>
-          </a:p>
-          <a:p>
-            <a:pPr marL="285750" indent="-285750">
-              <a:buFontTx/>
-              <a:buChar char="-"/>
-            </a:pPr>
-            <a:r>
-              <a:rPr lang="en-US" sz="1600" dirty="0" smtClean="0">
-                <a:solidFill>
-                  <a:schemeClr val="bg1"/>
-                </a:solidFill>
-              </a:rPr>
-              <a:t>Sabine </a:t>
-            </a:r>
-            <a:r>
-              <a:rPr lang="en-US" sz="1600" dirty="0" err="1" smtClean="0">
-                <a:solidFill>
-                  <a:schemeClr val="bg1"/>
-                </a:solidFill>
-              </a:rPr>
-              <a:t>Reither</a:t>
-            </a:r>
-            <a:endParaRPr lang="en-US" sz="1600" dirty="0" smtClean="0">
-              <a:solidFill>
-                <a:schemeClr val="bg1"/>
-              </a:solidFill>
-            </a:endParaRPr>
-          </a:p>
-          <a:p>
-            <a:pPr marL="285750" indent="-285750">
-              <a:buFontTx/>
-              <a:buChar char="-"/>
-            </a:pPr>
-            <a:r>
-              <a:rPr lang="en-US" sz="1600" dirty="0" smtClean="0">
-                <a:solidFill>
-                  <a:schemeClr val="bg1"/>
-                </a:solidFill>
-              </a:rPr>
-              <a:t>Volker </a:t>
-            </a:r>
-            <a:r>
-              <a:rPr lang="en-US" sz="1600" dirty="0" err="1" smtClean="0">
-                <a:solidFill>
-                  <a:schemeClr val="bg1"/>
-                </a:solidFill>
-              </a:rPr>
-              <a:t>Hilsenstein</a:t>
-            </a:r>
-            <a:endParaRPr lang="en-US" sz="1600" dirty="0" smtClean="0">
-              <a:solidFill>
-                <a:schemeClr val="bg1"/>
-              </a:solidFill>
-            </a:endParaRPr>
-          </a:p>
-          <a:p>
-            <a:pPr marL="285750" indent="-285750">
-              <a:buFontTx/>
-              <a:buChar char="-"/>
-            </a:pPr>
-            <a:r>
-              <a:rPr lang="en-US" sz="1600" dirty="0" err="1" smtClean="0">
-                <a:solidFill>
-                  <a:schemeClr val="bg1"/>
-                </a:solidFill>
-              </a:rPr>
-              <a:t>Yury</a:t>
-            </a:r>
-            <a:r>
-              <a:rPr lang="en-US" sz="1600" dirty="0" smtClean="0">
-                <a:solidFill>
-                  <a:schemeClr val="bg1"/>
-                </a:solidFill>
-              </a:rPr>
-              <a:t> </a:t>
-            </a:r>
-            <a:r>
-              <a:rPr lang="en-US" sz="1600" dirty="0" err="1" smtClean="0">
-                <a:solidFill>
-                  <a:schemeClr val="bg1"/>
-                </a:solidFill>
-              </a:rPr>
-              <a:t>Belyaev</a:t>
-            </a:r>
-            <a:endParaRPr lang="en-US" sz="1600" dirty="0" smtClean="0">
-              <a:solidFill>
-                <a:schemeClr val="bg1"/>
-              </a:solidFill>
-            </a:endParaRPr>
-          </a:p>
-          <a:p>
-            <a:pPr marL="285750" indent="-285750">
-              <a:buFontTx/>
-              <a:buChar char="-"/>
-            </a:pPr>
-            <a:r>
-              <a:rPr lang="en-US" sz="1600" dirty="0" smtClean="0">
-                <a:solidFill>
-                  <a:schemeClr val="bg1"/>
-                </a:solidFill>
-              </a:rPr>
-              <a:t>Stefan </a:t>
-            </a:r>
-            <a:r>
-              <a:rPr lang="en-US" sz="1600" dirty="0" err="1" smtClean="0">
-                <a:solidFill>
-                  <a:schemeClr val="bg1"/>
-                </a:solidFill>
-              </a:rPr>
-              <a:t>Terjung</a:t>
-            </a:r>
-            <a:endParaRPr lang="en-US" sz="1600" dirty="0" smtClean="0">
-              <a:solidFill>
-                <a:schemeClr val="bg1"/>
-              </a:solidFill>
-            </a:endParaRPr>
-          </a:p>
-          <a:p>
-            <a:pPr marL="285750" indent="-285750">
-              <a:buFontTx/>
-              <a:buChar char="-"/>
-            </a:pPr>
-            <a:endParaRPr lang="en-US" sz="1600" dirty="0">
-              <a:solidFill>
-                <a:schemeClr val="bg1"/>
-              </a:solidFill>
-            </a:endParaRPr>
-          </a:p>
-          <a:p>
-            <a:r>
-              <a:rPr lang="en-US" sz="1600" dirty="0" smtClean="0">
-                <a:solidFill>
-                  <a:schemeClr val="bg1"/>
-                </a:solidFill>
-              </a:rPr>
-              <a:t>ALMF alumni</a:t>
-            </a:r>
-          </a:p>
-          <a:p>
-            <a:pPr marL="285750" indent="-285750">
-              <a:buFontTx/>
-              <a:buChar char="-"/>
-            </a:pPr>
-            <a:r>
-              <a:rPr lang="en-US" sz="1600" dirty="0" smtClean="0">
-                <a:solidFill>
-                  <a:srgbClr val="FFFFFF"/>
-                </a:solidFill>
-              </a:rPr>
-              <a:t>Christian Conrad</a:t>
-            </a:r>
-          </a:p>
-          <a:p>
-            <a:pPr marL="285750" indent="-285750">
-              <a:buFontTx/>
-              <a:buChar char="-"/>
-            </a:pPr>
-            <a:r>
-              <a:rPr lang="en-US" sz="1600" dirty="0" err="1">
-                <a:solidFill>
-                  <a:schemeClr val="bg1"/>
-                </a:solidFill>
-              </a:rPr>
-              <a:t>Jutta</a:t>
-            </a:r>
-            <a:r>
-              <a:rPr lang="en-US" sz="1600" dirty="0">
-                <a:solidFill>
-                  <a:schemeClr val="bg1"/>
-                </a:solidFill>
-              </a:rPr>
-              <a:t> </a:t>
-            </a:r>
-            <a:r>
-              <a:rPr lang="en-US" sz="1600" dirty="0" err="1" smtClean="0">
-                <a:solidFill>
-                  <a:schemeClr val="bg1"/>
-                </a:solidFill>
-              </a:rPr>
-              <a:t>Bulkescher</a:t>
-            </a:r>
-            <a:endParaRPr lang="en-US" sz="1600" dirty="0" smtClean="0">
-              <a:solidFill>
-                <a:srgbClr val="FFFFFF"/>
-              </a:solidFill>
-            </a:endParaRPr>
-          </a:p>
-          <a:p>
-            <a:pPr marL="285750" indent="-285750">
-              <a:buFontTx/>
-              <a:buChar char="-"/>
-            </a:pPr>
-            <a:endParaRPr lang="en-US" sz="1600" dirty="0">
-              <a:solidFill>
-                <a:schemeClr val="bg1"/>
-              </a:solidFill>
-            </a:endParaRPr>
-          </a:p>
-          <a:p>
-            <a:r>
-              <a:rPr lang="en-US" sz="1600" dirty="0" smtClean="0">
-                <a:solidFill>
-                  <a:schemeClr val="bg1"/>
-                </a:solidFill>
-              </a:rPr>
-              <a:t>FCS:</a:t>
-            </a:r>
-          </a:p>
-          <a:p>
-            <a:pPr marL="285750" indent="-285750">
-              <a:buFontTx/>
-              <a:buChar char="-"/>
-            </a:pPr>
-            <a:r>
-              <a:rPr lang="en-US" sz="1600" dirty="0" err="1" smtClean="0">
-                <a:solidFill>
-                  <a:schemeClr val="bg1"/>
-                </a:solidFill>
-              </a:rPr>
-              <a:t>Malte</a:t>
-            </a:r>
-            <a:r>
-              <a:rPr lang="en-US" sz="1600" dirty="0" smtClean="0">
-                <a:solidFill>
-                  <a:schemeClr val="bg1"/>
-                </a:solidFill>
-              </a:rPr>
-              <a:t> </a:t>
-            </a:r>
-            <a:r>
-              <a:rPr lang="en-US" sz="1600" dirty="0" err="1" smtClean="0">
-                <a:solidFill>
-                  <a:schemeClr val="bg1"/>
-                </a:solidFill>
-              </a:rPr>
-              <a:t>Wachsmuth</a:t>
-            </a:r>
-            <a:endParaRPr lang="en-US" sz="1600" dirty="0">
-              <a:solidFill>
-                <a:schemeClr val="bg1"/>
-              </a:solidFill>
-            </a:endParaRPr>
-          </a:p>
-          <a:p>
-            <a:pPr marL="285750" indent="-285750">
-              <a:buFontTx/>
-              <a:buChar char="-"/>
-            </a:pPr>
-            <a:r>
-              <a:rPr lang="en-US" sz="1600" dirty="0" smtClean="0">
-                <a:solidFill>
-                  <a:schemeClr val="bg1"/>
-                </a:solidFill>
-              </a:rPr>
-              <a:t>Frank </a:t>
-            </a:r>
-            <a:r>
-              <a:rPr lang="en-US" sz="1600" dirty="0" err="1" smtClean="0">
-                <a:solidFill>
-                  <a:schemeClr val="bg1"/>
-                </a:solidFill>
-              </a:rPr>
-              <a:t>Sieckmann</a:t>
-            </a:r>
-            <a:r>
-              <a:rPr lang="en-US" sz="1600" dirty="0" smtClean="0">
-                <a:solidFill>
-                  <a:schemeClr val="bg1"/>
-                </a:solidFill>
-              </a:rPr>
-              <a:t> (Leica)</a:t>
-            </a:r>
-          </a:p>
-          <a:p>
-            <a:pPr marL="285750" indent="-285750">
-              <a:buFontTx/>
-              <a:buChar char="-"/>
-            </a:pPr>
-            <a:endParaRPr lang="en-US" sz="1600" dirty="0">
-              <a:solidFill>
-                <a:schemeClr val="bg1"/>
-              </a:solidFill>
-            </a:endParaRPr>
-          </a:p>
-          <a:p>
-            <a:r>
-              <a:rPr lang="en-US" sz="1600" dirty="0" smtClean="0">
-                <a:solidFill>
-                  <a:schemeClr val="bg1"/>
-                </a:solidFill>
-              </a:rPr>
-              <a:t>Zeiss LSM780 automation:</a:t>
-            </a:r>
-          </a:p>
-          <a:p>
-            <a:pPr marL="285750" indent="-285750">
-              <a:buFontTx/>
-              <a:buChar char="-"/>
-            </a:pPr>
-            <a:r>
-              <a:rPr lang="en-US" sz="1600" dirty="0" smtClean="0">
-                <a:solidFill>
-                  <a:schemeClr val="bg1"/>
-                </a:solidFill>
-              </a:rPr>
-              <a:t>Gwen </a:t>
-            </a:r>
-            <a:r>
-              <a:rPr lang="en-US" sz="1600" dirty="0" err="1" smtClean="0">
-                <a:solidFill>
-                  <a:schemeClr val="bg1"/>
-                </a:solidFill>
-              </a:rPr>
-              <a:t>Rabut</a:t>
-            </a:r>
-            <a:r>
-              <a:rPr lang="en-US" sz="1600" dirty="0" smtClean="0">
-                <a:solidFill>
-                  <a:schemeClr val="bg1"/>
-                </a:solidFill>
-              </a:rPr>
-              <a:t>, </a:t>
-            </a:r>
-            <a:r>
-              <a:rPr lang="en-US" sz="1600" dirty="0" err="1" smtClean="0">
-                <a:solidFill>
-                  <a:schemeClr val="bg1"/>
-                </a:solidFill>
-              </a:rPr>
-              <a:t>Annelie</a:t>
-            </a:r>
-            <a:r>
-              <a:rPr lang="en-US" sz="1600" dirty="0" smtClean="0">
-                <a:solidFill>
-                  <a:schemeClr val="bg1"/>
-                </a:solidFill>
-              </a:rPr>
-              <a:t> </a:t>
-            </a:r>
-            <a:r>
-              <a:rPr lang="en-US" sz="1600" dirty="0" err="1" smtClean="0">
-                <a:solidFill>
-                  <a:schemeClr val="bg1"/>
-                </a:solidFill>
-              </a:rPr>
-              <a:t>Wuensche</a:t>
-            </a:r>
-            <a:r>
-              <a:rPr lang="en-US" sz="1600" dirty="0" smtClean="0">
-                <a:solidFill>
-                  <a:schemeClr val="bg1"/>
-                </a:solidFill>
-              </a:rPr>
-              <a:t>,</a:t>
-            </a:r>
-            <a:br>
-              <a:rPr lang="en-US" sz="1600" dirty="0" smtClean="0">
-                <a:solidFill>
-                  <a:schemeClr val="bg1"/>
-                </a:solidFill>
-              </a:rPr>
-            </a:br>
-            <a:r>
-              <a:rPr lang="en-US" sz="1600" dirty="0" smtClean="0">
-                <a:solidFill>
-                  <a:schemeClr val="bg1"/>
-                </a:solidFill>
-              </a:rPr>
-              <a:t>Antonio </a:t>
-            </a:r>
-            <a:r>
-              <a:rPr lang="en-US" sz="1600" dirty="0" err="1" smtClean="0">
-                <a:solidFill>
-                  <a:schemeClr val="bg1"/>
-                </a:solidFill>
-              </a:rPr>
-              <a:t>Politi</a:t>
-            </a:r>
-            <a:r>
-              <a:rPr lang="en-US" sz="1600" dirty="0" smtClean="0">
-                <a:solidFill>
-                  <a:schemeClr val="bg1"/>
-                </a:solidFill>
-              </a:rPr>
-              <a:t> </a:t>
-            </a:r>
-          </a:p>
-          <a:p>
-            <a:endParaRPr lang="en-US" sz="1600" dirty="0" smtClean="0">
-              <a:solidFill>
-                <a:schemeClr val="bg1"/>
-              </a:solidFill>
-            </a:endParaRPr>
-          </a:p>
-          <a:p>
-            <a:r>
-              <a:rPr lang="en-US" sz="1600" dirty="0">
-                <a:solidFill>
-                  <a:schemeClr val="bg1"/>
-                </a:solidFill>
-              </a:rPr>
-              <a:t>Jan </a:t>
-            </a:r>
-            <a:r>
-              <a:rPr lang="en-US" sz="1600" dirty="0" err="1">
-                <a:solidFill>
-                  <a:schemeClr val="bg1"/>
-                </a:solidFill>
-              </a:rPr>
-              <a:t>Ellenberg</a:t>
-            </a:r>
-            <a:endParaRPr lang="en-US" sz="1600" dirty="0">
-              <a:solidFill>
-                <a:schemeClr val="bg1"/>
-              </a:solidFill>
-            </a:endParaRPr>
-          </a:p>
-          <a:p>
-            <a:r>
-              <a:rPr lang="en-US" sz="1600" dirty="0" smtClean="0">
-                <a:solidFill>
-                  <a:schemeClr val="bg1"/>
-                </a:solidFill>
-              </a:rPr>
-              <a:t>Rainer </a:t>
-            </a:r>
-            <a:r>
-              <a:rPr lang="en-US" sz="1600" dirty="0" err="1" smtClean="0">
-                <a:solidFill>
-                  <a:schemeClr val="bg1"/>
-                </a:solidFill>
-              </a:rPr>
-              <a:t>Pepperkok</a:t>
-            </a:r>
-            <a:endParaRPr lang="en-US" sz="1600" dirty="0">
-              <a:solidFill>
-                <a:schemeClr val="bg1"/>
-              </a:solidFill>
-            </a:endParaRPr>
-          </a:p>
-          <a:p>
-            <a:endParaRPr lang="en-US" sz="1600" dirty="0">
-              <a:solidFill>
-                <a:schemeClr val="bg1"/>
-              </a:solidFill>
-            </a:endParaRPr>
-          </a:p>
-        </p:txBody>
-      </p:sp>
-      <p:sp>
-        <p:nvSpPr>
-          <p:cNvPr id="4" name="TextBox 3"/>
-          <p:cNvSpPr txBox="1"/>
-          <p:nvPr/>
-        </p:nvSpPr>
-        <p:spPr>
-          <a:xfrm>
-            <a:off x="6105917" y="4634552"/>
-            <a:ext cx="2210499" cy="738664"/>
-          </a:xfrm>
-          <a:prstGeom prst="rect">
-            <a:avLst/>
-          </a:prstGeom>
-          <a:noFill/>
-        </p:spPr>
-        <p:txBody>
-          <a:bodyPr wrap="none" rtlCol="0">
-            <a:spAutoFit/>
-          </a:bodyPr>
-          <a:lstStyle/>
-          <a:p>
-            <a:r>
-              <a:rPr lang="en-US" sz="1400" dirty="0" smtClean="0">
-                <a:solidFill>
-                  <a:schemeClr val="accent1"/>
-                </a:solidFill>
-              </a:rPr>
-              <a:t>Green: actin cytoskeleton</a:t>
-            </a:r>
-          </a:p>
-          <a:p>
-            <a:r>
-              <a:rPr lang="en-US" sz="1400" dirty="0" smtClean="0">
-                <a:solidFill>
-                  <a:schemeClr val="accent6">
-                    <a:lumMod val="60000"/>
-                    <a:lumOff val="40000"/>
-                  </a:schemeClr>
-                </a:solidFill>
-              </a:rPr>
-              <a:t>Red: nucleus</a:t>
-            </a:r>
-          </a:p>
-          <a:p>
-            <a:r>
-              <a:rPr lang="en-US" sz="1400" dirty="0" smtClean="0">
-                <a:solidFill>
-                  <a:srgbClr val="B3FDFF"/>
-                </a:solidFill>
-              </a:rPr>
-              <a:t>Cells treated with PDGF</a:t>
-            </a:r>
-            <a:endParaRPr lang="en-US" sz="1400" dirty="0">
-              <a:solidFill>
-                <a:srgbClr val="B3FDFF"/>
-              </a:solidFill>
-            </a:endParaRPr>
-          </a:p>
-        </p:txBody>
-      </p:sp>
-    </p:spTree>
-    <p:extLst>
-      <p:ext uri="{BB962C8B-B14F-4D97-AF65-F5344CB8AC3E}">
-        <p14:creationId xmlns:p14="http://schemas.microsoft.com/office/powerpoint/2010/main" val="138370153"/>
-      </p:ext>
-    </p:extLst>
-  </p:cSld>
-  <p:clrMapOvr>
-    <a:masterClrMapping/>
-  </p:clrMapOvr>
-  <p:timing>
-    <p:tnLst>
-      <p:par>
-        <p:cTn xmlns:p14="http://schemas.microsoft.com/office/powerpoint/2010/main" id="1" dur="indefinite" restart="never" nodeType="tmRoot"/>
-      </p:par>
-    </p:tnLst>
-  </p:timing>
-</p:sld>
-</file>
-
-<file path=ppt/slides/slide3.xml><?xml version="1.0" encoding="utf-8"?>
-<p:sld xmlns:a="http://schemas.openxmlformats.org/drawingml/2006/main" xmlns:r="http://schemas.openxmlformats.org/officeDocument/2006/relationships" xmlns:p="http://schemas.openxmlformats.org/presentationml/2006/main">
-  <p:cSld>
-    <p:spTree>
-      <p:nvGrpSpPr>
-        <p:cNvPr id="1" name=""/>
-        <p:cNvGrpSpPr/>
-        <p:nvPr/>
-      </p:nvGrpSpPr>
-      <p:grpSpPr>
-        <a:xfrm>
-          <a:off x="0" y="0"/>
-          <a:ext cx="0" cy="0"/>
-          <a:chOff x="0" y="0"/>
-          <a:chExt cx="0" cy="0"/>
-        </a:xfrm>
-      </p:grpSpPr>
-      <p:sp>
-        <p:nvSpPr>
-          <p:cNvPr id="2" name="Title 1"/>
-          <p:cNvSpPr>
-            <a:spLocks noGrp="1"/>
-          </p:cNvSpPr>
-          <p:nvPr>
-            <p:ph type="ctrTitle"/>
-          </p:nvPr>
-        </p:nvSpPr>
-        <p:spPr>
-          <a:xfrm>
-            <a:off x="685800" y="1524000"/>
-            <a:ext cx="7772400" cy="1470025"/>
-          </a:xfrm>
-        </p:spPr>
-        <p:txBody>
-          <a:bodyPr>
-            <a:normAutofit/>
-          </a:bodyPr>
-          <a:lstStyle/>
-          <a:p>
-            <a:r>
-              <a:rPr lang="en-US" dirty="0"/>
-              <a:t>High-throughput and adaptive feedback </a:t>
-            </a:r>
-            <a:r>
-              <a:rPr lang="en-US" dirty="0" smtClean="0"/>
-              <a:t>microscopy</a:t>
-            </a:r>
-            <a:endParaRPr lang="en-US" dirty="0"/>
-          </a:p>
-        </p:txBody>
-      </p:sp>
-      <p:sp>
-        <p:nvSpPr>
-          <p:cNvPr id="3" name="Subtitle 2"/>
-          <p:cNvSpPr>
-            <a:spLocks noGrp="1"/>
-          </p:cNvSpPr>
-          <p:nvPr>
-            <p:ph type="subTitle" idx="1"/>
-          </p:nvPr>
-        </p:nvSpPr>
-        <p:spPr>
-          <a:xfrm>
-            <a:off x="1371600" y="3279775"/>
-            <a:ext cx="6400800" cy="1752600"/>
-          </a:xfrm>
-        </p:spPr>
-        <p:txBody>
-          <a:bodyPr>
-            <a:normAutofit fontScale="70000" lnSpcReduction="20000"/>
-          </a:bodyPr>
-          <a:lstStyle/>
-          <a:p>
-            <a:r>
-              <a:rPr lang="en-US" u="sng" dirty="0"/>
-              <a:t>Christian </a:t>
-            </a:r>
-            <a:r>
-              <a:rPr lang="en-US" u="sng" dirty="0" err="1"/>
-              <a:t>Tischer</a:t>
-            </a:r>
-            <a:r>
-              <a:rPr lang="en-US" dirty="0"/>
-              <a:t>, Sabine </a:t>
-            </a:r>
-            <a:r>
-              <a:rPr lang="en-US" dirty="0" err="1"/>
-              <a:t>Reither</a:t>
-            </a:r>
-            <a:r>
-              <a:rPr lang="en-US" dirty="0"/>
-              <a:t>, Volker </a:t>
-            </a:r>
-            <a:r>
-              <a:rPr lang="en-US" dirty="0" err="1"/>
-              <a:t>Hilsenstein</a:t>
-            </a:r>
-            <a:r>
-              <a:rPr lang="en-US" dirty="0"/>
-              <a:t>, </a:t>
-            </a:r>
-            <a:r>
-              <a:rPr lang="en-US" dirty="0" err="1"/>
-              <a:t>Beate</a:t>
-            </a:r>
-            <a:r>
-              <a:rPr lang="en-US" dirty="0"/>
-              <a:t> Neumann, Rainer </a:t>
-            </a:r>
-            <a:r>
-              <a:rPr lang="en-US" dirty="0" err="1"/>
-              <a:t>Pepperkok</a:t>
-            </a:r>
-            <a:endParaRPr lang="en-US" dirty="0"/>
-          </a:p>
-          <a:p>
-            <a:r>
-              <a:rPr lang="en-US" dirty="0"/>
-              <a:t> </a:t>
-            </a:r>
-          </a:p>
-          <a:p>
-            <a:r>
-              <a:rPr lang="en-US" dirty="0"/>
-              <a:t>Advanced Light Microscopy Facility, EMBL Heidelberg</a:t>
-            </a:r>
-          </a:p>
-          <a:p>
-            <a:r>
-              <a:rPr lang="en-US" dirty="0"/>
-              <a:t>Meyerhofstr.1, 69117 Heidelberg, Germany</a:t>
-            </a:r>
-          </a:p>
-          <a:p>
-            <a:endParaRPr lang="en-US" dirty="0"/>
-          </a:p>
-        </p:txBody>
-      </p:sp>
-    </p:spTree>
-    <p:extLst>
-      <p:ext uri="{BB962C8B-B14F-4D97-AF65-F5344CB8AC3E}">
-        <p14:creationId xmlns:p14="http://schemas.microsoft.com/office/powerpoint/2010/main" val="3428067026"/>
-      </p:ext>
-    </p:extLst>
-  </p:cSld>
-  <p:clrMapOvr>
-    <a:masterClrMapping/>
-  </p:clrMapOvr>
 </p:sld>
 </file>
 
